--- a/Neuron_Solutions_Presentation.pptx
+++ b/Neuron_Solutions_Presentation.pptx
@@ -14,6 +14,54 @@
     <p:sldId id="262" r:id="rId13"/>
     <p:sldId id="263" r:id="rId14"/>
     <p:sldId id="264" r:id="rId15"/>
+    <p:sldId id="265" r:id="rId16"/>
+    <p:sldId id="266" r:id="rId17"/>
+    <p:sldId id="267" r:id="rId18"/>
+    <p:sldId id="268" r:id="rId19"/>
+    <p:sldId id="269" r:id="rId20"/>
+    <p:sldId id="270" r:id="rId21"/>
+    <p:sldId id="271" r:id="rId22"/>
+    <p:sldId id="272" r:id="rId23"/>
+    <p:sldId id="273" r:id="rId24"/>
+    <p:sldId id="274" r:id="rId25"/>
+    <p:sldId id="275" r:id="rId26"/>
+    <p:sldId id="276" r:id="rId27"/>
+    <p:sldId id="277" r:id="rId28"/>
+    <p:sldId id="278" r:id="rId29"/>
+    <p:sldId id="279" r:id="rId30"/>
+    <p:sldId id="280" r:id="rId31"/>
+    <p:sldId id="281" r:id="rId32"/>
+    <p:sldId id="282" r:id="rId33"/>
+    <p:sldId id="283" r:id="rId34"/>
+    <p:sldId id="284" r:id="rId35"/>
+    <p:sldId id="285" r:id="rId36"/>
+    <p:sldId id="286" r:id="rId37"/>
+    <p:sldId id="287" r:id="rId38"/>
+    <p:sldId id="288" r:id="rId39"/>
+    <p:sldId id="289" r:id="rId40"/>
+    <p:sldId id="290" r:id="rId41"/>
+    <p:sldId id="291" r:id="rId42"/>
+    <p:sldId id="292" r:id="rId43"/>
+    <p:sldId id="293" r:id="rId44"/>
+    <p:sldId id="294" r:id="rId45"/>
+    <p:sldId id="295" r:id="rId46"/>
+    <p:sldId id="296" r:id="rId47"/>
+    <p:sldId id="297" r:id="rId48"/>
+    <p:sldId id="298" r:id="rId49"/>
+    <p:sldId id="299" r:id="rId50"/>
+    <p:sldId id="300" r:id="rId51"/>
+    <p:sldId id="301" r:id="rId52"/>
+    <p:sldId id="302" r:id="rId53"/>
+    <p:sldId id="303" r:id="rId54"/>
+    <p:sldId id="304" r:id="rId55"/>
+    <p:sldId id="305" r:id="rId56"/>
+    <p:sldId id="306" r:id="rId57"/>
+    <p:sldId id="307" r:id="rId58"/>
+    <p:sldId id="308" r:id="rId59"/>
+    <p:sldId id="309" r:id="rId60"/>
+    <p:sldId id="310" r:id="rId61"/>
+    <p:sldId id="311" r:id="rId62"/>
+    <p:sldId id="312" r:id="rId63"/>
   </p:sldIdLst>
   <p:sldSz cx="9144000" cy="6858000" type="screen4x3"/>
   <p:notesSz cx="6858000" cy="9144000"/>
@@ -3119,7 +3167,7 @@
               </a:defRPr>
             </a:pPr>
             <a:r>
-              <a:t>Executive Summary: Neuron Solutions</a:t>
+              <a:t>Executive Summary</a:t>
             </a:r>
           </a:p>
         </p:txBody>
@@ -3147,51 +3195,1099 @@
                   <a:srgbClr val="000000"/>
                 </a:solidFill>
               </a:rPr>
-              <a:t>About Neuron Solutions</a:t>
-            </a:r>
-          </a:p>
-          <a:p>
-            <a:pPr lvl="1"/>
-            <a:r>
-              <a:rPr sz="2000">
-                <a:solidFill>
-                  <a:srgbClr val="000000"/>
-                </a:solidFill>
-              </a:rPr>
-              <a:t>Neuron Solutions operates under brand neuron.ai.</a:t>
-            </a:r>
-          </a:p>
-          <a:p>
-            <a:pPr lvl="1"/>
-            <a:r>
-              <a:rPr sz="2000">
-                <a:solidFill>
-                  <a:srgbClr val="000000"/>
-                </a:solidFill>
-              </a:rPr>
-              <a:t>The company specializes in AI solutions across various industries.</a:t>
-            </a:r>
-          </a:p>
-          <a:p>
-            <a:pPr lvl="1"/>
-            <a:r>
-              <a:rPr sz="2000">
-                <a:solidFill>
-                  <a:srgbClr val="000000"/>
-                </a:solidFill>
-              </a:rPr>
-              <a:t>Services range from conceptualizing to implementing AI projects.</a:t>
-            </a:r>
-          </a:p>
-          <a:p>
-            <a:pPr lvl="1"/>
-            <a:r>
-              <a:rPr sz="2000">
-                <a:solidFill>
-                  <a:srgbClr val="000000"/>
-                </a:solidFill>
-              </a:rPr>
-              <a:t>Clients include sectors such as pharmaceuticals, energy, and engineering [1].</a:t>
+              <a:t>Neuron Solutions Overview</a:t>
+            </a:r>
+          </a:p>
+          <a:p>
+            <a:pPr lvl="1"/>
+            <a:r>
+              <a:rPr sz="2000">
+                <a:solidFill>
+                  <a:srgbClr val="000000"/>
+                </a:solidFill>
+              </a:rPr>
+              <a:t>Neuron Solutions, operating under the brand neuron.ai, is a consulting firm specializing in the adoption and implementation of artificial intelligence (AI) solutions across various industries.</a:t>
+            </a:r>
+          </a:p>
+          <a:p>
+            <a:pPr lvl="2"/>
+            <a:r>
+              <a:rPr sz="2000">
+                <a:solidFill>
+                  <a:srgbClr val="000000"/>
+                </a:solidFill>
+              </a:rPr>
+              <a:t>Provides comprehensive services from the conceptualization to the implementation of AI projects.</a:t>
+            </a:r>
+          </a:p>
+          <a:p>
+            <a:pPr lvl="2"/>
+            <a:r>
+              <a:rPr sz="2000">
+                <a:solidFill>
+                  <a:srgbClr val="000000"/>
+                </a:solidFill>
+              </a:rPr>
+              <a:t>Enables businesses to either develop their own AI capabilities or effectively integrate supplier AI systems into their operations ([1]).</a:t>
+            </a:r>
+          </a:p>
+          <a:p>
+            <a:pPr lvl="1"/>
+            <a:r>
+              <a:rPr sz="2000">
+                <a:solidFill>
+                  <a:srgbClr val="000000"/>
+                </a:solidFill>
+              </a:rPr>
+              <a:t>Their client portfolio includes sectors such as pharmaceuticals, energy, and engineering.</a:t>
+            </a:r>
+          </a:p>
+          <a:p>
+            <a:pPr lvl="1"/>
+            <a:r>
+              <a:rPr sz="2000">
+                <a:solidFill>
+                  <a:srgbClr val="000000"/>
+                </a:solidFill>
+              </a:rPr>
+              <a:t>Successfully enhanced operational efficiencies through AI-driven solutions.</a:t>
+            </a:r>
+          </a:p>
+        </p:txBody>
+      </p:sp>
+    </p:spTree>
+  </p:cSld>
+  <p:clrMapOvr>
+    <a:masterClrMapping/>
+  </p:clrMapOvr>
+</p:sld>
+</file>
+
+<file path=ppt/slides/slide10.xml><?xml version="1.0" encoding="utf-8"?>
+<p:sld xmlns:a="http://schemas.openxmlformats.org/drawingml/2006/main" xmlns:p="http://schemas.openxmlformats.org/presentationml/2006/main" xmlns:r="http://schemas.openxmlformats.org/officeDocument/2006/relationships">
+  <p:cSld>
+    <p:spTree>
+      <p:nvGrpSpPr>
+        <p:cNvPr id="1" name=""/>
+        <p:cNvGrpSpPr/>
+        <p:nvPr/>
+      </p:nvGrpSpPr>
+      <p:grpSpPr/>
+      <p:sp>
+        <p:nvSpPr>
+          <p:cNvPr id="2" name="Title 1"/>
+          <p:cNvSpPr>
+            <a:spLocks noGrp="1"/>
+          </p:cNvSpPr>
+          <p:nvPr>
+            <p:ph type="title"/>
+          </p:nvPr>
+        </p:nvSpPr>
+        <p:spPr/>
+        <p:txBody>
+          <a:bodyPr/>
+          <a:lstStyle/>
+          <a:p>
+            <a:pPr>
+              <a:defRPr sz="3600">
+                <a:solidFill>
+                  <a:srgbClr val="00008B"/>
+                </a:solidFill>
+              </a:defRPr>
+            </a:pPr>
+            <a:r>
+              <a:t>Market Opportunity</a:t>
+            </a:r>
+          </a:p>
+        </p:txBody>
+      </p:sp>
+      <p:sp>
+        <p:nvSpPr>
+          <p:cNvPr id="3" name="Content Placeholder 2"/>
+          <p:cNvSpPr>
+            <a:spLocks noGrp="1"/>
+          </p:cNvSpPr>
+          <p:nvPr>
+            <p:ph idx="1"/>
+          </p:nvPr>
+        </p:nvSpPr>
+        <p:spPr/>
+        <p:txBody>
+          <a:bodyPr/>
+          <a:lstStyle/>
+          <a:p/>
+          <a:p>
+            <a:pPr/>
+            <a:r>
+              <a:rPr sz="2000">
+                <a:solidFill>
+                  <a:srgbClr val="000000"/>
+                </a:solidFill>
+              </a:rPr>
+              <a:t>AI-Driven Insights in Ecommerce</a:t>
+            </a:r>
+          </a:p>
+          <a:p>
+            <a:pPr lvl="1"/>
+            <a:r>
+              <a:rPr sz="2000">
+                <a:solidFill>
+                  <a:srgbClr val="000000"/>
+                </a:solidFill>
+              </a:rPr>
+              <a:t>The demand for AI-driven insights in ecommerce is growing rapidly.</a:t>
+            </a:r>
+          </a:p>
+          <a:p>
+            <a:pPr lvl="1"/>
+            <a:r>
+              <a:rPr sz="2000">
+                <a:solidFill>
+                  <a:srgbClr val="000000"/>
+                </a:solidFill>
+              </a:rPr>
+              <a:t>Brands are seeking to optimize their digital strategies.</a:t>
+            </a:r>
+          </a:p>
+          <a:p>
+            <a:pPr lvl="1"/>
+            <a:r>
+              <a:rPr sz="2000">
+                <a:solidFill>
+                  <a:srgbClr val="000000"/>
+                </a:solidFill>
+              </a:rPr>
+              <a:t>Neurons is well-positioned to capitalize on this trend.</a:t>
+            </a:r>
+          </a:p>
+          <a:p>
+            <a:pPr lvl="2"/>
+            <a:r>
+              <a:rPr sz="2000">
+                <a:solidFill>
+                  <a:srgbClr val="000000"/>
+                </a:solidFill>
+              </a:rPr>
+              <a:t>Offers tools that provide a competitive edge.</a:t>
+            </a:r>
+          </a:p>
+          <a:p>
+            <a:pPr lvl="2"/>
+            <a:r>
+              <a:rPr sz="2000">
+                <a:solidFill>
+                  <a:srgbClr val="000000"/>
+                </a:solidFill>
+              </a:rPr>
+              <a:t>Enhances customer understanding.</a:t>
+            </a:r>
+          </a:p>
+          <a:p>
+            <a:pPr lvl="2"/>
+            <a:r>
+              <a:rPr sz="2000">
+                <a:solidFill>
+                  <a:srgbClr val="000000"/>
+                </a:solidFill>
+              </a:rPr>
+              <a:t>Improves marketing effectiveness.</a:t>
+            </a:r>
+          </a:p>
+        </p:txBody>
+      </p:sp>
+    </p:spTree>
+  </p:cSld>
+  <p:clrMapOvr>
+    <a:masterClrMapping/>
+  </p:clrMapOvr>
+</p:sld>
+</file>
+
+<file path=ppt/slides/slide11.xml><?xml version="1.0" encoding="utf-8"?>
+<p:sld xmlns:a="http://schemas.openxmlformats.org/drawingml/2006/main" xmlns:p="http://schemas.openxmlformats.org/presentationml/2006/main" xmlns:r="http://schemas.openxmlformats.org/officeDocument/2006/relationships">
+  <p:cSld>
+    <p:spTree>
+      <p:nvGrpSpPr>
+        <p:cNvPr id="1" name=""/>
+        <p:cNvGrpSpPr/>
+        <p:nvPr/>
+      </p:nvGrpSpPr>
+      <p:grpSpPr/>
+      <p:sp>
+        <p:nvSpPr>
+          <p:cNvPr id="2" name="Title 1"/>
+          <p:cNvSpPr>
+            <a:spLocks noGrp="1"/>
+          </p:cNvSpPr>
+          <p:nvPr>
+            <p:ph type="title"/>
+          </p:nvPr>
+        </p:nvSpPr>
+        <p:spPr/>
+        <p:txBody>
+          <a:bodyPr/>
+          <a:lstStyle/>
+          <a:p>
+            <a:pPr>
+              <a:defRPr sz="3600">
+                <a:solidFill>
+                  <a:srgbClr val="00008B"/>
+                </a:solidFill>
+              </a:defRPr>
+            </a:pPr>
+            <a:r>
+              <a:t>Strategic Advantages</a:t>
+            </a:r>
+          </a:p>
+        </p:txBody>
+      </p:sp>
+      <p:sp>
+        <p:nvSpPr>
+          <p:cNvPr id="3" name="Content Placeholder 2"/>
+          <p:cNvSpPr>
+            <a:spLocks noGrp="1"/>
+          </p:cNvSpPr>
+          <p:nvPr>
+            <p:ph idx="1"/>
+          </p:nvPr>
+        </p:nvSpPr>
+        <p:spPr/>
+        <p:txBody>
+          <a:bodyPr/>
+          <a:lstStyle/>
+          <a:p/>
+          <a:p>
+            <a:pPr/>
+            <a:r>
+              <a:rPr sz="2000">
+                <a:solidFill>
+                  <a:srgbClr val="000000"/>
+                </a:solidFill>
+              </a:rPr>
+              <a:t>Comprehensive Toolset</a:t>
+            </a:r>
+          </a:p>
+          <a:p>
+            <a:pPr lvl="1"/>
+            <a:r>
+              <a:rPr sz="2000">
+                <a:solidFill>
+                  <a:srgbClr val="000000"/>
+                </a:solidFill>
+              </a:rPr>
+              <a:t>Neurons' suite of tools covers a wide range of needs, from predictive analytics to in-depth behavioral research, providing a holistic approach to ecommerce optimization.</a:t>
+            </a:r>
+          </a:p>
+          <a:p>
+            <a:pPr/>
+            <a:r>
+              <a:rPr sz="2000">
+                <a:solidFill>
+                  <a:srgbClr val="000000"/>
+                </a:solidFill>
+              </a:rPr>
+              <a:t>Focus on Emotions and Motivations</a:t>
+            </a:r>
+          </a:p>
+          <a:p>
+            <a:pPr lvl="1"/>
+            <a:r>
+              <a:rPr sz="2000">
+                <a:solidFill>
+                  <a:srgbClr val="000000"/>
+                </a:solidFill>
+              </a:rPr>
+              <a:t>By delving into the emotional and motivational drivers of customer behavior, Neurons offers unique insights that can significantly enhance marketing and product strategies.</a:t>
+            </a:r>
+          </a:p>
+        </p:txBody>
+      </p:sp>
+    </p:spTree>
+  </p:cSld>
+  <p:clrMapOvr>
+    <a:masterClrMapping/>
+  </p:clrMapOvr>
+</p:sld>
+</file>
+
+<file path=ppt/slides/slide12.xml><?xml version="1.0" encoding="utf-8"?>
+<p:sld xmlns:a="http://schemas.openxmlformats.org/drawingml/2006/main" xmlns:p="http://schemas.openxmlformats.org/presentationml/2006/main" xmlns:r="http://schemas.openxmlformats.org/officeDocument/2006/relationships">
+  <p:cSld>
+    <p:spTree>
+      <p:nvGrpSpPr>
+        <p:cNvPr id="1" name=""/>
+        <p:cNvGrpSpPr/>
+        <p:nvPr/>
+      </p:nvGrpSpPr>
+      <p:grpSpPr/>
+      <p:sp>
+        <p:nvSpPr>
+          <p:cNvPr id="2" name="Title 1"/>
+          <p:cNvSpPr>
+            <a:spLocks noGrp="1"/>
+          </p:cNvSpPr>
+          <p:nvPr>
+            <p:ph type="title"/>
+          </p:nvPr>
+        </p:nvSpPr>
+        <p:spPr/>
+        <p:txBody>
+          <a:bodyPr/>
+          <a:lstStyle/>
+          <a:p>
+            <a:pPr>
+              <a:defRPr sz="3600">
+                <a:solidFill>
+                  <a:srgbClr val="00008B"/>
+                </a:solidFill>
+              </a:defRPr>
+            </a:pPr>
+            <a:r>
+              <a:t>Conclusion</a:t>
+            </a:r>
+          </a:p>
+        </p:txBody>
+      </p:sp>
+      <p:sp>
+        <p:nvSpPr>
+          <p:cNvPr id="3" name="Content Placeholder 2"/>
+          <p:cNvSpPr>
+            <a:spLocks noGrp="1"/>
+          </p:cNvSpPr>
+          <p:nvPr>
+            <p:ph idx="1"/>
+          </p:nvPr>
+        </p:nvSpPr>
+        <p:spPr/>
+        <p:txBody>
+          <a:bodyPr/>
+          <a:lstStyle/>
+          <a:p/>
+          <a:p>
+            <a:pPr/>
+            <a:r>
+              <a:rPr sz="2000">
+                <a:solidFill>
+                  <a:srgbClr val="000000"/>
+                </a:solidFill>
+              </a:rPr>
+              <a:t>Investment Opportunity in Neurons</a:t>
+            </a:r>
+          </a:p>
+          <a:p>
+            <a:pPr lvl="1"/>
+            <a:r>
+              <a:rPr sz="2000">
+                <a:solidFill>
+                  <a:srgbClr val="000000"/>
+                </a:solidFill>
+              </a:rPr>
+              <a:t>Neurons presents a compelling investment opportunity in the AI-driven ecommerce optimization space.</a:t>
+            </a:r>
+          </a:p>
+          <a:p>
+            <a:pPr lvl="1"/>
+            <a:r>
+              <a:rPr sz="2000">
+                <a:solidFill>
+                  <a:srgbClr val="000000"/>
+                </a:solidFill>
+              </a:rPr>
+              <a:t>Its innovative solutions and strategic focus on customer insights position it well for growth in a rapidly evolving market.</a:t>
+            </a:r>
+          </a:p>
+        </p:txBody>
+      </p:sp>
+    </p:spTree>
+  </p:cSld>
+  <p:clrMapOvr>
+    <a:masterClrMapping/>
+  </p:clrMapOvr>
+</p:sld>
+</file>
+
+<file path=ppt/slides/slide13.xml><?xml version="1.0" encoding="utf-8"?>
+<p:sld xmlns:a="http://schemas.openxmlformats.org/drawingml/2006/main" xmlns:p="http://schemas.openxmlformats.org/presentationml/2006/main" xmlns:r="http://schemas.openxmlformats.org/officeDocument/2006/relationships">
+  <p:cSld>
+    <p:spTree>
+      <p:nvGrpSpPr>
+        <p:cNvPr id="1" name=""/>
+        <p:cNvGrpSpPr/>
+        <p:nvPr/>
+      </p:nvGrpSpPr>
+      <p:grpSpPr/>
+      <p:sp>
+        <p:nvSpPr>
+          <p:cNvPr id="2" name="Title 1"/>
+          <p:cNvSpPr>
+            <a:spLocks noGrp="1"/>
+          </p:cNvSpPr>
+          <p:nvPr>
+            <p:ph type="title"/>
+          </p:nvPr>
+        </p:nvSpPr>
+        <p:spPr/>
+        <p:txBody>
+          <a:bodyPr/>
+          <a:lstStyle/>
+          <a:p>
+            <a:pPr>
+              <a:defRPr sz="3600">
+                <a:solidFill>
+                  <a:srgbClr val="00008B"/>
+                </a:solidFill>
+              </a:defRPr>
+            </a:pPr>
+            <a:r>
+              <a:t>References</a:t>
+            </a:r>
+          </a:p>
+        </p:txBody>
+      </p:sp>
+      <p:sp>
+        <p:nvSpPr>
+          <p:cNvPr id="3" name="Content Placeholder 2"/>
+          <p:cNvSpPr>
+            <a:spLocks noGrp="1"/>
+          </p:cNvSpPr>
+          <p:nvPr>
+            <p:ph idx="1"/>
+          </p:nvPr>
+        </p:nvSpPr>
+        <p:spPr/>
+        <p:txBody>
+          <a:bodyPr/>
+          <a:lstStyle/>
+          <a:p/>
+          <a:p>
+            <a:pPr/>
+            <a:r>
+              <a:rPr sz="2000">
+                <a:solidFill>
+                  <a:srgbClr val="000000"/>
+                </a:solidFill>
+              </a:rPr>
+              <a:t/>
+            </a:r>
+          </a:p>
+          <a:p>
+            <a:pPr lvl="1"/>
+            <a:r>
+              <a:rPr sz="2000">
+                <a:solidFill>
+                  <a:srgbClr val="000000"/>
+                </a:solidFill>
+              </a:rPr>
+              <a:t>[1] [Neurons AI Tools for CPG Brands](https://example.com/neurons-ai-tools)</a:t>
+            </a:r>
+          </a:p>
+        </p:txBody>
+      </p:sp>
+    </p:spTree>
+  </p:cSld>
+  <p:clrMapOvr>
+    <a:masterClrMapping/>
+  </p:clrMapOvr>
+</p:sld>
+</file>
+
+<file path=ppt/slides/slide14.xml><?xml version="1.0" encoding="utf-8"?>
+<p:sld xmlns:a="http://schemas.openxmlformats.org/drawingml/2006/main" xmlns:p="http://schemas.openxmlformats.org/presentationml/2006/main" xmlns:r="http://schemas.openxmlformats.org/officeDocument/2006/relationships">
+  <p:cSld>
+    <p:spTree>
+      <p:nvGrpSpPr>
+        <p:cNvPr id="1" name=""/>
+        <p:cNvGrpSpPr/>
+        <p:nvPr/>
+      </p:nvGrpSpPr>
+      <p:grpSpPr/>
+      <p:sp>
+        <p:nvSpPr>
+          <p:cNvPr id="2" name="Title 1"/>
+          <p:cNvSpPr>
+            <a:spLocks noGrp="1"/>
+          </p:cNvSpPr>
+          <p:nvPr>
+            <p:ph type="title"/>
+          </p:nvPr>
+        </p:nvSpPr>
+        <p:spPr/>
+        <p:txBody>
+          <a:bodyPr/>
+          <a:lstStyle/>
+          <a:p>
+            <a:pPr>
+              <a:defRPr sz="3600">
+                <a:solidFill>
+                  <a:srgbClr val="00008B"/>
+                </a:solidFill>
+              </a:defRPr>
+            </a:pPr>
+            <a:r>
+              <a:t>Business Model</a:t>
+            </a:r>
+          </a:p>
+        </p:txBody>
+      </p:sp>
+      <p:sp>
+        <p:nvSpPr>
+          <p:cNvPr id="3" name="Content Placeholder 2"/>
+          <p:cNvSpPr>
+            <a:spLocks noGrp="1"/>
+          </p:cNvSpPr>
+          <p:nvPr>
+            <p:ph idx="1"/>
+          </p:nvPr>
+        </p:nvSpPr>
+        <p:spPr/>
+        <p:txBody>
+          <a:bodyPr/>
+          <a:lstStyle/>
+          <a:p/>
+          <a:p>
+            <a:pPr/>
+            <a:r>
+              <a:rPr sz="2000">
+                <a:solidFill>
+                  <a:srgbClr val="000000"/>
+                </a:solidFill>
+              </a:rPr>
+              <a:t>Neurons Inc. Business Model</a:t>
+            </a:r>
+          </a:p>
+          <a:p>
+            <a:pPr lvl="1"/>
+            <a:r>
+              <a:rPr sz="2000">
+                <a:solidFill>
+                  <a:srgbClr val="000000"/>
+                </a:solidFill>
+              </a:rPr>
+              <a:t>Operates a business model centered around leveraging AI and consumer neuroscience.</a:t>
+            </a:r>
+          </a:p>
+          <a:p>
+            <a:pPr lvl="1"/>
+            <a:r>
+              <a:rPr sz="2000">
+                <a:solidFill>
+                  <a:srgbClr val="000000"/>
+                </a:solidFill>
+              </a:rPr>
+              <a:t>Aims to optimize marketing, advertising, and customer engagement strategies for its clients.</a:t>
+            </a:r>
+          </a:p>
+          <a:p>
+            <a:pPr lvl="1"/>
+            <a:r>
+              <a:rPr sz="2000">
+                <a:solidFill>
+                  <a:srgbClr val="000000"/>
+                </a:solidFill>
+              </a:rPr>
+              <a:t>This model is designed to drive significant business improvements and tangible outcomes.</a:t>
+            </a:r>
+          </a:p>
+        </p:txBody>
+      </p:sp>
+    </p:spTree>
+  </p:cSld>
+  <p:clrMapOvr>
+    <a:masterClrMapping/>
+  </p:clrMapOvr>
+</p:sld>
+</file>
+
+<file path=ppt/slides/slide15.xml><?xml version="1.0" encoding="utf-8"?>
+<p:sld xmlns:a="http://schemas.openxmlformats.org/drawingml/2006/main" xmlns:p="http://schemas.openxmlformats.org/presentationml/2006/main" xmlns:r="http://schemas.openxmlformats.org/officeDocument/2006/relationships">
+  <p:cSld>
+    <p:spTree>
+      <p:nvGrpSpPr>
+        <p:cNvPr id="1" name=""/>
+        <p:cNvGrpSpPr/>
+        <p:nvPr/>
+      </p:nvGrpSpPr>
+      <p:grpSpPr/>
+      <p:sp>
+        <p:nvSpPr>
+          <p:cNvPr id="2" name="Title 1"/>
+          <p:cNvSpPr>
+            <a:spLocks noGrp="1"/>
+          </p:cNvSpPr>
+          <p:nvPr>
+            <p:ph type="title"/>
+          </p:nvPr>
+        </p:nvSpPr>
+        <p:spPr/>
+        <p:txBody>
+          <a:bodyPr/>
+          <a:lstStyle/>
+          <a:p>
+            <a:pPr>
+              <a:defRPr sz="3600">
+                <a:solidFill>
+                  <a:srgbClr val="00008B"/>
+                </a:solidFill>
+              </a:defRPr>
+            </a:pPr>
+            <a:r>
+              <a:t>Client Relationships and Strategy</a:t>
+            </a:r>
+          </a:p>
+        </p:txBody>
+      </p:sp>
+      <p:sp>
+        <p:nvSpPr>
+          <p:cNvPr id="3" name="Content Placeholder 2"/>
+          <p:cNvSpPr>
+            <a:spLocks noGrp="1"/>
+          </p:cNvSpPr>
+          <p:nvPr>
+            <p:ph idx="1"/>
+          </p:nvPr>
+        </p:nvSpPr>
+        <p:spPr/>
+        <p:txBody>
+          <a:bodyPr/>
+          <a:lstStyle/>
+          <a:p/>
+          <a:p>
+            <a:pPr/>
+            <a:r>
+              <a:rPr sz="2000">
+                <a:solidFill>
+                  <a:srgbClr val="000000"/>
+                </a:solidFill>
+              </a:rPr>
+              <a:t>Neurons Inc. Approach</a:t>
+            </a:r>
+          </a:p>
+          <a:p>
+            <a:pPr lvl="1"/>
+            <a:r>
+              <a:rPr sz="2000">
+                <a:solidFill>
+                  <a:srgbClr val="000000"/>
+                </a:solidFill>
+              </a:rPr>
+              <a:t>Focuses on strengthening client relationships and facilitating strategic discussions.</a:t>
+            </a:r>
+          </a:p>
+          <a:p>
+            <a:pPr lvl="1"/>
+            <a:r>
+              <a:rPr sz="2000">
+                <a:solidFill>
+                  <a:srgbClr val="000000"/>
+                </a:solidFill>
+              </a:rPr>
+              <a:t>Utilizes Neurons AI to enhance client KPIs and secure recurring deals.</a:t>
+            </a:r>
+          </a:p>
+          <a:p>
+            <a:pPr lvl="1"/>
+            <a:r>
+              <a:rPr sz="2000">
+                <a:solidFill>
+                  <a:srgbClr val="000000"/>
+                </a:solidFill>
+              </a:rPr>
+              <a:t>Enables companies like Teads to concentrate on strategic client relationships ([1]).</a:t>
+            </a:r>
+          </a:p>
+        </p:txBody>
+      </p:sp>
+    </p:spTree>
+  </p:cSld>
+  <p:clrMapOvr>
+    <a:masterClrMapping/>
+  </p:clrMapOvr>
+</p:sld>
+</file>
+
+<file path=ppt/slides/slide16.xml><?xml version="1.0" encoding="utf-8"?>
+<p:sld xmlns:a="http://schemas.openxmlformats.org/drawingml/2006/main" xmlns:p="http://schemas.openxmlformats.org/presentationml/2006/main" xmlns:r="http://schemas.openxmlformats.org/officeDocument/2006/relationships">
+  <p:cSld>
+    <p:spTree>
+      <p:nvGrpSpPr>
+        <p:cNvPr id="1" name=""/>
+        <p:cNvGrpSpPr/>
+        <p:nvPr/>
+      </p:nvGrpSpPr>
+      <p:grpSpPr/>
+      <p:sp>
+        <p:nvSpPr>
+          <p:cNvPr id="2" name="Title 1"/>
+          <p:cNvSpPr>
+            <a:spLocks noGrp="1"/>
+          </p:cNvSpPr>
+          <p:nvPr>
+            <p:ph type="title"/>
+          </p:nvPr>
+        </p:nvSpPr>
+        <p:spPr/>
+        <p:txBody>
+          <a:bodyPr/>
+          <a:lstStyle/>
+          <a:p>
+            <a:pPr>
+              <a:defRPr sz="3600">
+                <a:solidFill>
+                  <a:srgbClr val="00008B"/>
+                </a:solidFill>
+              </a:defRPr>
+            </a:pPr>
+            <a:r>
+              <a:t>Citations</a:t>
+            </a:r>
+          </a:p>
+        </p:txBody>
+      </p:sp>
+      <p:sp>
+        <p:nvSpPr>
+          <p:cNvPr id="3" name="Content Placeholder 2"/>
+          <p:cNvSpPr>
+            <a:spLocks noGrp="1"/>
+          </p:cNvSpPr>
+          <p:nvPr>
+            <p:ph idx="1"/>
+          </p:nvPr>
+        </p:nvSpPr>
+        <p:spPr/>
+        <p:txBody>
+          <a:bodyPr/>
+          <a:lstStyle/>
+          <a:p/>
+          <a:p>
+            <a:pPr/>
+            <a:r>
+              <a:rPr sz="2000">
+                <a:solidFill>
+                  <a:srgbClr val="000000"/>
+                </a:solidFill>
+              </a:rPr>
+              <a:t/>
+            </a:r>
+          </a:p>
+          <a:p>
+            <a:pPr lvl="1"/>
+            <a:r>
+              <a:rPr sz="2000">
+                <a:solidFill>
+                  <a:srgbClr val="000000"/>
+                </a:solidFill>
+              </a:rPr>
+              <a:t>[1] [Customer Stories - Neurons Inc](https://www.neuronsinc.com/customer-stories)</a:t>
+            </a:r>
+          </a:p>
+        </p:txBody>
+      </p:sp>
+    </p:spTree>
+  </p:cSld>
+  <p:clrMapOvr>
+    <a:masterClrMapping/>
+  </p:clrMapOvr>
+</p:sld>
+</file>
+
+<file path=ppt/slides/slide17.xml><?xml version="1.0" encoding="utf-8"?>
+<p:sld xmlns:a="http://schemas.openxmlformats.org/drawingml/2006/main" xmlns:p="http://schemas.openxmlformats.org/presentationml/2006/main" xmlns:r="http://schemas.openxmlformats.org/officeDocument/2006/relationships">
+  <p:cSld>
+    <p:spTree>
+      <p:nvGrpSpPr>
+        <p:cNvPr id="1" name=""/>
+        <p:cNvGrpSpPr/>
+        <p:nvPr/>
+      </p:nvGrpSpPr>
+      <p:grpSpPr/>
+      <p:sp>
+        <p:nvSpPr>
+          <p:cNvPr id="2" name="Title 1"/>
+          <p:cNvSpPr>
+            <a:spLocks noGrp="1"/>
+          </p:cNvSpPr>
+          <p:nvPr>
+            <p:ph type="title"/>
+          </p:nvPr>
+        </p:nvSpPr>
+        <p:spPr/>
+        <p:txBody>
+          <a:bodyPr/>
+          <a:lstStyle/>
+          <a:p>
+            <a:pPr>
+              <a:defRPr sz="3600">
+                <a:solidFill>
+                  <a:srgbClr val="00008B"/>
+                </a:solidFill>
+              </a:defRPr>
+            </a:pPr>
+            <a:r>
+              <a:t>AI-Powered Optimization</a:t>
+            </a:r>
+          </a:p>
+        </p:txBody>
+      </p:sp>
+      <p:sp>
+        <p:nvSpPr>
+          <p:cNvPr id="3" name="Content Placeholder 2"/>
+          <p:cNvSpPr>
+            <a:spLocks noGrp="1"/>
+          </p:cNvSpPr>
+          <p:nvPr>
+            <p:ph idx="1"/>
+          </p:nvPr>
+        </p:nvSpPr>
+        <p:spPr/>
+        <p:txBody>
+          <a:bodyPr/>
+          <a:lstStyle/>
+          <a:p/>
+          <a:p>
+            <a:pPr/>
+            <a:r>
+              <a:rPr sz="2000">
+                <a:solidFill>
+                  <a:srgbClr val="000000"/>
+                </a:solidFill>
+              </a:rPr>
+              <a:t>Enhancing Marketing and Advertising</a:t>
+            </a:r>
+          </a:p>
+          <a:p>
+            <a:pPr lvl="1"/>
+            <a:r>
+              <a:rPr sz="2000">
+                <a:solidFill>
+                  <a:srgbClr val="000000"/>
+                </a:solidFill>
+              </a:rPr>
+              <a:t>The company employs AI to enhance various marketing and advertising aspects.</a:t>
+            </a:r>
+          </a:p>
+          <a:p>
+            <a:pPr lvl="2"/>
+            <a:r>
+              <a:rPr sz="2000">
+                <a:solidFill>
+                  <a:srgbClr val="000000"/>
+                </a:solidFill>
+              </a:rPr>
+              <a:t>Clients such as Alka Forsikring, Delex Digital, and Tre Kronor Media have utilized Neurons AI to optimize email CTAs, reduce cost per lead and acquisition, and improve ad testing efficiency.</a:t>
+            </a:r>
+          </a:p>
+          <a:p>
+            <a:pPr lvl="1"/>
+            <a:r>
+              <a:rPr sz="2000">
+                <a:solidFill>
+                  <a:srgbClr val="000000"/>
+                </a:solidFill>
+              </a:rPr>
+              <a:t>These optimizations result in significant improvements in metrics like click-through rates (CTR) and cost savings.</a:t>
+            </a:r>
+          </a:p>
+          <a:p>
+            <a:pPr lvl="1"/>
+            <a:r>
+              <a:rPr sz="2000">
+                <a:solidFill>
+                  <a:srgbClr val="000000"/>
+                </a:solidFill>
+              </a:rPr>
+              <a:t>Customer Stories - Neurons Inc [1]</a:t>
+            </a:r>
+          </a:p>
+        </p:txBody>
+      </p:sp>
+    </p:spTree>
+  </p:cSld>
+  <p:clrMapOvr>
+    <a:masterClrMapping/>
+  </p:clrMapOvr>
+</p:sld>
+</file>
+
+<file path=ppt/slides/slide18.xml><?xml version="1.0" encoding="utf-8"?>
+<p:sld xmlns:a="http://schemas.openxmlformats.org/drawingml/2006/main" xmlns:p="http://schemas.openxmlformats.org/presentationml/2006/main" xmlns:r="http://schemas.openxmlformats.org/officeDocument/2006/relationships">
+  <p:cSld>
+    <p:spTree>
+      <p:nvGrpSpPr>
+        <p:cNvPr id="1" name=""/>
+        <p:cNvGrpSpPr/>
+        <p:nvPr/>
+      </p:nvGrpSpPr>
+      <p:grpSpPr/>
+      <p:sp>
+        <p:nvSpPr>
+          <p:cNvPr id="2" name="Title 1"/>
+          <p:cNvSpPr>
+            <a:spLocks noGrp="1"/>
+          </p:cNvSpPr>
+          <p:nvPr>
+            <p:ph type="title"/>
+          </p:nvPr>
+        </p:nvSpPr>
+        <p:spPr/>
+        <p:txBody>
+          <a:bodyPr/>
+          <a:lstStyle/>
+          <a:p>
+            <a:pPr>
+              <a:defRPr sz="3600">
+                <a:solidFill>
+                  <a:srgbClr val="00008B"/>
+                </a:solidFill>
+              </a:defRPr>
+            </a:pPr>
+            <a:r>
+              <a:t>Citations</a:t>
+            </a:r>
+          </a:p>
+        </p:txBody>
+      </p:sp>
+      <p:sp>
+        <p:nvSpPr>
+          <p:cNvPr id="3" name="Content Placeholder 2"/>
+          <p:cNvSpPr>
+            <a:spLocks noGrp="1"/>
+          </p:cNvSpPr>
+          <p:nvPr>
+            <p:ph idx="1"/>
+          </p:nvPr>
+        </p:nvSpPr>
+        <p:spPr/>
+        <p:txBody>
+          <a:bodyPr/>
+          <a:lstStyle/>
+          <a:p/>
+          <a:p>
+            <a:pPr/>
+            <a:r>
+              <a:rPr sz="2000">
+                <a:solidFill>
+                  <a:srgbClr val="000000"/>
+                </a:solidFill>
+              </a:rPr>
+              <a:t/>
+            </a:r>
+          </a:p>
+          <a:p>
+            <a:pPr lvl="1"/>
+            <a:r>
+              <a:rPr sz="2000">
+                <a:solidFill>
+                  <a:srgbClr val="000000"/>
+                </a:solidFill>
+              </a:rPr>
+              <a:t>[1] Customer Stories - Neurons Inc (URL not provided)</a:t>
+            </a:r>
+          </a:p>
+        </p:txBody>
+      </p:sp>
+    </p:spTree>
+  </p:cSld>
+  <p:clrMapOvr>
+    <a:masterClrMapping/>
+  </p:clrMapOvr>
+</p:sld>
+</file>
+
+<file path=ppt/slides/slide19.xml><?xml version="1.0" encoding="utf-8"?>
+<p:sld xmlns:a="http://schemas.openxmlformats.org/drawingml/2006/main" xmlns:p="http://schemas.openxmlformats.org/presentationml/2006/main" xmlns:r="http://schemas.openxmlformats.org/officeDocument/2006/relationships">
+  <p:cSld>
+    <p:spTree>
+      <p:nvGrpSpPr>
+        <p:cNvPr id="1" name=""/>
+        <p:cNvGrpSpPr/>
+        <p:nvPr/>
+      </p:nvGrpSpPr>
+      <p:grpSpPr/>
+      <p:sp>
+        <p:nvSpPr>
+          <p:cNvPr id="2" name="Title 1"/>
+          <p:cNvSpPr>
+            <a:spLocks noGrp="1"/>
+          </p:cNvSpPr>
+          <p:nvPr>
+            <p:ph type="title"/>
+          </p:nvPr>
+        </p:nvSpPr>
+        <p:spPr/>
+        <p:txBody>
+          <a:bodyPr/>
+          <a:lstStyle/>
+          <a:p>
+            <a:pPr>
+              <a:defRPr sz="3600">
+                <a:solidFill>
+                  <a:srgbClr val="00008B"/>
+                </a:solidFill>
+              </a:defRPr>
+            </a:pPr>
+            <a:r>
+              <a:t>Consumer Neuroscience</a:t>
+            </a:r>
+          </a:p>
+        </p:txBody>
+      </p:sp>
+      <p:sp>
+        <p:nvSpPr>
+          <p:cNvPr id="3" name="Content Placeholder 2"/>
+          <p:cNvSpPr>
+            <a:spLocks noGrp="1"/>
+          </p:cNvSpPr>
+          <p:nvPr>
+            <p:ph idx="1"/>
+          </p:nvPr>
+        </p:nvSpPr>
+        <p:spPr/>
+        <p:txBody>
+          <a:bodyPr/>
+          <a:lstStyle/>
+          <a:p/>
+          <a:p>
+            <a:pPr/>
+            <a:r>
+              <a:rPr sz="2000">
+                <a:solidFill>
+                  <a:srgbClr val="000000"/>
+                </a:solidFill>
+              </a:rPr>
+              <a:t>Neurons Inc. and Consumer Neuroscience</a:t>
+            </a:r>
+          </a:p>
+          <a:p>
+            <a:pPr lvl="1"/>
+            <a:r>
+              <a:rPr sz="2000">
+                <a:solidFill>
+                  <a:srgbClr val="000000"/>
+                </a:solidFill>
+              </a:rPr>
+              <a:t>Neurons Inc. uses consumer neuroscience to provide insights that help clients optimize their marketing and branding efforts.</a:t>
+            </a:r>
+          </a:p>
+          <a:p>
+            <a:pPr lvl="2"/>
+            <a:r>
+              <a:rPr sz="2000">
+                <a:solidFill>
+                  <a:srgbClr val="000000"/>
+                </a:solidFill>
+              </a:rPr>
+              <a:t>For example, Tropicana improved brand awareness and shopper engagement.</a:t>
+            </a:r>
+          </a:p>
+          <a:p>
+            <a:pPr lvl="2"/>
+            <a:r>
+              <a:rPr sz="2000">
+                <a:solidFill>
+                  <a:srgbClr val="000000"/>
+                </a:solidFill>
+              </a:rPr>
+              <a:t>CO-RO increased brand awareness by 20% through optimized packaging and ad creatives ([1]).</a:t>
             </a:r>
           </a:p>
         </p:txBody>
@@ -3237,7 +4333,7 @@
               </a:defRPr>
             </a:pPr>
             <a:r>
-              <a:t>Neuron Solutions in Financial Sector</a:t>
+              <a:t>Innovation in Finance</a:t>
             </a:r>
           </a:p>
         </p:txBody>
@@ -3265,51 +4361,1099 @@
                   <a:srgbClr val="000000"/>
                 </a:solidFill>
               </a:rPr>
-              <a:t>AI in Finance</a:t>
-            </a:r>
-          </a:p>
-          <a:p>
-            <a:pPr lvl="1"/>
-            <a:r>
-              <a:rPr sz="2000">
-                <a:solidFill>
-                  <a:srgbClr val="000000"/>
-                </a:solidFill>
-              </a:rPr>
-              <a:t>Neuron Solutions is at the innovation forefront in the financial sector.</a:t>
-            </a:r>
-          </a:p>
-          <a:p>
-            <a:pPr lvl="1"/>
-            <a:r>
-              <a:rPr sz="2000">
-                <a:solidFill>
-                  <a:srgbClr val="000000"/>
-                </a:solidFill>
-              </a:rPr>
-              <a:t>Leverages AI to improve data analysis and banking operations.</a:t>
-            </a:r>
-          </a:p>
-          <a:p>
-            <a:pPr lvl="1"/>
-            <a:r>
-              <a:rPr sz="2000">
-                <a:solidFill>
-                  <a:srgbClr val="000000"/>
-                </a:solidFill>
-              </a:rPr>
-              <a:t>Actively participates in industry conferences.</a:t>
-            </a:r>
-          </a:p>
-          <a:p>
-            <a:pPr lvl="1"/>
-            <a:r>
-              <a:rPr sz="2000">
-                <a:solidFill>
-                  <a:srgbClr val="000000"/>
-                </a:solidFill>
-              </a:rPr>
-              <a:t>Combines human intelligence with AI to optimize processes and enhance relations [2].</a:t>
+              <a:t>AI Transforming Finance</a:t>
+            </a:r>
+          </a:p>
+          <a:p>
+            <a:pPr lvl="1"/>
+            <a:r>
+              <a:rPr sz="2000">
+                <a:solidFill>
+                  <a:srgbClr val="000000"/>
+                </a:solidFill>
+              </a:rPr>
+              <a:t>Neuron Solutions is at the forefront of innovation in the financial sector.</a:t>
+            </a:r>
+          </a:p>
+          <a:p>
+            <a:pPr lvl="2"/>
+            <a:r>
+              <a:rPr sz="2000">
+                <a:solidFill>
+                  <a:srgbClr val="000000"/>
+                </a:solidFill>
+              </a:rPr>
+              <a:t>Leverages AI to transform data analysis, improve investment accessibility, and redefine banking operations.</a:t>
+            </a:r>
+          </a:p>
+          <a:p>
+            <a:pPr lvl="2"/>
+            <a:r>
+              <a:rPr sz="2000">
+                <a:solidFill>
+                  <a:srgbClr val="000000"/>
+                </a:solidFill>
+              </a:rPr>
+              <a:t>Actively participates in industry conferences, such as the Future of Finance 2024 ([2]).</a:t>
+            </a:r>
+          </a:p>
+          <a:p>
+            <a:pPr/>
+            <a:r>
+              <a:rPr sz="2000">
+                <a:solidFill>
+                  <a:srgbClr val="000000"/>
+                </a:solidFill>
+              </a:rPr>
+              <a:t>AI Launchpad Methodology</a:t>
+            </a:r>
+          </a:p>
+          <a:p>
+            <a:pPr lvl="1"/>
+            <a:r>
+              <a:rPr sz="2000">
+                <a:solidFill>
+                  <a:srgbClr val="000000"/>
+                </a:solidFill>
+              </a:rPr>
+              <a:t>Neuron Solutions combines human intelligence with AI capabilities through their AI Launchpad methodology.</a:t>
+            </a:r>
+          </a:p>
+          <a:p>
+            <a:pPr lvl="2"/>
+            <a:r>
+              <a:rPr sz="2000">
+                <a:solidFill>
+                  <a:srgbClr val="000000"/>
+                </a:solidFill>
+              </a:rPr>
+              <a:t>Optimizes work processes and enhances customer relations.</a:t>
+            </a:r>
+          </a:p>
+          <a:p>
+            <a:pPr lvl="2"/>
+            <a:r>
+              <a:rPr sz="2000">
+                <a:solidFill>
+                  <a:srgbClr val="000000"/>
+                </a:solidFill>
+              </a:rPr>
+              <a:t>Positions themselves as a key player in the AI consulting landscape.</a:t>
+            </a:r>
+          </a:p>
+        </p:txBody>
+      </p:sp>
+    </p:spTree>
+  </p:cSld>
+  <p:clrMapOvr>
+    <a:masterClrMapping/>
+  </p:clrMapOvr>
+</p:sld>
+</file>
+
+<file path=ppt/slides/slide20.xml><?xml version="1.0" encoding="utf-8"?>
+<p:sld xmlns:a="http://schemas.openxmlformats.org/drawingml/2006/main" xmlns:p="http://schemas.openxmlformats.org/presentationml/2006/main" xmlns:r="http://schemas.openxmlformats.org/officeDocument/2006/relationships">
+  <p:cSld>
+    <p:spTree>
+      <p:nvGrpSpPr>
+        <p:cNvPr id="1" name=""/>
+        <p:cNvGrpSpPr/>
+        <p:nvPr/>
+      </p:nvGrpSpPr>
+      <p:grpSpPr/>
+      <p:sp>
+        <p:nvSpPr>
+          <p:cNvPr id="2" name="Title 1"/>
+          <p:cNvSpPr>
+            <a:spLocks noGrp="1"/>
+          </p:cNvSpPr>
+          <p:nvPr>
+            <p:ph type="title"/>
+          </p:nvPr>
+        </p:nvSpPr>
+        <p:spPr/>
+        <p:txBody>
+          <a:bodyPr/>
+          <a:lstStyle/>
+          <a:p>
+            <a:pPr>
+              <a:defRPr sz="3600">
+                <a:solidFill>
+                  <a:srgbClr val="00008B"/>
+                </a:solidFill>
+              </a:defRPr>
+            </a:pPr>
+            <a:r>
+              <a:t>Citations</a:t>
+            </a:r>
+          </a:p>
+        </p:txBody>
+      </p:sp>
+      <p:sp>
+        <p:nvSpPr>
+          <p:cNvPr id="3" name="Content Placeholder 2"/>
+          <p:cNvSpPr>
+            <a:spLocks noGrp="1"/>
+          </p:cNvSpPr>
+          <p:nvPr>
+            <p:ph idx="1"/>
+          </p:nvPr>
+        </p:nvSpPr>
+        <p:spPr/>
+        <p:txBody>
+          <a:bodyPr/>
+          <a:lstStyle/>
+          <a:p/>
+          <a:p>
+            <a:pPr/>
+            <a:r>
+              <a:rPr sz="2000">
+                <a:solidFill>
+                  <a:srgbClr val="000000"/>
+                </a:solidFill>
+              </a:rPr>
+              <a:t/>
+            </a:r>
+          </a:p>
+          <a:p>
+            <a:pPr lvl="1"/>
+            <a:r>
+              <a:rPr sz="2000">
+                <a:solidFill>
+                  <a:srgbClr val="000000"/>
+                </a:solidFill>
+              </a:rPr>
+              <a:t>[1] [Customer Stories - Neurons Inc](https://www.neuronsinc.com/customer-stories)</a:t>
+            </a:r>
+          </a:p>
+        </p:txBody>
+      </p:sp>
+    </p:spTree>
+  </p:cSld>
+  <p:clrMapOvr>
+    <a:masterClrMapping/>
+  </p:clrMapOvr>
+</p:sld>
+</file>
+
+<file path=ppt/slides/slide21.xml><?xml version="1.0" encoding="utf-8"?>
+<p:sld xmlns:a="http://schemas.openxmlformats.org/drawingml/2006/main" xmlns:p="http://schemas.openxmlformats.org/presentationml/2006/main" xmlns:r="http://schemas.openxmlformats.org/officeDocument/2006/relationships">
+  <p:cSld>
+    <p:spTree>
+      <p:nvGrpSpPr>
+        <p:cNvPr id="1" name=""/>
+        <p:cNvGrpSpPr/>
+        <p:nvPr/>
+      </p:nvGrpSpPr>
+      <p:grpSpPr/>
+      <p:sp>
+        <p:nvSpPr>
+          <p:cNvPr id="2" name="Title 1"/>
+          <p:cNvSpPr>
+            <a:spLocks noGrp="1"/>
+          </p:cNvSpPr>
+          <p:nvPr>
+            <p:ph type="title"/>
+          </p:nvPr>
+        </p:nvSpPr>
+        <p:spPr/>
+        <p:txBody>
+          <a:bodyPr/>
+          <a:lstStyle/>
+          <a:p>
+            <a:pPr>
+              <a:defRPr sz="3600">
+                <a:solidFill>
+                  <a:srgbClr val="00008B"/>
+                </a:solidFill>
+              </a:defRPr>
+            </a:pPr>
+            <a:r>
+              <a:t>Predictive AI and User Attention</a:t>
+            </a:r>
+          </a:p>
+        </p:txBody>
+      </p:sp>
+      <p:sp>
+        <p:nvSpPr>
+          <p:cNvPr id="3" name="Content Placeholder 2"/>
+          <p:cNvSpPr>
+            <a:spLocks noGrp="1"/>
+          </p:cNvSpPr>
+          <p:nvPr>
+            <p:ph idx="1"/>
+          </p:nvPr>
+        </p:nvSpPr>
+        <p:spPr/>
+        <p:txBody>
+          <a:bodyPr/>
+          <a:lstStyle/>
+          <a:p/>
+          <a:p>
+            <a:pPr/>
+            <a:r>
+              <a:rPr sz="2000">
+                <a:solidFill>
+                  <a:srgbClr val="000000"/>
+                </a:solidFill>
+              </a:rPr>
+              <a:t>Neurons' Predictive AI Tools</a:t>
+            </a:r>
+          </a:p>
+          <a:p>
+            <a:pPr lvl="1"/>
+            <a:r>
+              <a:rPr sz="2000">
+                <a:solidFill>
+                  <a:srgbClr val="000000"/>
+                </a:solidFill>
+              </a:rPr>
+              <a:t>The company's tools predict user attention and cognition, enabling clients to make data-driven decisions swiftly.</a:t>
+            </a:r>
+          </a:p>
+          <a:p>
+            <a:pPr lvl="2"/>
+            <a:r>
+              <a:rPr sz="2000">
+                <a:solidFill>
+                  <a:srgbClr val="000000"/>
+                </a:solidFill>
+              </a:rPr>
+              <a:t>NEOHUB, for instance, increased in-app conversion rates by 55% and CTR by 65% using Neurons' predictive AI.</a:t>
+            </a:r>
+          </a:p>
+          <a:p>
+            <a:pPr lvl="1"/>
+            <a:r>
+              <a:rPr sz="2000">
+                <a:solidFill>
+                  <a:srgbClr val="000000"/>
+                </a:solidFill>
+              </a:rPr>
+              <a:t>Customer Stories - Neurons Inc ([1])</a:t>
+            </a:r>
+          </a:p>
+        </p:txBody>
+      </p:sp>
+    </p:spTree>
+  </p:cSld>
+  <p:clrMapOvr>
+    <a:masterClrMapping/>
+  </p:clrMapOvr>
+</p:sld>
+</file>
+
+<file path=ppt/slides/slide22.xml><?xml version="1.0" encoding="utf-8"?>
+<p:sld xmlns:a="http://schemas.openxmlformats.org/drawingml/2006/main" xmlns:p="http://schemas.openxmlformats.org/presentationml/2006/main" xmlns:r="http://schemas.openxmlformats.org/officeDocument/2006/relationships">
+  <p:cSld>
+    <p:spTree>
+      <p:nvGrpSpPr>
+        <p:cNvPr id="1" name=""/>
+        <p:cNvGrpSpPr/>
+        <p:nvPr/>
+      </p:nvGrpSpPr>
+      <p:grpSpPr/>
+      <p:sp>
+        <p:nvSpPr>
+          <p:cNvPr id="2" name="Title 1"/>
+          <p:cNvSpPr>
+            <a:spLocks noGrp="1"/>
+          </p:cNvSpPr>
+          <p:nvPr>
+            <p:ph type="title"/>
+          </p:nvPr>
+        </p:nvSpPr>
+        <p:spPr/>
+        <p:txBody>
+          <a:bodyPr/>
+          <a:lstStyle/>
+          <a:p>
+            <a:pPr>
+              <a:defRPr sz="3600">
+                <a:solidFill>
+                  <a:srgbClr val="00008B"/>
+                </a:solidFill>
+              </a:defRPr>
+            </a:pPr>
+            <a:r>
+              <a:t>Citations</a:t>
+            </a:r>
+          </a:p>
+        </p:txBody>
+      </p:sp>
+      <p:sp>
+        <p:nvSpPr>
+          <p:cNvPr id="3" name="Content Placeholder 2"/>
+          <p:cNvSpPr>
+            <a:spLocks noGrp="1"/>
+          </p:cNvSpPr>
+          <p:nvPr>
+            <p:ph idx="1"/>
+          </p:nvPr>
+        </p:nvSpPr>
+        <p:spPr/>
+        <p:txBody>
+          <a:bodyPr/>
+          <a:lstStyle/>
+          <a:p/>
+          <a:p>
+            <a:pPr/>
+            <a:r>
+              <a:rPr sz="2000">
+                <a:solidFill>
+                  <a:srgbClr val="000000"/>
+                </a:solidFill>
+              </a:rPr>
+              <a:t/>
+            </a:r>
+          </a:p>
+          <a:p>
+            <a:pPr lvl="1"/>
+            <a:r>
+              <a:rPr sz="2000">
+                <a:solidFill>
+                  <a:srgbClr val="000000"/>
+                </a:solidFill>
+              </a:rPr>
+              <a:t>[1] [Customer Stories - Neurons Inc](URL Not provided)</a:t>
+            </a:r>
+          </a:p>
+        </p:txBody>
+      </p:sp>
+    </p:spTree>
+  </p:cSld>
+  <p:clrMapOvr>
+    <a:masterClrMapping/>
+  </p:clrMapOvr>
+</p:sld>
+</file>
+
+<file path=ppt/slides/slide23.xml><?xml version="1.0" encoding="utf-8"?>
+<p:sld xmlns:a="http://schemas.openxmlformats.org/drawingml/2006/main" xmlns:p="http://schemas.openxmlformats.org/presentationml/2006/main" xmlns:r="http://schemas.openxmlformats.org/officeDocument/2006/relationships">
+  <p:cSld>
+    <p:spTree>
+      <p:nvGrpSpPr>
+        <p:cNvPr id="1" name=""/>
+        <p:cNvGrpSpPr/>
+        <p:nvPr/>
+      </p:nvGrpSpPr>
+      <p:grpSpPr/>
+      <p:sp>
+        <p:nvSpPr>
+          <p:cNvPr id="2" name="Title 1"/>
+          <p:cNvSpPr>
+            <a:spLocks noGrp="1"/>
+          </p:cNvSpPr>
+          <p:nvPr>
+            <p:ph type="title"/>
+          </p:nvPr>
+        </p:nvSpPr>
+        <p:spPr/>
+        <p:txBody>
+          <a:bodyPr/>
+          <a:lstStyle/>
+          <a:p>
+            <a:pPr>
+              <a:defRPr sz="3600">
+                <a:solidFill>
+                  <a:srgbClr val="00008B"/>
+                </a:solidFill>
+              </a:defRPr>
+            </a:pPr>
+            <a:r>
+              <a:t>Industry Applications</a:t>
+            </a:r>
+          </a:p>
+        </p:txBody>
+      </p:sp>
+      <p:sp>
+        <p:nvSpPr>
+          <p:cNvPr id="3" name="Content Placeholder 2"/>
+          <p:cNvSpPr>
+            <a:spLocks noGrp="1"/>
+          </p:cNvSpPr>
+          <p:nvPr>
+            <p:ph idx="1"/>
+          </p:nvPr>
+        </p:nvSpPr>
+        <p:spPr/>
+        <p:txBody>
+          <a:bodyPr/>
+          <a:lstStyle/>
+          <a:p/>
+          <a:p>
+            <a:pPr/>
+            <a:r>
+              <a:rPr sz="2000">
+                <a:solidFill>
+                  <a:srgbClr val="000000"/>
+                </a:solidFill>
+              </a:rPr>
+              <a:t>Neurons Inc.'s Industry Reach</a:t>
+            </a:r>
+          </a:p>
+          <a:p>
+            <a:pPr lvl="1"/>
+            <a:r>
+              <a:rPr sz="2000">
+                <a:solidFill>
+                  <a:srgbClr val="000000"/>
+                </a:solidFill>
+              </a:rPr>
+              <a:t>Neurons Inc.'s solutions are applicable across various industries, including retail, finance, and media.</a:t>
+            </a:r>
+          </a:p>
+          <a:p>
+            <a:pPr lvl="2"/>
+            <a:r>
+              <a:rPr sz="2000">
+                <a:solidFill>
+                  <a:srgbClr val="000000"/>
+                </a:solidFill>
+              </a:rPr>
+              <a:t>Lowe's Innovation Labs used Neurons to understand customer responses in stores.</a:t>
+            </a:r>
+          </a:p>
+          <a:p>
+            <a:pPr lvl="2"/>
+            <a:r>
+              <a:rPr sz="2000">
+                <a:solidFill>
+                  <a:srgbClr val="000000"/>
+                </a:solidFill>
+              </a:rPr>
+              <a:t>Spotify utilized Neurons to identify the most engaging music for a product launch in India ([1]).</a:t>
+            </a:r>
+          </a:p>
+        </p:txBody>
+      </p:sp>
+    </p:spTree>
+  </p:cSld>
+  <p:clrMapOvr>
+    <a:masterClrMapping/>
+  </p:clrMapOvr>
+</p:sld>
+</file>
+
+<file path=ppt/slides/slide24.xml><?xml version="1.0" encoding="utf-8"?>
+<p:sld xmlns:a="http://schemas.openxmlformats.org/drawingml/2006/main" xmlns:p="http://schemas.openxmlformats.org/presentationml/2006/main" xmlns:r="http://schemas.openxmlformats.org/officeDocument/2006/relationships">
+  <p:cSld>
+    <p:spTree>
+      <p:nvGrpSpPr>
+        <p:cNvPr id="1" name=""/>
+        <p:cNvGrpSpPr/>
+        <p:nvPr/>
+      </p:nvGrpSpPr>
+      <p:grpSpPr/>
+      <p:sp>
+        <p:nvSpPr>
+          <p:cNvPr id="2" name="Title 1"/>
+          <p:cNvSpPr>
+            <a:spLocks noGrp="1"/>
+          </p:cNvSpPr>
+          <p:nvPr>
+            <p:ph type="title"/>
+          </p:nvPr>
+        </p:nvSpPr>
+        <p:spPr/>
+        <p:txBody>
+          <a:bodyPr/>
+          <a:lstStyle/>
+          <a:p>
+            <a:pPr>
+              <a:defRPr sz="3600">
+                <a:solidFill>
+                  <a:srgbClr val="00008B"/>
+                </a:solidFill>
+              </a:defRPr>
+            </a:pPr>
+            <a:r>
+              <a:t>Citations</a:t>
+            </a:r>
+          </a:p>
+        </p:txBody>
+      </p:sp>
+      <p:sp>
+        <p:nvSpPr>
+          <p:cNvPr id="3" name="Content Placeholder 2"/>
+          <p:cNvSpPr>
+            <a:spLocks noGrp="1"/>
+          </p:cNvSpPr>
+          <p:nvPr>
+            <p:ph idx="1"/>
+          </p:nvPr>
+        </p:nvSpPr>
+        <p:spPr/>
+        <p:txBody>
+          <a:bodyPr/>
+          <a:lstStyle/>
+          <a:p/>
+          <a:p>
+            <a:pPr/>
+            <a:r>
+              <a:rPr sz="2000">
+                <a:solidFill>
+                  <a:srgbClr val="000000"/>
+                </a:solidFill>
+              </a:rPr>
+              <a:t/>
+            </a:r>
+          </a:p>
+          <a:p>
+            <a:pPr lvl="1"/>
+            <a:r>
+              <a:rPr sz="2000">
+                <a:solidFill>
+                  <a:srgbClr val="000000"/>
+                </a:solidFill>
+              </a:rPr>
+              <a:t>[1] [Customer Stories - Neurons Inc](https://www.neuronsinc.com/customer-stories)</a:t>
+            </a:r>
+          </a:p>
+        </p:txBody>
+      </p:sp>
+    </p:spTree>
+  </p:cSld>
+  <p:clrMapOvr>
+    <a:masterClrMapping/>
+  </p:clrMapOvr>
+</p:sld>
+</file>
+
+<file path=ppt/slides/slide25.xml><?xml version="1.0" encoding="utf-8"?>
+<p:sld xmlns:a="http://schemas.openxmlformats.org/drawingml/2006/main" xmlns:p="http://schemas.openxmlformats.org/presentationml/2006/main" xmlns:r="http://schemas.openxmlformats.org/officeDocument/2006/relationships">
+  <p:cSld>
+    <p:spTree>
+      <p:nvGrpSpPr>
+        <p:cNvPr id="1" name=""/>
+        <p:cNvGrpSpPr/>
+        <p:nvPr/>
+      </p:nvGrpSpPr>
+      <p:grpSpPr/>
+      <p:sp>
+        <p:nvSpPr>
+          <p:cNvPr id="2" name="Title 1"/>
+          <p:cNvSpPr>
+            <a:spLocks noGrp="1"/>
+          </p:cNvSpPr>
+          <p:nvPr>
+            <p:ph type="title"/>
+          </p:nvPr>
+        </p:nvSpPr>
+        <p:spPr/>
+        <p:txBody>
+          <a:bodyPr/>
+          <a:lstStyle/>
+          <a:p>
+            <a:pPr>
+              <a:defRPr sz="3600">
+                <a:solidFill>
+                  <a:srgbClr val="00008B"/>
+                </a:solidFill>
+              </a:defRPr>
+            </a:pPr>
+            <a:r>
+              <a:t>Business Impact</a:t>
+            </a:r>
+          </a:p>
+        </p:txBody>
+      </p:sp>
+      <p:sp>
+        <p:nvSpPr>
+          <p:cNvPr id="3" name="Content Placeholder 2"/>
+          <p:cNvSpPr>
+            <a:spLocks noGrp="1"/>
+          </p:cNvSpPr>
+          <p:nvPr>
+            <p:ph idx="1"/>
+          </p:nvPr>
+        </p:nvSpPr>
+        <p:spPr/>
+        <p:txBody>
+          <a:bodyPr/>
+          <a:lstStyle/>
+          <a:p/>
+          <a:p>
+            <a:pPr/>
+            <a:r>
+              <a:rPr sz="2000">
+                <a:solidFill>
+                  <a:srgbClr val="000000"/>
+                </a:solidFill>
+              </a:rPr>
+              <a:t>Tangible Outcomes</a:t>
+            </a:r>
+          </a:p>
+          <a:p>
+            <a:pPr lvl="1"/>
+            <a:r>
+              <a:rPr sz="2000">
+                <a:solidFill>
+                  <a:srgbClr val="000000"/>
+                </a:solidFill>
+              </a:rPr>
+              <a:t>Neurons Inc.'s AI solutions help businesses achieve tangible outcomes.</a:t>
+            </a:r>
+          </a:p>
+          <a:p>
+            <a:pPr lvl="2"/>
+            <a:r>
+              <a:rPr sz="2000">
+                <a:solidFill>
+                  <a:srgbClr val="000000"/>
+                </a:solidFill>
+              </a:rPr>
+              <a:t>Increased Click-Through Rates (CTRs)</a:t>
+            </a:r>
+          </a:p>
+          <a:p>
+            <a:pPr lvl="2"/>
+            <a:r>
+              <a:rPr sz="2000">
+                <a:solidFill>
+                  <a:srgbClr val="000000"/>
+                </a:solidFill>
+              </a:rPr>
+              <a:t>Improved client Key Performance Indicators (KPIs)</a:t>
+            </a:r>
+          </a:p>
+          <a:p>
+            <a:pPr lvl="2"/>
+            <a:r>
+              <a:rPr sz="2000">
+                <a:solidFill>
+                  <a:srgbClr val="000000"/>
+                </a:solidFill>
+              </a:rPr>
+              <a:t>Enhanced decision-making capabilities</a:t>
+            </a:r>
+          </a:p>
+          <a:p>
+            <a:pPr lvl="1"/>
+            <a:r>
+              <a:rPr sz="2000">
+                <a:solidFill>
+                  <a:srgbClr val="000000"/>
+                </a:solidFill>
+              </a:rPr>
+              <a:t>Example: Schibsted experienced a 29.5% lift in CTR and empowered their sales representatives to become better advertising consultants ([1]).</a:t>
+            </a:r>
+          </a:p>
+          <a:p>
+            <a:pPr/>
+            <a:r>
+              <a:rPr sz="2000">
+                <a:solidFill>
+                  <a:srgbClr val="000000"/>
+                </a:solidFill>
+              </a:rPr>
+              <a:t>Business Model</a:t>
+            </a:r>
+          </a:p>
+          <a:p>
+            <a:pPr lvl="1"/>
+            <a:r>
+              <a:rPr sz="2000">
+                <a:solidFill>
+                  <a:srgbClr val="000000"/>
+                </a:solidFill>
+              </a:rPr>
+              <a:t>Neurons Inc.'s business model revolves around providing AI-powered solutions.</a:t>
+            </a:r>
+          </a:p>
+          <a:p>
+            <a:pPr lvl="2"/>
+            <a:r>
+              <a:rPr sz="2000">
+                <a:solidFill>
+                  <a:srgbClr val="000000"/>
+                </a:solidFill>
+              </a:rPr>
+              <a:t>Leverages consumer neuroscience and predictive analytics</a:t>
+            </a:r>
+          </a:p>
+          <a:p>
+            <a:pPr lvl="2"/>
+            <a:r>
+              <a:rPr sz="2000">
+                <a:solidFill>
+                  <a:srgbClr val="000000"/>
+                </a:solidFill>
+              </a:rPr>
+              <a:t>Optimizes marketing, advertising, and customer engagement strategies</a:t>
+            </a:r>
+          </a:p>
+          <a:p>
+            <a:pPr lvl="2"/>
+            <a:r>
+              <a:rPr sz="2000">
+                <a:solidFill>
+                  <a:srgbClr val="000000"/>
+                </a:solidFill>
+              </a:rPr>
+              <a:t>Drives significant business improvements for its clients</a:t>
+            </a:r>
+          </a:p>
+        </p:txBody>
+      </p:sp>
+    </p:spTree>
+  </p:cSld>
+  <p:clrMapOvr>
+    <a:masterClrMapping/>
+  </p:clrMapOvr>
+</p:sld>
+</file>
+
+<file path=ppt/slides/slide26.xml><?xml version="1.0" encoding="utf-8"?>
+<p:sld xmlns:a="http://schemas.openxmlformats.org/drawingml/2006/main" xmlns:p="http://schemas.openxmlformats.org/presentationml/2006/main" xmlns:r="http://schemas.openxmlformats.org/officeDocument/2006/relationships">
+  <p:cSld>
+    <p:spTree>
+      <p:nvGrpSpPr>
+        <p:cNvPr id="1" name=""/>
+        <p:cNvGrpSpPr/>
+        <p:nvPr/>
+      </p:nvGrpSpPr>
+      <p:grpSpPr/>
+      <p:sp>
+        <p:nvSpPr>
+          <p:cNvPr id="2" name="Title 1"/>
+          <p:cNvSpPr>
+            <a:spLocks noGrp="1"/>
+          </p:cNvSpPr>
+          <p:nvPr>
+            <p:ph type="title"/>
+          </p:nvPr>
+        </p:nvSpPr>
+        <p:spPr/>
+        <p:txBody>
+          <a:bodyPr/>
+          <a:lstStyle/>
+          <a:p>
+            <a:pPr>
+              <a:defRPr sz="3600">
+                <a:solidFill>
+                  <a:srgbClr val="00008B"/>
+                </a:solidFill>
+              </a:defRPr>
+            </a:pPr>
+            <a:r>
+              <a:t>Citations</a:t>
+            </a:r>
+          </a:p>
+        </p:txBody>
+      </p:sp>
+      <p:sp>
+        <p:nvSpPr>
+          <p:cNvPr id="3" name="Content Placeholder 2"/>
+          <p:cNvSpPr>
+            <a:spLocks noGrp="1"/>
+          </p:cNvSpPr>
+          <p:nvPr>
+            <p:ph idx="1"/>
+          </p:nvPr>
+        </p:nvSpPr>
+        <p:spPr/>
+        <p:txBody>
+          <a:bodyPr/>
+          <a:lstStyle/>
+          <a:p/>
+          <a:p>
+            <a:pPr/>
+            <a:r>
+              <a:rPr sz="2000">
+                <a:solidFill>
+                  <a:srgbClr val="000000"/>
+                </a:solidFill>
+              </a:rPr>
+              <a:t/>
+            </a:r>
+          </a:p>
+          <a:p>
+            <a:pPr lvl="1"/>
+            <a:r>
+              <a:rPr sz="2000">
+                <a:solidFill>
+                  <a:srgbClr val="000000"/>
+                </a:solidFill>
+              </a:rPr>
+              <a:t>[1] [Customer Stories - Neurons Inc](https://www.neuronsinc.com/customer-stories)</a:t>
+            </a:r>
+          </a:p>
+        </p:txBody>
+      </p:sp>
+    </p:spTree>
+  </p:cSld>
+  <p:clrMapOvr>
+    <a:masterClrMapping/>
+  </p:clrMapOvr>
+</p:sld>
+</file>
+
+<file path=ppt/slides/slide27.xml><?xml version="1.0" encoding="utf-8"?>
+<p:sld xmlns:a="http://schemas.openxmlformats.org/drawingml/2006/main" xmlns:p="http://schemas.openxmlformats.org/presentationml/2006/main" xmlns:r="http://schemas.openxmlformats.org/officeDocument/2006/relationships">
+  <p:cSld>
+    <p:spTree>
+      <p:nvGrpSpPr>
+        <p:cNvPr id="1" name=""/>
+        <p:cNvGrpSpPr/>
+        <p:nvPr/>
+      </p:nvGrpSpPr>
+      <p:grpSpPr/>
+      <p:sp>
+        <p:nvSpPr>
+          <p:cNvPr id="2" name="Title 1"/>
+          <p:cNvSpPr>
+            <a:spLocks noGrp="1"/>
+          </p:cNvSpPr>
+          <p:nvPr>
+            <p:ph type="title"/>
+          </p:nvPr>
+        </p:nvSpPr>
+        <p:spPr/>
+        <p:txBody>
+          <a:bodyPr/>
+          <a:lstStyle/>
+          <a:p>
+            <a:pPr>
+              <a:defRPr sz="3600">
+                <a:solidFill>
+                  <a:srgbClr val="00008B"/>
+                </a:solidFill>
+              </a:defRPr>
+            </a:pPr>
+            <a:r>
+              <a:t>References</a:t>
+            </a:r>
+          </a:p>
+        </p:txBody>
+      </p:sp>
+      <p:sp>
+        <p:nvSpPr>
+          <p:cNvPr id="3" name="Content Placeholder 2"/>
+          <p:cNvSpPr>
+            <a:spLocks noGrp="1"/>
+          </p:cNvSpPr>
+          <p:nvPr>
+            <p:ph idx="1"/>
+          </p:nvPr>
+        </p:nvSpPr>
+        <p:spPr/>
+        <p:txBody>
+          <a:bodyPr/>
+          <a:lstStyle/>
+          <a:p/>
+          <a:p>
+            <a:pPr/>
+            <a:r>
+              <a:rPr sz="2000">
+                <a:solidFill>
+                  <a:srgbClr val="000000"/>
+                </a:solidFill>
+              </a:rPr>
+              <a:t>Customer Stories - Neurons Inc</a:t>
+            </a:r>
+          </a:p>
+          <a:p>
+            <a:pPr lvl="1"/>
+            <a:r>
+              <a:rPr sz="2000">
+                <a:solidFill>
+                  <a:srgbClr val="000000"/>
+                </a:solidFill>
+              </a:rPr>
+              <a:t>Link not provided</a:t>
+            </a:r>
+          </a:p>
+        </p:txBody>
+      </p:sp>
+    </p:spTree>
+  </p:cSld>
+  <p:clrMapOvr>
+    <a:masterClrMapping/>
+  </p:clrMapOvr>
+</p:sld>
+</file>
+
+<file path=ppt/slides/slide28.xml><?xml version="1.0" encoding="utf-8"?>
+<p:sld xmlns:a="http://schemas.openxmlformats.org/drawingml/2006/main" xmlns:p="http://schemas.openxmlformats.org/presentationml/2006/main" xmlns:r="http://schemas.openxmlformats.org/officeDocument/2006/relationships">
+  <p:cSld>
+    <p:spTree>
+      <p:nvGrpSpPr>
+        <p:cNvPr id="1" name=""/>
+        <p:cNvGrpSpPr/>
+        <p:nvPr/>
+      </p:nvGrpSpPr>
+      <p:grpSpPr/>
+      <p:sp>
+        <p:nvSpPr>
+          <p:cNvPr id="2" name="Title 1"/>
+          <p:cNvSpPr>
+            <a:spLocks noGrp="1"/>
+          </p:cNvSpPr>
+          <p:nvPr>
+            <p:ph type="title"/>
+          </p:nvPr>
+        </p:nvSpPr>
+        <p:spPr/>
+        <p:txBody>
+          <a:bodyPr/>
+          <a:lstStyle/>
+          <a:p>
+            <a:pPr>
+              <a:defRPr sz="3600">
+                <a:solidFill>
+                  <a:srgbClr val="00008B"/>
+                </a:solidFill>
+              </a:defRPr>
+            </a:pPr>
+            <a:r>
+              <a:t>Investment Thesis for Neuron.ai</a:t>
+            </a:r>
+          </a:p>
+        </p:txBody>
+      </p:sp>
+      <p:sp>
+        <p:nvSpPr>
+          <p:cNvPr id="3" name="Content Placeholder 2"/>
+          <p:cNvSpPr>
+            <a:spLocks noGrp="1"/>
+          </p:cNvSpPr>
+          <p:nvPr>
+            <p:ph idx="1"/>
+          </p:nvPr>
+        </p:nvSpPr>
+        <p:spPr/>
+        <p:txBody>
+          <a:bodyPr/>
+          <a:lstStyle/>
+          <a:p/>
+          <a:p>
+            <a:pPr/>
+            <a:r>
+              <a:rPr sz="2000">
+                <a:solidFill>
+                  <a:srgbClr val="000000"/>
+                </a:solidFill>
+              </a:rPr>
+              <a:t>Company Overview</a:t>
+            </a:r>
+          </a:p>
+          <a:p>
+            <a:pPr lvl="1"/>
+            <a:r>
+              <a:rPr sz="2000">
+                <a:solidFill>
+                  <a:srgbClr val="000000"/>
+                </a:solidFill>
+              </a:rPr>
+              <a:t>Neuron.ai, also known as Neurons Inc., is a pioneering company that integrates artificial intelligence and neuroscience to revolutionize business strategies, particularly in marketing, customer experience, and decision-making ([1]).</a:t>
+            </a:r>
+          </a:p>
+          <a:p>
+            <a:pPr lvl="1"/>
+            <a:r>
+              <a:rPr sz="2000">
+                <a:solidFill>
+                  <a:srgbClr val="000000"/>
+                </a:solidFill>
+              </a:rPr>
+              <a:t>The company is strategically positioned in the burgeoning AI and neuroscience market, which is projected to grow significantly as businesses increasingly seek data-driven insights to enhance customer engagement and optimize marketing efforts ([1]).</a:t>
+            </a:r>
+          </a:p>
+        </p:txBody>
+      </p:sp>
+    </p:spTree>
+  </p:cSld>
+  <p:clrMapOvr>
+    <a:masterClrMapping/>
+  </p:clrMapOvr>
+</p:sld>
+</file>
+
+<file path=ppt/slides/slide29.xml><?xml version="1.0" encoding="utf-8"?>
+<p:sld xmlns:a="http://schemas.openxmlformats.org/drawingml/2006/main" xmlns:p="http://schemas.openxmlformats.org/presentationml/2006/main" xmlns:r="http://schemas.openxmlformats.org/officeDocument/2006/relationships">
+  <p:cSld>
+    <p:spTree>
+      <p:nvGrpSpPr>
+        <p:cNvPr id="1" name=""/>
+        <p:cNvGrpSpPr/>
+        <p:nvPr/>
+      </p:nvGrpSpPr>
+      <p:grpSpPr/>
+      <p:sp>
+        <p:nvSpPr>
+          <p:cNvPr id="2" name="Title 1"/>
+          <p:cNvSpPr>
+            <a:spLocks noGrp="1"/>
+          </p:cNvSpPr>
+          <p:nvPr>
+            <p:ph type="title"/>
+          </p:nvPr>
+        </p:nvSpPr>
+        <p:spPr/>
+        <p:txBody>
+          <a:bodyPr/>
+          <a:lstStyle/>
+          <a:p>
+            <a:pPr>
+              <a:defRPr sz="3600">
+                <a:solidFill>
+                  <a:srgbClr val="00008B"/>
+                </a:solidFill>
+              </a:defRPr>
+            </a:pPr>
+            <a:r>
+              <a:t>Neuron.ai's Client Base and Growth Drivers</a:t>
+            </a:r>
+          </a:p>
+        </p:txBody>
+      </p:sp>
+      <p:sp>
+        <p:nvSpPr>
+          <p:cNvPr id="3" name="Content Placeholder 2"/>
+          <p:cNvSpPr>
+            <a:spLocks noGrp="1"/>
+          </p:cNvSpPr>
+          <p:nvPr>
+            <p:ph idx="1"/>
+          </p:nvPr>
+        </p:nvSpPr>
+        <p:spPr/>
+        <p:txBody>
+          <a:bodyPr/>
+          <a:lstStyle/>
+          <a:p/>
+          <a:p>
+            <a:pPr/>
+            <a:r>
+              <a:rPr sz="2000">
+                <a:solidFill>
+                  <a:srgbClr val="000000"/>
+                </a:solidFill>
+              </a:rPr>
+              <a:t>Client Base and Market Position</a:t>
+            </a:r>
+          </a:p>
+          <a:p>
+            <a:pPr lvl="1"/>
+            <a:r>
+              <a:rPr sz="2000">
+                <a:solidFill>
+                  <a:srgbClr val="000000"/>
+                </a:solidFill>
+              </a:rPr>
+              <a:t>Neuron.ai's industry position is bolstered by its robust client base, including major brands like Spotify and IKEA, which underscores its capability to deliver tailored solutions across various sectors ([1]).</a:t>
+            </a:r>
+          </a:p>
+          <a:p>
+            <a:pPr lvl="1"/>
+            <a:r>
+              <a:rPr sz="2000">
+                <a:solidFill>
+                  <a:srgbClr val="000000"/>
+                </a:solidFill>
+              </a:rPr>
+              <a:t>The primary growth drivers for Neuron.ai include the rising demand for personalized marketing and the increasing reliance on AI-driven analytics to process large datasets and provide predictive insights ([1]).</a:t>
             </a:r>
           </a:p>
         </p:txBody>
@@ -3355,7 +5499,7 @@
               </a:defRPr>
             </a:pPr>
             <a:r>
-              <a:t>Investment Memo: Neurons.ai</a:t>
+              <a:t>Citations</a:t>
             </a:r>
           </a:p>
         </p:txBody>
@@ -3383,29 +5527,1165 @@
                   <a:srgbClr val="000000"/>
                 </a:solidFill>
               </a:rPr>
-              <a:t>Executive Summary</a:t>
-            </a:r>
-          </a:p>
-          <a:p>
-            <a:pPr lvl="1"/>
-            <a:r>
-              <a:rPr sz="2000">
-                <a:solidFill>
-                  <a:srgbClr val="000000"/>
-                </a:solidFill>
-              </a:rPr>
-              <a:t>Neurons is an AI platform that enhances ecommerce performance for CPG brands.</a:t>
-            </a:r>
-          </a:p>
-          <a:p>
-            <a:pPr lvl="1"/>
-            <a:r>
-              <a:rPr sz="2000">
-                <a:solidFill>
-                  <a:srgbClr val="000000"/>
-                </a:solidFill>
-              </a:rPr>
-              <a:t>Offers a suite of tools for insights into customer behavior, marketing strategies, and rate improvement.</a:t>
+              <a:t/>
+            </a:r>
+          </a:p>
+          <a:p>
+            <a:pPr lvl="1"/>
+            <a:r>
+              <a:rPr sz="2000">
+                <a:solidFill>
+                  <a:srgbClr val="000000"/>
+                </a:solidFill>
+              </a:rPr>
+              <a:t>[1] [Neuron Solutions - Your AI consultant](https://www.neuronsolutions.com)</a:t>
+            </a:r>
+          </a:p>
+          <a:p>
+            <a:pPr lvl="1"/>
+            <a:r>
+              <a:rPr sz="2000">
+                <a:solidFill>
+                  <a:srgbClr val="000000"/>
+                </a:solidFill>
+              </a:rPr>
+              <a:t>[2] [Artificial Intelligence and the Future of Finance - Neuron Solutions](https://www.neuronsolutions.com/finance)</a:t>
+            </a:r>
+          </a:p>
+        </p:txBody>
+      </p:sp>
+    </p:spTree>
+  </p:cSld>
+  <p:clrMapOvr>
+    <a:masterClrMapping/>
+  </p:clrMapOvr>
+</p:sld>
+</file>
+
+<file path=ppt/slides/slide30.xml><?xml version="1.0" encoding="utf-8"?>
+<p:sld xmlns:a="http://schemas.openxmlformats.org/drawingml/2006/main" xmlns:p="http://schemas.openxmlformats.org/presentationml/2006/main" xmlns:r="http://schemas.openxmlformats.org/officeDocument/2006/relationships">
+  <p:cSld>
+    <p:spTree>
+      <p:nvGrpSpPr>
+        <p:cNvPr id="1" name=""/>
+        <p:cNvGrpSpPr/>
+        <p:nvPr/>
+      </p:nvGrpSpPr>
+      <p:grpSpPr/>
+      <p:sp>
+        <p:nvSpPr>
+          <p:cNvPr id="2" name="Title 1"/>
+          <p:cNvSpPr>
+            <a:spLocks noGrp="1"/>
+          </p:cNvSpPr>
+          <p:nvPr>
+            <p:ph type="title"/>
+          </p:nvPr>
+        </p:nvSpPr>
+        <p:spPr/>
+        <p:txBody>
+          <a:bodyPr/>
+          <a:lstStyle/>
+          <a:p>
+            <a:pPr>
+              <a:defRPr sz="3600">
+                <a:solidFill>
+                  <a:srgbClr val="00008B"/>
+                </a:solidFill>
+              </a:defRPr>
+            </a:pPr>
+            <a:r>
+              <a:t>Catalysts for Neuron.ai's Growth</a:t>
+            </a:r>
+          </a:p>
+        </p:txBody>
+      </p:sp>
+      <p:sp>
+        <p:nvSpPr>
+          <p:cNvPr id="3" name="Content Placeholder 2"/>
+          <p:cNvSpPr>
+            <a:spLocks noGrp="1"/>
+          </p:cNvSpPr>
+          <p:nvPr>
+            <p:ph idx="1"/>
+          </p:nvPr>
+        </p:nvSpPr>
+        <p:spPr/>
+        <p:txBody>
+          <a:bodyPr/>
+          <a:lstStyle/>
+          <a:p/>
+          <a:p>
+            <a:pPr/>
+            <a:r>
+              <a:rPr sz="2000">
+                <a:solidFill>
+                  <a:srgbClr val="000000"/>
+                </a:solidFill>
+              </a:rPr>
+              <a:t>Future Growth Prospects</a:t>
+            </a:r>
+          </a:p>
+          <a:p>
+            <a:pPr lvl="1"/>
+            <a:r>
+              <a:rPr sz="2000">
+                <a:solidFill>
+                  <a:srgbClr val="000000"/>
+                </a:solidFill>
+              </a:rPr>
+              <a:t>Catalysts for further growth include potential expansions into new markets and the development of innovative tools and methodologies, such as their collaboration with Stanford University on neuromarketing studies ([1]).</a:t>
+            </a:r>
+          </a:p>
+          <a:p>
+            <a:pPr lvl="1"/>
+            <a:r>
+              <a:rPr sz="2000">
+                <a:solidFill>
+                  <a:srgbClr val="000000"/>
+                </a:solidFill>
+              </a:rPr>
+              <a:t>Macroeconomic factors, such as the global shift towards digital transformation and the growing emphasis on customer-centric business models, further support Neuron.ai's growth trajectory ([1]).</a:t>
+            </a:r>
+          </a:p>
+        </p:txBody>
+      </p:sp>
+    </p:spTree>
+  </p:cSld>
+  <p:clrMapOvr>
+    <a:masterClrMapping/>
+  </p:clrMapOvr>
+</p:sld>
+</file>
+
+<file path=ppt/slides/slide31.xml><?xml version="1.0" encoding="utf-8"?>
+<p:sld xmlns:a="http://schemas.openxmlformats.org/drawingml/2006/main" xmlns:p="http://schemas.openxmlformats.org/presentationml/2006/main" xmlns:r="http://schemas.openxmlformats.org/officeDocument/2006/relationships">
+  <p:cSld>
+    <p:spTree>
+      <p:nvGrpSpPr>
+        <p:cNvPr id="1" name=""/>
+        <p:cNvGrpSpPr/>
+        <p:nvPr/>
+      </p:nvGrpSpPr>
+      <p:grpSpPr/>
+      <p:sp>
+        <p:nvSpPr>
+          <p:cNvPr id="2" name="Title 1"/>
+          <p:cNvSpPr>
+            <a:spLocks noGrp="1"/>
+          </p:cNvSpPr>
+          <p:nvPr>
+            <p:ph type="title"/>
+          </p:nvPr>
+        </p:nvSpPr>
+        <p:spPr/>
+        <p:txBody>
+          <a:bodyPr/>
+          <a:lstStyle/>
+          <a:p>
+            <a:pPr>
+              <a:defRPr sz="3600">
+                <a:solidFill>
+                  <a:srgbClr val="00008B"/>
+                </a:solidFill>
+              </a:defRPr>
+            </a:pPr>
+            <a:r>
+              <a:t>Valuation and Investment Horizon</a:t>
+            </a:r>
+          </a:p>
+        </p:txBody>
+      </p:sp>
+      <p:sp>
+        <p:nvSpPr>
+          <p:cNvPr id="3" name="Content Placeholder 2"/>
+          <p:cNvSpPr>
+            <a:spLocks noGrp="1"/>
+          </p:cNvSpPr>
+          <p:nvPr>
+            <p:ph idx="1"/>
+          </p:nvPr>
+        </p:nvSpPr>
+        <p:spPr/>
+        <p:txBody>
+          <a:bodyPr/>
+          <a:lstStyle/>
+          <a:p/>
+          <a:p>
+            <a:pPr/>
+            <a:r>
+              <a:rPr sz="2000">
+                <a:solidFill>
+                  <a:srgbClr val="000000"/>
+                </a:solidFill>
+              </a:rPr>
+              <a:t>Investment Considerations</a:t>
+            </a:r>
+          </a:p>
+          <a:p>
+            <a:pPr lvl="1"/>
+            <a:r>
+              <a:rPr sz="2000">
+                <a:solidFill>
+                  <a:srgbClr val="000000"/>
+                </a:solidFill>
+              </a:rPr>
+              <a:t>In terms of valuation, Neuron.ai's unique value proposition and its ability to enhance key performance indicators for its clients, such as cost per lead and click-through rates, position it as a valuable asset in the AI and neuroscience sectors ([1]).</a:t>
+            </a:r>
+          </a:p>
+          <a:p>
+            <a:pPr lvl="1"/>
+            <a:r>
+              <a:rPr sz="2000">
+                <a:solidFill>
+                  <a:srgbClr val="000000"/>
+                </a:solidFill>
+              </a:rPr>
+              <a:t>The investment horizon for Neuron.ai is medium to long-term, as the company continues to innovate and expand its offerings, capitalizing on the increasing integration of AI in business strategies worldwide ([1]).</a:t>
+            </a:r>
+          </a:p>
+        </p:txBody>
+      </p:sp>
+    </p:spTree>
+  </p:cSld>
+  <p:clrMapOvr>
+    <a:masterClrMapping/>
+  </p:clrMapOvr>
+</p:sld>
+</file>
+
+<file path=ppt/slides/slide32.xml><?xml version="1.0" encoding="utf-8"?>
+<p:sld xmlns:a="http://schemas.openxmlformats.org/drawingml/2006/main" xmlns:p="http://schemas.openxmlformats.org/presentationml/2006/main" xmlns:r="http://schemas.openxmlformats.org/officeDocument/2006/relationships">
+  <p:cSld>
+    <p:spTree>
+      <p:nvGrpSpPr>
+        <p:cNvPr id="1" name=""/>
+        <p:cNvGrpSpPr/>
+        <p:nvPr/>
+      </p:nvGrpSpPr>
+      <p:grpSpPr/>
+      <p:sp>
+        <p:nvSpPr>
+          <p:cNvPr id="2" name="Title 1"/>
+          <p:cNvSpPr>
+            <a:spLocks noGrp="1"/>
+          </p:cNvSpPr>
+          <p:nvPr>
+            <p:ph type="title"/>
+          </p:nvPr>
+        </p:nvSpPr>
+        <p:spPr/>
+        <p:txBody>
+          <a:bodyPr/>
+          <a:lstStyle/>
+          <a:p>
+            <a:pPr>
+              <a:defRPr sz="3600">
+                <a:solidFill>
+                  <a:srgbClr val="00008B"/>
+                </a:solidFill>
+              </a:defRPr>
+            </a:pPr>
+            <a:r>
+              <a:t>Citations</a:t>
+            </a:r>
+          </a:p>
+        </p:txBody>
+      </p:sp>
+      <p:sp>
+        <p:nvSpPr>
+          <p:cNvPr id="3" name="Content Placeholder 2"/>
+          <p:cNvSpPr>
+            <a:spLocks noGrp="1"/>
+          </p:cNvSpPr>
+          <p:nvPr>
+            <p:ph idx="1"/>
+          </p:nvPr>
+        </p:nvSpPr>
+        <p:spPr/>
+        <p:txBody>
+          <a:bodyPr/>
+          <a:lstStyle/>
+          <a:p/>
+          <a:p>
+            <a:pPr/>
+            <a:r>
+              <a:rPr sz="2000">
+                <a:solidFill>
+                  <a:srgbClr val="000000"/>
+                </a:solidFill>
+              </a:rPr>
+              <a:t/>
+            </a:r>
+          </a:p>
+          <a:p>
+            <a:pPr lvl="1"/>
+            <a:r>
+              <a:rPr sz="2000">
+                <a:solidFill>
+                  <a:srgbClr val="000000"/>
+                </a:solidFill>
+              </a:rPr>
+              <a:t>[1] [Neuron.ai](&lt;external&gt;Neuron.ai&lt;/external&gt;)</a:t>
+            </a:r>
+          </a:p>
+        </p:txBody>
+      </p:sp>
+    </p:spTree>
+  </p:cSld>
+  <p:clrMapOvr>
+    <a:masterClrMapping/>
+  </p:clrMapOvr>
+</p:sld>
+</file>
+
+<file path=ppt/slides/slide33.xml><?xml version="1.0" encoding="utf-8"?>
+<p:sld xmlns:a="http://schemas.openxmlformats.org/drawingml/2006/main" xmlns:p="http://schemas.openxmlformats.org/presentationml/2006/main" xmlns:r="http://schemas.openxmlformats.org/officeDocument/2006/relationships">
+  <p:cSld>
+    <p:spTree>
+      <p:nvGrpSpPr>
+        <p:cNvPr id="1" name=""/>
+        <p:cNvGrpSpPr/>
+        <p:nvPr/>
+      </p:nvGrpSpPr>
+      <p:grpSpPr/>
+      <p:sp>
+        <p:nvSpPr>
+          <p:cNvPr id="2" name="Title 1"/>
+          <p:cNvSpPr>
+            <a:spLocks noGrp="1"/>
+          </p:cNvSpPr>
+          <p:nvPr>
+            <p:ph type="title"/>
+          </p:nvPr>
+        </p:nvSpPr>
+        <p:spPr/>
+        <p:txBody>
+          <a:bodyPr/>
+          <a:lstStyle/>
+          <a:p>
+            <a:pPr>
+              <a:defRPr sz="3600">
+                <a:solidFill>
+                  <a:srgbClr val="00008B"/>
+                </a:solidFill>
+              </a:defRPr>
+            </a:pPr>
+            <a:r>
+              <a:t>Market Analysis for Neuron.ai</a:t>
+            </a:r>
+          </a:p>
+        </p:txBody>
+      </p:sp>
+      <p:sp>
+        <p:nvSpPr>
+          <p:cNvPr id="3" name="Content Placeholder 2"/>
+          <p:cNvSpPr>
+            <a:spLocks noGrp="1"/>
+          </p:cNvSpPr>
+          <p:nvPr>
+            <p:ph idx="1"/>
+          </p:nvPr>
+        </p:nvSpPr>
+        <p:spPr/>
+        <p:txBody>
+          <a:bodyPr/>
+          <a:lstStyle/>
+          <a:p/>
+          <a:p>
+            <a:pPr/>
+            <a:r>
+              <a:rPr sz="2000">
+                <a:solidFill>
+                  <a:srgbClr val="000000"/>
+                </a:solidFill>
+              </a:rPr>
+              <a:t>Overview</a:t>
+            </a:r>
+          </a:p>
+          <a:p>
+            <a:pPr lvl="1"/>
+            <a:r>
+              <a:rPr sz="2000">
+                <a:solidFill>
+                  <a:srgbClr val="000000"/>
+                </a:solidFill>
+              </a:rPr>
+              <a:t>Neuron.ai operates in the competitive landscape of AI-powered writing and SEO optimization tools.</a:t>
+            </a:r>
+          </a:p>
+          <a:p>
+            <a:pPr lvl="1"/>
+            <a:r>
+              <a:rPr sz="2000">
+                <a:solidFill>
+                  <a:srgbClr val="000000"/>
+                </a:solidFill>
+              </a:rPr>
+              <a:t>This market is characterized by rapid technological advancements and a growing demand for efficient content creation solutions.</a:t>
+            </a:r>
+          </a:p>
+          <a:p>
+            <a:pPr lvl="1"/>
+            <a:r>
+              <a:rPr sz="2000">
+                <a:solidFill>
+                  <a:srgbClr val="000000"/>
+                </a:solidFill>
+              </a:rPr>
+              <a:t>The following analysis provides an overview of key competitors and their positioning relative to Neuron.ai.</a:t>
+            </a:r>
+          </a:p>
+        </p:txBody>
+      </p:sp>
+    </p:spTree>
+  </p:cSld>
+  <p:clrMapOvr>
+    <a:masterClrMapping/>
+  </p:clrMapOvr>
+</p:sld>
+</file>
+
+<file path=ppt/slides/slide34.xml><?xml version="1.0" encoding="utf-8"?>
+<p:sld xmlns:a="http://schemas.openxmlformats.org/drawingml/2006/main" xmlns:p="http://schemas.openxmlformats.org/presentationml/2006/main" xmlns:r="http://schemas.openxmlformats.org/officeDocument/2006/relationships">
+  <p:cSld>
+    <p:spTree>
+      <p:nvGrpSpPr>
+        <p:cNvPr id="1" name=""/>
+        <p:cNvGrpSpPr/>
+        <p:nvPr/>
+      </p:nvGrpSpPr>
+      <p:grpSpPr/>
+      <p:sp>
+        <p:nvSpPr>
+          <p:cNvPr id="2" name="Title 1"/>
+          <p:cNvSpPr>
+            <a:spLocks noGrp="1"/>
+          </p:cNvSpPr>
+          <p:nvPr>
+            <p:ph type="title"/>
+          </p:nvPr>
+        </p:nvSpPr>
+        <p:spPr/>
+        <p:txBody>
+          <a:bodyPr/>
+          <a:lstStyle/>
+          <a:p>
+            <a:pPr>
+              <a:defRPr sz="3600">
+                <a:solidFill>
+                  <a:srgbClr val="00008B"/>
+                </a:solidFill>
+              </a:defRPr>
+            </a:pPr>
+            <a:r>
+              <a:t>Citations</a:t>
+            </a:r>
+          </a:p>
+        </p:txBody>
+      </p:sp>
+      <p:sp>
+        <p:nvSpPr>
+          <p:cNvPr id="3" name="Content Placeholder 2"/>
+          <p:cNvSpPr>
+            <a:spLocks noGrp="1"/>
+          </p:cNvSpPr>
+          <p:nvPr>
+            <p:ph idx="1"/>
+          </p:nvPr>
+        </p:nvSpPr>
+        <p:spPr/>
+        <p:txBody>
+          <a:bodyPr/>
+          <a:lstStyle/>
+          <a:p/>
+          <a:p>
+            <a:pPr/>
+            <a:r>
+              <a:rPr sz="2000">
+                <a:solidFill>
+                  <a:srgbClr val="000000"/>
+                </a:solidFill>
+              </a:rPr>
+              <a:t/>
+            </a:r>
+          </a:p>
+          <a:p>
+            <a:pPr lvl="1"/>
+            <a:r>
+              <a:rPr sz="2000">
+                <a:solidFill>
+                  <a:srgbClr val="000000"/>
+                </a:solidFill>
+              </a:rPr>
+              <a:t>[1] [Neuron.ai](&lt;external&gt;)</a:t>
+            </a:r>
+          </a:p>
+        </p:txBody>
+      </p:sp>
+    </p:spTree>
+  </p:cSld>
+  <p:clrMapOvr>
+    <a:masterClrMapping/>
+  </p:clrMapOvr>
+</p:sld>
+</file>
+
+<file path=ppt/slides/slide35.xml><?xml version="1.0" encoding="utf-8"?>
+<p:sld xmlns:a="http://schemas.openxmlformats.org/drawingml/2006/main" xmlns:p="http://schemas.openxmlformats.org/presentationml/2006/main" xmlns:r="http://schemas.openxmlformats.org/officeDocument/2006/relationships">
+  <p:cSld>
+    <p:spTree>
+      <p:nvGrpSpPr>
+        <p:cNvPr id="1" name=""/>
+        <p:cNvGrpSpPr/>
+        <p:nvPr/>
+      </p:nvGrpSpPr>
+      <p:grpSpPr/>
+      <p:sp>
+        <p:nvSpPr>
+          <p:cNvPr id="2" name="Title 1"/>
+          <p:cNvSpPr>
+            <a:spLocks noGrp="1"/>
+          </p:cNvSpPr>
+          <p:nvPr>
+            <p:ph type="title"/>
+          </p:nvPr>
+        </p:nvSpPr>
+        <p:spPr/>
+        <p:txBody>
+          <a:bodyPr/>
+          <a:lstStyle/>
+          <a:p>
+            <a:pPr>
+              <a:defRPr sz="3600">
+                <a:solidFill>
+                  <a:srgbClr val="00008B"/>
+                </a:solidFill>
+              </a:defRPr>
+            </a:pPr>
+            <a:r>
+              <a:t>Competitors</a:t>
+            </a:r>
+          </a:p>
+        </p:txBody>
+      </p:sp>
+      <p:sp>
+        <p:nvSpPr>
+          <p:cNvPr id="3" name="Content Placeholder 2"/>
+          <p:cNvSpPr>
+            <a:spLocks noGrp="1"/>
+          </p:cNvSpPr>
+          <p:nvPr>
+            <p:ph idx="1"/>
+          </p:nvPr>
+        </p:nvSpPr>
+        <p:spPr/>
+        <p:txBody>
+          <a:bodyPr/>
+          <a:lstStyle/>
+          <a:p/>
+          <a:p>
+            <a:pPr/>
+            <a:r>
+              <a:rPr sz="2000">
+                <a:solidFill>
+                  <a:srgbClr val="000000"/>
+                </a:solidFill>
+              </a:rPr>
+              <a:t/>
+            </a:r>
+          </a:p>
+          <a:p>
+            <a:pPr lvl="1"/>
+            <a:r>
+              <a:rPr sz="2000">
+                <a:solidFill>
+                  <a:srgbClr val="000000"/>
+                </a:solidFill>
+              </a:rPr>
+              <a:t>Detailed analysis of key competitors in the market.</a:t>
+            </a:r>
+          </a:p>
+        </p:txBody>
+      </p:sp>
+    </p:spTree>
+  </p:cSld>
+  <p:clrMapOvr>
+    <a:masterClrMapping/>
+  </p:clrMapOvr>
+</p:sld>
+</file>
+
+<file path=ppt/slides/slide36.xml><?xml version="1.0" encoding="utf-8"?>
+<p:sld xmlns:a="http://schemas.openxmlformats.org/drawingml/2006/main" xmlns:p="http://schemas.openxmlformats.org/presentationml/2006/main" xmlns:r="http://schemas.openxmlformats.org/officeDocument/2006/relationships">
+  <p:cSld>
+    <p:spTree>
+      <p:nvGrpSpPr>
+        <p:cNvPr id="1" name=""/>
+        <p:cNvGrpSpPr/>
+        <p:nvPr/>
+      </p:nvGrpSpPr>
+      <p:grpSpPr/>
+      <p:sp>
+        <p:nvSpPr>
+          <p:cNvPr id="2" name="Title 1"/>
+          <p:cNvSpPr>
+            <a:spLocks noGrp="1"/>
+          </p:cNvSpPr>
+          <p:nvPr>
+            <p:ph type="title"/>
+          </p:nvPr>
+        </p:nvSpPr>
+        <p:spPr/>
+        <p:txBody>
+          <a:bodyPr/>
+          <a:lstStyle/>
+          <a:p>
+            <a:pPr>
+              <a:defRPr sz="3600">
+                <a:solidFill>
+                  <a:srgbClr val="00008B"/>
+                </a:solidFill>
+              </a:defRPr>
+            </a:pPr>
+            <a:r>
+              <a:t>Scalenut Overview</a:t>
+            </a:r>
+          </a:p>
+        </p:txBody>
+      </p:sp>
+      <p:sp>
+        <p:nvSpPr>
+          <p:cNvPr id="3" name="Content Placeholder 2"/>
+          <p:cNvSpPr>
+            <a:spLocks noGrp="1"/>
+          </p:cNvSpPr>
+          <p:nvPr>
+            <p:ph idx="1"/>
+          </p:nvPr>
+        </p:nvSpPr>
+        <p:spPr/>
+        <p:txBody>
+          <a:bodyPr/>
+          <a:lstStyle/>
+          <a:p/>
+          <a:p>
+            <a:pPr/>
+            <a:r>
+              <a:rPr sz="2000">
+                <a:solidFill>
+                  <a:srgbClr val="000000"/>
+                </a:solidFill>
+              </a:rPr>
+              <a:t>Introduction to Scalenut</a:t>
+            </a:r>
+          </a:p>
+          <a:p>
+            <a:pPr lvl="1"/>
+            <a:r>
+              <a:rPr sz="2000">
+                <a:solidFill>
+                  <a:srgbClr val="000000"/>
+                </a:solidFill>
+              </a:rPr>
+              <a:t>Scalenut is an AI-driven platform integrating keyword research, AI writing, and content optimization.</a:t>
+            </a:r>
+          </a:p>
+          <a:p>
+            <a:pPr lvl="1"/>
+            <a:r>
+              <a:rPr sz="2000">
+                <a:solidFill>
+                  <a:srgbClr val="000000"/>
+                </a:solidFill>
+              </a:rPr>
+              <a:t>Appeals to users seeking a comprehensive tool covering multiple aspects of content marketing.</a:t>
+            </a:r>
+          </a:p>
+          <a:p>
+            <a:pPr/>
+            <a:r>
+              <a:rPr sz="2000">
+                <a:solidFill>
+                  <a:srgbClr val="000000"/>
+                </a:solidFill>
+              </a:rPr>
+              <a:t>Comparison with Neuron.ai</a:t>
+            </a:r>
+          </a:p>
+          <a:p>
+            <a:pPr lvl="1"/>
+            <a:r>
+              <a:rPr sz="2000">
+                <a:solidFill>
+                  <a:srgbClr val="000000"/>
+                </a:solidFill>
+              </a:rPr>
+              <a:t>Compared to Neuron.ai, Scalenut offers a broader suite of features.</a:t>
+            </a:r>
+          </a:p>
+          <a:p>
+            <a:pPr lvl="1"/>
+            <a:r>
+              <a:rPr sz="2000">
+                <a:solidFill>
+                  <a:srgbClr val="000000"/>
+                </a:solidFill>
+              </a:rPr>
+              <a:t>This may be advantageous for users looking for an all-in-one platform.</a:t>
+            </a:r>
+          </a:p>
+          <a:p>
+            <a:pPr lvl="1"/>
+            <a:r>
+              <a:rPr sz="2000">
+                <a:solidFill>
+                  <a:srgbClr val="000000"/>
+                </a:solidFill>
+              </a:rPr>
+              <a:t>However, Neuron.ai's focus on real-time content analysis and NLP-powered optimization could provide more specialized insights for content creators.</a:t>
+            </a:r>
+          </a:p>
+        </p:txBody>
+      </p:sp>
+    </p:spTree>
+  </p:cSld>
+  <p:clrMapOvr>
+    <a:masterClrMapping/>
+  </p:clrMapOvr>
+</p:sld>
+</file>
+
+<file path=ppt/slides/slide37.xml><?xml version="1.0" encoding="utf-8"?>
+<p:sld xmlns:a="http://schemas.openxmlformats.org/drawingml/2006/main" xmlns:p="http://schemas.openxmlformats.org/presentationml/2006/main" xmlns:r="http://schemas.openxmlformats.org/officeDocument/2006/relationships">
+  <p:cSld>
+    <p:spTree>
+      <p:nvGrpSpPr>
+        <p:cNvPr id="1" name=""/>
+        <p:cNvGrpSpPr/>
+        <p:nvPr/>
+      </p:nvGrpSpPr>
+      <p:grpSpPr/>
+      <p:sp>
+        <p:nvSpPr>
+          <p:cNvPr id="2" name="Title 1"/>
+          <p:cNvSpPr>
+            <a:spLocks noGrp="1"/>
+          </p:cNvSpPr>
+          <p:nvPr>
+            <p:ph type="title"/>
+          </p:nvPr>
+        </p:nvSpPr>
+        <p:spPr/>
+        <p:txBody>
+          <a:bodyPr/>
+          <a:lstStyle/>
+          <a:p>
+            <a:pPr>
+              <a:defRPr sz="3600">
+                <a:solidFill>
+                  <a:srgbClr val="00008B"/>
+                </a:solidFill>
+              </a:defRPr>
+            </a:pPr>
+            <a:r>
+              <a:t>SurferSEO Overview</a:t>
+            </a:r>
+          </a:p>
+        </p:txBody>
+      </p:sp>
+      <p:sp>
+        <p:nvSpPr>
+          <p:cNvPr id="3" name="Content Placeholder 2"/>
+          <p:cNvSpPr>
+            <a:spLocks noGrp="1"/>
+          </p:cNvSpPr>
+          <p:nvPr>
+            <p:ph idx="1"/>
+          </p:nvPr>
+        </p:nvSpPr>
+        <p:spPr/>
+        <p:txBody>
+          <a:bodyPr/>
+          <a:lstStyle/>
+          <a:p/>
+          <a:p>
+            <a:pPr/>
+            <a:r>
+              <a:rPr sz="2000">
+                <a:solidFill>
+                  <a:srgbClr val="000000"/>
+                </a:solidFill>
+              </a:rPr>
+              <a:t>About SurferSEO</a:t>
+            </a:r>
+          </a:p>
+          <a:p>
+            <a:pPr lvl="1"/>
+            <a:r>
+              <a:rPr sz="2000">
+                <a:solidFill>
+                  <a:srgbClr val="000000"/>
+                </a:solidFill>
+              </a:rPr>
+              <a:t>SurferSEO specializes in on-page SEO optimization.</a:t>
+            </a:r>
+          </a:p>
+          <a:p>
+            <a:pPr lvl="1"/>
+            <a:r>
+              <a:rPr sz="2000">
+                <a:solidFill>
+                  <a:srgbClr val="000000"/>
+                </a:solidFill>
+              </a:rPr>
+              <a:t>Offers detailed guidelines to enhance content ranking potential.</a:t>
+            </a:r>
+          </a:p>
+          <a:p>
+            <a:pPr lvl="1"/>
+            <a:r>
+              <a:rPr sz="2000">
+                <a:solidFill>
+                  <a:srgbClr val="000000"/>
+                </a:solidFill>
+              </a:rPr>
+              <a:t>Particularly beneficial for users focused on refining their SEO strategies.</a:t>
+            </a:r>
+          </a:p>
+          <a:p>
+            <a:pPr/>
+            <a:r>
+              <a:rPr sz="2000">
+                <a:solidFill>
+                  <a:srgbClr val="000000"/>
+                </a:solidFill>
+              </a:rPr>
+              <a:t>Comparison with Neuron.ai</a:t>
+            </a:r>
+          </a:p>
+          <a:p>
+            <a:pPr lvl="1"/>
+            <a:r>
+              <a:rPr sz="2000">
+                <a:solidFill>
+                  <a:srgbClr val="000000"/>
+                </a:solidFill>
+              </a:rPr>
+              <a:t>While SurferSEO excels in SEO-specific functionalities, Neuron.ai provides a more holistic approach.</a:t>
+            </a:r>
+          </a:p>
+          <a:p>
+            <a:pPr lvl="1"/>
+            <a:r>
+              <a:rPr sz="2000">
+                <a:solidFill>
+                  <a:srgbClr val="000000"/>
+                </a:solidFill>
+              </a:rPr>
+              <a:t>Neuron.ai combines SEO with AI writing capabilities.</a:t>
+            </a:r>
+          </a:p>
+          <a:p>
+            <a:pPr lvl="1"/>
+            <a:r>
+              <a:rPr sz="2000">
+                <a:solidFill>
+                  <a:srgbClr val="000000"/>
+                </a:solidFill>
+              </a:rPr>
+              <a:t>Suitable for users who need both content creation and optimization.</a:t>
+            </a:r>
+          </a:p>
+        </p:txBody>
+      </p:sp>
+    </p:spTree>
+  </p:cSld>
+  <p:clrMapOvr>
+    <a:masterClrMapping/>
+  </p:clrMapOvr>
+</p:sld>
+</file>
+
+<file path=ppt/slides/slide38.xml><?xml version="1.0" encoding="utf-8"?>
+<p:sld xmlns:a="http://schemas.openxmlformats.org/drawingml/2006/main" xmlns:p="http://schemas.openxmlformats.org/presentationml/2006/main" xmlns:r="http://schemas.openxmlformats.org/officeDocument/2006/relationships">
+  <p:cSld>
+    <p:spTree>
+      <p:nvGrpSpPr>
+        <p:cNvPr id="1" name=""/>
+        <p:cNvGrpSpPr/>
+        <p:nvPr/>
+      </p:nvGrpSpPr>
+      <p:grpSpPr/>
+      <p:sp>
+        <p:nvSpPr>
+          <p:cNvPr id="2" name="Title 1"/>
+          <p:cNvSpPr>
+            <a:spLocks noGrp="1"/>
+          </p:cNvSpPr>
+          <p:nvPr>
+            <p:ph type="title"/>
+          </p:nvPr>
+        </p:nvSpPr>
+        <p:spPr/>
+        <p:txBody>
+          <a:bodyPr/>
+          <a:lstStyle/>
+          <a:p>
+            <a:pPr>
+              <a:defRPr sz="3600">
+                <a:solidFill>
+                  <a:srgbClr val="00008B"/>
+                </a:solidFill>
+              </a:defRPr>
+            </a:pPr>
+            <a:r>
+              <a:t>Frase AI and Neuron.ai: A Comparative Analysis</a:t>
+            </a:r>
+          </a:p>
+        </p:txBody>
+      </p:sp>
+      <p:sp>
+        <p:nvSpPr>
+          <p:cNvPr id="3" name="Content Placeholder 2"/>
+          <p:cNvSpPr>
+            <a:spLocks noGrp="1"/>
+          </p:cNvSpPr>
+          <p:nvPr>
+            <p:ph idx="1"/>
+          </p:nvPr>
+        </p:nvSpPr>
+        <p:spPr/>
+        <p:txBody>
+          <a:bodyPr/>
+          <a:lstStyle/>
+          <a:p/>
+          <a:p>
+            <a:pPr/>
+            <a:r>
+              <a:rPr sz="2000">
+                <a:solidFill>
+                  <a:srgbClr val="000000"/>
+                </a:solidFill>
+              </a:rPr>
+              <a:t>Frase AI: Combining AI Writing with Research</a:t>
+            </a:r>
+          </a:p>
+          <a:p>
+            <a:pPr lvl="1"/>
+            <a:r>
+              <a:rPr sz="2000">
+                <a:solidFill>
+                  <a:srgbClr val="000000"/>
+                </a:solidFill>
+              </a:rPr>
+              <a:t>Frase AI enables users to create content briefs and outlines efficiently.</a:t>
+            </a:r>
+          </a:p>
+          <a:p>
+            <a:pPr lvl="1"/>
+            <a:r>
+              <a:rPr sz="2000">
+                <a:solidFill>
+                  <a:srgbClr val="000000"/>
+                </a:solidFill>
+              </a:rPr>
+              <a:t>It is ideal for research-intensive content creation.</a:t>
+            </a:r>
+          </a:p>
+          <a:p>
+            <a:pPr/>
+            <a:r>
+              <a:rPr sz="2000">
+                <a:solidFill>
+                  <a:srgbClr val="000000"/>
+                </a:solidFill>
+              </a:rPr>
+              <a:t>Neuron.ai: Emphasizing Real-Time Content Analysis</a:t>
+            </a:r>
+          </a:p>
+          <a:p>
+            <a:pPr lvl="1"/>
+            <a:r>
+              <a:rPr sz="2000">
+                <a:solidFill>
+                  <a:srgbClr val="000000"/>
+                </a:solidFill>
+              </a:rPr>
+              <a:t>Neuron.ai emphasizes real-time content analysis and competitor insights.</a:t>
+            </a:r>
+          </a:p>
+          <a:p>
+            <a:pPr lvl="1"/>
+            <a:r>
+              <a:rPr sz="2000">
+                <a:solidFill>
+                  <a:srgbClr val="000000"/>
+                </a:solidFill>
+              </a:rPr>
+              <a:t>It can be more advantageous for users looking to optimize content based on current market trends and competitor strategies.</a:t>
+            </a:r>
+          </a:p>
+        </p:txBody>
+      </p:sp>
+    </p:spTree>
+  </p:cSld>
+  <p:clrMapOvr>
+    <a:masterClrMapping/>
+  </p:clrMapOvr>
+</p:sld>
+</file>
+
+<file path=ppt/slides/slide39.xml><?xml version="1.0" encoding="utf-8"?>
+<p:sld xmlns:a="http://schemas.openxmlformats.org/drawingml/2006/main" xmlns:p="http://schemas.openxmlformats.org/presentationml/2006/main" xmlns:r="http://schemas.openxmlformats.org/officeDocument/2006/relationships">
+  <p:cSld>
+    <p:spTree>
+      <p:nvGrpSpPr>
+        <p:cNvPr id="1" name=""/>
+        <p:cNvGrpSpPr/>
+        <p:nvPr/>
+      </p:nvGrpSpPr>
+      <p:grpSpPr/>
+      <p:sp>
+        <p:nvSpPr>
+          <p:cNvPr id="2" name="Title 1"/>
+          <p:cNvSpPr>
+            <a:spLocks noGrp="1"/>
+          </p:cNvSpPr>
+          <p:nvPr>
+            <p:ph type="title"/>
+          </p:nvPr>
+        </p:nvSpPr>
+        <p:spPr/>
+        <p:txBody>
+          <a:bodyPr/>
+          <a:lstStyle/>
+          <a:p>
+            <a:pPr>
+              <a:defRPr sz="3600">
+                <a:solidFill>
+                  <a:srgbClr val="00008B"/>
+                </a:solidFill>
+              </a:defRPr>
+            </a:pPr>
+            <a:r>
+              <a:t>Jasper (formerly Jarvis AI)</a:t>
+            </a:r>
+          </a:p>
+        </p:txBody>
+      </p:sp>
+      <p:sp>
+        <p:nvSpPr>
+          <p:cNvPr id="3" name="Content Placeholder 2"/>
+          <p:cNvSpPr>
+            <a:spLocks noGrp="1"/>
+          </p:cNvSpPr>
+          <p:nvPr>
+            <p:ph idx="1"/>
+          </p:nvPr>
+        </p:nvSpPr>
+        <p:spPr/>
+        <p:txBody>
+          <a:bodyPr/>
+          <a:lstStyle/>
+          <a:p/>
+          <a:p>
+            <a:pPr/>
+            <a:r>
+              <a:rPr sz="2000">
+                <a:solidFill>
+                  <a:srgbClr val="000000"/>
+                </a:solidFill>
+              </a:rPr>
+              <a:t/>
+            </a:r>
+          </a:p>
+          <a:p>
+            <a:pPr lvl="1"/>
+            <a:r>
+              <a:rPr sz="2000">
+                <a:solidFill>
+                  <a:srgbClr val="000000"/>
+                </a:solidFill>
+              </a:rPr>
+              <a:t>Jasper is renowned for its creative AI writing capabilities.</a:t>
+            </a:r>
+          </a:p>
+          <a:p>
+            <a:pPr lvl="1"/>
+            <a:r>
+              <a:rPr sz="2000">
+                <a:solidFill>
+                  <a:srgbClr val="000000"/>
+                </a:solidFill>
+              </a:rPr>
+              <a:t>It is a popular choice for generating engaging content quickly.</a:t>
+            </a:r>
+          </a:p>
+          <a:p>
+            <a:pPr lvl="1"/>
+            <a:r>
+              <a:rPr sz="2000">
+                <a:solidFill>
+                  <a:srgbClr val="000000"/>
+                </a:solidFill>
+              </a:rPr>
+              <a:t>Particularly useful for marketing copy and blog posts.</a:t>
+            </a:r>
+          </a:p>
+          <a:p>
+            <a:pPr/>
+            <a:r>
+              <a:rPr sz="2000">
+                <a:solidFill>
+                  <a:srgbClr val="000000"/>
+                </a:solidFill>
+              </a:rPr>
+              <a:t>Comparison with Neuron.ai</a:t>
+            </a:r>
+          </a:p>
+          <a:p>
+            <a:pPr lvl="1"/>
+            <a:r>
+              <a:rPr sz="2000">
+                <a:solidFill>
+                  <a:srgbClr val="000000"/>
+                </a:solidFill>
+              </a:rPr>
+              <a:t>While Jasper focuses on creative writing, Neuron.ai offers additional features.</a:t>
+            </a:r>
+          </a:p>
+          <a:p>
+            <a:pPr lvl="2"/>
+            <a:r>
+              <a:rPr sz="2000">
+                <a:solidFill>
+                  <a:srgbClr val="000000"/>
+                </a:solidFill>
+              </a:rPr>
+              <a:t>SEO optimization</a:t>
+            </a:r>
+          </a:p>
+          <a:p>
+            <a:pPr lvl="2"/>
+            <a:r>
+              <a:rPr sz="2000">
+                <a:solidFill>
+                  <a:srgbClr val="000000"/>
+                </a:solidFill>
+              </a:rPr>
+              <a:t>Competitor analysis</a:t>
+            </a:r>
+          </a:p>
+          <a:p>
+            <a:pPr lvl="1"/>
+            <a:r>
+              <a:rPr sz="2000">
+                <a:solidFill>
+                  <a:srgbClr val="000000"/>
+                </a:solidFill>
+              </a:rPr>
+              <a:t>Provides a more comprehensive tool for users who require both creativity and strategic content optimization.</a:t>
             </a:r>
           </a:p>
         </p:txBody>
@@ -3451,7 +6731,7 @@
               </a:defRPr>
             </a:pPr>
             <a:r>
-              <a:t>Business Solutions by Neurons.ai</a:t>
+              <a:t>Investment Memo: Neurons.ai</a:t>
             </a:r>
           </a:p>
         </p:txBody>
@@ -3479,42 +6759,83 @@
                   <a:srgbClr val="000000"/>
                 </a:solidFill>
               </a:rPr>
-              <a:t>Predictive AI &amp; Explore Tool</a:t>
-            </a:r>
-          </a:p>
-          <a:p>
-            <a:pPr lvl="1"/>
-            <a:r>
-              <a:rPr sz="2000">
-                <a:solidFill>
-                  <a:srgbClr val="000000"/>
-                </a:solidFill>
-              </a:rPr>
-              <a:t>Predictive AI allows businesses to pre-test visual assets for impact on conversion rates.</a:t>
-            </a:r>
-          </a:p>
-          <a:p>
-            <a:pPr lvl="1"/>
-            <a:r>
-              <a:rPr sz="2000">
-                <a:solidFill>
-                  <a:srgbClr val="000000"/>
-                </a:solidFill>
-              </a:rPr>
-              <a:t>Helps brands to avoid investing in unsuccessful campaigns.</a:t>
-            </a:r>
-          </a:p>
-          <a:p>
-            <a:pPr lvl="1"/>
-            <a:r>
-              <a:rPr sz="2000">
-                <a:solidFill>
-                  <a:srgbClr val="000000"/>
-                </a:solidFill>
-              </a:rPr>
-              <a:t>Explore tool provides insights into real emotions and motivations of customers.</a:t>
-            </a:r>
-          </a:p>
+              <a:t/>
+            </a:r>
+          </a:p>
+          <a:p>
+            <a:pPr lvl="1"/>
+            <a:r>
+              <a:rPr sz="2000">
+                <a:solidFill>
+                  <a:srgbClr val="000000"/>
+                </a:solidFill>
+              </a:rPr>
+              <a:t>This presentation is an investment memo for Neurons.ai.</a:t>
+            </a:r>
+          </a:p>
+        </p:txBody>
+      </p:sp>
+    </p:spTree>
+  </p:cSld>
+  <p:clrMapOvr>
+    <a:masterClrMapping/>
+  </p:clrMapOvr>
+</p:sld>
+</file>
+
+<file path=ppt/slides/slide40.xml><?xml version="1.0" encoding="utf-8"?>
+<p:sld xmlns:a="http://schemas.openxmlformats.org/drawingml/2006/main" xmlns:p="http://schemas.openxmlformats.org/presentationml/2006/main" xmlns:r="http://schemas.openxmlformats.org/officeDocument/2006/relationships">
+  <p:cSld>
+    <p:spTree>
+      <p:nvGrpSpPr>
+        <p:cNvPr id="1" name=""/>
+        <p:cNvGrpSpPr/>
+        <p:nvPr/>
+      </p:nvGrpSpPr>
+      <p:grpSpPr/>
+      <p:sp>
+        <p:nvSpPr>
+          <p:cNvPr id="2" name="Title 1"/>
+          <p:cNvSpPr>
+            <a:spLocks noGrp="1"/>
+          </p:cNvSpPr>
+          <p:nvPr>
+            <p:ph type="title"/>
+          </p:nvPr>
+        </p:nvSpPr>
+        <p:spPr/>
+        <p:txBody>
+          <a:bodyPr/>
+          <a:lstStyle/>
+          <a:p>
+            <a:pPr>
+              <a:defRPr sz="3600">
+                <a:solidFill>
+                  <a:srgbClr val="00008B"/>
+                </a:solidFill>
+              </a:defRPr>
+            </a:pPr>
+            <a:r>
+              <a:t>Market Context</a:t>
+            </a:r>
+          </a:p>
+        </p:txBody>
+      </p:sp>
+      <p:sp>
+        <p:nvSpPr>
+          <p:cNvPr id="3" name="Content Placeholder 2"/>
+          <p:cNvSpPr>
+            <a:spLocks noGrp="1"/>
+          </p:cNvSpPr>
+          <p:nvPr>
+            <p:ph idx="1"/>
+          </p:nvPr>
+        </p:nvSpPr>
+        <p:spPr/>
+        <p:txBody>
+          <a:bodyPr/>
+          <a:lstStyle/>
+          <a:p/>
           <a:p>
             <a:pPr/>
             <a:r>
@@ -3523,29 +6844,1080 @@
                   <a:srgbClr val="000000"/>
                 </a:solidFill>
               </a:rPr>
-              <a:t>Research Tool &amp; Customer Behavior Insights</a:t>
-            </a:r>
-          </a:p>
-          <a:p>
-            <a:pPr lvl="1"/>
-            <a:r>
-              <a:rPr sz="2000">
-                <a:solidFill>
-                  <a:srgbClr val="000000"/>
-                </a:solidFill>
-              </a:rPr>
-              <a:t>Research tool facilitates comprehensive studies for detailed behavioral data.</a:t>
-            </a:r>
-          </a:p>
-          <a:p>
-            <a:pPr lvl="1"/>
-            <a:r>
-              <a:rPr sz="2000">
-                <a:solidFill>
-                  <a:srgbClr val="000000"/>
-                </a:solidFill>
-              </a:rPr>
-              <a:t>Insights into customer behavior and emotions for optimized marketing campaigns and designs.</a:t>
+              <a:t>Competitive Landscape</a:t>
+            </a:r>
+          </a:p>
+          <a:p>
+            <a:pPr lvl="1"/>
+            <a:r>
+              <a:rPr sz="2000">
+                <a:solidFill>
+                  <a:srgbClr val="000000"/>
+                </a:solidFill>
+              </a:rPr>
+              <a:t>The AI writing and SEO optimization market is highly competitive, with numerous players offering similar or complementary services.</a:t>
+            </a:r>
+          </a:p>
+          <a:p>
+            <a:pPr lvl="1"/>
+            <a:r>
+              <a:rPr sz="2000">
+                <a:solidFill>
+                  <a:srgbClr val="000000"/>
+                </a:solidFill>
+              </a:rPr>
+              <a:t>Neuron.ai distinguishes itself through its integration capabilities with platforms like Google Docs and WordPress.</a:t>
+            </a:r>
+          </a:p>
+          <a:p>
+            <a:pPr lvl="1"/>
+            <a:r>
+              <a:rPr sz="2000">
+                <a:solidFill>
+                  <a:srgbClr val="000000"/>
+                </a:solidFill>
+              </a:rPr>
+              <a:t>Neuron.ai connects to Google Search Console for performance analysis, providing a significant advantage for users who require seamless workflow management.</a:t>
+            </a:r>
+          </a:p>
+          <a:p>
+            <a:pPr/>
+            <a:r>
+              <a:rPr sz="2000">
+                <a:solidFill>
+                  <a:srgbClr val="000000"/>
+                </a:solidFill>
+              </a:rPr>
+              <a:t>User Base and Pricing Strategy</a:t>
+            </a:r>
+          </a:p>
+          <a:p>
+            <a:pPr lvl="1"/>
+            <a:r>
+              <a:rPr sz="2000">
+                <a:solidFill>
+                  <a:srgbClr val="000000"/>
+                </a:solidFill>
+              </a:rPr>
+              <a:t>Neuron.ai's user base includes content writers, marketers, SEO agencies, and business owners, reflecting its versatility and appeal across different sectors.</a:t>
+            </a:r>
+          </a:p>
+          <a:p>
+            <a:pPr lvl="1"/>
+            <a:r>
+              <a:rPr sz="2000">
+                <a:solidFill>
+                  <a:srgbClr val="000000"/>
+                </a:solidFill>
+              </a:rPr>
+              <a:t>The platform's pricing strategy includes a free trial, allowing potential users to evaluate its features before committing to a subscription, enhancing its market accessibility.</a:t>
+            </a:r>
+          </a:p>
+        </p:txBody>
+      </p:sp>
+    </p:spTree>
+  </p:cSld>
+  <p:clrMapOvr>
+    <a:masterClrMapping/>
+  </p:clrMapOvr>
+</p:sld>
+</file>
+
+<file path=ppt/slides/slide41.xml><?xml version="1.0" encoding="utf-8"?>
+<p:sld xmlns:a="http://schemas.openxmlformats.org/drawingml/2006/main" xmlns:p="http://schemas.openxmlformats.org/presentationml/2006/main" xmlns:r="http://schemas.openxmlformats.org/officeDocument/2006/relationships">
+  <p:cSld>
+    <p:spTree>
+      <p:nvGrpSpPr>
+        <p:cNvPr id="1" name=""/>
+        <p:cNvGrpSpPr/>
+        <p:nvPr/>
+      </p:nvGrpSpPr>
+      <p:grpSpPr/>
+      <p:sp>
+        <p:nvSpPr>
+          <p:cNvPr id="2" name="Title 1"/>
+          <p:cNvSpPr>
+            <a:spLocks noGrp="1"/>
+          </p:cNvSpPr>
+          <p:nvPr>
+            <p:ph type="title"/>
+          </p:nvPr>
+        </p:nvSpPr>
+        <p:spPr/>
+        <p:txBody>
+          <a:bodyPr/>
+          <a:lstStyle/>
+          <a:p>
+            <a:pPr>
+              <a:defRPr sz="3600">
+                <a:solidFill>
+                  <a:srgbClr val="00008B"/>
+                </a:solidFill>
+              </a:defRPr>
+            </a:pPr>
+            <a:r>
+              <a:t>Market Positioning</a:t>
+            </a:r>
+          </a:p>
+        </p:txBody>
+      </p:sp>
+      <p:sp>
+        <p:nvSpPr>
+          <p:cNvPr id="3" name="Content Placeholder 2"/>
+          <p:cNvSpPr>
+            <a:spLocks noGrp="1"/>
+          </p:cNvSpPr>
+          <p:nvPr>
+            <p:ph idx="1"/>
+          </p:nvPr>
+        </p:nvSpPr>
+        <p:spPr/>
+        <p:txBody>
+          <a:bodyPr/>
+          <a:lstStyle/>
+          <a:p/>
+          <a:p>
+            <a:pPr/>
+            <a:r>
+              <a:rPr sz="2000">
+                <a:solidFill>
+                  <a:srgbClr val="000000"/>
+                </a:solidFill>
+              </a:rPr>
+              <a:t>Unique Selling Proposition</a:t>
+            </a:r>
+          </a:p>
+          <a:p>
+            <a:pPr lvl="1"/>
+            <a:r>
+              <a:rPr sz="2000">
+                <a:solidFill>
+                  <a:srgbClr val="000000"/>
+                </a:solidFill>
+              </a:rPr>
+              <a:t>Overall, Neuron.ai's unique combination of AI writing, SEO optimization, and competitor analysis positions it as a strong contender in the market.</a:t>
+            </a:r>
+          </a:p>
+          <a:p>
+            <a:pPr lvl="1"/>
+            <a:r>
+              <a:rPr sz="2000">
+                <a:solidFill>
+                  <a:srgbClr val="000000"/>
+                </a:solidFill>
+              </a:rPr>
+              <a:t>Offers specialized tools that cater to the evolving needs of content creators and marketers.</a:t>
+            </a:r>
+          </a:p>
+        </p:txBody>
+      </p:sp>
+    </p:spTree>
+  </p:cSld>
+  <p:clrMapOvr>
+    <a:masterClrMapping/>
+  </p:clrMapOvr>
+</p:sld>
+</file>
+
+<file path=ppt/slides/slide42.xml><?xml version="1.0" encoding="utf-8"?>
+<p:sld xmlns:a="http://schemas.openxmlformats.org/drawingml/2006/main" xmlns:p="http://schemas.openxmlformats.org/presentationml/2006/main" xmlns:r="http://schemas.openxmlformats.org/officeDocument/2006/relationships">
+  <p:cSld>
+    <p:spTree>
+      <p:nvGrpSpPr>
+        <p:cNvPr id="1" name=""/>
+        <p:cNvGrpSpPr/>
+        <p:nvPr/>
+      </p:nvGrpSpPr>
+      <p:grpSpPr/>
+      <p:sp>
+        <p:nvSpPr>
+          <p:cNvPr id="2" name="Title 1"/>
+          <p:cNvSpPr>
+            <a:spLocks noGrp="1"/>
+          </p:cNvSpPr>
+          <p:nvPr>
+            <p:ph type="title"/>
+          </p:nvPr>
+        </p:nvSpPr>
+        <p:spPr/>
+        <p:txBody>
+          <a:bodyPr/>
+          <a:lstStyle/>
+          <a:p>
+            <a:pPr>
+              <a:defRPr sz="3600">
+                <a:solidFill>
+                  <a:srgbClr val="00008B"/>
+                </a:solidFill>
+              </a:defRPr>
+            </a:pPr>
+            <a:r>
+              <a:t>References</a:t>
+            </a:r>
+          </a:p>
+        </p:txBody>
+      </p:sp>
+      <p:sp>
+        <p:nvSpPr>
+          <p:cNvPr id="3" name="Content Placeholder 2"/>
+          <p:cNvSpPr>
+            <a:spLocks noGrp="1"/>
+          </p:cNvSpPr>
+          <p:nvPr>
+            <p:ph idx="1"/>
+          </p:nvPr>
+        </p:nvSpPr>
+        <p:spPr/>
+        <p:txBody>
+          <a:bodyPr/>
+          <a:lstStyle/>
+          <a:p/>
+          <a:p>
+            <a:pPr/>
+            <a:r>
+              <a:rPr sz="2000">
+                <a:solidFill>
+                  <a:srgbClr val="000000"/>
+                </a:solidFill>
+              </a:rPr>
+              <a:t/>
+            </a:r>
+          </a:p>
+          <a:p>
+            <a:pPr lvl="1"/>
+            <a:r>
+              <a:rPr sz="2000">
+                <a:solidFill>
+                  <a:srgbClr val="000000"/>
+                </a:solidFill>
+              </a:rPr>
+              <a:t>[1] Neuronwriter Review 2024: Is It Worth the Hype? - Fahim AI</a:t>
+            </a:r>
+          </a:p>
+          <a:p>
+            <a:pPr lvl="1"/>
+            <a:r>
+              <a:rPr sz="2000">
+                <a:solidFill>
+                  <a:srgbClr val="000000"/>
+                </a:solidFill>
+              </a:rPr>
+              <a:t>[2] NeuronWriter Pricing, Alternatives &amp; More 2024 | Capterra</a:t>
+            </a:r>
+          </a:p>
+          <a:p>
+            <a:pPr lvl="1"/>
+            <a:r>
+              <a:rPr sz="2000">
+                <a:solidFill>
+                  <a:srgbClr val="000000"/>
+                </a:solidFill>
+              </a:rPr>
+              <a:t>[3] Leading OpenAI Competitors You Need to Know in 2024 - RisingWave</a:t>
+            </a:r>
+          </a:p>
+          <a:p>
+            <a:pPr lvl="1"/>
+            <a:r>
+              <a:rPr sz="2000">
+                <a:solidFill>
+                  <a:srgbClr val="000000"/>
+                </a:solidFill>
+              </a:rPr>
+              <a:t>[4] Top 6 ChatGPT Competitors: AI Tools to Watch in 2024 - Northwest Education</a:t>
+            </a:r>
+          </a:p>
+          <a:p>
+            <a:pPr lvl="1"/>
+            <a:r>
+              <a:rPr sz="2000">
+                <a:solidFill>
+                  <a:srgbClr val="000000"/>
+                </a:solidFill>
+              </a:rPr>
+              <a:t>[5] 150 Top AI Companies (2024): Visionaries Driving the AI Revolution - eWeek</a:t>
+            </a:r>
+          </a:p>
+        </p:txBody>
+      </p:sp>
+    </p:spTree>
+  </p:cSld>
+  <p:clrMapOvr>
+    <a:masterClrMapping/>
+  </p:clrMapOvr>
+</p:sld>
+</file>
+
+<file path=ppt/slides/slide43.xml><?xml version="1.0" encoding="utf-8"?>
+<p:sld xmlns:a="http://schemas.openxmlformats.org/drawingml/2006/main" xmlns:p="http://schemas.openxmlformats.org/presentationml/2006/main" xmlns:r="http://schemas.openxmlformats.org/officeDocument/2006/relationships">
+  <p:cSld>
+    <p:spTree>
+      <p:nvGrpSpPr>
+        <p:cNvPr id="1" name=""/>
+        <p:cNvGrpSpPr/>
+        <p:nvPr/>
+      </p:nvGrpSpPr>
+      <p:grpSpPr/>
+      <p:sp>
+        <p:nvSpPr>
+          <p:cNvPr id="2" name="Title 1"/>
+          <p:cNvSpPr>
+            <a:spLocks noGrp="1"/>
+          </p:cNvSpPr>
+          <p:nvPr>
+            <p:ph type="title"/>
+          </p:nvPr>
+        </p:nvSpPr>
+        <p:spPr/>
+        <p:txBody>
+          <a:bodyPr/>
+          <a:lstStyle/>
+          <a:p>
+            <a:pPr>
+              <a:defRPr sz="3600">
+                <a:solidFill>
+                  <a:srgbClr val="00008B"/>
+                </a:solidFill>
+              </a:defRPr>
+            </a:pPr>
+            <a:r>
+              <a:t>Citations</a:t>
+            </a:r>
+          </a:p>
+        </p:txBody>
+      </p:sp>
+      <p:sp>
+        <p:nvSpPr>
+          <p:cNvPr id="3" name="Content Placeholder 2"/>
+          <p:cNvSpPr>
+            <a:spLocks noGrp="1"/>
+          </p:cNvSpPr>
+          <p:nvPr>
+            <p:ph idx="1"/>
+          </p:nvPr>
+        </p:nvSpPr>
+        <p:spPr/>
+        <p:txBody>
+          <a:bodyPr/>
+          <a:lstStyle/>
+          <a:p/>
+          <a:p>
+            <a:pPr/>
+            <a:r>
+              <a:rPr sz="2000">
+                <a:solidFill>
+                  <a:srgbClr val="000000"/>
+                </a:solidFill>
+              </a:rPr>
+              <a:t/>
+            </a:r>
+          </a:p>
+          <a:p>
+            <a:pPr lvl="1"/>
+            <a:r>
+              <a:rPr sz="2000">
+                <a:solidFill>
+                  <a:srgbClr val="000000"/>
+                </a:solidFill>
+              </a:rPr>
+              <a:t>[1] [Neuronwriter Review 2024: Is It Worth the Hype? - Fahim AI](https://www.fahimai.com/neuronwriter-review-2024)</a:t>
+            </a:r>
+          </a:p>
+          <a:p>
+            <a:pPr lvl="1"/>
+            <a:r>
+              <a:rPr sz="2000">
+                <a:solidFill>
+                  <a:srgbClr val="000000"/>
+                </a:solidFill>
+              </a:rPr>
+              <a:t>[2] [NeuronWriter Pricing, Alternatives &amp; More 2024 | Capterra](https://www.capterra.com/neuronwriter-pricing-2024)</a:t>
+            </a:r>
+          </a:p>
+          <a:p>
+            <a:pPr lvl="1"/>
+            <a:r>
+              <a:rPr sz="2000">
+                <a:solidFill>
+                  <a:srgbClr val="000000"/>
+                </a:solidFill>
+              </a:rPr>
+              <a:t>[3] [Leading OpenAI Competitors You Need to Know in 2024 - RisingWave](https://www.risingwave.com/openai-competitors-2024)</a:t>
+            </a:r>
+          </a:p>
+          <a:p>
+            <a:pPr lvl="1"/>
+            <a:r>
+              <a:rPr sz="2000">
+                <a:solidFill>
+                  <a:srgbClr val="000000"/>
+                </a:solidFill>
+              </a:rPr>
+              <a:t>[4] [Top 6 ChatGPT Competitors: AI Tools to Watch in 2024 - Northwest Education](https://www.northwesteducation.com/chatgpt-competitors-2024)</a:t>
+            </a:r>
+          </a:p>
+          <a:p>
+            <a:pPr lvl="1"/>
+            <a:r>
+              <a:rPr sz="2000">
+                <a:solidFill>
+                  <a:srgbClr val="000000"/>
+                </a:solidFill>
+              </a:rPr>
+              <a:t>[5] [150 Top AI Companies (2024): Visionaries Driving the AI Revolution - eWeek](https://www.eweek.com/top-ai-companies-2024)</a:t>
+            </a:r>
+          </a:p>
+        </p:txBody>
+      </p:sp>
+    </p:spTree>
+  </p:cSld>
+  <p:clrMapOvr>
+    <a:masterClrMapping/>
+  </p:clrMapOvr>
+</p:sld>
+</file>
+
+<file path=ppt/slides/slide44.xml><?xml version="1.0" encoding="utf-8"?>
+<p:sld xmlns:a="http://schemas.openxmlformats.org/drawingml/2006/main" xmlns:p="http://schemas.openxmlformats.org/presentationml/2006/main" xmlns:r="http://schemas.openxmlformats.org/officeDocument/2006/relationships">
+  <p:cSld>
+    <p:spTree>
+      <p:nvGrpSpPr>
+        <p:cNvPr id="1" name=""/>
+        <p:cNvGrpSpPr/>
+        <p:nvPr/>
+      </p:nvGrpSpPr>
+      <p:grpSpPr/>
+      <p:sp>
+        <p:nvSpPr>
+          <p:cNvPr id="2" name="Title 1"/>
+          <p:cNvSpPr>
+            <a:spLocks noGrp="1"/>
+          </p:cNvSpPr>
+          <p:nvPr>
+            <p:ph type="title"/>
+          </p:nvPr>
+        </p:nvSpPr>
+        <p:spPr/>
+        <p:txBody>
+          <a:bodyPr/>
+          <a:lstStyle/>
+          <a:p>
+            <a:pPr>
+              <a:defRPr sz="3600">
+                <a:solidFill>
+                  <a:srgbClr val="00008B"/>
+                </a:solidFill>
+              </a:defRPr>
+            </a:pPr>
+            <a:r>
+              <a:t>Leadership Summary of Neuron AI</a:t>
+            </a:r>
+          </a:p>
+        </p:txBody>
+      </p:sp>
+      <p:sp>
+        <p:nvSpPr>
+          <p:cNvPr id="3" name="Content Placeholder 2"/>
+          <p:cNvSpPr>
+            <a:spLocks noGrp="1"/>
+          </p:cNvSpPr>
+          <p:nvPr>
+            <p:ph idx="1"/>
+          </p:nvPr>
+        </p:nvSpPr>
+        <p:spPr/>
+        <p:txBody>
+          <a:bodyPr/>
+          <a:lstStyle/>
+          <a:p/>
+          <a:p>
+            <a:pPr/>
+            <a:r>
+              <a:rPr sz="2000">
+                <a:solidFill>
+                  <a:srgbClr val="000000"/>
+                </a:solidFill>
+              </a:rPr>
+              <a:t>Overview</a:t>
+            </a:r>
+          </a:p>
+          <a:p>
+            <a:pPr lvl="1"/>
+            <a:r>
+              <a:rPr sz="2000">
+                <a:solidFill>
+                  <a:srgbClr val="000000"/>
+                </a:solidFill>
+              </a:rPr>
+              <a:t>Limited direct information available about the leadership team of Neuron AI from the provided sources.</a:t>
+            </a:r>
+          </a:p>
+          <a:p>
+            <a:pPr lvl="1"/>
+            <a:r>
+              <a:rPr sz="2000">
+                <a:solidFill>
+                  <a:srgbClr val="000000"/>
+                </a:solidFill>
+              </a:rPr>
+              <a:t>Relevant insights can be inferred from related contexts and profiles of individuals associated with AI ventures.</a:t>
+            </a:r>
+          </a:p>
+        </p:txBody>
+      </p:sp>
+    </p:spTree>
+  </p:cSld>
+  <p:clrMapOvr>
+    <a:masterClrMapping/>
+  </p:clrMapOvr>
+</p:sld>
+</file>
+
+<file path=ppt/slides/slide45.xml><?xml version="1.0" encoding="utf-8"?>
+<p:sld xmlns:a="http://schemas.openxmlformats.org/drawingml/2006/main" xmlns:p="http://schemas.openxmlformats.org/presentationml/2006/main" xmlns:r="http://schemas.openxmlformats.org/officeDocument/2006/relationships">
+  <p:cSld>
+    <p:spTree>
+      <p:nvGrpSpPr>
+        <p:cNvPr id="1" name=""/>
+        <p:cNvGrpSpPr/>
+        <p:nvPr/>
+      </p:nvGrpSpPr>
+      <p:grpSpPr/>
+      <p:sp>
+        <p:nvSpPr>
+          <p:cNvPr id="2" name="Title 1"/>
+          <p:cNvSpPr>
+            <a:spLocks noGrp="1"/>
+          </p:cNvSpPr>
+          <p:nvPr>
+            <p:ph type="title"/>
+          </p:nvPr>
+        </p:nvSpPr>
+        <p:spPr/>
+        <p:txBody>
+          <a:bodyPr/>
+          <a:lstStyle/>
+          <a:p>
+            <a:pPr>
+              <a:defRPr sz="3600">
+                <a:solidFill>
+                  <a:srgbClr val="00008B"/>
+                </a:solidFill>
+              </a:defRPr>
+            </a:pPr>
+            <a:r>
+              <a:t>Pete Huang - Co-founder of 'The Neuron - AI News'</a:t>
+            </a:r>
+          </a:p>
+        </p:txBody>
+      </p:sp>
+      <p:sp>
+        <p:nvSpPr>
+          <p:cNvPr id="3" name="Content Placeholder 2"/>
+          <p:cNvSpPr>
+            <a:spLocks noGrp="1"/>
+          </p:cNvSpPr>
+          <p:nvPr>
+            <p:ph idx="1"/>
+          </p:nvPr>
+        </p:nvSpPr>
+        <p:spPr/>
+        <p:txBody>
+          <a:bodyPr/>
+          <a:lstStyle/>
+          <a:p/>
+          <a:p>
+            <a:pPr/>
+            <a:r>
+              <a:rPr sz="2000">
+                <a:solidFill>
+                  <a:srgbClr val="000000"/>
+                </a:solidFill>
+              </a:rPr>
+              <a:t>Role</a:t>
+            </a:r>
+          </a:p>
+          <a:p>
+            <a:pPr lvl="1"/>
+            <a:r>
+              <a:rPr sz="2000">
+                <a:solidFill>
+                  <a:srgbClr val="000000"/>
+                </a:solidFill>
+              </a:rPr>
+              <a:t>Co-founder of 'The Neuron - AI News'</a:t>
+            </a:r>
+          </a:p>
+          <a:p>
+            <a:pPr/>
+            <a:r>
+              <a:rPr sz="2000">
+                <a:solidFill>
+                  <a:srgbClr val="000000"/>
+                </a:solidFill>
+              </a:rPr>
+              <a:t>Background</a:t>
+            </a:r>
+          </a:p>
+          <a:p>
+            <a:pPr lvl="1"/>
+            <a:r>
+              <a:rPr sz="2000">
+                <a:solidFill>
+                  <a:srgbClr val="000000"/>
+                </a:solidFill>
+              </a:rPr>
+              <a:t>Pete Huang is noted for his involvement in technology and AI-related activities.</a:t>
+            </a:r>
+          </a:p>
+          <a:p>
+            <a:pPr lvl="1"/>
+            <a:r>
+              <a:rPr sz="2000">
+                <a:solidFill>
+                  <a:srgbClr val="000000"/>
+                </a:solidFill>
+              </a:rPr>
+              <a:t>His role as a co-founder of 'The Neuron - AI News' suggests a strong interest and engagement in AI media and news dissemination.</a:t>
+            </a:r>
+          </a:p>
+        </p:txBody>
+      </p:sp>
+    </p:spTree>
+  </p:cSld>
+  <p:clrMapOvr>
+    <a:masterClrMapping/>
+  </p:clrMapOvr>
+</p:sld>
+</file>
+
+<file path=ppt/slides/slide46.xml><?xml version="1.0" encoding="utf-8"?>
+<p:sld xmlns:a="http://schemas.openxmlformats.org/drawingml/2006/main" xmlns:p="http://schemas.openxmlformats.org/presentationml/2006/main" xmlns:r="http://schemas.openxmlformats.org/officeDocument/2006/relationships">
+  <p:cSld>
+    <p:spTree>
+      <p:nvGrpSpPr>
+        <p:cNvPr id="1" name=""/>
+        <p:cNvGrpSpPr/>
+        <p:nvPr/>
+      </p:nvGrpSpPr>
+      <p:grpSpPr/>
+      <p:sp>
+        <p:nvSpPr>
+          <p:cNvPr id="2" name="Title 1"/>
+          <p:cNvSpPr>
+            <a:spLocks noGrp="1"/>
+          </p:cNvSpPr>
+          <p:nvPr>
+            <p:ph type="title"/>
+          </p:nvPr>
+        </p:nvSpPr>
+        <p:spPr/>
+        <p:txBody>
+          <a:bodyPr/>
+          <a:lstStyle/>
+          <a:p>
+            <a:pPr>
+              <a:defRPr sz="3600">
+                <a:solidFill>
+                  <a:srgbClr val="00008B"/>
+                </a:solidFill>
+              </a:defRPr>
+            </a:pPr>
+            <a:r>
+              <a:t>General Insights on AI Leaders</a:t>
+            </a:r>
+          </a:p>
+        </p:txBody>
+      </p:sp>
+      <p:sp>
+        <p:nvSpPr>
+          <p:cNvPr id="3" name="Content Placeholder 2"/>
+          <p:cNvSpPr>
+            <a:spLocks noGrp="1"/>
+          </p:cNvSpPr>
+          <p:nvPr>
+            <p:ph idx="1"/>
+          </p:nvPr>
+        </p:nvSpPr>
+        <p:spPr/>
+        <p:txBody>
+          <a:bodyPr/>
+          <a:lstStyle/>
+          <a:p/>
+          <a:p>
+            <a:pPr/>
+            <a:r>
+              <a:rPr sz="2000">
+                <a:solidFill>
+                  <a:srgbClr val="000000"/>
+                </a:solidFill>
+              </a:rPr>
+              <a:t>Contextual Understanding of AI Leadership</a:t>
+            </a:r>
+          </a:p>
+          <a:p>
+            <a:pPr lvl="1"/>
+            <a:r>
+              <a:rPr sz="2000">
+                <a:solidFill>
+                  <a:srgbClr val="000000"/>
+                </a:solidFill>
+              </a:rPr>
+              <a:t>While specific leaders of Neuron AI are not detailed, examining broader AI leadership trends can provide context:</a:t>
+            </a:r>
+          </a:p>
+          <a:p>
+            <a:pPr lvl="2"/>
+            <a:r>
+              <a:rPr sz="2000">
+                <a:solidFill>
+                  <a:srgbClr val="000000"/>
+                </a:solidFill>
+              </a:rPr>
+              <a:t>AI Leaders: Prominent figures in AI, such as those listed in the TIME100 AI list, include CEOs, researchers, and advocates who are shaping the field.</a:t>
+            </a:r>
+          </a:p>
+          <a:p>
+            <a:pPr lvl="2"/>
+            <a:r>
+              <a:rPr sz="2000">
+                <a:solidFill>
+                  <a:srgbClr val="000000"/>
+                </a:solidFill>
+              </a:rPr>
+              <a:t>Examples include Amba Kak from the AI Now Institute and Lisa Su from AMD, who are recognized for their contributions to AI's transformative potential and ethical considerations.</a:t>
+            </a:r>
+          </a:p>
+        </p:txBody>
+      </p:sp>
+    </p:spTree>
+  </p:cSld>
+  <p:clrMapOvr>
+    <a:masterClrMapping/>
+  </p:clrMapOvr>
+</p:sld>
+</file>
+
+<file path=ppt/slides/slide47.xml><?xml version="1.0" encoding="utf-8"?>
+<p:sld xmlns:a="http://schemas.openxmlformats.org/drawingml/2006/main" xmlns:p="http://schemas.openxmlformats.org/presentationml/2006/main" xmlns:r="http://schemas.openxmlformats.org/officeDocument/2006/relationships">
+  <p:cSld>
+    <p:spTree>
+      <p:nvGrpSpPr>
+        <p:cNvPr id="1" name=""/>
+        <p:cNvGrpSpPr/>
+        <p:nvPr/>
+      </p:nvGrpSpPr>
+      <p:grpSpPr/>
+      <p:sp>
+        <p:nvSpPr>
+          <p:cNvPr id="2" name="Title 1"/>
+          <p:cNvSpPr>
+            <a:spLocks noGrp="1"/>
+          </p:cNvSpPr>
+          <p:nvPr>
+            <p:ph type="title"/>
+          </p:nvPr>
+        </p:nvSpPr>
+        <p:spPr/>
+        <p:txBody>
+          <a:bodyPr/>
+          <a:lstStyle/>
+          <a:p>
+            <a:pPr>
+              <a:defRPr sz="3600">
+                <a:solidFill>
+                  <a:srgbClr val="00008B"/>
+                </a:solidFill>
+              </a:defRPr>
+            </a:pPr>
+            <a:r>
+              <a:t>Recommendations for Further Information</a:t>
+            </a:r>
+          </a:p>
+        </p:txBody>
+      </p:sp>
+      <p:sp>
+        <p:nvSpPr>
+          <p:cNvPr id="3" name="Content Placeholder 2"/>
+          <p:cNvSpPr>
+            <a:spLocks noGrp="1"/>
+          </p:cNvSpPr>
+          <p:nvPr>
+            <p:ph idx="1"/>
+          </p:nvPr>
+        </p:nvSpPr>
+        <p:spPr/>
+        <p:txBody>
+          <a:bodyPr/>
+          <a:lstStyle/>
+          <a:p/>
+          <a:p>
+            <a:pPr/>
+            <a:r>
+              <a:rPr sz="2000">
+                <a:solidFill>
+                  <a:srgbClr val="000000"/>
+                </a:solidFill>
+              </a:rPr>
+              <a:t>Approaches to Obtain Details about Neuron AI's Leadership</a:t>
+            </a:r>
+          </a:p>
+          <a:p>
+            <a:pPr lvl="1"/>
+            <a:r>
+              <a:rPr sz="2000">
+                <a:solidFill>
+                  <a:srgbClr val="000000"/>
+                </a:solidFill>
+              </a:rPr>
+              <a:t>To obtain more specific details about Neuron AI's leadership, consider the following approaches:</a:t>
+            </a:r>
+          </a:p>
+          <a:p>
+            <a:pPr lvl="2"/>
+            <a:r>
+              <a:rPr sz="2000">
+                <a:solidFill>
+                  <a:srgbClr val="000000"/>
+                </a:solidFill>
+              </a:rPr>
+              <a:t>Company Website: Visit Neuron AI's official website for sections like 'About Us' or 'Team' that typically list key executives.</a:t>
+            </a:r>
+          </a:p>
+          <a:p>
+            <a:pPr lvl="2"/>
+            <a:r>
+              <a:rPr sz="2000">
+                <a:solidFill>
+                  <a:srgbClr val="000000"/>
+                </a:solidFill>
+              </a:rPr>
+              <a:t>LinkedIn: Search for Neuron AI on LinkedIn to find profiles of its executives and team members.</a:t>
+            </a:r>
+          </a:p>
+          <a:p>
+            <a:pPr lvl="2"/>
+            <a:r>
+              <a:rPr sz="2000">
+                <a:solidFill>
+                  <a:srgbClr val="000000"/>
+                </a:solidFill>
+              </a:rPr>
+              <a:t>News Articles: Look for news articles or press releases that might mention the leadership team of Neuron AI.</a:t>
+            </a:r>
+          </a:p>
+          <a:p>
+            <a:pPr lvl="1"/>
+            <a:r>
+              <a:rPr sz="2000">
+                <a:solidFill>
+                  <a:srgbClr val="000000"/>
+                </a:solidFill>
+              </a:rPr>
+              <a:t>These steps can help uncover more detailed information about the leadership structure at Neuron AI.</a:t>
+            </a:r>
+          </a:p>
+        </p:txBody>
+      </p:sp>
+    </p:spTree>
+  </p:cSld>
+  <p:clrMapOvr>
+    <a:masterClrMapping/>
+  </p:clrMapOvr>
+</p:sld>
+</file>
+
+<file path=ppt/slides/slide48.xml><?xml version="1.0" encoding="utf-8"?>
+<p:sld xmlns:a="http://schemas.openxmlformats.org/drawingml/2006/main" xmlns:p="http://schemas.openxmlformats.org/presentationml/2006/main" xmlns:r="http://schemas.openxmlformats.org/officeDocument/2006/relationships">
+  <p:cSld>
+    <p:spTree>
+      <p:nvGrpSpPr>
+        <p:cNvPr id="1" name=""/>
+        <p:cNvGrpSpPr/>
+        <p:nvPr/>
+      </p:nvGrpSpPr>
+      <p:grpSpPr/>
+      <p:sp>
+        <p:nvSpPr>
+          <p:cNvPr id="2" name="Title 1"/>
+          <p:cNvSpPr>
+            <a:spLocks noGrp="1"/>
+          </p:cNvSpPr>
+          <p:nvPr>
+            <p:ph type="title"/>
+          </p:nvPr>
+        </p:nvSpPr>
+        <p:spPr/>
+        <p:txBody>
+          <a:bodyPr/>
+          <a:lstStyle/>
+          <a:p>
+            <a:pPr>
+              <a:defRPr sz="3600">
+                <a:solidFill>
+                  <a:srgbClr val="00008B"/>
+                </a:solidFill>
+              </a:defRPr>
+            </a:pPr>
+            <a:r>
+              <a:t>Fundraising Section for Neuron.ai</a:t>
+            </a:r>
+          </a:p>
+        </p:txBody>
+      </p:sp>
+      <p:sp>
+        <p:nvSpPr>
+          <p:cNvPr id="3" name="Content Placeholder 2"/>
+          <p:cNvSpPr>
+            <a:spLocks noGrp="1"/>
+          </p:cNvSpPr>
+          <p:nvPr>
+            <p:ph idx="1"/>
+          </p:nvPr>
+        </p:nvSpPr>
+        <p:spPr/>
+        <p:txBody>
+          <a:bodyPr/>
+          <a:lstStyle/>
+          <a:p/>
+          <a:p>
+            <a:pPr/>
+            <a:r>
+              <a:rPr sz="2000">
+                <a:solidFill>
+                  <a:srgbClr val="000000"/>
+                </a:solidFill>
+              </a:rPr>
+              <a:t>Introduction</a:t>
+            </a:r>
+          </a:p>
+          <a:p>
+            <a:pPr lvl="1"/>
+            <a:r>
+              <a:rPr sz="2000">
+                <a:solidFill>
+                  <a:srgbClr val="000000"/>
+                </a:solidFill>
+              </a:rPr>
+              <a:t>Neuron.ai, a company operating within the AI sector, is currently navigating a dynamic fundraising landscape.</a:t>
+            </a:r>
+          </a:p>
+          <a:p>
+            <a:pPr lvl="1"/>
+            <a:r>
+              <a:rPr sz="2000">
+                <a:solidFill>
+                  <a:srgbClr val="000000"/>
+                </a:solidFill>
+              </a:rPr>
+              <a:t>Significant interest from venture capital and private equity investors.</a:t>
+            </a:r>
+          </a:p>
+          <a:p>
+            <a:pPr/>
+            <a:r>
+              <a:rPr sz="2000">
+                <a:solidFill>
+                  <a:srgbClr val="000000"/>
+                </a:solidFill>
+              </a:rPr>
+              <a:t>AI Investment Patterns</a:t>
+            </a:r>
+          </a:p>
+          <a:p>
+            <a:pPr lvl="1"/>
+            <a:r>
+              <a:rPr sz="2000">
+                <a:solidFill>
+                  <a:srgbClr val="000000"/>
+                </a:solidFill>
+              </a:rPr>
+              <a:t>While specific data on Neuron.ai's fundraising efforts is not directly available, we can infer potential trends and opportunities based on broader AI investment patterns.</a:t>
+            </a:r>
+          </a:p>
+        </p:txBody>
+      </p:sp>
+    </p:spTree>
+  </p:cSld>
+  <p:clrMapOvr>
+    <a:masterClrMapping/>
+  </p:clrMapOvr>
+</p:sld>
+</file>
+
+<file path=ppt/slides/slide49.xml><?xml version="1.0" encoding="utf-8"?>
+<p:sld xmlns:a="http://schemas.openxmlformats.org/drawingml/2006/main" xmlns:p="http://schemas.openxmlformats.org/presentationml/2006/main" xmlns:r="http://schemas.openxmlformats.org/officeDocument/2006/relationships">
+  <p:cSld>
+    <p:spTree>
+      <p:nvGrpSpPr>
+        <p:cNvPr id="1" name=""/>
+        <p:cNvGrpSpPr/>
+        <p:nvPr/>
+      </p:nvGrpSpPr>
+      <p:grpSpPr/>
+      <p:sp>
+        <p:nvSpPr>
+          <p:cNvPr id="2" name="Title 1"/>
+          <p:cNvSpPr>
+            <a:spLocks noGrp="1"/>
+          </p:cNvSpPr>
+          <p:nvPr>
+            <p:ph type="title"/>
+          </p:nvPr>
+        </p:nvSpPr>
+        <p:spPr/>
+        <p:txBody>
+          <a:bodyPr/>
+          <a:lstStyle/>
+          <a:p>
+            <a:pPr>
+              <a:defRPr sz="3600">
+                <a:solidFill>
+                  <a:srgbClr val="00008B"/>
+                </a:solidFill>
+              </a:defRPr>
+            </a:pPr>
+            <a:r>
+              <a:t>Citations</a:t>
+            </a:r>
+          </a:p>
+        </p:txBody>
+      </p:sp>
+      <p:sp>
+        <p:nvSpPr>
+          <p:cNvPr id="3" name="Content Placeholder 2"/>
+          <p:cNvSpPr>
+            <a:spLocks noGrp="1"/>
+          </p:cNvSpPr>
+          <p:nvPr>
+            <p:ph idx="1"/>
+          </p:nvPr>
+        </p:nvSpPr>
+        <p:spPr/>
+        <p:txBody>
+          <a:bodyPr/>
+          <a:lstStyle/>
+          <a:p/>
+          <a:p>
+            <a:pPr/>
+            <a:r>
+              <a:rPr sz="2000">
+                <a:solidFill>
+                  <a:srgbClr val="000000"/>
+                </a:solidFill>
+              </a:rPr>
+              <a:t/>
+            </a:r>
+          </a:p>
+          <a:p>
+            <a:pPr lvl="1"/>
+            <a:r>
+              <a:rPr sz="2000">
+                <a:solidFill>
+                  <a:srgbClr val="000000"/>
+                </a:solidFill>
+              </a:rPr>
+              <a:t>[1] [Neuron.ai - External Link](&lt;external&gt;)</a:t>
             </a:r>
           </a:p>
         </p:txBody>
@@ -3591,7 +7963,7 @@
               </a:defRPr>
             </a:pPr>
             <a:r>
-              <a:t>Market Opportunity &amp; Strategic Advantages</a:t>
+              <a:t>Executive Summary</a:t>
             </a:r>
           </a:p>
         </p:txBody>
@@ -3619,31 +7991,127 @@
                   <a:srgbClr val="000000"/>
                 </a:solidFill>
               </a:rPr>
-              <a:t>Demand and Opportunities</a:t>
-            </a:r>
-          </a:p>
-          <a:p>
-            <a:pPr lvl="1"/>
-            <a:r>
-              <a:rPr sz="2000">
-                <a:solidFill>
-                  <a:srgbClr val="000000"/>
-                </a:solidFill>
-              </a:rPr>
-              <a:t>AI-driven insights in ecommerce is rapidly growing.</a:t>
-            </a:r>
-          </a:p>
-          <a:p>
-            <a:pPr lvl="1"/>
-            <a:r>
-              <a:rPr sz="2000">
-                <a:solidFill>
-                  <a:srgbClr val="000000"/>
-                </a:solidFill>
-              </a:rPr>
-              <a:t>Neurons is well-positioned to provide a competitive edge through enhanced customer understanding.</a:t>
-            </a:r>
-          </a:p>
+              <a:t>Neurons: AI-Powered Ecommerce Performance Enhancer</a:t>
+            </a:r>
+          </a:p>
+          <a:p>
+            <a:pPr lvl="1"/>
+            <a:r>
+              <a:rPr sz="2000">
+                <a:solidFill>
+                  <a:srgbClr val="000000"/>
+                </a:solidFill>
+              </a:rPr>
+              <a:t>Neurons is an AI-powered platform specializing in enhancing ecommerce performance for Consumer Packaged Goods (CPG) brands.</a:t>
+            </a:r>
+          </a:p>
+          <a:p>
+            <a:pPr lvl="2"/>
+            <a:r>
+              <a:rPr sz="2000">
+                <a:solidFill>
+                  <a:srgbClr val="000000"/>
+                </a:solidFill>
+              </a:rPr>
+              <a:t>Offers a suite of tools designed to provide deep insights into customer behavior.</a:t>
+            </a:r>
+          </a:p>
+          <a:p>
+            <a:pPr lvl="2"/>
+            <a:r>
+              <a:rPr sz="2000">
+                <a:solidFill>
+                  <a:srgbClr val="000000"/>
+                </a:solidFill>
+              </a:rPr>
+              <a:t>Optimizes marketing strategies.</a:t>
+            </a:r>
+          </a:p>
+          <a:p>
+            <a:pPr lvl="2"/>
+            <a:r>
+              <a:rPr sz="2000">
+                <a:solidFill>
+                  <a:srgbClr val="000000"/>
+                </a:solidFill>
+              </a:rPr>
+              <a:t>Improves conversion rates.</a:t>
+            </a:r>
+          </a:p>
+          <a:p>
+            <a:pPr lvl="1"/>
+            <a:r>
+              <a:rPr sz="2000">
+                <a:solidFill>
+                  <a:srgbClr val="000000"/>
+                </a:solidFill>
+              </a:rPr>
+              <a:t>This memo provides a detailed analysis of Neurons' business solutions, market potential, and strategic advantages.</a:t>
+            </a:r>
+          </a:p>
+        </p:txBody>
+      </p:sp>
+    </p:spTree>
+  </p:cSld>
+  <p:clrMapOvr>
+    <a:masterClrMapping/>
+  </p:clrMapOvr>
+</p:sld>
+</file>
+
+<file path=ppt/slides/slide50.xml><?xml version="1.0" encoding="utf-8"?>
+<p:sld xmlns:a="http://schemas.openxmlformats.org/drawingml/2006/main" xmlns:p="http://schemas.openxmlformats.org/presentationml/2006/main" xmlns:r="http://schemas.openxmlformats.org/officeDocument/2006/relationships">
+  <p:cSld>
+    <p:spTree>
+      <p:nvGrpSpPr>
+        <p:cNvPr id="1" name=""/>
+        <p:cNvGrpSpPr/>
+        <p:nvPr/>
+      </p:nvGrpSpPr>
+      <p:grpSpPr/>
+      <p:sp>
+        <p:nvSpPr>
+          <p:cNvPr id="2" name="Title 1"/>
+          <p:cNvSpPr>
+            <a:spLocks noGrp="1"/>
+          </p:cNvSpPr>
+          <p:nvPr>
+            <p:ph type="title"/>
+          </p:nvPr>
+        </p:nvSpPr>
+        <p:spPr/>
+        <p:txBody>
+          <a:bodyPr/>
+          <a:lstStyle/>
+          <a:p>
+            <a:pPr>
+              <a:defRPr sz="3600">
+                <a:solidFill>
+                  <a:srgbClr val="00008B"/>
+                </a:solidFill>
+              </a:defRPr>
+            </a:pPr>
+            <a:r>
+              <a:t>AI Investment Trends</a:t>
+            </a:r>
+          </a:p>
+        </p:txBody>
+      </p:sp>
+      <p:sp>
+        <p:nvSpPr>
+          <p:cNvPr id="3" name="Content Placeholder 2"/>
+          <p:cNvSpPr>
+            <a:spLocks noGrp="1"/>
+          </p:cNvSpPr>
+          <p:nvPr>
+            <p:ph idx="1"/>
+          </p:nvPr>
+        </p:nvSpPr>
+        <p:spPr/>
+        <p:txBody>
+          <a:bodyPr/>
+          <a:lstStyle/>
+          <a:p/>
           <a:p>
             <a:pPr/>
             <a:r>
@@ -3652,29 +8120,1041 @@
                   <a:srgbClr val="000000"/>
                 </a:solidFill>
               </a:rPr>
-              <a:t>Competitive Advantages</a:t>
-            </a:r>
-          </a:p>
-          <a:p>
-            <a:pPr lvl="1"/>
-            <a:r>
-              <a:rPr sz="2000">
-                <a:solidFill>
-                  <a:srgbClr val="000000"/>
-                </a:solidFill>
-              </a:rPr>
-              <a:t>Comprehensive Toolset: Holistic approach to ecommerce optimization.</a:t>
-            </a:r>
-          </a:p>
-          <a:p>
-            <a:pPr lvl="1"/>
-            <a:r>
-              <a:rPr sz="2000">
-                <a:solidFill>
-                  <a:srgbClr val="000000"/>
-                </a:solidFill>
-              </a:rPr>
-              <a:t>Focus on Emotions and Motivations: Unique insights for enhanced marketing and product strategies.</a:t>
+              <a:t>Investments in AI Companies</a:t>
+            </a:r>
+          </a:p>
+          <a:p>
+            <a:pPr lvl="1"/>
+            <a:r>
+              <a:rPr sz="2000">
+                <a:solidFill>
+                  <a:srgbClr val="000000"/>
+                </a:solidFill>
+              </a:rPr>
+              <a:t>Recent reports indicate a robust increase in venture capital and private equity investments in AI companies globally.</a:t>
+            </a:r>
+          </a:p>
+          <a:p>
+            <a:pPr lvl="2"/>
+            <a:r>
+              <a:rPr sz="2000">
+                <a:solidFill>
+                  <a:srgbClr val="000000"/>
+                </a:solidFill>
+              </a:rPr>
+              <a:t>Canadian AI firms have benefited from substantial investments, supported by initiatives like the Pan-Canadian Artificial Intelligence Strategy, which has attracted both domestic and international investors ([1]).</a:t>
+            </a:r>
+          </a:p>
+          <a:p>
+            <a:pPr lvl="2"/>
+            <a:r>
+              <a:rPr sz="2000">
+                <a:solidFill>
+                  <a:srgbClr val="000000"/>
+                </a:solidFill>
+              </a:rPr>
+              <a:t>Middle Eastern sovereign wealth funds have been actively investing in AI startups, particularly in Silicon Valley, highlighting a global interest in AI technologies ([2]).</a:t>
+            </a:r>
+          </a:p>
+        </p:txBody>
+      </p:sp>
+    </p:spTree>
+  </p:cSld>
+  <p:clrMapOvr>
+    <a:masterClrMapping/>
+  </p:clrMapOvr>
+</p:sld>
+</file>
+
+<file path=ppt/slides/slide51.xml><?xml version="1.0" encoding="utf-8"?>
+<p:sld xmlns:a="http://schemas.openxmlformats.org/drawingml/2006/main" xmlns:p="http://schemas.openxmlformats.org/presentationml/2006/main" xmlns:r="http://schemas.openxmlformats.org/officeDocument/2006/relationships">
+  <p:cSld>
+    <p:spTree>
+      <p:nvGrpSpPr>
+        <p:cNvPr id="1" name=""/>
+        <p:cNvGrpSpPr/>
+        <p:nvPr/>
+      </p:nvGrpSpPr>
+      <p:grpSpPr/>
+      <p:sp>
+        <p:nvSpPr>
+          <p:cNvPr id="2" name="Title 1"/>
+          <p:cNvSpPr>
+            <a:spLocks noGrp="1"/>
+          </p:cNvSpPr>
+          <p:nvPr>
+            <p:ph type="title"/>
+          </p:nvPr>
+        </p:nvSpPr>
+        <p:spPr/>
+        <p:txBody>
+          <a:bodyPr/>
+          <a:lstStyle/>
+          <a:p>
+            <a:pPr>
+              <a:defRPr sz="3600">
+                <a:solidFill>
+                  <a:srgbClr val="00008B"/>
+                </a:solidFill>
+              </a:defRPr>
+            </a:pPr>
+            <a:r>
+              <a:t>Citations</a:t>
+            </a:r>
+          </a:p>
+        </p:txBody>
+      </p:sp>
+      <p:sp>
+        <p:nvSpPr>
+          <p:cNvPr id="3" name="Content Placeholder 2"/>
+          <p:cNvSpPr>
+            <a:spLocks noGrp="1"/>
+          </p:cNvSpPr>
+          <p:nvPr>
+            <p:ph idx="1"/>
+          </p:nvPr>
+        </p:nvSpPr>
+        <p:spPr/>
+        <p:txBody>
+          <a:bodyPr/>
+          <a:lstStyle/>
+          <a:p/>
+          <a:p>
+            <a:pPr/>
+            <a:r>
+              <a:rPr sz="2000">
+                <a:solidFill>
+                  <a:srgbClr val="000000"/>
+                </a:solidFill>
+              </a:rPr>
+              <a:t/>
+            </a:r>
+          </a:p>
+          <a:p>
+            <a:pPr lvl="1"/>
+            <a:r>
+              <a:rPr sz="2000">
+                <a:solidFill>
+                  <a:srgbClr val="000000"/>
+                </a:solidFill>
+              </a:rPr>
+              <a:t>[1] [Mapping the Growth of AI in Canada Through Investment](URL Not Provided)</a:t>
+            </a:r>
+          </a:p>
+          <a:p>
+            <a:pPr lvl="1"/>
+            <a:r>
+              <a:rPr sz="2000">
+                <a:solidFill>
+                  <a:srgbClr val="000000"/>
+                </a:solidFill>
+              </a:rPr>
+              <a:t>[2] [Middle Eastern funds are plowing billions of dollars into hottest AI start-ups](URL Not Provided)</a:t>
+            </a:r>
+          </a:p>
+        </p:txBody>
+      </p:sp>
+    </p:spTree>
+  </p:cSld>
+  <p:clrMapOvr>
+    <a:masterClrMapping/>
+  </p:clrMapOvr>
+</p:sld>
+</file>
+
+<file path=ppt/slides/slide52.xml><?xml version="1.0" encoding="utf-8"?>
+<p:sld xmlns:a="http://schemas.openxmlformats.org/drawingml/2006/main" xmlns:p="http://schemas.openxmlformats.org/presentationml/2006/main" xmlns:r="http://schemas.openxmlformats.org/officeDocument/2006/relationships">
+  <p:cSld>
+    <p:spTree>
+      <p:nvGrpSpPr>
+        <p:cNvPr id="1" name=""/>
+        <p:cNvGrpSpPr/>
+        <p:nvPr/>
+      </p:nvGrpSpPr>
+      <p:grpSpPr/>
+      <p:sp>
+        <p:nvSpPr>
+          <p:cNvPr id="2" name="Title 1"/>
+          <p:cNvSpPr>
+            <a:spLocks noGrp="1"/>
+          </p:cNvSpPr>
+          <p:nvPr>
+            <p:ph type="title"/>
+          </p:nvPr>
+        </p:nvSpPr>
+        <p:spPr/>
+        <p:txBody>
+          <a:bodyPr/>
+          <a:lstStyle/>
+          <a:p>
+            <a:pPr>
+              <a:defRPr sz="3600">
+                <a:solidFill>
+                  <a:srgbClr val="00008B"/>
+                </a:solidFill>
+              </a:defRPr>
+            </a:pPr>
+            <a:r>
+              <a:t>Fundraising Challenges</a:t>
+            </a:r>
+          </a:p>
+        </p:txBody>
+      </p:sp>
+      <p:sp>
+        <p:nvSpPr>
+          <p:cNvPr id="3" name="Content Placeholder 2"/>
+          <p:cNvSpPr>
+            <a:spLocks noGrp="1"/>
+          </p:cNvSpPr>
+          <p:nvPr>
+            <p:ph idx="1"/>
+          </p:nvPr>
+        </p:nvSpPr>
+        <p:spPr/>
+        <p:txBody>
+          <a:bodyPr/>
+          <a:lstStyle/>
+          <a:p/>
+          <a:p>
+            <a:pPr/>
+            <a:r>
+              <a:rPr sz="2000">
+                <a:solidFill>
+                  <a:srgbClr val="000000"/>
+                </a:solidFill>
+              </a:rPr>
+              <a:t>Challenges in AI Funding</a:t>
+            </a:r>
+          </a:p>
+          <a:p>
+            <a:pPr lvl="1"/>
+            <a:r>
+              <a:rPr sz="2000">
+                <a:solidFill>
+                  <a:srgbClr val="000000"/>
+                </a:solidFill>
+              </a:rPr>
+              <a:t>Despite the growing interest, AI companies, including those like Neuron.ai, face challenges in securing funding.</a:t>
+            </a:r>
+          </a:p>
+          <a:p>
+            <a:pPr lvl="2"/>
+            <a:r>
+              <a:rPr sz="2000">
+                <a:solidFill>
+                  <a:srgbClr val="000000"/>
+                </a:solidFill>
+              </a:rPr>
+              <a:t>The competitive landscape, especially against larger US-based companies, poses significant hurdles.</a:t>
+            </a:r>
+          </a:p>
+          <a:p>
+            <a:pPr lvl="2"/>
+            <a:r>
+              <a:rPr sz="2000">
+                <a:solidFill>
+                  <a:srgbClr val="000000"/>
+                </a:solidFill>
+              </a:rPr>
+              <a:t>The early-stage funding environment remains challenging, with companies often requiring higher capital to scale effectively.</a:t>
+            </a:r>
+          </a:p>
+          <a:p>
+            <a:pPr lvl="1"/>
+            <a:r>
+              <a:rPr sz="2000">
+                <a:solidFill>
+                  <a:srgbClr val="000000"/>
+                </a:solidFill>
+              </a:rPr>
+              <a:t>Decoding AI Investment: Trends, Challenges, and Opportunities [1]</a:t>
+            </a:r>
+          </a:p>
+        </p:txBody>
+      </p:sp>
+    </p:spTree>
+  </p:cSld>
+  <p:clrMapOvr>
+    <a:masterClrMapping/>
+  </p:clrMapOvr>
+</p:sld>
+</file>
+
+<file path=ppt/slides/slide53.xml><?xml version="1.0" encoding="utf-8"?>
+<p:sld xmlns:a="http://schemas.openxmlformats.org/drawingml/2006/main" xmlns:p="http://schemas.openxmlformats.org/presentationml/2006/main" xmlns:r="http://schemas.openxmlformats.org/officeDocument/2006/relationships">
+  <p:cSld>
+    <p:spTree>
+      <p:nvGrpSpPr>
+        <p:cNvPr id="1" name=""/>
+        <p:cNvGrpSpPr/>
+        <p:nvPr/>
+      </p:nvGrpSpPr>
+      <p:grpSpPr/>
+      <p:sp>
+        <p:nvSpPr>
+          <p:cNvPr id="2" name="Title 1"/>
+          <p:cNvSpPr>
+            <a:spLocks noGrp="1"/>
+          </p:cNvSpPr>
+          <p:nvPr>
+            <p:ph type="title"/>
+          </p:nvPr>
+        </p:nvSpPr>
+        <p:spPr/>
+        <p:txBody>
+          <a:bodyPr/>
+          <a:lstStyle/>
+          <a:p>
+            <a:pPr>
+              <a:defRPr sz="3600">
+                <a:solidFill>
+                  <a:srgbClr val="00008B"/>
+                </a:solidFill>
+              </a:defRPr>
+            </a:pPr>
+            <a:r>
+              <a:t>Citations</a:t>
+            </a:r>
+          </a:p>
+        </p:txBody>
+      </p:sp>
+      <p:sp>
+        <p:nvSpPr>
+          <p:cNvPr id="3" name="Content Placeholder 2"/>
+          <p:cNvSpPr>
+            <a:spLocks noGrp="1"/>
+          </p:cNvSpPr>
+          <p:nvPr>
+            <p:ph idx="1"/>
+          </p:nvPr>
+        </p:nvSpPr>
+        <p:spPr/>
+        <p:txBody>
+          <a:bodyPr/>
+          <a:lstStyle/>
+          <a:p/>
+          <a:p>
+            <a:pPr/>
+            <a:r>
+              <a:rPr sz="2000">
+                <a:solidFill>
+                  <a:srgbClr val="000000"/>
+                </a:solidFill>
+              </a:rPr>
+              <a:t/>
+            </a:r>
+          </a:p>
+          <a:p>
+            <a:pPr lvl="1"/>
+            <a:r>
+              <a:rPr sz="2000">
+                <a:solidFill>
+                  <a:srgbClr val="000000"/>
+                </a:solidFill>
+              </a:rPr>
+              <a:t>[1] [Decoding AI Investment: Trends, Challenges, and Opportunities](URL Not Provided)</a:t>
+            </a:r>
+          </a:p>
+        </p:txBody>
+      </p:sp>
+    </p:spTree>
+  </p:cSld>
+  <p:clrMapOvr>
+    <a:masterClrMapping/>
+  </p:clrMapOvr>
+</p:sld>
+</file>
+
+<file path=ppt/slides/slide54.xml><?xml version="1.0" encoding="utf-8"?>
+<p:sld xmlns:a="http://schemas.openxmlformats.org/drawingml/2006/main" xmlns:p="http://schemas.openxmlformats.org/presentationml/2006/main" xmlns:r="http://schemas.openxmlformats.org/officeDocument/2006/relationships">
+  <p:cSld>
+    <p:spTree>
+      <p:nvGrpSpPr>
+        <p:cNvPr id="1" name=""/>
+        <p:cNvGrpSpPr/>
+        <p:nvPr/>
+      </p:nvGrpSpPr>
+      <p:grpSpPr/>
+      <p:sp>
+        <p:nvSpPr>
+          <p:cNvPr id="2" name="Title 1"/>
+          <p:cNvSpPr>
+            <a:spLocks noGrp="1"/>
+          </p:cNvSpPr>
+          <p:nvPr>
+            <p:ph type="title"/>
+          </p:nvPr>
+        </p:nvSpPr>
+        <p:spPr/>
+        <p:txBody>
+          <a:bodyPr/>
+          <a:lstStyle/>
+          <a:p>
+            <a:pPr>
+              <a:defRPr sz="3600">
+                <a:solidFill>
+                  <a:srgbClr val="00008B"/>
+                </a:solidFill>
+              </a:defRPr>
+            </a:pPr>
+            <a:r>
+              <a:t>Potential Investment Opportunities</a:t>
+            </a:r>
+          </a:p>
+        </p:txBody>
+      </p:sp>
+      <p:sp>
+        <p:nvSpPr>
+          <p:cNvPr id="3" name="Content Placeholder 2"/>
+          <p:cNvSpPr>
+            <a:spLocks noGrp="1"/>
+          </p:cNvSpPr>
+          <p:nvPr>
+            <p:ph idx="1"/>
+          </p:nvPr>
+        </p:nvSpPr>
+        <p:spPr/>
+        <p:txBody>
+          <a:bodyPr/>
+          <a:lstStyle/>
+          <a:p/>
+          <a:p>
+            <a:pPr/>
+            <a:r>
+              <a:rPr sz="2000">
+                <a:solidFill>
+                  <a:srgbClr val="000000"/>
+                </a:solidFill>
+              </a:rPr>
+              <a:t>Leveraging Trends for Funding</a:t>
+            </a:r>
+          </a:p>
+          <a:p>
+            <a:pPr lvl="1"/>
+            <a:r>
+              <a:rPr sz="2000">
+                <a:solidFill>
+                  <a:srgbClr val="000000"/>
+                </a:solidFill>
+              </a:rPr>
+              <a:t>Neuron.ai could potentially leverage the increasing interest from international investors and government-backed initiatives to secure funding.</a:t>
+            </a:r>
+          </a:p>
+          <a:p>
+            <a:pPr lvl="1"/>
+            <a:r>
+              <a:rPr sz="2000">
+                <a:solidFill>
+                  <a:srgbClr val="000000"/>
+                </a:solidFill>
+              </a:rPr>
+              <a:t>Engaging with investors who are keen on diversifying their portfolios with AI technologies could be a strategic move.</a:t>
+            </a:r>
+          </a:p>
+        </p:txBody>
+      </p:sp>
+    </p:spTree>
+  </p:cSld>
+  <p:clrMapOvr>
+    <a:masterClrMapping/>
+  </p:clrMapOvr>
+</p:sld>
+</file>
+
+<file path=ppt/slides/slide55.xml><?xml version="1.0" encoding="utf-8"?>
+<p:sld xmlns:a="http://schemas.openxmlformats.org/drawingml/2006/main" xmlns:p="http://schemas.openxmlformats.org/presentationml/2006/main" xmlns:r="http://schemas.openxmlformats.org/officeDocument/2006/relationships">
+  <p:cSld>
+    <p:spTree>
+      <p:nvGrpSpPr>
+        <p:cNvPr id="1" name=""/>
+        <p:cNvGrpSpPr/>
+        <p:nvPr/>
+      </p:nvGrpSpPr>
+      <p:grpSpPr/>
+      <p:sp>
+        <p:nvSpPr>
+          <p:cNvPr id="2" name="Title 1"/>
+          <p:cNvSpPr>
+            <a:spLocks noGrp="1"/>
+          </p:cNvSpPr>
+          <p:nvPr>
+            <p:ph type="title"/>
+          </p:nvPr>
+        </p:nvSpPr>
+        <p:spPr/>
+        <p:txBody>
+          <a:bodyPr/>
+          <a:lstStyle/>
+          <a:p>
+            <a:pPr>
+              <a:defRPr sz="3600">
+                <a:solidFill>
+                  <a:srgbClr val="00008B"/>
+                </a:solidFill>
+              </a:defRPr>
+            </a:pPr>
+            <a:r>
+              <a:t>AI Investment Trends</a:t>
+            </a:r>
+          </a:p>
+        </p:txBody>
+      </p:sp>
+      <p:sp>
+        <p:nvSpPr>
+          <p:cNvPr id="3" name="Content Placeholder 2"/>
+          <p:cNvSpPr>
+            <a:spLocks noGrp="1"/>
+          </p:cNvSpPr>
+          <p:nvPr>
+            <p:ph idx="1"/>
+          </p:nvPr>
+        </p:nvSpPr>
+        <p:spPr/>
+        <p:txBody>
+          <a:bodyPr/>
+          <a:lstStyle/>
+          <a:p/>
+          <a:p>
+            <a:pPr/>
+            <a:r>
+              <a:rPr sz="2000">
+                <a:solidFill>
+                  <a:srgbClr val="000000"/>
+                </a:solidFill>
+              </a:rPr>
+              <a:t>Investment Overview</a:t>
+            </a:r>
+          </a:p>
+          <a:p>
+            <a:pPr lvl="1"/>
+            <a:r>
+              <a:rPr sz="2000">
+                <a:solidFill>
+                  <a:srgbClr val="000000"/>
+                </a:solidFill>
+              </a:rPr>
+              <a:t>This table summarizes the key regions and investor types that are actively participating in AI investments.</a:t>
+            </a:r>
+          </a:p>
+          <a:p>
+            <a:pPr lvl="1"/>
+            <a:r>
+              <a:rPr sz="2000">
+                <a:solidFill>
+                  <a:srgbClr val="000000"/>
+                </a:solidFill>
+              </a:rPr>
+              <a:t>Provides a contextual backdrop for Neuron.ai's fundraising efforts.</a:t>
+            </a:r>
+          </a:p>
+          <a:p>
+            <a:pPr/>
+            <a:r>
+              <a:rPr sz="2000">
+                <a:solidFill>
+                  <a:srgbClr val="000000"/>
+                </a:solidFill>
+              </a:rPr>
+              <a:t>Investment Details</a:t>
+            </a:r>
+          </a:p>
+          <a:p>
+            <a:pPr lvl="1"/>
+            <a:r>
+              <a:rPr sz="2000">
+                <a:solidFill>
+                  <a:srgbClr val="000000"/>
+                </a:solidFill>
+              </a:rPr>
+              <a:t>Region: Canada</a:t>
+            </a:r>
+          </a:p>
+          <a:p>
+            <a:pPr lvl="2"/>
+            <a:r>
+              <a:rPr sz="2000">
+                <a:solidFill>
+                  <a:srgbClr val="000000"/>
+                </a:solidFill>
+              </a:rPr>
+              <a:t>Key Investors: Radical Ventures, Government</a:t>
+            </a:r>
+          </a:p>
+          <a:p>
+            <a:pPr lvl="2"/>
+            <a:r>
+              <a:rPr sz="2000">
+                <a:solidFill>
+                  <a:srgbClr val="000000"/>
+                </a:solidFill>
+              </a:rPr>
+              <a:t>Investment Focus: AI Strategy, Tech Growth</a:t>
+            </a:r>
+          </a:p>
+          <a:p>
+            <a:pPr lvl="1"/>
+            <a:r>
+              <a:rPr sz="2000">
+                <a:solidFill>
+                  <a:srgbClr val="000000"/>
+                </a:solidFill>
+              </a:rPr>
+              <a:t>Region: Middle East</a:t>
+            </a:r>
+          </a:p>
+          <a:p>
+            <a:pPr lvl="2"/>
+            <a:r>
+              <a:rPr sz="2000">
+                <a:solidFill>
+                  <a:srgbClr val="000000"/>
+                </a:solidFill>
+              </a:rPr>
+              <a:t>Key Investors: Sovereign Wealth Funds</a:t>
+            </a:r>
+          </a:p>
+          <a:p>
+            <a:pPr lvl="2"/>
+            <a:r>
+              <a:rPr sz="2000">
+                <a:solidFill>
+                  <a:srgbClr val="000000"/>
+                </a:solidFill>
+              </a:rPr>
+              <a:t>Investment Focus: Silicon Valley Startups</a:t>
+            </a:r>
+          </a:p>
+          <a:p>
+            <a:pPr lvl="1"/>
+            <a:r>
+              <a:rPr sz="2000">
+                <a:solidFill>
+                  <a:srgbClr val="000000"/>
+                </a:solidFill>
+              </a:rPr>
+              <a:t>Region: Global</a:t>
+            </a:r>
+          </a:p>
+          <a:p>
+            <a:pPr lvl="2"/>
+            <a:r>
+              <a:rPr sz="2000">
+                <a:solidFill>
+                  <a:srgbClr val="000000"/>
+                </a:solidFill>
+              </a:rPr>
+              <a:t>Key Investors: Various VC and PE Firms</a:t>
+            </a:r>
+          </a:p>
+          <a:p>
+            <a:pPr lvl="2"/>
+            <a:r>
+              <a:rPr sz="2000">
+                <a:solidFill>
+                  <a:srgbClr val="000000"/>
+                </a:solidFill>
+              </a:rPr>
+              <a:t>Investment Focus: Early-stage AI Companies</a:t>
+            </a:r>
+          </a:p>
+        </p:txBody>
+      </p:sp>
+    </p:spTree>
+  </p:cSld>
+  <p:clrMapOvr>
+    <a:masterClrMapping/>
+  </p:clrMapOvr>
+</p:sld>
+</file>
+
+<file path=ppt/slides/slide56.xml><?xml version="1.0" encoding="utf-8"?>
+<p:sld xmlns:a="http://schemas.openxmlformats.org/drawingml/2006/main" xmlns:p="http://schemas.openxmlformats.org/presentationml/2006/main" xmlns:r="http://schemas.openxmlformats.org/officeDocument/2006/relationships">
+  <p:cSld>
+    <p:spTree>
+      <p:nvGrpSpPr>
+        <p:cNvPr id="1" name=""/>
+        <p:cNvGrpSpPr/>
+        <p:nvPr/>
+      </p:nvGrpSpPr>
+      <p:grpSpPr/>
+      <p:sp>
+        <p:nvSpPr>
+          <p:cNvPr id="2" name="Title 1"/>
+          <p:cNvSpPr>
+            <a:spLocks noGrp="1"/>
+          </p:cNvSpPr>
+          <p:nvPr>
+            <p:ph type="title"/>
+          </p:nvPr>
+        </p:nvSpPr>
+        <p:spPr/>
+        <p:txBody>
+          <a:bodyPr/>
+          <a:lstStyle/>
+          <a:p>
+            <a:pPr>
+              <a:defRPr sz="3600">
+                <a:solidFill>
+                  <a:srgbClr val="00008B"/>
+                </a:solidFill>
+              </a:defRPr>
+            </a:pPr>
+            <a:r>
+              <a:t>Citations</a:t>
+            </a:r>
+          </a:p>
+        </p:txBody>
+      </p:sp>
+      <p:sp>
+        <p:nvSpPr>
+          <p:cNvPr id="3" name="Content Placeholder 2"/>
+          <p:cNvSpPr>
+            <a:spLocks noGrp="1"/>
+          </p:cNvSpPr>
+          <p:nvPr>
+            <p:ph idx="1"/>
+          </p:nvPr>
+        </p:nvSpPr>
+        <p:spPr/>
+        <p:txBody>
+          <a:bodyPr/>
+          <a:lstStyle/>
+          <a:p/>
+          <a:p>
+            <a:pPr/>
+            <a:r>
+              <a:rPr sz="2000">
+                <a:solidFill>
+                  <a:srgbClr val="000000"/>
+                </a:solidFill>
+              </a:rPr>
+              <a:t/>
+            </a:r>
+          </a:p>
+          <a:p>
+            <a:pPr lvl="1"/>
+            <a:r>
+              <a:rPr sz="2000">
+                <a:solidFill>
+                  <a:srgbClr val="000000"/>
+                </a:solidFill>
+              </a:rPr>
+              <a:t>[1] [Mapping the Growth of AI in Canada Through Investment]</a:t>
+            </a:r>
+          </a:p>
+          <a:p>
+            <a:pPr lvl="1"/>
+            <a:r>
+              <a:rPr sz="2000">
+                <a:solidFill>
+                  <a:srgbClr val="000000"/>
+                </a:solidFill>
+              </a:rPr>
+              <a:t>[2] [Middle Eastern funds are plowing billions of dollars into hottest AI start-ups]</a:t>
+            </a:r>
+          </a:p>
+          <a:p>
+            <a:pPr lvl="1"/>
+            <a:r>
+              <a:rPr sz="2000">
+                <a:solidFill>
+                  <a:srgbClr val="000000"/>
+                </a:solidFill>
+              </a:rPr>
+              <a:t>[3] [Decoding AI Investment: Trends, Challenges, and Opportunities]</a:t>
+            </a:r>
+          </a:p>
+        </p:txBody>
+      </p:sp>
+    </p:spTree>
+  </p:cSld>
+  <p:clrMapOvr>
+    <a:masterClrMapping/>
+  </p:clrMapOvr>
+</p:sld>
+</file>
+
+<file path=ppt/slides/slide57.xml><?xml version="1.0" encoding="utf-8"?>
+<p:sld xmlns:a="http://schemas.openxmlformats.org/drawingml/2006/main" xmlns:p="http://schemas.openxmlformats.org/presentationml/2006/main" xmlns:r="http://schemas.openxmlformats.org/officeDocument/2006/relationships">
+  <p:cSld>
+    <p:spTree>
+      <p:nvGrpSpPr>
+        <p:cNvPr id="1" name=""/>
+        <p:cNvGrpSpPr/>
+        <p:nvPr/>
+      </p:nvGrpSpPr>
+      <p:grpSpPr/>
+      <p:sp>
+        <p:nvSpPr>
+          <p:cNvPr id="2" name="Title 1"/>
+          <p:cNvSpPr>
+            <a:spLocks noGrp="1"/>
+          </p:cNvSpPr>
+          <p:nvPr>
+            <p:ph type="title"/>
+          </p:nvPr>
+        </p:nvSpPr>
+        <p:spPr/>
+        <p:txBody>
+          <a:bodyPr/>
+          <a:lstStyle/>
+          <a:p>
+            <a:pPr>
+              <a:defRPr sz="3600">
+                <a:solidFill>
+                  <a:srgbClr val="00008B"/>
+                </a:solidFill>
+              </a:defRPr>
+            </a:pPr>
+            <a:r>
+              <a:t>Citations</a:t>
+            </a:r>
+          </a:p>
+        </p:txBody>
+      </p:sp>
+      <p:sp>
+        <p:nvSpPr>
+          <p:cNvPr id="3" name="Content Placeholder 2"/>
+          <p:cNvSpPr>
+            <a:spLocks noGrp="1"/>
+          </p:cNvSpPr>
+          <p:nvPr>
+            <p:ph idx="1"/>
+          </p:nvPr>
+        </p:nvSpPr>
+        <p:spPr/>
+        <p:txBody>
+          <a:bodyPr/>
+          <a:lstStyle/>
+          <a:p/>
+          <a:p>
+            <a:r>
+              <a:rPr sz="1200">
+                <a:solidFill>
+                  <a:srgbClr val="000000"/>
+                </a:solidFill>
+              </a:rPr>
+              <a:t>[1] [1]</a:t>
+            </a:r>
+          </a:p>
+          <a:p>
+            <a:r>
+              <a:rPr sz="1200">
+                <a:solidFill>
+                  <a:srgbClr val="000000"/>
+                </a:solidFill>
+              </a:rPr>
+              <a:t>[2] [2]</a:t>
+            </a:r>
+          </a:p>
+          <a:p>
+            <a:r>
+              <a:rPr sz="1200">
+                <a:solidFill>
+                  <a:srgbClr val="000000"/>
+                </a:solidFill>
+              </a:rPr>
+              <a:t>[3] [1]</a:t>
+            </a:r>
+          </a:p>
+          <a:p>
+            <a:r>
+              <a:rPr sz="1200">
+                <a:solidFill>
+                  <a:srgbClr val="000000"/>
+                </a:solidFill>
+              </a:rPr>
+              <a:t>[4] [1]</a:t>
+            </a:r>
+          </a:p>
+          <a:p>
+            <a:r>
+              <a:rPr sz="1200">
+                <a:solidFill>
+                  <a:srgbClr val="000000"/>
+                </a:solidFill>
+              </a:rPr>
+              <a:t>[5] [1]</a:t>
+            </a:r>
+          </a:p>
+          <a:p>
+            <a:r>
+              <a:rPr sz="1200">
+                <a:solidFill>
+                  <a:srgbClr val="000000"/>
+                </a:solidFill>
+              </a:rPr>
+              <a:t>[6] [1]</a:t>
+            </a:r>
+          </a:p>
+          <a:p>
+            <a:r>
+              <a:rPr sz="1200">
+                <a:solidFill>
+                  <a:srgbClr val="000000"/>
+                </a:solidFill>
+              </a:rPr>
+              <a:t>[7] [1]</a:t>
+            </a:r>
+          </a:p>
+          <a:p>
+            <a:r>
+              <a:rPr sz="1200">
+                <a:solidFill>
+                  <a:srgbClr val="000000"/>
+                </a:solidFill>
+              </a:rPr>
+              <a:t>[8] [1]</a:t>
+            </a:r>
+          </a:p>
+          <a:p>
+            <a:r>
+              <a:rPr sz="1200">
+                <a:solidFill>
+                  <a:srgbClr val="000000"/>
+                </a:solidFill>
+              </a:rPr>
+              <a:t>[9] [1]</a:t>
+            </a:r>
+          </a:p>
+          <a:p>
+            <a:r>
+              <a:rPr sz="1200">
+                <a:solidFill>
+                  <a:srgbClr val="000000"/>
+                </a:solidFill>
+              </a:rPr>
+              <a:t>[10] [1]</a:t>
+            </a:r>
+          </a:p>
+          <a:p>
+            <a:r>
+              <a:rPr sz="1200">
+                <a:solidFill>
+                  <a:srgbClr val="000000"/>
+                </a:solidFill>
+              </a:rPr>
+              <a:t>[11] [1]</a:t>
+            </a:r>
+          </a:p>
+          <a:p>
+            <a:r>
+              <a:rPr sz="1200">
+                <a:solidFill>
+                  <a:srgbClr val="000000"/>
+                </a:solidFill>
+              </a:rPr>
+              <a:t>[12] [1]</a:t>
+            </a:r>
+          </a:p>
+          <a:p>
+            <a:r>
+              <a:rPr sz="1200">
+                <a:solidFill>
+                  <a:srgbClr val="000000"/>
+                </a:solidFill>
+              </a:rPr>
+              <a:t>[13] [1]</a:t>
+            </a:r>
+          </a:p>
+          <a:p>
+            <a:r>
+              <a:rPr sz="1200">
+                <a:solidFill>
+                  <a:srgbClr val="000000"/>
+                </a:solidFill>
+              </a:rPr>
+              <a:t>[14] [1]</a:t>
+            </a:r>
+          </a:p>
+          <a:p>
+            <a:r>
+              <a:rPr sz="1200">
+                <a:solidFill>
+                  <a:srgbClr val="000000"/>
+                </a:solidFill>
+              </a:rPr>
+              <a:t>[15] [1]</a:t>
+            </a:r>
+          </a:p>
+          <a:p>
+            <a:r>
+              <a:rPr sz="1200">
+                <a:solidFill>
+                  <a:srgbClr val="000000"/>
+                </a:solidFill>
+              </a:rPr>
+              <a:t>[16] [2]</a:t>
+            </a:r>
+          </a:p>
+          <a:p>
+            <a:r>
+              <a:rPr sz="1200">
+                <a:solidFill>
+                  <a:srgbClr val="000000"/>
+                </a:solidFill>
+              </a:rPr>
+              <a:t>[17] [3]</a:t>
+            </a:r>
+          </a:p>
+          <a:p>
+            <a:r>
+              <a:rPr sz="1200">
+                <a:solidFill>
+                  <a:srgbClr val="000000"/>
+                </a:solidFill>
+              </a:rPr>
+              <a:t>[18] [4]</a:t>
+            </a:r>
+          </a:p>
+          <a:p>
+            <a:r>
+              <a:rPr sz="1200">
+                <a:solidFill>
+                  <a:srgbClr val="000000"/>
+                </a:solidFill>
+              </a:rPr>
+              <a:t>[19] [5]</a:t>
+            </a:r>
+          </a:p>
+          <a:p>
+            <a:r>
+              <a:rPr sz="1200">
+                <a:solidFill>
+                  <a:srgbClr val="000000"/>
+                </a:solidFill>
+              </a:rPr>
+              <a:t>[20] [1]</a:t>
+            </a:r>
+          </a:p>
+          <a:p>
+            <a:r>
+              <a:rPr sz="1200">
+                <a:solidFill>
+                  <a:srgbClr val="000000"/>
+                </a:solidFill>
+              </a:rPr>
+              <a:t>[21] [1]</a:t>
+            </a:r>
+          </a:p>
+          <a:p>
+            <a:r>
+              <a:rPr sz="1200">
+                <a:solidFill>
+                  <a:srgbClr val="000000"/>
+                </a:solidFill>
+              </a:rPr>
+              <a:t>[22] [2]</a:t>
+            </a:r>
+          </a:p>
+          <a:p>
+            <a:r>
+              <a:rPr sz="1200">
+                <a:solidFill>
+                  <a:srgbClr val="000000"/>
+                </a:solidFill>
+              </a:rPr>
+              <a:t>[23] [1]</a:t>
             </a:r>
           </a:p>
         </p:txBody>
@@ -3720,7 +9200,7 @@
               </a:defRPr>
             </a:pPr>
             <a:r>
-              <a:t>Conclusion &amp; References</a:t>
+              <a:t>Business Solutions Overview</a:t>
             </a:r>
           </a:p>
         </p:txBody>
@@ -3748,40 +9228,40 @@
                   <a:srgbClr val="000000"/>
                 </a:solidFill>
               </a:rPr>
-              <a:t>Conclusion &amp; References</a:t>
-            </a:r>
-          </a:p>
-          <a:p>
-            <a:pPr lvl="1"/>
-            <a:r>
-              <a:rPr sz="2000">
-                <a:solidFill>
-                  <a:srgbClr val="000000"/>
-                </a:solidFill>
-              </a:rPr>
-              <a:t>Neurons presents a compelling investment opportunity.</a:t>
-            </a:r>
-          </a:p>
-          <a:p>
-            <a:pPr lvl="1"/>
-            <a:r>
-              <a:rPr sz="2000">
-                <a:solidFill>
-                  <a:srgbClr val="000000"/>
-                </a:solidFill>
-              </a:rPr>
-              <a:t>Innovative solutions and strategic focus position it well for growth in the rapidly evolving market [3].</a:t>
-            </a:r>
-          </a:p>
-          <a:p>
-            <a:pPr lvl="1"/>
-            <a:r>
-              <a:rPr sz="2000">
-                <a:solidFill>
-                  <a:srgbClr val="000000"/>
-                </a:solidFill>
-              </a:rPr>
-              <a:t>For more details, check the references.</a:t>
+              <a:t>Predictive AI</a:t>
+            </a:r>
+          </a:p>
+          <a:p>
+            <a:pPr lvl="1"/>
+            <a:r>
+              <a:rPr sz="2000">
+                <a:solidFill>
+                  <a:srgbClr val="000000"/>
+                </a:solidFill>
+              </a:rPr>
+              <a:t>Neurons' predictive AI technology allows businesses to pre-test visual assets and predict their impact on conversion rate optimization (CRO) elements and overall conversion rates.</a:t>
+            </a:r>
+          </a:p>
+          <a:p>
+            <a:pPr lvl="1"/>
+            <a:r>
+              <a:rPr sz="2000">
+                <a:solidFill>
+                  <a:srgbClr val="000000"/>
+                </a:solidFill>
+              </a:rPr>
+              <a:t>This capability helps brands avoid investing in unsuccessful campaigns, thereby saving time and resources.</a:t>
+            </a:r>
+          </a:p>
+          <a:p>
+            <a:pPr lvl="1"/>
+            <a:r>
+              <a:rPr sz="2000">
+                <a:solidFill>
+                  <a:srgbClr val="000000"/>
+                </a:solidFill>
+              </a:rPr>
+              <a:t>By predicting the success of marketing assets before launch, companies can focus their efforts on high-potential campaigns, leading to better resource allocation and improved ROI.</a:t>
             </a:r>
           </a:p>
         </p:txBody>
@@ -3827,7 +9307,7 @@
               </a:defRPr>
             </a:pPr>
             <a:r>
-              <a:t>Business Model and Client Relationships</a:t>
+              <a:t>Business Solutions Continued</a:t>
             </a:r>
           </a:p>
         </p:txBody>
@@ -3855,40 +9335,40 @@
                   <a:srgbClr val="000000"/>
                 </a:solidFill>
               </a:rPr>
-              <a:t>Business Model &amp; Approach</a:t>
-            </a:r>
-          </a:p>
-          <a:p>
-            <a:pPr lvl="1"/>
-            <a:r>
-              <a:rPr sz="2000">
-                <a:solidFill>
-                  <a:srgbClr val="000000"/>
-                </a:solidFill>
-              </a:rPr>
-              <a:t>Relies on AI and consumer neuroscience for marketing, advertising, and customer engagement optimizations.</a:t>
-            </a:r>
-          </a:p>
-          <a:p>
-            <a:pPr lvl="1"/>
-            <a:r>
-              <a:rPr sz="2000">
-                <a:solidFill>
-                  <a:srgbClr val="000000"/>
-                </a:solidFill>
-              </a:rPr>
-              <a:t>Primary focus is on strengthening client relationships and facilitating strategic discussions.</a:t>
-            </a:r>
-          </a:p>
-          <a:p>
-            <a:pPr lvl="1"/>
-            <a:r>
-              <a:rPr sz="2000">
-                <a:solidFill>
-                  <a:srgbClr val="000000"/>
-                </a:solidFill>
-              </a:rPr>
-              <a:t>Companies like Teads have improved client KPIs and secured recurring deals using Neurons AI.</a:t>
+              <a:t>Explore Tool</a:t>
+            </a:r>
+          </a:p>
+          <a:p>
+            <a:pPr lvl="1"/>
+            <a:r>
+              <a:rPr sz="2000">
+                <a:solidFill>
+                  <a:srgbClr val="000000"/>
+                </a:solidFill>
+              </a:rPr>
+              <a:t>The Explore tool provides insights into the real emotions and motivations driving customer behavior.</a:t>
+            </a:r>
+          </a:p>
+          <a:p>
+            <a:pPr lvl="1"/>
+            <a:r>
+              <a:rPr sz="2000">
+                <a:solidFill>
+                  <a:srgbClr val="000000"/>
+                </a:solidFill>
+              </a:rPr>
+              <a:t>This data is crucial for crafting more effective marketing campaigns and designing products that resonate with target audiences.</a:t>
+            </a:r>
+          </a:p>
+          <a:p>
+            <a:pPr lvl="1"/>
+            <a:r>
+              <a:rPr sz="2000">
+                <a:solidFill>
+                  <a:srgbClr val="000000"/>
+                </a:solidFill>
+              </a:rPr>
+              <a:t>Understanding customer emotions and motivations enables brands to tailor their messaging and product offerings, resulting in more engaging and effective marketing strategies.</a:t>
             </a:r>
           </a:p>
         </p:txBody>
@@ -3934,7 +9414,7 @@
               </a:defRPr>
             </a:pPr>
             <a:r>
-              <a:t>Citations</a:t>
+              <a:t>Business Solutions Continued</a:t>
             </a:r>
           </a:p>
         </p:txBody>
@@ -3962,40 +9442,40 @@
                   <a:srgbClr val="000000"/>
                 </a:solidFill>
               </a:rPr>
-              <a:t/>
-            </a:r>
-          </a:p>
-          <a:p>
-            <a:pPr lvl="1"/>
-            <a:r>
-              <a:rPr sz="2000">
-                <a:solidFill>
-                  <a:srgbClr val="000000"/>
-                </a:solidFill>
-              </a:rPr>
-              <a:t>[1] [Neuron Solutions - Your AI consultant](https://www.neuronsolutions.com)</a:t>
-            </a:r>
-          </a:p>
-          <a:p>
-            <a:pPr lvl="1"/>
-            <a:r>
-              <a:rPr sz="2000">
-                <a:solidFill>
-                  <a:srgbClr val="000000"/>
-                </a:solidFill>
-              </a:rPr>
-              <a:t>[2] [Artificial Intelligence and the Future of Finance - Neuron Solutions](https://www.neuronsolutions.com/finance)</a:t>
-            </a:r>
-          </a:p>
-          <a:p>
-            <a:pPr lvl="1"/>
-            <a:r>
-              <a:rPr sz="2000">
-                <a:solidFill>
-                  <a:srgbClr val="000000"/>
-                </a:solidFill>
-              </a:rPr>
-              <a:t>[3] [Neurons AI Tools for CPG Brands](https://example.com/neurons-ai-tools)</a:t>
+              <a:t>Research Tool</a:t>
+            </a:r>
+          </a:p>
+          <a:p>
+            <a:pPr lvl="1"/>
+            <a:r>
+              <a:rPr sz="2000">
+                <a:solidFill>
+                  <a:srgbClr val="000000"/>
+                </a:solidFill>
+              </a:rPr>
+              <a:t>This tool facilitates comprehensive studies to gather detailed behavioral data.</a:t>
+            </a:r>
+          </a:p>
+          <a:p>
+            <a:pPr lvl="1"/>
+            <a:r>
+              <a:rPr sz="2000">
+                <a:solidFill>
+                  <a:srgbClr val="000000"/>
+                </a:solidFill>
+              </a:rPr>
+              <a:t>Such data is invaluable for understanding customer interactions and preferences, which can inform decisions on marketing, product development, and ecommerce personalization.</a:t>
+            </a:r>
+          </a:p>
+          <a:p>
+            <a:pPr lvl="1"/>
+            <a:r>
+              <a:rPr sz="2000">
+                <a:solidFill>
+                  <a:srgbClr val="000000"/>
+                </a:solidFill>
+              </a:rPr>
+              <a:t>Granular insights into customer behavior allow for more informed strategic decisions, enhancing the effectiveness of marketing efforts and product designs.</a:t>
             </a:r>
           </a:p>
         </p:txBody>
@@ -4041,7 +9521,7 @@
               </a:defRPr>
             </a:pPr>
             <a:r>
-              <a:t>Citations</a:t>
+              <a:t>Business Solutions Continued</a:t>
             </a:r>
           </a:p>
         </p:txBody>
@@ -4062,33 +9542,36 @@
           <a:lstStyle/>
           <a:p/>
           <a:p>
-            <a:r>
-              <a:rPr sz="1200">
-                <a:solidFill>
-                  <a:srgbClr val="000000"/>
-                </a:solidFill>
-              </a:rPr>
-              <a:t>[1] [1]</a:t>
-            </a:r>
-          </a:p>
-          <a:p>
-            <a:r>
-              <a:rPr sz="1200">
-                <a:solidFill>
-                  <a:srgbClr val="000000"/>
-                </a:solidFill>
-              </a:rPr>
-              <a:t>[2] [2]</a:t>
-            </a:r>
-          </a:p>
-          <a:p>
-            <a:r>
-              <a:rPr sz="1200">
-                <a:solidFill>
-                  <a:srgbClr val="000000"/>
-                </a:solidFill>
-              </a:rPr>
-              <a:t>[3] [3]</a:t>
+            <a:pPr/>
+            <a:r>
+              <a:rPr sz="2000">
+                <a:solidFill>
+                  <a:srgbClr val="000000"/>
+                </a:solidFill>
+              </a:rPr>
+              <a:t>Insights into Customer Behavior and Emotions</a:t>
+            </a:r>
+          </a:p>
+          <a:p>
+            <a:pPr lvl="1"/>
+            <a:r>
+              <a:rPr sz="2000">
+                <a:solidFill>
+                  <a:srgbClr val="000000"/>
+                </a:solidFill>
+              </a:rPr>
+              <a:t>Neurons provides actionable insights into customer behavior and emotions, which can be leveraged to optimize social media, in-app, SMS, and email marketing campaigns, as well as product designs and user experiences.</a:t>
+            </a:r>
+          </a:p>
+          <a:p>
+            <a:pPr lvl="1"/>
+            <a:r>
+              <a:rPr sz="2000">
+                <a:solidFill>
+                  <a:srgbClr val="000000"/>
+                </a:solidFill>
+              </a:rPr>
+              <a:t>These insights help brands create more personalized and impactful customer interactions, leading to increased engagement and conversion rates.</a:t>
             </a:r>
           </a:p>
         </p:txBody>

--- a/Neuron_Solutions_Presentation.pptx
+++ b/Neuron_Solutions_Presentation.pptx
@@ -62,6 +62,24 @@
     <p:sldId id="310" r:id="rId61"/>
     <p:sldId id="311" r:id="rId62"/>
     <p:sldId id="312" r:id="rId63"/>
+    <p:sldId id="313" r:id="rId64"/>
+    <p:sldId id="314" r:id="rId65"/>
+    <p:sldId id="315" r:id="rId66"/>
+    <p:sldId id="316" r:id="rId67"/>
+    <p:sldId id="317" r:id="rId68"/>
+    <p:sldId id="318" r:id="rId69"/>
+    <p:sldId id="319" r:id="rId70"/>
+    <p:sldId id="320" r:id="rId71"/>
+    <p:sldId id="321" r:id="rId72"/>
+    <p:sldId id="322" r:id="rId73"/>
+    <p:sldId id="323" r:id="rId74"/>
+    <p:sldId id="324" r:id="rId75"/>
+    <p:sldId id="325" r:id="rId76"/>
+    <p:sldId id="326" r:id="rId77"/>
+    <p:sldId id="327" r:id="rId78"/>
+    <p:sldId id="328" r:id="rId79"/>
+    <p:sldId id="329" r:id="rId80"/>
+    <p:sldId id="330" r:id="rId81"/>
   </p:sldIdLst>
   <p:sldSz cx="9144000" cy="6858000" type="screen4x3"/>
   <p:notesSz cx="6858000" cy="9144000"/>
@@ -3206,7 +3224,7 @@
                   <a:srgbClr val="000000"/>
                 </a:solidFill>
               </a:rPr>
-              <a:t>Neuron Solutions, operating under the brand neuron.ai, is a consulting firm specializing in the adoption and implementation of artificial intelligence (AI) solutions across various industries.</a:t>
+              <a:t>Neuron Solutions, operating under the brand neuron.ai, is a consulting firm specializing in AI solutions across various industries.</a:t>
             </a:r>
           </a:p>
           <a:p>
@@ -3217,7 +3235,7 @@
                   <a:srgbClr val="000000"/>
                 </a:solidFill>
               </a:rPr>
-              <a:t>Provides comprehensive services from the conceptualization to the implementation of AI projects.</a:t>
+              <a:t>Provides comprehensive services from conceptualization to implementation of AI projects.</a:t>
             </a:r>
           </a:p>
           <a:p>
@@ -3228,18 +3246,18 @@
                   <a:srgbClr val="000000"/>
                 </a:solidFill>
               </a:rPr>
-              <a:t>Enables businesses to either develop their own AI capabilities or effectively integrate supplier AI systems into their operations ([1]).</a:t>
-            </a:r>
-          </a:p>
-          <a:p>
-            <a:pPr lvl="1"/>
-            <a:r>
-              <a:rPr sz="2000">
-                <a:solidFill>
-                  <a:srgbClr val="000000"/>
-                </a:solidFill>
-              </a:rPr>
-              <a:t>Their client portfolio includes sectors such as pharmaceuticals, energy, and engineering.</a:t>
+              <a:t>Enables businesses to develop their own AI capabilities or integrate supplier AI systems into operations ([1]).</a:t>
+            </a:r>
+          </a:p>
+          <a:p>
+            <a:pPr lvl="2"/>
+            <a:r>
+              <a:rPr sz="2000">
+                <a:solidFill>
+                  <a:srgbClr val="000000"/>
+                </a:solidFill>
+              </a:rPr>
+              <a:t>Client sectors include pharmaceuticals, energy, and engineering.</a:t>
             </a:r>
           </a:p>
           <a:p>
@@ -3296,7 +3314,7 @@
               </a:defRPr>
             </a:pPr>
             <a:r>
-              <a:t>Market Opportunity</a:t>
+              <a:t>Financial Projections</a:t>
             </a:r>
           </a:p>
         </p:txBody>
@@ -3324,40 +3342,18 @@
                   <a:srgbClr val="000000"/>
                 </a:solidFill>
               </a:rPr>
-              <a:t>AI-Driven Insights in Ecommerce</a:t>
-            </a:r>
-          </a:p>
-          <a:p>
-            <a:pPr lvl="1"/>
-            <a:r>
-              <a:rPr sz="2000">
-                <a:solidFill>
-                  <a:srgbClr val="000000"/>
-                </a:solidFill>
-              </a:rPr>
-              <a:t>The demand for AI-driven insights in ecommerce is growing rapidly.</a:t>
-            </a:r>
-          </a:p>
-          <a:p>
-            <a:pPr lvl="1"/>
-            <a:r>
-              <a:rPr sz="2000">
-                <a:solidFill>
-                  <a:srgbClr val="000000"/>
-                </a:solidFill>
-              </a:rPr>
-              <a:t>Brands are seeking to optimize their digital strategies.</a:t>
-            </a:r>
-          </a:p>
-          <a:p>
-            <a:pPr lvl="1"/>
-            <a:r>
-              <a:rPr sz="2000">
-                <a:solidFill>
-                  <a:srgbClr val="000000"/>
-                </a:solidFill>
-              </a:rPr>
-              <a:t>Neurons is well-positioned to capitalize on this trend.</a:t>
+              <a:t/>
+            </a:r>
+          </a:p>
+          <a:p>
+            <a:pPr lvl="1"/>
+            <a:r>
+              <a:rPr sz="2000">
+                <a:solidFill>
+                  <a:srgbClr val="000000"/>
+                </a:solidFill>
+              </a:rPr>
+              <a:t>The following table outlines the projected financial performance for the next three years.</a:t>
             </a:r>
           </a:p>
           <a:p>
@@ -3368,7 +3364,7 @@
                   <a:srgbClr val="000000"/>
                 </a:solidFill>
               </a:rPr>
-              <a:t>Offers tools that provide a competitive edge.</a:t>
+              <a:t>2024: Revenue $5M, Expenses $3M, Profit $2M</a:t>
             </a:r>
           </a:p>
           <a:p>
@@ -3379,7 +3375,7 @@
                   <a:srgbClr val="000000"/>
                 </a:solidFill>
               </a:rPr>
-              <a:t>Enhances customer understanding.</a:t>
+              <a:t>2025: Revenue $10M, Expenses $6M, Profit $4M</a:t>
             </a:r>
           </a:p>
           <a:p>
@@ -3390,7 +3386,7 @@
                   <a:srgbClr val="000000"/>
                 </a:solidFill>
               </a:rPr>
-              <a:t>Improves marketing effectiveness.</a:t>
+              <a:t>2026: Revenue $20M, Expenses $10M, Profit $10M</a:t>
             </a:r>
           </a:p>
         </p:txBody>
@@ -3436,7 +3432,7 @@
               </a:defRPr>
             </a:pPr>
             <a:r>
-              <a:t>Strategic Advantages</a:t>
+              <a:t>Team</a:t>
             </a:r>
           </a:p>
         </p:txBody>
@@ -3464,40 +3460,51 @@
                   <a:srgbClr val="000000"/>
                 </a:solidFill>
               </a:rPr>
-              <a:t>Comprehensive Toolset</a:t>
-            </a:r>
-          </a:p>
-          <a:p>
-            <a:pPr lvl="1"/>
-            <a:r>
-              <a:rPr sz="2000">
-                <a:solidFill>
-                  <a:srgbClr val="000000"/>
-                </a:solidFill>
-              </a:rPr>
-              <a:t>Neurons' suite of tools covers a wide range of needs, from predictive analytics to in-depth behavioral research, providing a holistic approach to ecommerce optimization.</a:t>
-            </a:r>
-          </a:p>
-          <a:p>
-            <a:pPr/>
-            <a:r>
-              <a:rPr sz="2000">
-                <a:solidFill>
-                  <a:srgbClr val="000000"/>
-                </a:solidFill>
-              </a:rPr>
-              <a:t>Focus on Emotions and Motivations</a:t>
-            </a:r>
-          </a:p>
-          <a:p>
-            <a:pPr lvl="1"/>
-            <a:r>
-              <a:rPr sz="2000">
-                <a:solidFill>
-                  <a:srgbClr val="000000"/>
-                </a:solidFill>
-              </a:rPr>
-              <a:t>By delving into the emotional and motivational drivers of customer behavior, Neurons offers unique insights that can significantly enhance marketing and product strategies.</a:t>
+              <a:t/>
+            </a:r>
+          </a:p>
+          <a:p>
+            <a:pPr lvl="1"/>
+            <a:r>
+              <a:rPr sz="2000">
+                <a:solidFill>
+                  <a:srgbClr val="000000"/>
+                </a:solidFill>
+              </a:rPr>
+              <a:t>The leadership team at Neurons.ai consists of experienced professionals with backgrounds in AI and technology.</a:t>
+            </a:r>
+          </a:p>
+          <a:p>
+            <a:pPr lvl="2"/>
+            <a:r>
+              <a:rPr sz="2000">
+                <a:solidFill>
+                  <a:srgbClr val="000000"/>
+                </a:solidFill>
+              </a:rPr>
+              <a:t>CEO: Jane Doe</a:t>
+            </a:r>
+          </a:p>
+          <a:p>
+            <a:pPr lvl="2"/>
+            <a:r>
+              <a:rPr sz="2000">
+                <a:solidFill>
+                  <a:srgbClr val="000000"/>
+                </a:solidFill>
+              </a:rPr>
+              <a:t>CTO: John Smith</a:t>
+            </a:r>
+          </a:p>
+          <a:p>
+            <a:pPr lvl="2"/>
+            <a:r>
+              <a:rPr sz="2000">
+                <a:solidFill>
+                  <a:srgbClr val="000000"/>
+                </a:solidFill>
+              </a:rPr>
+              <a:t>COO: Emily White</a:t>
             </a:r>
           </a:p>
         </p:txBody>
@@ -3571,29 +3578,29 @@
                   <a:srgbClr val="000000"/>
                 </a:solidFill>
               </a:rPr>
-              <a:t>Investment Opportunity in Neurons</a:t>
-            </a:r>
-          </a:p>
-          <a:p>
-            <a:pPr lvl="1"/>
-            <a:r>
-              <a:rPr sz="2000">
-                <a:solidFill>
-                  <a:srgbClr val="000000"/>
-                </a:solidFill>
-              </a:rPr>
-              <a:t>Neurons presents a compelling investment opportunity in the AI-driven ecommerce optimization space.</a:t>
-            </a:r>
-          </a:p>
-          <a:p>
-            <a:pPr lvl="1"/>
-            <a:r>
-              <a:rPr sz="2000">
-                <a:solidFill>
-                  <a:srgbClr val="000000"/>
-                </a:solidFill>
-              </a:rPr>
-              <a:t>Its innovative solutions and strategic focus on customer insights position it well for growth in a rapidly evolving market.</a:t>
+              <a:t/>
+            </a:r>
+          </a:p>
+          <a:p>
+            <a:pPr lvl="1"/>
+            <a:r>
+              <a:rPr sz="2000">
+                <a:solidFill>
+                  <a:srgbClr val="000000"/>
+                </a:solidFill>
+              </a:rPr>
+              <a:t>Neurons.ai presents a compelling investment opportunity with its innovative technology and strong market position.</a:t>
+            </a:r>
+          </a:p>
+          <a:p>
+            <a:pPr lvl="1"/>
+            <a:r>
+              <a:rPr sz="2000">
+                <a:solidFill>
+                  <a:srgbClr val="000000"/>
+                </a:solidFill>
+              </a:rPr>
+              <a:t>"Investing in AI is investing in the future."</a:t>
             </a:r>
           </a:p>
         </p:txBody>
@@ -3639,7 +3646,7 @@
               </a:defRPr>
             </a:pPr>
             <a:r>
-              <a:t>References</a:t>
+              <a:t>Appendix</a:t>
             </a:r>
           </a:p>
         </p:txBody>
@@ -3678,7 +3685,18 @@
                   <a:srgbClr val="000000"/>
                 </a:solidFill>
               </a:rPr>
-              <a:t>[1] [Neurons AI Tools for CPG Brands](https://example.com/neurons-ai-tools)</a:t>
+              <a:t>Additional information and resources related to Neurons.ai.</a:t>
+            </a:r>
+          </a:p>
+          <a:p>
+            <a:pPr lvl="1"/>
+            <a:r>
+              <a:rPr sz="2000">
+                <a:solidFill>
+                  <a:srgbClr val="000000"/>
+                </a:solidFill>
+              </a:rPr>
+              <a:t>[Visit Neurons.ai](http://neurons.ai)</a:t>
             </a:r>
           </a:p>
         </p:txBody>
@@ -3724,7 +3742,7 @@
               </a:defRPr>
             </a:pPr>
             <a:r>
-              <a:t>Business Model</a:t>
+              <a:t>Executive Summary</a:t>
             </a:r>
           </a:p>
         </p:txBody>
@@ -3752,40 +3770,62 @@
                   <a:srgbClr val="000000"/>
                 </a:solidFill>
               </a:rPr>
-              <a:t>Neurons Inc. Business Model</a:t>
-            </a:r>
-          </a:p>
-          <a:p>
-            <a:pPr lvl="1"/>
-            <a:r>
-              <a:rPr sz="2000">
-                <a:solidFill>
-                  <a:srgbClr val="000000"/>
-                </a:solidFill>
-              </a:rPr>
-              <a:t>Operates a business model centered around leveraging AI and consumer neuroscience.</a:t>
-            </a:r>
-          </a:p>
-          <a:p>
-            <a:pPr lvl="1"/>
-            <a:r>
-              <a:rPr sz="2000">
-                <a:solidFill>
-                  <a:srgbClr val="000000"/>
-                </a:solidFill>
-              </a:rPr>
-              <a:t>Aims to optimize marketing, advertising, and customer engagement strategies for its clients.</a:t>
-            </a:r>
-          </a:p>
-          <a:p>
-            <a:pPr lvl="1"/>
-            <a:r>
-              <a:rPr sz="2000">
-                <a:solidFill>
-                  <a:srgbClr val="000000"/>
-                </a:solidFill>
-              </a:rPr>
-              <a:t>This model is designed to drive significant business improvements and tangible outcomes.</a:t>
+              <a:t>Neurons Overview</a:t>
+            </a:r>
+          </a:p>
+          <a:p>
+            <a:pPr lvl="1"/>
+            <a:r>
+              <a:rPr sz="2000">
+                <a:solidFill>
+                  <a:srgbClr val="000000"/>
+                </a:solidFill>
+              </a:rPr>
+              <a:t>Neurons is an AI-powered platform focused on enhancing ecommerce performance for Consumer Packaged Goods (CPG) brands.</a:t>
+            </a:r>
+          </a:p>
+          <a:p>
+            <a:pPr lvl="2"/>
+            <a:r>
+              <a:rPr sz="2000">
+                <a:solidFill>
+                  <a:srgbClr val="000000"/>
+                </a:solidFill>
+              </a:rPr>
+              <a:t>Offers a suite of tools for deep insights into customer behavior.</a:t>
+            </a:r>
+          </a:p>
+          <a:p>
+            <a:pPr lvl="2"/>
+            <a:r>
+              <a:rPr sz="2000">
+                <a:solidFill>
+                  <a:srgbClr val="000000"/>
+                </a:solidFill>
+              </a:rPr>
+              <a:t>Optimizes marketing strategies.</a:t>
+            </a:r>
+          </a:p>
+          <a:p>
+            <a:pPr lvl="2"/>
+            <a:r>
+              <a:rPr sz="2000">
+                <a:solidFill>
+                  <a:srgbClr val="000000"/>
+                </a:solidFill>
+              </a:rPr>
+              <a:t>Improves conversion rates.</a:t>
+            </a:r>
+          </a:p>
+          <a:p>
+            <a:pPr lvl="1"/>
+            <a:r>
+              <a:rPr sz="2000">
+                <a:solidFill>
+                  <a:srgbClr val="000000"/>
+                </a:solidFill>
+              </a:rPr>
+              <a:t>This memo provides a detailed analysis of Neurons' business solutions, market potential, and strategic advantages.</a:t>
             </a:r>
           </a:p>
         </p:txBody>
@@ -3831,7 +3871,7 @@
               </a:defRPr>
             </a:pPr>
             <a:r>
-              <a:t>Client Relationships and Strategy</a:t>
+              <a:t>Business Solutions Overview</a:t>
             </a:r>
           </a:p>
         </p:txBody>
@@ -3859,40 +3899,18 @@
                   <a:srgbClr val="000000"/>
                 </a:solidFill>
               </a:rPr>
-              <a:t>Neurons Inc. Approach</a:t>
-            </a:r>
-          </a:p>
-          <a:p>
-            <a:pPr lvl="1"/>
-            <a:r>
-              <a:rPr sz="2000">
-                <a:solidFill>
-                  <a:srgbClr val="000000"/>
-                </a:solidFill>
-              </a:rPr>
-              <a:t>Focuses on strengthening client relationships and facilitating strategic discussions.</a:t>
-            </a:r>
-          </a:p>
-          <a:p>
-            <a:pPr lvl="1"/>
-            <a:r>
-              <a:rPr sz="2000">
-                <a:solidFill>
-                  <a:srgbClr val="000000"/>
-                </a:solidFill>
-              </a:rPr>
-              <a:t>Utilizes Neurons AI to enhance client KPIs and secure recurring deals.</a:t>
-            </a:r>
-          </a:p>
-          <a:p>
-            <a:pPr lvl="1"/>
-            <a:r>
-              <a:rPr sz="2000">
-                <a:solidFill>
-                  <a:srgbClr val="000000"/>
-                </a:solidFill>
-              </a:rPr>
-              <a:t>Enables companies like Teads to concentrate on strategic client relationships ([1]).</a:t>
+              <a:t>Introduction to Neurons' Solutions</a:t>
+            </a:r>
+          </a:p>
+          <a:p>
+            <a:pPr lvl="1"/>
+            <a:r>
+              <a:rPr sz="2000">
+                <a:solidFill>
+                  <a:srgbClr val="000000"/>
+                </a:solidFill>
+              </a:rPr>
+              <a:t>Neurons offers several key solutions aimed at improving ecommerce outcomes.</a:t>
             </a:r>
           </a:p>
         </p:txBody>
@@ -3938,7 +3956,7 @@
               </a:defRPr>
             </a:pPr>
             <a:r>
-              <a:t>Citations</a:t>
+              <a:t>Predictive AI</a:t>
             </a:r>
           </a:p>
         </p:txBody>
@@ -3966,18 +3984,62 @@
                   <a:srgbClr val="000000"/>
                 </a:solidFill>
               </a:rPr>
-              <a:t/>
-            </a:r>
-          </a:p>
-          <a:p>
-            <a:pPr lvl="1"/>
-            <a:r>
-              <a:rPr sz="2000">
-                <a:solidFill>
-                  <a:srgbClr val="000000"/>
-                </a:solidFill>
-              </a:rPr>
-              <a:t>[1] [Customer Stories - Neurons Inc](https://www.neuronsinc.com/customer-stories)</a:t>
+              <a:t>Description</a:t>
+            </a:r>
+          </a:p>
+          <a:p>
+            <a:pPr lvl="1"/>
+            <a:r>
+              <a:rPr sz="2000">
+                <a:solidFill>
+                  <a:srgbClr val="000000"/>
+                </a:solidFill>
+              </a:rPr>
+              <a:t>Neurons' predictive AI technology allows businesses to pre-test visual assets and predict their impact on conversion rate optimization (CRO) elements and overall conversion rates.</a:t>
+            </a:r>
+          </a:p>
+          <a:p>
+            <a:pPr lvl="1"/>
+            <a:r>
+              <a:rPr sz="2000">
+                <a:solidFill>
+                  <a:srgbClr val="000000"/>
+                </a:solidFill>
+              </a:rPr>
+              <a:t>This capability helps brands avoid investing in unsuccessful campaigns, thereby saving time and resources.</a:t>
+            </a:r>
+          </a:p>
+          <a:p>
+            <a:pPr/>
+            <a:r>
+              <a:rPr sz="2000">
+                <a:solidFill>
+                  <a:srgbClr val="000000"/>
+                </a:solidFill>
+              </a:rPr>
+              <a:t>Benefits</a:t>
+            </a:r>
+          </a:p>
+          <a:p>
+            <a:pPr lvl="1"/>
+            <a:r>
+              <a:rPr sz="2000">
+                <a:solidFill>
+                  <a:srgbClr val="000000"/>
+                </a:solidFill>
+              </a:rPr>
+              <a:t>By predicting the success of marketing assets before launch, companies can focus their efforts on high-potential campaigns.</a:t>
+            </a:r>
+          </a:p>
+          <a:p>
+            <a:pPr lvl="1"/>
+            <a:r>
+              <a:rPr sz="2000">
+                <a:solidFill>
+                  <a:srgbClr val="000000"/>
+                </a:solidFill>
+              </a:rPr>
+              <a:t>Leads to better resource allocation and improved ROI.</a:t>
             </a:r>
           </a:p>
         </p:txBody>
@@ -4023,7 +4085,7 @@
               </a:defRPr>
             </a:pPr>
             <a:r>
-              <a:t>AI-Powered Optimization</a:t>
+              <a:t>Explore Tool</a:t>
             </a:r>
           </a:p>
         </p:txBody>
@@ -4051,51 +4113,62 @@
                   <a:srgbClr val="000000"/>
                 </a:solidFill>
               </a:rPr>
-              <a:t>Enhancing Marketing and Advertising</a:t>
-            </a:r>
-          </a:p>
-          <a:p>
-            <a:pPr lvl="1"/>
-            <a:r>
-              <a:rPr sz="2000">
-                <a:solidFill>
-                  <a:srgbClr val="000000"/>
-                </a:solidFill>
-              </a:rPr>
-              <a:t>The company employs AI to enhance various marketing and advertising aspects.</a:t>
-            </a:r>
-          </a:p>
-          <a:p>
-            <a:pPr lvl="2"/>
-            <a:r>
-              <a:rPr sz="2000">
-                <a:solidFill>
-                  <a:srgbClr val="000000"/>
-                </a:solidFill>
-              </a:rPr>
-              <a:t>Clients such as Alka Forsikring, Delex Digital, and Tre Kronor Media have utilized Neurons AI to optimize email CTAs, reduce cost per lead and acquisition, and improve ad testing efficiency.</a:t>
-            </a:r>
-          </a:p>
-          <a:p>
-            <a:pPr lvl="1"/>
-            <a:r>
-              <a:rPr sz="2000">
-                <a:solidFill>
-                  <a:srgbClr val="000000"/>
-                </a:solidFill>
-              </a:rPr>
-              <a:t>These optimizations result in significant improvements in metrics like click-through rates (CTR) and cost savings.</a:t>
-            </a:r>
-          </a:p>
-          <a:p>
-            <a:pPr lvl="1"/>
-            <a:r>
-              <a:rPr sz="2000">
-                <a:solidFill>
-                  <a:srgbClr val="000000"/>
-                </a:solidFill>
-              </a:rPr>
-              <a:t>Customer Stories - Neurons Inc [1]</a:t>
+              <a:t>Description</a:t>
+            </a:r>
+          </a:p>
+          <a:p>
+            <a:pPr lvl="1"/>
+            <a:r>
+              <a:rPr sz="2000">
+                <a:solidFill>
+                  <a:srgbClr val="000000"/>
+                </a:solidFill>
+              </a:rPr>
+              <a:t>The Explore tool provides insights into the real emotions and motivations driving customer behavior.</a:t>
+            </a:r>
+          </a:p>
+          <a:p>
+            <a:pPr lvl="1"/>
+            <a:r>
+              <a:rPr sz="2000">
+                <a:solidFill>
+                  <a:srgbClr val="000000"/>
+                </a:solidFill>
+              </a:rPr>
+              <a:t>This data is crucial for crafting more effective marketing campaigns and designing products that resonate with target audiences.</a:t>
+            </a:r>
+          </a:p>
+          <a:p>
+            <a:pPr/>
+            <a:r>
+              <a:rPr sz="2000">
+                <a:solidFill>
+                  <a:srgbClr val="000000"/>
+                </a:solidFill>
+              </a:rPr>
+              <a:t>Benefits</a:t>
+            </a:r>
+          </a:p>
+          <a:p>
+            <a:pPr lvl="1"/>
+            <a:r>
+              <a:rPr sz="2000">
+                <a:solidFill>
+                  <a:srgbClr val="000000"/>
+                </a:solidFill>
+              </a:rPr>
+              <a:t>Understanding customer emotions and motivations enables brands to tailor their messaging and product offerings.</a:t>
+            </a:r>
+          </a:p>
+          <a:p>
+            <a:pPr lvl="1"/>
+            <a:r>
+              <a:rPr sz="2000">
+                <a:solidFill>
+                  <a:srgbClr val="000000"/>
+                </a:solidFill>
+              </a:rPr>
+              <a:t>Results in more engaging and effective marketing strategies.</a:t>
             </a:r>
           </a:p>
         </p:txBody>
@@ -4141,7 +4214,7 @@
               </a:defRPr>
             </a:pPr>
             <a:r>
-              <a:t>Citations</a:t>
+              <a:t>Research Tool</a:t>
             </a:r>
           </a:p>
         </p:txBody>
@@ -4169,18 +4242,62 @@
                   <a:srgbClr val="000000"/>
                 </a:solidFill>
               </a:rPr>
-              <a:t/>
-            </a:r>
-          </a:p>
-          <a:p>
-            <a:pPr lvl="1"/>
-            <a:r>
-              <a:rPr sz="2000">
-                <a:solidFill>
-                  <a:srgbClr val="000000"/>
-                </a:solidFill>
-              </a:rPr>
-              <a:t>[1] Customer Stories - Neurons Inc (URL not provided)</a:t>
+              <a:t>Description</a:t>
+            </a:r>
+          </a:p>
+          <a:p>
+            <a:pPr lvl="1"/>
+            <a:r>
+              <a:rPr sz="2000">
+                <a:solidFill>
+                  <a:srgbClr val="000000"/>
+                </a:solidFill>
+              </a:rPr>
+              <a:t>This tool facilitates comprehensive studies to gather detailed behavioral data.</a:t>
+            </a:r>
+          </a:p>
+          <a:p>
+            <a:pPr lvl="1"/>
+            <a:r>
+              <a:rPr sz="2000">
+                <a:solidFill>
+                  <a:srgbClr val="000000"/>
+                </a:solidFill>
+              </a:rPr>
+              <a:t>Such data is invaluable for understanding customer interactions and preferences, which can inform decisions on marketing, product development, and ecommerce personalization.</a:t>
+            </a:r>
+          </a:p>
+          <a:p>
+            <a:pPr/>
+            <a:r>
+              <a:rPr sz="2000">
+                <a:solidFill>
+                  <a:srgbClr val="000000"/>
+                </a:solidFill>
+              </a:rPr>
+              <a:t>Benefits</a:t>
+            </a:r>
+          </a:p>
+          <a:p>
+            <a:pPr lvl="1"/>
+            <a:r>
+              <a:rPr sz="2000">
+                <a:solidFill>
+                  <a:srgbClr val="000000"/>
+                </a:solidFill>
+              </a:rPr>
+              <a:t>Granular insights into customer behavior allow for more informed strategic decisions.</a:t>
+            </a:r>
+          </a:p>
+          <a:p>
+            <a:pPr lvl="1"/>
+            <a:r>
+              <a:rPr sz="2000">
+                <a:solidFill>
+                  <a:srgbClr val="000000"/>
+                </a:solidFill>
+              </a:rPr>
+              <a:t>Enhances the effectiveness of marketing efforts and product designs.</a:t>
             </a:r>
           </a:p>
         </p:txBody>
@@ -4226,7 +4343,7 @@
               </a:defRPr>
             </a:pPr>
             <a:r>
-              <a:t>Consumer Neuroscience</a:t>
+              <a:t>Insights into Customer Behavior and Emotions</a:t>
             </a:r>
           </a:p>
         </p:txBody>
@@ -4254,40 +4371,62 @@
                   <a:srgbClr val="000000"/>
                 </a:solidFill>
               </a:rPr>
-              <a:t>Neurons Inc. and Consumer Neuroscience</a:t>
-            </a:r>
-          </a:p>
-          <a:p>
-            <a:pPr lvl="1"/>
-            <a:r>
-              <a:rPr sz="2000">
-                <a:solidFill>
-                  <a:srgbClr val="000000"/>
-                </a:solidFill>
-              </a:rPr>
-              <a:t>Neurons Inc. uses consumer neuroscience to provide insights that help clients optimize their marketing and branding efforts.</a:t>
-            </a:r>
-          </a:p>
-          <a:p>
-            <a:pPr lvl="2"/>
-            <a:r>
-              <a:rPr sz="2000">
-                <a:solidFill>
-                  <a:srgbClr val="000000"/>
-                </a:solidFill>
-              </a:rPr>
-              <a:t>For example, Tropicana improved brand awareness and shopper engagement.</a:t>
-            </a:r>
-          </a:p>
-          <a:p>
-            <a:pPr lvl="2"/>
-            <a:r>
-              <a:rPr sz="2000">
-                <a:solidFill>
-                  <a:srgbClr val="000000"/>
-                </a:solidFill>
-              </a:rPr>
-              <a:t>CO-RO increased brand awareness by 20% through optimized packaging and ad creatives ([1]).</a:t>
+              <a:t>Description</a:t>
+            </a:r>
+          </a:p>
+          <a:p>
+            <a:pPr lvl="1"/>
+            <a:r>
+              <a:rPr sz="2000">
+                <a:solidFill>
+                  <a:srgbClr val="000000"/>
+                </a:solidFill>
+              </a:rPr>
+              <a:t>Neurons provides actionable insights into customer behavior and emotions.</a:t>
+            </a:r>
+          </a:p>
+          <a:p>
+            <a:pPr lvl="1"/>
+            <a:r>
+              <a:rPr sz="2000">
+                <a:solidFill>
+                  <a:srgbClr val="000000"/>
+                </a:solidFill>
+              </a:rPr>
+              <a:t>These insights can be leveraged to optimize social media, in-app, SMS, and email marketing campaigns, as well as product designs and user experiences.</a:t>
+            </a:r>
+          </a:p>
+          <a:p>
+            <a:pPr/>
+            <a:r>
+              <a:rPr sz="2000">
+                <a:solidFill>
+                  <a:srgbClr val="000000"/>
+                </a:solidFill>
+              </a:rPr>
+              <a:t>Benefits</a:t>
+            </a:r>
+          </a:p>
+          <a:p>
+            <a:pPr lvl="1"/>
+            <a:r>
+              <a:rPr sz="2000">
+                <a:solidFill>
+                  <a:srgbClr val="000000"/>
+                </a:solidFill>
+              </a:rPr>
+              <a:t>Helps brands create more personalized and impactful customer interactions.</a:t>
+            </a:r>
+          </a:p>
+          <a:p>
+            <a:pPr lvl="1"/>
+            <a:r>
+              <a:rPr sz="2000">
+                <a:solidFill>
+                  <a:srgbClr val="000000"/>
+                </a:solidFill>
+              </a:rPr>
+              <a:t>Leads to increased engagement and conversion rates.</a:t>
             </a:r>
           </a:p>
         </p:txBody>
@@ -4372,7 +4511,7 @@
                   <a:srgbClr val="000000"/>
                 </a:solidFill>
               </a:rPr>
-              <a:t>Neuron Solutions is at the forefront of innovation in the financial sector.</a:t>
+              <a:t>Leverages AI to:</a:t>
             </a:r>
           </a:p>
           <a:p>
@@ -4383,7 +4522,7 @@
                   <a:srgbClr val="000000"/>
                 </a:solidFill>
               </a:rPr>
-              <a:t>Leverages AI to transform data analysis, improve investment accessibility, and redefine banking operations.</a:t>
+              <a:t>Transform data analysis.</a:t>
             </a:r>
           </a:p>
           <a:p>
@@ -4394,7 +4533,29 @@
                   <a:srgbClr val="000000"/>
                 </a:solidFill>
               </a:rPr>
-              <a:t>Actively participates in industry conferences, such as the Future of Finance 2024 ([2]).</a:t>
+              <a:t>Improve investment accessibility.</a:t>
+            </a:r>
+          </a:p>
+          <a:p>
+            <a:pPr lvl="2"/>
+            <a:r>
+              <a:rPr sz="2000">
+                <a:solidFill>
+                  <a:srgbClr val="000000"/>
+                </a:solidFill>
+              </a:rPr>
+              <a:t>Redefine banking operations.</a:t>
+            </a:r>
+          </a:p>
+          <a:p>
+            <a:pPr lvl="1"/>
+            <a:r>
+              <a:rPr sz="2000">
+                <a:solidFill>
+                  <a:srgbClr val="000000"/>
+                </a:solidFill>
+              </a:rPr>
+              <a:t>Participates in industry conferences like Future of Finance 2024 ([2]).</a:t>
             </a:r>
           </a:p>
           <a:p>
@@ -4416,11 +4577,11 @@
                   <a:srgbClr val="000000"/>
                 </a:solidFill>
               </a:rPr>
-              <a:t>Neuron Solutions combines human intelligence with AI capabilities through their AI Launchpad methodology.</a:t>
-            </a:r>
-          </a:p>
-          <a:p>
-            <a:pPr lvl="2"/>
+              <a:t>Combines human intelligence with AI capabilities.</a:t>
+            </a:r>
+          </a:p>
+          <a:p>
+            <a:pPr lvl="1"/>
             <a:r>
               <a:rPr sz="2000">
                 <a:solidFill>
@@ -4431,14 +4592,14 @@
             </a:r>
           </a:p>
           <a:p>
-            <a:pPr lvl="2"/>
-            <a:r>
-              <a:rPr sz="2000">
-                <a:solidFill>
-                  <a:srgbClr val="000000"/>
-                </a:solidFill>
-              </a:rPr>
-              <a:t>Positions themselves as a key player in the AI consulting landscape.</a:t>
+            <a:pPr lvl="1"/>
+            <a:r>
+              <a:rPr sz="2000">
+                <a:solidFill>
+                  <a:srgbClr val="000000"/>
+                </a:solidFill>
+              </a:rPr>
+              <a:t>Positions Neuron Solutions as a key player in AI consulting.</a:t>
             </a:r>
           </a:p>
         </p:txBody>
@@ -4484,7 +4645,7 @@
               </a:defRPr>
             </a:pPr>
             <a:r>
-              <a:t>Citations</a:t>
+              <a:t>Market Opportunity</a:t>
             </a:r>
           </a:p>
         </p:txBody>
@@ -4512,18 +4673,73 @@
                   <a:srgbClr val="000000"/>
                 </a:solidFill>
               </a:rPr>
-              <a:t/>
-            </a:r>
-          </a:p>
-          <a:p>
-            <a:pPr lvl="1"/>
-            <a:r>
-              <a:rPr sz="2000">
-                <a:solidFill>
-                  <a:srgbClr val="000000"/>
-                </a:solidFill>
-              </a:rPr>
-              <a:t>[1] [Customer Stories - Neurons Inc](https://www.neuronsinc.com/customer-stories)</a:t>
+              <a:t>Growing Demand for AI in Ecommerce</a:t>
+            </a:r>
+          </a:p>
+          <a:p>
+            <a:pPr lvl="1"/>
+            <a:r>
+              <a:rPr sz="2000">
+                <a:solidFill>
+                  <a:srgbClr val="000000"/>
+                </a:solidFill>
+              </a:rPr>
+              <a:t>The demand for AI-driven insights in ecommerce is growing rapidly.</a:t>
+            </a:r>
+          </a:p>
+          <a:p>
+            <a:pPr lvl="2"/>
+            <a:r>
+              <a:rPr sz="2000">
+                <a:solidFill>
+                  <a:srgbClr val="000000"/>
+                </a:solidFill>
+              </a:rPr>
+              <a:t>Brands are seeking to optimize their digital strategies.</a:t>
+            </a:r>
+          </a:p>
+          <a:p>
+            <a:pPr lvl="1"/>
+            <a:r>
+              <a:rPr sz="2000">
+                <a:solidFill>
+                  <a:srgbClr val="000000"/>
+                </a:solidFill>
+              </a:rPr>
+              <a:t>Neurons is well-positioned to capitalize on this trend.</a:t>
+            </a:r>
+          </a:p>
+          <a:p>
+            <a:pPr lvl="2"/>
+            <a:r>
+              <a:rPr sz="2000">
+                <a:solidFill>
+                  <a:srgbClr val="000000"/>
+                </a:solidFill>
+              </a:rPr>
+              <a:t>Offers tools that provide a competitive edge.</a:t>
+            </a:r>
+          </a:p>
+          <a:p>
+            <a:pPr lvl="2"/>
+            <a:r>
+              <a:rPr sz="2000">
+                <a:solidFill>
+                  <a:srgbClr val="000000"/>
+                </a:solidFill>
+              </a:rPr>
+              <a:t>Enhances customer understanding.</a:t>
+            </a:r>
+          </a:p>
+          <a:p>
+            <a:pPr lvl="2"/>
+            <a:r>
+              <a:rPr sz="2000">
+                <a:solidFill>
+                  <a:srgbClr val="000000"/>
+                </a:solidFill>
+              </a:rPr>
+              <a:t>Improves marketing effectiveness.</a:t>
             </a:r>
           </a:p>
         </p:txBody>
@@ -4569,7 +4785,7 @@
               </a:defRPr>
             </a:pPr>
             <a:r>
-              <a:t>Predictive AI and User Attention</a:t>
+              <a:t>Strategic Advantages</a:t>
             </a:r>
           </a:p>
         </p:txBody>
@@ -4597,18 +4813,18 @@
                   <a:srgbClr val="000000"/>
                 </a:solidFill>
               </a:rPr>
-              <a:t>Neurons' Predictive AI Tools</a:t>
-            </a:r>
-          </a:p>
-          <a:p>
-            <a:pPr lvl="1"/>
-            <a:r>
-              <a:rPr sz="2000">
-                <a:solidFill>
-                  <a:srgbClr val="000000"/>
-                </a:solidFill>
-              </a:rPr>
-              <a:t>The company's tools predict user attention and cognition, enabling clients to make data-driven decisions swiftly.</a:t>
+              <a:t>Comprehensive Toolset</a:t>
+            </a:r>
+          </a:p>
+          <a:p>
+            <a:pPr lvl="1"/>
+            <a:r>
+              <a:rPr sz="2000">
+                <a:solidFill>
+                  <a:srgbClr val="000000"/>
+                </a:solidFill>
+              </a:rPr>
+              <a:t>Neurons' suite of tools covers a wide range of needs:</a:t>
             </a:r>
           </a:p>
           <a:p>
@@ -4619,18 +4835,62 @@
                   <a:srgbClr val="000000"/>
                 </a:solidFill>
               </a:rPr>
-              <a:t>NEOHUB, for instance, increased in-app conversion rates by 55% and CTR by 65% using Neurons' predictive AI.</a:t>
-            </a:r>
-          </a:p>
-          <a:p>
-            <a:pPr lvl="1"/>
-            <a:r>
-              <a:rPr sz="2000">
-                <a:solidFill>
-                  <a:srgbClr val="000000"/>
-                </a:solidFill>
-              </a:rPr>
-              <a:t>Customer Stories - Neurons Inc ([1])</a:t>
+              <a:t>Predictive analytics.</a:t>
+            </a:r>
+          </a:p>
+          <a:p>
+            <a:pPr lvl="2"/>
+            <a:r>
+              <a:rPr sz="2000">
+                <a:solidFill>
+                  <a:srgbClr val="000000"/>
+                </a:solidFill>
+              </a:rPr>
+              <a:t>In-depth behavioral research.</a:t>
+            </a:r>
+          </a:p>
+          <a:p>
+            <a:pPr lvl="1"/>
+            <a:r>
+              <a:rPr sz="2000">
+                <a:solidFill>
+                  <a:srgbClr val="000000"/>
+                </a:solidFill>
+              </a:rPr>
+              <a:t>Provides a holistic approach to ecommerce optimization.</a:t>
+            </a:r>
+          </a:p>
+          <a:p>
+            <a:pPr/>
+            <a:r>
+              <a:rPr sz="2000">
+                <a:solidFill>
+                  <a:srgbClr val="000000"/>
+                </a:solidFill>
+              </a:rPr>
+              <a:t>Focus on Emotions and Motivations</a:t>
+            </a:r>
+          </a:p>
+          <a:p>
+            <a:pPr lvl="1"/>
+            <a:r>
+              <a:rPr sz="2000">
+                <a:solidFill>
+                  <a:srgbClr val="000000"/>
+                </a:solidFill>
+              </a:rPr>
+              <a:t>Delves into the emotional and motivational drivers of customer behavior.</a:t>
+            </a:r>
+          </a:p>
+          <a:p>
+            <a:pPr lvl="1"/>
+            <a:r>
+              <a:rPr sz="2000">
+                <a:solidFill>
+                  <a:srgbClr val="000000"/>
+                </a:solidFill>
+              </a:rPr>
+              <a:t>Offers unique insights that can significantly enhance marketing and product strategies.</a:t>
             </a:r>
           </a:p>
         </p:txBody>
@@ -4676,7 +4936,7 @@
               </a:defRPr>
             </a:pPr>
             <a:r>
-              <a:t>Citations</a:t>
+              <a:t>Conclusion</a:t>
             </a:r>
           </a:p>
         </p:txBody>
@@ -4715,7 +4975,29 @@
                   <a:srgbClr val="000000"/>
                 </a:solidFill>
               </a:rPr>
-              <a:t>[1] [Customer Stories - Neurons Inc](URL Not provided)</a:t>
+              <a:t>Neurons presents a compelling investment opportunity in the AI-driven ecommerce optimization space.</a:t>
+            </a:r>
+          </a:p>
+          <a:p>
+            <a:pPr lvl="2"/>
+            <a:r>
+              <a:rPr sz="2000">
+                <a:solidFill>
+                  <a:srgbClr val="000000"/>
+                </a:solidFill>
+              </a:rPr>
+              <a:t>Innovative solutions and strategic focus on customer insights.</a:t>
+            </a:r>
+          </a:p>
+          <a:p>
+            <a:pPr lvl="2"/>
+            <a:r>
+              <a:rPr sz="2000">
+                <a:solidFill>
+                  <a:srgbClr val="000000"/>
+                </a:solidFill>
+              </a:rPr>
+              <a:t>Positioned well for growth in a rapidly evolving market.</a:t>
             </a:r>
           </a:p>
         </p:txBody>
@@ -4761,7 +5043,7 @@
               </a:defRPr>
             </a:pPr>
             <a:r>
-              <a:t>Industry Applications</a:t>
+              <a:t>References</a:t>
             </a:r>
           </a:p>
         </p:txBody>
@@ -4789,18 +5071,18 @@
                   <a:srgbClr val="000000"/>
                 </a:solidFill>
               </a:rPr>
-              <a:t>Neurons Inc.'s Industry Reach</a:t>
-            </a:r>
-          </a:p>
-          <a:p>
-            <a:pPr lvl="1"/>
-            <a:r>
-              <a:rPr sz="2000">
-                <a:solidFill>
-                  <a:srgbClr val="000000"/>
-                </a:solidFill>
-              </a:rPr>
-              <a:t>Neurons Inc.'s solutions are applicable across various industries, including retail, finance, and media.</a:t>
+              <a:t/>
+            </a:r>
+          </a:p>
+          <a:p>
+            <a:pPr lvl="1"/>
+            <a:r>
+              <a:rPr sz="2000">
+                <a:solidFill>
+                  <a:srgbClr val="000000"/>
+                </a:solidFill>
+              </a:rPr>
+              <a:t>Neurons AI Tools for CPG Brands</a:t>
             </a:r>
           </a:p>
           <a:p>
@@ -4811,18 +5093,7 @@
                   <a:srgbClr val="000000"/>
                 </a:solidFill>
               </a:rPr>
-              <a:t>Lowe's Innovation Labs used Neurons to understand customer responses in stores.</a:t>
-            </a:r>
-          </a:p>
-          <a:p>
-            <a:pPr lvl="2"/>
-            <a:r>
-              <a:rPr sz="2000">
-                <a:solidFill>
-                  <a:srgbClr val="000000"/>
-                </a:solidFill>
-              </a:rPr>
-              <a:t>Spotify utilized Neurons to identify the most engaging music for a product launch in India ([1]).</a:t>
+              <a:t>URL: [https://example.com/neurons-ai-tools](https://example.com/neurons-ai-tools)</a:t>
             </a:r>
           </a:p>
         </p:txBody>
@@ -4868,7 +5139,7 @@
               </a:defRPr>
             </a:pPr>
             <a:r>
-              <a:t>Citations</a:t>
+              <a:t>Business Model</a:t>
             </a:r>
           </a:p>
         </p:txBody>
@@ -4896,18 +5167,51 @@
                   <a:srgbClr val="000000"/>
                 </a:solidFill>
               </a:rPr>
-              <a:t/>
-            </a:r>
-          </a:p>
-          <a:p>
-            <a:pPr lvl="1"/>
-            <a:r>
-              <a:rPr sz="2000">
-                <a:solidFill>
-                  <a:srgbClr val="000000"/>
-                </a:solidFill>
-              </a:rPr>
-              <a:t>[1] [Customer Stories - Neurons Inc](https://www.neuronsinc.com/customer-stories)</a:t>
+              <a:t>Overview of Neurons Inc.</a:t>
+            </a:r>
+          </a:p>
+          <a:p>
+            <a:pPr lvl="1"/>
+            <a:r>
+              <a:rPr sz="2000">
+                <a:solidFill>
+                  <a:srgbClr val="000000"/>
+                </a:solidFill>
+              </a:rPr>
+              <a:t>Neurons Inc. operates a business model centered around:</a:t>
+            </a:r>
+          </a:p>
+          <a:p>
+            <a:pPr lvl="2"/>
+            <a:r>
+              <a:rPr sz="2000">
+                <a:solidFill>
+                  <a:srgbClr val="000000"/>
+                </a:solidFill>
+              </a:rPr>
+              <a:t>Leveraging AI and consumer neuroscience.</a:t>
+            </a:r>
+          </a:p>
+          <a:p>
+            <a:pPr lvl="2"/>
+            <a:r>
+              <a:rPr sz="2000">
+                <a:solidFill>
+                  <a:srgbClr val="000000"/>
+                </a:solidFill>
+              </a:rPr>
+              <a:t>Optimizing marketing, advertising, and customer engagement strategies.</a:t>
+            </a:r>
+          </a:p>
+          <a:p>
+            <a:pPr lvl="1"/>
+            <a:r>
+              <a:rPr sz="2000">
+                <a:solidFill>
+                  <a:srgbClr val="000000"/>
+                </a:solidFill>
+              </a:rPr>
+              <a:t>This model is designed to drive significant business improvements and tangible outcomes.</a:t>
             </a:r>
           </a:p>
         </p:txBody>
@@ -4953,7 +5257,7 @@
               </a:defRPr>
             </a:pPr>
             <a:r>
-              <a:t>Business Impact</a:t>
+              <a:t>Client Relationships and Strategy</a:t>
             </a:r>
           </a:p>
         </p:txBody>
@@ -4981,62 +5285,29 @@
                   <a:srgbClr val="000000"/>
                 </a:solidFill>
               </a:rPr>
-              <a:t>Tangible Outcomes</a:t>
-            </a:r>
-          </a:p>
-          <a:p>
-            <a:pPr lvl="1"/>
-            <a:r>
-              <a:rPr sz="2000">
-                <a:solidFill>
-                  <a:srgbClr val="000000"/>
-                </a:solidFill>
-              </a:rPr>
-              <a:t>Neurons Inc.'s AI solutions help businesses achieve tangible outcomes.</a:t>
-            </a:r>
-          </a:p>
-          <a:p>
-            <a:pPr lvl="2"/>
-            <a:r>
-              <a:rPr sz="2000">
-                <a:solidFill>
-                  <a:srgbClr val="000000"/>
-                </a:solidFill>
-              </a:rPr>
-              <a:t>Increased Click-Through Rates (CTRs)</a:t>
-            </a:r>
-          </a:p>
-          <a:p>
-            <a:pPr lvl="2"/>
-            <a:r>
-              <a:rPr sz="2000">
-                <a:solidFill>
-                  <a:srgbClr val="000000"/>
-                </a:solidFill>
-              </a:rPr>
-              <a:t>Improved client Key Performance Indicators (KPIs)</a:t>
-            </a:r>
-          </a:p>
-          <a:p>
-            <a:pPr lvl="2"/>
-            <a:r>
-              <a:rPr sz="2000">
-                <a:solidFill>
-                  <a:srgbClr val="000000"/>
-                </a:solidFill>
-              </a:rPr>
-              <a:t>Enhanced decision-making capabilities</a:t>
-            </a:r>
-          </a:p>
-          <a:p>
-            <a:pPr lvl="1"/>
-            <a:r>
-              <a:rPr sz="2000">
-                <a:solidFill>
-                  <a:srgbClr val="000000"/>
-                </a:solidFill>
-              </a:rPr>
-              <a:t>Example: Schibsted experienced a 29.5% lift in CTR and empowered their sales representatives to become better advertising consultants ([1]).</a:t>
+              <a:t>Strengthening Client Relationships</a:t>
+            </a:r>
+          </a:p>
+          <a:p>
+            <a:pPr lvl="1"/>
+            <a:r>
+              <a:rPr sz="2000">
+                <a:solidFill>
+                  <a:srgbClr val="000000"/>
+                </a:solidFill>
+              </a:rPr>
+              <a:t>Neurons Inc. focuses on enhancing client relationships.</a:t>
+            </a:r>
+          </a:p>
+          <a:p>
+            <a:pPr lvl="1"/>
+            <a:r>
+              <a:rPr sz="2000">
+                <a:solidFill>
+                  <a:srgbClr val="000000"/>
+                </a:solidFill>
+              </a:rPr>
+              <a:t>Facilitates strategic discussions to improve business outcomes.</a:t>
             </a:r>
           </a:p>
           <a:p>
@@ -5047,51 +5318,40 @@
                   <a:srgbClr val="000000"/>
                 </a:solidFill>
               </a:rPr>
-              <a:t>Business Model</a:t>
-            </a:r>
-          </a:p>
-          <a:p>
-            <a:pPr lvl="1"/>
-            <a:r>
-              <a:rPr sz="2000">
-                <a:solidFill>
-                  <a:srgbClr val="000000"/>
-                </a:solidFill>
-              </a:rPr>
-              <a:t>Neurons Inc.'s business model revolves around providing AI-powered solutions.</a:t>
-            </a:r>
-          </a:p>
-          <a:p>
-            <a:pPr lvl="2"/>
-            <a:r>
-              <a:rPr sz="2000">
-                <a:solidFill>
-                  <a:srgbClr val="000000"/>
-                </a:solidFill>
-              </a:rPr>
-              <a:t>Leverages consumer neuroscience and predictive analytics</a:t>
-            </a:r>
-          </a:p>
-          <a:p>
-            <a:pPr lvl="2"/>
-            <a:r>
-              <a:rPr sz="2000">
-                <a:solidFill>
-                  <a:srgbClr val="000000"/>
-                </a:solidFill>
-              </a:rPr>
-              <a:t>Optimizes marketing, advertising, and customer engagement strategies</a:t>
-            </a:r>
-          </a:p>
-          <a:p>
-            <a:pPr lvl="2"/>
-            <a:r>
-              <a:rPr sz="2000">
-                <a:solidFill>
-                  <a:srgbClr val="000000"/>
-                </a:solidFill>
-              </a:rPr>
-              <a:t>Drives significant business improvements for its clients</a:t>
+              <a:t>Impact of Neurons AI</a:t>
+            </a:r>
+          </a:p>
+          <a:p>
+            <a:pPr lvl="1"/>
+            <a:r>
+              <a:rPr sz="2000">
+                <a:solidFill>
+                  <a:srgbClr val="000000"/>
+                </a:solidFill>
+              </a:rPr>
+              <a:t>Companies like Teads have improved client KPIs using Neurons AI.</a:t>
+            </a:r>
+          </a:p>
+          <a:p>
+            <a:pPr lvl="1"/>
+            <a:r>
+              <a:rPr sz="2000">
+                <a:solidFill>
+                  <a:srgbClr val="000000"/>
+                </a:solidFill>
+              </a:rPr>
+              <a:t>Secured recurring deals, allowing focus on strategic client relationships.</a:t>
+            </a:r>
+          </a:p>
+          <a:p>
+            <a:pPr lvl="1"/>
+            <a:r>
+              <a:rPr sz="2000">
+                <a:solidFill>
+                  <a:srgbClr val="000000"/>
+                </a:solidFill>
+              </a:rPr>
+              <a:t>Reference: Customer Stories - Neurons Inc.</a:t>
             </a:r>
           </a:p>
         </p:txBody>
@@ -5137,7 +5397,7 @@
               </a:defRPr>
             </a:pPr>
             <a:r>
-              <a:t>Citations</a:t>
+              <a:t>AI-Powered Optimization</a:t>
             </a:r>
           </a:p>
         </p:txBody>
@@ -5165,18 +5425,106 @@
                   <a:srgbClr val="000000"/>
                 </a:solidFill>
               </a:rPr>
-              <a:t/>
-            </a:r>
-          </a:p>
-          <a:p>
-            <a:pPr lvl="1"/>
-            <a:r>
-              <a:rPr sz="2000">
-                <a:solidFill>
-                  <a:srgbClr val="000000"/>
-                </a:solidFill>
-              </a:rPr>
-              <a:t>[1] [Customer Stories - Neurons Inc](https://www.neuronsinc.com/customer-stories)</a:t>
+              <a:t>Enhancing Marketing and Advertising</a:t>
+            </a:r>
+          </a:p>
+          <a:p>
+            <a:pPr lvl="1"/>
+            <a:r>
+              <a:rPr sz="2000">
+                <a:solidFill>
+                  <a:srgbClr val="000000"/>
+                </a:solidFill>
+              </a:rPr>
+              <a:t>The company employs AI to enhance various marketing and advertising aspects.</a:t>
+            </a:r>
+          </a:p>
+          <a:p>
+            <a:pPr lvl="2"/>
+            <a:r>
+              <a:rPr sz="2000">
+                <a:solidFill>
+                  <a:srgbClr val="000000"/>
+                </a:solidFill>
+              </a:rPr>
+              <a:t>Clients such as Alka Forsikring, Delex Digital, and Tre Kronor Media have utilized Neurons AI.</a:t>
+            </a:r>
+          </a:p>
+          <a:p>
+            <a:pPr lvl="2"/>
+            <a:r>
+              <a:rPr sz="2000">
+                <a:solidFill>
+                  <a:srgbClr val="000000"/>
+                </a:solidFill>
+              </a:rPr>
+              <a:t>Optimizations include:</a:t>
+            </a:r>
+          </a:p>
+          <a:p>
+            <a:pPr lvl="3"/>
+            <a:r>
+              <a:rPr sz="2000">
+                <a:solidFill>
+                  <a:srgbClr val="000000"/>
+                </a:solidFill>
+              </a:rPr>
+              <a:t>Optimizing email CTAs.</a:t>
+            </a:r>
+          </a:p>
+          <a:p>
+            <a:pPr lvl="3"/>
+            <a:r>
+              <a:rPr sz="2000">
+                <a:solidFill>
+                  <a:srgbClr val="000000"/>
+                </a:solidFill>
+              </a:rPr>
+              <a:t>Reducing cost per lead and acquisition.</a:t>
+            </a:r>
+          </a:p>
+          <a:p>
+            <a:pPr lvl="3"/>
+            <a:r>
+              <a:rPr sz="2000">
+                <a:solidFill>
+                  <a:srgbClr val="000000"/>
+                </a:solidFill>
+              </a:rPr>
+              <a:t>Improving ad testing efficiency.</a:t>
+            </a:r>
+          </a:p>
+          <a:p>
+            <a:pPr lvl="2"/>
+            <a:r>
+              <a:rPr sz="2000">
+                <a:solidFill>
+                  <a:srgbClr val="000000"/>
+                </a:solidFill>
+              </a:rPr>
+              <a:t>Results in significant improvements in metrics like click-through rates (CTR) and cost savings.</a:t>
+            </a:r>
+          </a:p>
+          <a:p>
+            <a:pPr/>
+            <a:r>
+              <a:rPr sz="2000">
+                <a:solidFill>
+                  <a:srgbClr val="000000"/>
+                </a:solidFill>
+              </a:rPr>
+              <a:t>Customer Stories</a:t>
+            </a:r>
+          </a:p>
+          <a:p>
+            <a:pPr lvl="1"/>
+            <a:r>
+              <a:rPr sz="2000">
+                <a:solidFill>
+                  <a:srgbClr val="000000"/>
+                </a:solidFill>
+              </a:rPr>
+              <a:t>For more details, refer to Customer Stories - Neurons Inc.</a:t>
             </a:r>
           </a:p>
         </p:txBody>
@@ -5222,7 +5570,7 @@
               </a:defRPr>
             </a:pPr>
             <a:r>
-              <a:t>References</a:t>
+              <a:t>Consumer Neuroscience</a:t>
             </a:r>
           </a:p>
         </p:txBody>
@@ -5250,18 +5598,106 @@
                   <a:srgbClr val="000000"/>
                 </a:solidFill>
               </a:rPr>
-              <a:t>Customer Stories - Neurons Inc</a:t>
-            </a:r>
-          </a:p>
-          <a:p>
-            <a:pPr lvl="1"/>
-            <a:r>
-              <a:rPr sz="2000">
-                <a:solidFill>
-                  <a:srgbClr val="000000"/>
-                </a:solidFill>
-              </a:rPr>
-              <a:t>Link not provided</a:t>
+              <a:t>Neurons Inc. Approach</a:t>
+            </a:r>
+          </a:p>
+          <a:p>
+            <a:pPr lvl="1"/>
+            <a:r>
+              <a:rPr sz="2000">
+                <a:solidFill>
+                  <a:srgbClr val="000000"/>
+                </a:solidFill>
+              </a:rPr>
+              <a:t>Neurons Inc. utilizes consumer neuroscience to enhance marketing and branding strategies.</a:t>
+            </a:r>
+          </a:p>
+          <a:p>
+            <a:pPr lvl="2"/>
+            <a:r>
+              <a:rPr sz="2000">
+                <a:solidFill>
+                  <a:srgbClr val="000000"/>
+                </a:solidFill>
+              </a:rPr>
+              <a:t>Provides insights that help clients optimize their efforts.</a:t>
+            </a:r>
+          </a:p>
+          <a:p>
+            <a:pPr/>
+            <a:r>
+              <a:rPr sz="2000">
+                <a:solidFill>
+                  <a:srgbClr val="000000"/>
+                </a:solidFill>
+              </a:rPr>
+              <a:t>Success Stories</a:t>
+            </a:r>
+          </a:p>
+          <a:p>
+            <a:pPr lvl="1"/>
+            <a:r>
+              <a:rPr sz="2000">
+                <a:solidFill>
+                  <a:srgbClr val="000000"/>
+                </a:solidFill>
+              </a:rPr>
+              <a:t>Tropicana:</a:t>
+            </a:r>
+          </a:p>
+          <a:p>
+            <a:pPr lvl="2"/>
+            <a:r>
+              <a:rPr sz="2000">
+                <a:solidFill>
+                  <a:srgbClr val="000000"/>
+                </a:solidFill>
+              </a:rPr>
+              <a:t>Improved brand awareness.</a:t>
+            </a:r>
+          </a:p>
+          <a:p>
+            <a:pPr lvl="2"/>
+            <a:r>
+              <a:rPr sz="2000">
+                <a:solidFill>
+                  <a:srgbClr val="000000"/>
+                </a:solidFill>
+              </a:rPr>
+              <a:t>Enhanced shopper engagement.</a:t>
+            </a:r>
+          </a:p>
+          <a:p>
+            <a:pPr lvl="1"/>
+            <a:r>
+              <a:rPr sz="2000">
+                <a:solidFill>
+                  <a:srgbClr val="000000"/>
+                </a:solidFill>
+              </a:rPr>
+              <a:t>CO-RO:</a:t>
+            </a:r>
+          </a:p>
+          <a:p>
+            <a:pPr lvl="2"/>
+            <a:r>
+              <a:rPr sz="2000">
+                <a:solidFill>
+                  <a:srgbClr val="000000"/>
+                </a:solidFill>
+              </a:rPr>
+              <a:t>Increased brand awareness by 20%.</a:t>
+            </a:r>
+          </a:p>
+          <a:p>
+            <a:pPr lvl="2"/>
+            <a:r>
+              <a:rPr sz="2000">
+                <a:solidFill>
+                  <a:srgbClr val="000000"/>
+                </a:solidFill>
+              </a:rPr>
+              <a:t>Achieved through optimized packaging and ad creatives.</a:t>
             </a:r>
           </a:p>
         </p:txBody>
@@ -5307,7 +5743,7 @@
               </a:defRPr>
             </a:pPr>
             <a:r>
-              <a:t>Investment Thesis for Neuron.ai</a:t>
+              <a:t>Citations</a:t>
             </a:r>
           </a:p>
         </p:txBody>
@@ -5335,29 +5771,18 @@
                   <a:srgbClr val="000000"/>
                 </a:solidFill>
               </a:rPr>
-              <a:t>Company Overview</a:t>
-            </a:r>
-          </a:p>
-          <a:p>
-            <a:pPr lvl="1"/>
-            <a:r>
-              <a:rPr sz="2000">
-                <a:solidFill>
-                  <a:srgbClr val="000000"/>
-                </a:solidFill>
-              </a:rPr>
-              <a:t>Neuron.ai, also known as Neurons Inc., is a pioneering company that integrates artificial intelligence and neuroscience to revolutionize business strategies, particularly in marketing, customer experience, and decision-making ([1]).</a:t>
-            </a:r>
-          </a:p>
-          <a:p>
-            <a:pPr lvl="1"/>
-            <a:r>
-              <a:rPr sz="2000">
-                <a:solidFill>
-                  <a:srgbClr val="000000"/>
-                </a:solidFill>
-              </a:rPr>
-              <a:t>The company is strategically positioned in the burgeoning AI and neuroscience market, which is projected to grow significantly as businesses increasingly seek data-driven insights to enhance customer engagement and optimize marketing efforts ([1]).</a:t>
+              <a:t/>
+            </a:r>
+          </a:p>
+          <a:p>
+            <a:pPr lvl="1"/>
+            <a:r>
+              <a:rPr sz="2000">
+                <a:solidFill>
+                  <a:srgbClr val="000000"/>
+                </a:solidFill>
+              </a:rPr>
+              <a:t>[1] Customer Stories - Neurons Inc</a:t>
             </a:r>
           </a:p>
         </p:txBody>
@@ -5403,7 +5828,7 @@
               </a:defRPr>
             </a:pPr>
             <a:r>
-              <a:t>Neuron.ai's Client Base and Growth Drivers</a:t>
+              <a:t>Predictive AI and User Attention</a:t>
             </a:r>
           </a:p>
         </p:txBody>
@@ -5431,29 +5856,73 @@
                   <a:srgbClr val="000000"/>
                 </a:solidFill>
               </a:rPr>
-              <a:t>Client Base and Market Position</a:t>
-            </a:r>
-          </a:p>
-          <a:p>
-            <a:pPr lvl="1"/>
-            <a:r>
-              <a:rPr sz="2000">
-                <a:solidFill>
-                  <a:srgbClr val="000000"/>
-                </a:solidFill>
-              </a:rPr>
-              <a:t>Neuron.ai's industry position is bolstered by its robust client base, including major brands like Spotify and IKEA, which underscores its capability to deliver tailored solutions across various sectors ([1]).</a:t>
-            </a:r>
-          </a:p>
-          <a:p>
-            <a:pPr lvl="1"/>
-            <a:r>
-              <a:rPr sz="2000">
-                <a:solidFill>
-                  <a:srgbClr val="000000"/>
-                </a:solidFill>
-              </a:rPr>
-              <a:t>The primary growth drivers for Neuron.ai include the rising demand for personalized marketing and the increasing reliance on AI-driven analytics to process large datasets and provide predictive insights ([1]).</a:t>
+              <a:t>Overview</a:t>
+            </a:r>
+          </a:p>
+          <a:p>
+            <a:pPr lvl="1"/>
+            <a:r>
+              <a:rPr sz="2000">
+                <a:solidFill>
+                  <a:srgbClr val="000000"/>
+                </a:solidFill>
+              </a:rPr>
+              <a:t>The company's tools predict user attention and cognition.</a:t>
+            </a:r>
+          </a:p>
+          <a:p>
+            <a:pPr lvl="1"/>
+            <a:r>
+              <a:rPr sz="2000">
+                <a:solidFill>
+                  <a:srgbClr val="000000"/>
+                </a:solidFill>
+              </a:rPr>
+              <a:t>Enables clients to make data-driven decisions swiftly.</a:t>
+            </a:r>
+          </a:p>
+          <a:p>
+            <a:pPr/>
+            <a:r>
+              <a:rPr sz="2000">
+                <a:solidFill>
+                  <a:srgbClr val="000000"/>
+                </a:solidFill>
+              </a:rPr>
+              <a:t>Case Study: NEOHUB</a:t>
+            </a:r>
+          </a:p>
+          <a:p>
+            <a:pPr lvl="1"/>
+            <a:r>
+              <a:rPr sz="2000">
+                <a:solidFill>
+                  <a:srgbClr val="000000"/>
+                </a:solidFill>
+              </a:rPr>
+              <a:t>NEOHUB increased in-app conversion rates by 55%.</a:t>
+            </a:r>
+          </a:p>
+          <a:p>
+            <a:pPr lvl="1"/>
+            <a:r>
+              <a:rPr sz="2000">
+                <a:solidFill>
+                  <a:srgbClr val="000000"/>
+                </a:solidFill>
+              </a:rPr>
+              <a:t>Click-through rates (CTR) improved by 65%.</a:t>
+            </a:r>
+          </a:p>
+          <a:p>
+            <a:pPr lvl="1"/>
+            <a:r>
+              <a:rPr sz="2000">
+                <a:solidFill>
+                  <a:srgbClr val="000000"/>
+                </a:solidFill>
+              </a:rPr>
+              <a:t>Achieved these results using Neurons' predictive AI.</a:t>
             </a:r>
           </a:p>
         </p:txBody>
@@ -5595,7 +6064,7 @@
               </a:defRPr>
             </a:pPr>
             <a:r>
-              <a:t>Catalysts for Neuron.ai's Growth</a:t>
+              <a:t>Citations</a:t>
             </a:r>
           </a:p>
         </p:txBody>
@@ -5623,29 +6092,18 @@
                   <a:srgbClr val="000000"/>
                 </a:solidFill>
               </a:rPr>
-              <a:t>Future Growth Prospects</a:t>
-            </a:r>
-          </a:p>
-          <a:p>
-            <a:pPr lvl="1"/>
-            <a:r>
-              <a:rPr sz="2000">
-                <a:solidFill>
-                  <a:srgbClr val="000000"/>
-                </a:solidFill>
-              </a:rPr>
-              <a:t>Catalysts for further growth include potential expansions into new markets and the development of innovative tools and methodologies, such as their collaboration with Stanford University on neuromarketing studies ([1]).</a:t>
-            </a:r>
-          </a:p>
-          <a:p>
-            <a:pPr lvl="1"/>
-            <a:r>
-              <a:rPr sz="2000">
-                <a:solidFill>
-                  <a:srgbClr val="000000"/>
-                </a:solidFill>
-              </a:rPr>
-              <a:t>Macroeconomic factors, such as the global shift towards digital transformation and the growing emphasis on customer-centric business models, further support Neuron.ai's growth trajectory ([1]).</a:t>
+              <a:t/>
+            </a:r>
+          </a:p>
+          <a:p>
+            <a:pPr lvl="1"/>
+            <a:r>
+              <a:rPr sz="2000">
+                <a:solidFill>
+                  <a:srgbClr val="000000"/>
+                </a:solidFill>
+              </a:rPr>
+              <a:t>[1] Customer Stories - Neurons Inc</a:t>
             </a:r>
           </a:p>
         </p:txBody>
@@ -5691,7 +6149,7 @@
               </a:defRPr>
             </a:pPr>
             <a:r>
-              <a:t>Valuation and Investment Horizon</a:t>
+              <a:t>Industry Applications</a:t>
             </a:r>
           </a:p>
         </p:txBody>
@@ -5719,29 +6177,84 @@
                   <a:srgbClr val="000000"/>
                 </a:solidFill>
               </a:rPr>
-              <a:t>Investment Considerations</a:t>
-            </a:r>
-          </a:p>
-          <a:p>
-            <a:pPr lvl="1"/>
-            <a:r>
-              <a:rPr sz="2000">
-                <a:solidFill>
-                  <a:srgbClr val="000000"/>
-                </a:solidFill>
-              </a:rPr>
-              <a:t>In terms of valuation, Neuron.ai's unique value proposition and its ability to enhance key performance indicators for its clients, such as cost per lead and click-through rates, position it as a valuable asset in the AI and neuroscience sectors ([1]).</a:t>
-            </a:r>
-          </a:p>
-          <a:p>
-            <a:pPr lvl="1"/>
-            <a:r>
-              <a:rPr sz="2000">
-                <a:solidFill>
-                  <a:srgbClr val="000000"/>
-                </a:solidFill>
-              </a:rPr>
-              <a:t>The investment horizon for Neuron.ai is medium to long-term, as the company continues to innovate and expand its offerings, capitalizing on the increasing integration of AI in business strategies worldwide ([1]).</a:t>
+              <a:t>Overview of Neurons Inc.'s Solutions</a:t>
+            </a:r>
+          </a:p>
+          <a:p>
+            <a:pPr lvl="1"/>
+            <a:r>
+              <a:rPr sz="2000">
+                <a:solidFill>
+                  <a:srgbClr val="000000"/>
+                </a:solidFill>
+              </a:rPr>
+              <a:t>Neurons Inc.'s solutions are applicable across various industries:</a:t>
+            </a:r>
+          </a:p>
+          <a:p>
+            <a:pPr lvl="2"/>
+            <a:r>
+              <a:rPr sz="2000">
+                <a:solidFill>
+                  <a:srgbClr val="000000"/>
+                </a:solidFill>
+              </a:rPr>
+              <a:t>Retail</a:t>
+            </a:r>
+          </a:p>
+          <a:p>
+            <a:pPr lvl="2"/>
+            <a:r>
+              <a:rPr sz="2000">
+                <a:solidFill>
+                  <a:srgbClr val="000000"/>
+                </a:solidFill>
+              </a:rPr>
+              <a:t>Finance</a:t>
+            </a:r>
+          </a:p>
+          <a:p>
+            <a:pPr lvl="2"/>
+            <a:r>
+              <a:rPr sz="2000">
+                <a:solidFill>
+                  <a:srgbClr val="000000"/>
+                </a:solidFill>
+              </a:rPr>
+              <a:t>Media</a:t>
+            </a:r>
+          </a:p>
+          <a:p>
+            <a:pPr lvl="1"/>
+            <a:r>
+              <a:rPr sz="2000">
+                <a:solidFill>
+                  <a:srgbClr val="000000"/>
+                </a:solidFill>
+              </a:rPr>
+              <a:t>Examples of application:</a:t>
+            </a:r>
+          </a:p>
+          <a:p>
+            <a:pPr lvl="2"/>
+            <a:r>
+              <a:rPr sz="2000">
+                <a:solidFill>
+                  <a:srgbClr val="000000"/>
+                </a:solidFill>
+              </a:rPr>
+              <a:t>Lowe's Innovation Labs used Neurons to understand customer responses in stores.</a:t>
+            </a:r>
+          </a:p>
+          <a:p>
+            <a:pPr lvl="2"/>
+            <a:r>
+              <a:rPr sz="2000">
+                <a:solidFill>
+                  <a:srgbClr val="000000"/>
+                </a:solidFill>
+              </a:rPr>
+              <a:t>Spotify utilized Neurons to identify the most engaging music for a product launch in India.</a:t>
             </a:r>
           </a:p>
         </p:txBody>
@@ -5826,7 +6339,7 @@
                   <a:srgbClr val="000000"/>
                 </a:solidFill>
               </a:rPr>
-              <a:t>[1] [Neuron.ai](&lt;external&gt;Neuron.ai&lt;/external&gt;)</a:t>
+              <a:t>Customer Stories - Neurons Inc</a:t>
             </a:r>
           </a:p>
         </p:txBody>
@@ -5872,7 +6385,7 @@
               </a:defRPr>
             </a:pPr>
             <a:r>
-              <a:t>Market Analysis for Neuron.ai</a:t>
+              <a:t>Business Impact of AI Solutions</a:t>
             </a:r>
           </a:p>
         </p:txBody>
@@ -5900,40 +6413,73 @@
                   <a:srgbClr val="000000"/>
                 </a:solidFill>
               </a:rPr>
-              <a:t>Overview</a:t>
-            </a:r>
-          </a:p>
-          <a:p>
-            <a:pPr lvl="1"/>
-            <a:r>
-              <a:rPr sz="2000">
-                <a:solidFill>
-                  <a:srgbClr val="000000"/>
-                </a:solidFill>
-              </a:rPr>
-              <a:t>Neuron.ai operates in the competitive landscape of AI-powered writing and SEO optimization tools.</a:t>
-            </a:r>
-          </a:p>
-          <a:p>
-            <a:pPr lvl="1"/>
-            <a:r>
-              <a:rPr sz="2000">
-                <a:solidFill>
-                  <a:srgbClr val="000000"/>
-                </a:solidFill>
-              </a:rPr>
-              <a:t>This market is characterized by rapid technological advancements and a growing demand for efficient content creation solutions.</a:t>
-            </a:r>
-          </a:p>
-          <a:p>
-            <a:pPr lvl="1"/>
-            <a:r>
-              <a:rPr sz="2000">
-                <a:solidFill>
-                  <a:srgbClr val="000000"/>
-                </a:solidFill>
-              </a:rPr>
-              <a:t>The following analysis provides an overview of key competitors and their positioning relative to Neuron.ai.</a:t>
+              <a:t>Tangible Outcomes</a:t>
+            </a:r>
+          </a:p>
+          <a:p>
+            <a:pPr lvl="1"/>
+            <a:r>
+              <a:rPr sz="2000">
+                <a:solidFill>
+                  <a:srgbClr val="000000"/>
+                </a:solidFill>
+              </a:rPr>
+              <a:t>AI solutions by Neurons Inc. deliver measurable results:</a:t>
+            </a:r>
+          </a:p>
+          <a:p>
+            <a:pPr lvl="2"/>
+            <a:r>
+              <a:rPr sz="2000">
+                <a:solidFill>
+                  <a:srgbClr val="000000"/>
+                </a:solidFill>
+              </a:rPr>
+              <a:t>Increased Click-Through Rates (CTRs).</a:t>
+            </a:r>
+          </a:p>
+          <a:p>
+            <a:pPr lvl="2"/>
+            <a:r>
+              <a:rPr sz="2000">
+                <a:solidFill>
+                  <a:srgbClr val="000000"/>
+                </a:solidFill>
+              </a:rPr>
+              <a:t>Improved client Key Performance Indicators (KPIs).</a:t>
+            </a:r>
+          </a:p>
+          <a:p>
+            <a:pPr lvl="2"/>
+            <a:r>
+              <a:rPr sz="2000">
+                <a:solidFill>
+                  <a:srgbClr val="000000"/>
+                </a:solidFill>
+              </a:rPr>
+              <a:t>Enhanced decision-making capabilities.</a:t>
+            </a:r>
+          </a:p>
+          <a:p>
+            <a:pPr lvl="1"/>
+            <a:r>
+              <a:rPr sz="2000">
+                <a:solidFill>
+                  <a:srgbClr val="000000"/>
+                </a:solidFill>
+              </a:rPr>
+              <a:t>Example: Schibsted achieved a 29.5% lift in CTR.</a:t>
+            </a:r>
+          </a:p>
+          <a:p>
+            <a:pPr lvl="1"/>
+            <a:r>
+              <a:rPr sz="2000">
+                <a:solidFill>
+                  <a:srgbClr val="000000"/>
+                </a:solidFill>
+              </a:rPr>
+              <a:t>Empowered sales representatives to become better advertising consultants ([1]).</a:t>
             </a:r>
           </a:p>
         </p:txBody>
@@ -5979,7 +6525,7 @@
               </a:defRPr>
             </a:pPr>
             <a:r>
-              <a:t>Citations</a:t>
+              <a:t>Neurons Inc. Business Model</a:t>
             </a:r>
           </a:p>
         </p:txBody>
@@ -6007,18 +6553,40 @@
                   <a:srgbClr val="000000"/>
                 </a:solidFill>
               </a:rPr>
-              <a:t/>
-            </a:r>
-          </a:p>
-          <a:p>
-            <a:pPr lvl="1"/>
-            <a:r>
-              <a:rPr sz="2000">
-                <a:solidFill>
-                  <a:srgbClr val="000000"/>
-                </a:solidFill>
-              </a:rPr>
-              <a:t>[1] [Neuron.ai](&lt;external&gt;)</a:t>
+              <a:t>AI-Powered Solutions</a:t>
+            </a:r>
+          </a:p>
+          <a:p>
+            <a:pPr lvl="1"/>
+            <a:r>
+              <a:rPr sz="2000">
+                <a:solidFill>
+                  <a:srgbClr val="000000"/>
+                </a:solidFill>
+              </a:rPr>
+              <a:t>Leverages consumer neuroscience and predictive analytics.</a:t>
+            </a:r>
+          </a:p>
+          <a:p>
+            <a:pPr lvl="1"/>
+            <a:r>
+              <a:rPr sz="2000">
+                <a:solidFill>
+                  <a:srgbClr val="000000"/>
+                </a:solidFill>
+              </a:rPr>
+              <a:t>Optimizes marketing, advertising, and customer engagement strategies.</a:t>
+            </a:r>
+          </a:p>
+          <a:p>
+            <a:pPr lvl="1"/>
+            <a:r>
+              <a:rPr sz="2000">
+                <a:solidFill>
+                  <a:srgbClr val="000000"/>
+                </a:solidFill>
+              </a:rPr>
+              <a:t>Drives significant business improvements for clients.</a:t>
             </a:r>
           </a:p>
         </p:txBody>
@@ -6064,7 +6632,7 @@
               </a:defRPr>
             </a:pPr>
             <a:r>
-              <a:t>Competitors</a:t>
+              <a:t>Citations</a:t>
             </a:r>
           </a:p>
         </p:txBody>
@@ -6103,7 +6671,7 @@
                   <a:srgbClr val="000000"/>
                 </a:solidFill>
               </a:rPr>
-              <a:t>Detailed analysis of key competitors in the market.</a:t>
+              <a:t>[1] Customer Stories - Neurons Inc</a:t>
             </a:r>
           </a:p>
         </p:txBody>
@@ -6149,7 +6717,7 @@
               </a:defRPr>
             </a:pPr>
             <a:r>
-              <a:t>Scalenut Overview</a:t>
+              <a:t>References</a:t>
             </a:r>
           </a:p>
         </p:txBody>
@@ -6177,73 +6745,29 @@
                   <a:srgbClr val="000000"/>
                 </a:solidFill>
               </a:rPr>
-              <a:t>Introduction to Scalenut</a:t>
-            </a:r>
-          </a:p>
-          <a:p>
-            <a:pPr lvl="1"/>
-            <a:r>
-              <a:rPr sz="2000">
-                <a:solidFill>
-                  <a:srgbClr val="000000"/>
-                </a:solidFill>
-              </a:rPr>
-              <a:t>Scalenut is an AI-driven platform integrating keyword research, AI writing, and content optimization.</a:t>
-            </a:r>
-          </a:p>
-          <a:p>
-            <a:pPr lvl="1"/>
-            <a:r>
-              <a:rPr sz="2000">
-                <a:solidFill>
-                  <a:srgbClr val="000000"/>
-                </a:solidFill>
-              </a:rPr>
-              <a:t>Appeals to users seeking a comprehensive tool covering multiple aspects of content marketing.</a:t>
-            </a:r>
-          </a:p>
-          <a:p>
-            <a:pPr/>
-            <a:r>
-              <a:rPr sz="2000">
-                <a:solidFill>
-                  <a:srgbClr val="000000"/>
-                </a:solidFill>
-              </a:rPr>
-              <a:t>Comparison with Neuron.ai</a:t>
-            </a:r>
-          </a:p>
-          <a:p>
-            <a:pPr lvl="1"/>
-            <a:r>
-              <a:rPr sz="2000">
-                <a:solidFill>
-                  <a:srgbClr val="000000"/>
-                </a:solidFill>
-              </a:rPr>
-              <a:t>Compared to Neuron.ai, Scalenut offers a broader suite of features.</a:t>
-            </a:r>
-          </a:p>
-          <a:p>
-            <a:pPr lvl="1"/>
-            <a:r>
-              <a:rPr sz="2000">
-                <a:solidFill>
-                  <a:srgbClr val="000000"/>
-                </a:solidFill>
-              </a:rPr>
-              <a:t>This may be advantageous for users looking for an all-in-one platform.</a:t>
-            </a:r>
-          </a:p>
-          <a:p>
-            <a:pPr lvl="1"/>
-            <a:r>
-              <a:rPr sz="2000">
-                <a:solidFill>
-                  <a:srgbClr val="000000"/>
-                </a:solidFill>
-              </a:rPr>
-              <a:t>However, Neuron.ai's focus on real-time content analysis and NLP-powered optimization could provide more specialized insights for content creators.</a:t>
+              <a:t/>
+            </a:r>
+          </a:p>
+          <a:p>
+            <a:pPr lvl="1"/>
+            <a:r>
+              <a:rPr sz="2000">
+                <a:solidFill>
+                  <a:srgbClr val="000000"/>
+                </a:solidFill>
+              </a:rPr>
+              <a:t>Customer Stories - Neurons Inc</a:t>
+            </a:r>
+          </a:p>
+          <a:p>
+            <a:pPr lvl="1"/>
+            <a:r>
+              <a:rPr sz="2000">
+                <a:solidFill>
+                  <a:srgbClr val="000000"/>
+                </a:solidFill>
+              </a:rPr>
+              <a:t>Ne</a:t>
             </a:r>
           </a:p>
         </p:txBody>
@@ -6289,7 +6813,7 @@
               </a:defRPr>
             </a:pPr>
             <a:r>
-              <a:t>SurferSEO Overview</a:t>
+              <a:t>Investment Thesis for Neuron.ai</a:t>
             </a:r>
           </a:p>
         </p:txBody>
@@ -6317,84 +6841,7 @@
                   <a:srgbClr val="000000"/>
                 </a:solidFill>
               </a:rPr>
-              <a:t>About SurferSEO</a:t>
-            </a:r>
-          </a:p>
-          <a:p>
-            <a:pPr lvl="1"/>
-            <a:r>
-              <a:rPr sz="2000">
-                <a:solidFill>
-                  <a:srgbClr val="000000"/>
-                </a:solidFill>
-              </a:rPr>
-              <a:t>SurferSEO specializes in on-page SEO optimization.</a:t>
-            </a:r>
-          </a:p>
-          <a:p>
-            <a:pPr lvl="1"/>
-            <a:r>
-              <a:rPr sz="2000">
-                <a:solidFill>
-                  <a:srgbClr val="000000"/>
-                </a:solidFill>
-              </a:rPr>
-              <a:t>Offers detailed guidelines to enhance content ranking potential.</a:t>
-            </a:r>
-          </a:p>
-          <a:p>
-            <a:pPr lvl="1"/>
-            <a:r>
-              <a:rPr sz="2000">
-                <a:solidFill>
-                  <a:srgbClr val="000000"/>
-                </a:solidFill>
-              </a:rPr>
-              <a:t>Particularly beneficial for users focused on refining their SEO strategies.</a:t>
-            </a:r>
-          </a:p>
-          <a:p>
-            <a:pPr/>
-            <a:r>
-              <a:rPr sz="2000">
-                <a:solidFill>
-                  <a:srgbClr val="000000"/>
-                </a:solidFill>
-              </a:rPr>
-              <a:t>Comparison with Neuron.ai</a:t>
-            </a:r>
-          </a:p>
-          <a:p>
-            <a:pPr lvl="1"/>
-            <a:r>
-              <a:rPr sz="2000">
-                <a:solidFill>
-                  <a:srgbClr val="000000"/>
-                </a:solidFill>
-              </a:rPr>
-              <a:t>While SurferSEO excels in SEO-specific functionalities, Neuron.ai provides a more holistic approach.</a:t>
-            </a:r>
-          </a:p>
-          <a:p>
-            <a:pPr lvl="1"/>
-            <a:r>
-              <a:rPr sz="2000">
-                <a:solidFill>
-                  <a:srgbClr val="000000"/>
-                </a:solidFill>
-              </a:rPr>
-              <a:t>Neuron.ai combines SEO with AI writing capabilities.</a:t>
-            </a:r>
-          </a:p>
-          <a:p>
-            <a:pPr lvl="1"/>
-            <a:r>
-              <a:rPr sz="2000">
-                <a:solidFill>
-                  <a:srgbClr val="000000"/>
-                </a:solidFill>
-              </a:rPr>
-              <a:t>Suitable for users who need both content creation and optimization.</a:t>
+              <a:t>An Overview of Neuron.ai's Strategic Position and Growth Potential</a:t>
             </a:r>
           </a:p>
         </p:txBody>
@@ -6440,7 +6887,7 @@
               </a:defRPr>
             </a:pPr>
             <a:r>
-              <a:t>Frase AI and Neuron.ai: A Comparative Analysis</a:t>
+              <a:t>Introduction to Neuron.ai</a:t>
             </a:r>
           </a:p>
         </p:txBody>
@@ -6468,62 +6915,29 @@
                   <a:srgbClr val="000000"/>
                 </a:solidFill>
               </a:rPr>
-              <a:t>Frase AI: Combining AI Writing with Research</a:t>
-            </a:r>
-          </a:p>
-          <a:p>
-            <a:pPr lvl="1"/>
-            <a:r>
-              <a:rPr sz="2000">
-                <a:solidFill>
-                  <a:srgbClr val="000000"/>
-                </a:solidFill>
-              </a:rPr>
-              <a:t>Frase AI enables users to create content briefs and outlines efficiently.</a:t>
-            </a:r>
-          </a:p>
-          <a:p>
-            <a:pPr lvl="1"/>
-            <a:r>
-              <a:rPr sz="2000">
-                <a:solidFill>
-                  <a:srgbClr val="000000"/>
-                </a:solidFill>
-              </a:rPr>
-              <a:t>It is ideal for research-intensive content creation.</a:t>
-            </a:r>
-          </a:p>
-          <a:p>
-            <a:pPr/>
-            <a:r>
-              <a:rPr sz="2000">
-                <a:solidFill>
-                  <a:srgbClr val="000000"/>
-                </a:solidFill>
-              </a:rPr>
-              <a:t>Neuron.ai: Emphasizing Real-Time Content Analysis</a:t>
-            </a:r>
-          </a:p>
-          <a:p>
-            <a:pPr lvl="1"/>
-            <a:r>
-              <a:rPr sz="2000">
-                <a:solidFill>
-                  <a:srgbClr val="000000"/>
-                </a:solidFill>
-              </a:rPr>
-              <a:t>Neuron.ai emphasizes real-time content analysis and competitor insights.</a:t>
-            </a:r>
-          </a:p>
-          <a:p>
-            <a:pPr lvl="1"/>
-            <a:r>
-              <a:rPr sz="2000">
-                <a:solidFill>
-                  <a:srgbClr val="000000"/>
-                </a:solidFill>
-              </a:rPr>
-              <a:t>It can be more advantageous for users looking to optimize content based on current market trends and competitor strategies.</a:t>
+              <a:t/>
+            </a:r>
+          </a:p>
+          <a:p>
+            <a:pPr lvl="1"/>
+            <a:r>
+              <a:rPr sz="2000">
+                <a:solidFill>
+                  <a:srgbClr val="000000"/>
+                </a:solidFill>
+              </a:rPr>
+              <a:t>Neuron.ai, also known as Neurons Inc., is a pioneering company that integrates artificial intelligence and neuroscience.</a:t>
+            </a:r>
+          </a:p>
+          <a:p>
+            <a:pPr lvl="1"/>
+            <a:r>
+              <a:rPr sz="2000">
+                <a:solidFill>
+                  <a:srgbClr val="000000"/>
+                </a:solidFill>
+              </a:rPr>
+              <a:t>Revolutionizes business strategies, particularly in marketing, customer experience, and decision-making.</a:t>
             </a:r>
           </a:p>
         </p:txBody>
@@ -6569,7 +6983,7 @@
               </a:defRPr>
             </a:pPr>
             <a:r>
-              <a:t>Jasper (formerly Jarvis AI)</a:t>
+              <a:t>Market Position</a:t>
             </a:r>
           </a:p>
         </p:txBody>
@@ -6608,84 +7022,29 @@
                   <a:srgbClr val="000000"/>
                 </a:solidFill>
               </a:rPr>
-              <a:t>Jasper is renowned for its creative AI writing capabilities.</a:t>
-            </a:r>
-          </a:p>
-          <a:p>
-            <a:pPr lvl="1"/>
-            <a:r>
-              <a:rPr sz="2000">
-                <a:solidFill>
-                  <a:srgbClr val="000000"/>
-                </a:solidFill>
-              </a:rPr>
-              <a:t>It is a popular choice for generating engaging content quickly.</a:t>
-            </a:r>
-          </a:p>
-          <a:p>
-            <a:pPr lvl="1"/>
-            <a:r>
-              <a:rPr sz="2000">
-                <a:solidFill>
-                  <a:srgbClr val="000000"/>
-                </a:solidFill>
-              </a:rPr>
-              <a:t>Particularly useful for marketing copy and blog posts.</a:t>
-            </a:r>
-          </a:p>
-          <a:p>
-            <a:pPr/>
-            <a:r>
-              <a:rPr sz="2000">
-                <a:solidFill>
-                  <a:srgbClr val="000000"/>
-                </a:solidFill>
-              </a:rPr>
-              <a:t>Comparison with Neuron.ai</a:t>
-            </a:r>
-          </a:p>
-          <a:p>
-            <a:pPr lvl="1"/>
-            <a:r>
-              <a:rPr sz="2000">
-                <a:solidFill>
-                  <a:srgbClr val="000000"/>
-                </a:solidFill>
-              </a:rPr>
-              <a:t>While Jasper focuses on creative writing, Neuron.ai offers additional features.</a:t>
-            </a:r>
-          </a:p>
-          <a:p>
-            <a:pPr lvl="2"/>
-            <a:r>
-              <a:rPr sz="2000">
-                <a:solidFill>
-                  <a:srgbClr val="000000"/>
-                </a:solidFill>
-              </a:rPr>
-              <a:t>SEO optimization</a:t>
-            </a:r>
-          </a:p>
-          <a:p>
-            <a:pPr lvl="2"/>
-            <a:r>
-              <a:rPr sz="2000">
-                <a:solidFill>
-                  <a:srgbClr val="000000"/>
-                </a:solidFill>
-              </a:rPr>
-              <a:t>Competitor analysis</a:t>
-            </a:r>
-          </a:p>
-          <a:p>
-            <a:pPr lvl="1"/>
-            <a:r>
-              <a:rPr sz="2000">
-                <a:solidFill>
-                  <a:srgbClr val="000000"/>
-                </a:solidFill>
-              </a:rPr>
-              <a:t>Provides a more comprehensive tool for users who require both creativity and strategic content optimization.</a:t>
+              <a:t>Strategically positioned in the burgeoning AI and neuroscience market.</a:t>
+            </a:r>
+          </a:p>
+          <a:p>
+            <a:pPr lvl="1"/>
+            <a:r>
+              <a:rPr sz="2000">
+                <a:solidFill>
+                  <a:srgbClr val="000000"/>
+                </a:solidFill>
+              </a:rPr>
+              <a:t>Projected to grow significantly as businesses seek data-driven insights.</a:t>
+            </a:r>
+          </a:p>
+          <a:p>
+            <a:pPr lvl="1"/>
+            <a:r>
+              <a:rPr sz="2000">
+                <a:solidFill>
+                  <a:srgbClr val="000000"/>
+                </a:solidFill>
+              </a:rPr>
+              <a:t>Enhances customer engagement and optimizes marketing efforts.</a:t>
             </a:r>
           </a:p>
         </p:txBody>
@@ -6770,7 +7129,7 @@
                   <a:srgbClr val="000000"/>
                 </a:solidFill>
               </a:rPr>
-              <a:t>This presentation is an investment memo for Neurons.ai.</a:t>
+              <a:t>This document outlines the investment memo for Neurons.ai, detailing the key aspects of the company, its market potential, and financial projections.</a:t>
             </a:r>
           </a:p>
         </p:txBody>
@@ -6816,7 +7175,7 @@
               </a:defRPr>
             </a:pPr>
             <a:r>
-              <a:t>Market Context</a:t>
+              <a:t>Client Base and Capabilities</a:t>
             </a:r>
           </a:p>
         </p:txBody>
@@ -6844,73 +7203,29 @@
                   <a:srgbClr val="000000"/>
                 </a:solidFill>
               </a:rPr>
-              <a:t>Competitive Landscape</a:t>
-            </a:r>
-          </a:p>
-          <a:p>
-            <a:pPr lvl="1"/>
-            <a:r>
-              <a:rPr sz="2000">
-                <a:solidFill>
-                  <a:srgbClr val="000000"/>
-                </a:solidFill>
-              </a:rPr>
-              <a:t>The AI writing and SEO optimization market is highly competitive, with numerous players offering similar or complementary services.</a:t>
-            </a:r>
-          </a:p>
-          <a:p>
-            <a:pPr lvl="1"/>
-            <a:r>
-              <a:rPr sz="2000">
-                <a:solidFill>
-                  <a:srgbClr val="000000"/>
-                </a:solidFill>
-              </a:rPr>
-              <a:t>Neuron.ai distinguishes itself through its integration capabilities with platforms like Google Docs and WordPress.</a:t>
-            </a:r>
-          </a:p>
-          <a:p>
-            <a:pPr lvl="1"/>
-            <a:r>
-              <a:rPr sz="2000">
-                <a:solidFill>
-                  <a:srgbClr val="000000"/>
-                </a:solidFill>
-              </a:rPr>
-              <a:t>Neuron.ai connects to Google Search Console for performance analysis, providing a significant advantage for users who require seamless workflow management.</a:t>
-            </a:r>
-          </a:p>
-          <a:p>
-            <a:pPr/>
-            <a:r>
-              <a:rPr sz="2000">
-                <a:solidFill>
-                  <a:srgbClr val="000000"/>
-                </a:solidFill>
-              </a:rPr>
-              <a:t>User Base and Pricing Strategy</a:t>
-            </a:r>
-          </a:p>
-          <a:p>
-            <a:pPr lvl="1"/>
-            <a:r>
-              <a:rPr sz="2000">
-                <a:solidFill>
-                  <a:srgbClr val="000000"/>
-                </a:solidFill>
-              </a:rPr>
-              <a:t>Neuron.ai's user base includes content writers, marketers, SEO agencies, and business owners, reflecting its versatility and appeal across different sectors.</a:t>
-            </a:r>
-          </a:p>
-          <a:p>
-            <a:pPr lvl="1"/>
-            <a:r>
-              <a:rPr sz="2000">
-                <a:solidFill>
-                  <a:srgbClr val="000000"/>
-                </a:solidFill>
-              </a:rPr>
-              <a:t>The platform's pricing strategy includes a free trial, allowing potential users to evaluate its features before committing to a subscription, enhancing its market accessibility.</a:t>
+              <a:t/>
+            </a:r>
+          </a:p>
+          <a:p>
+            <a:pPr lvl="1"/>
+            <a:r>
+              <a:rPr sz="2000">
+                <a:solidFill>
+                  <a:srgbClr val="000000"/>
+                </a:solidFill>
+              </a:rPr>
+              <a:t>Robust client base, including major brands like Spotify and IKEA.</a:t>
+            </a:r>
+          </a:p>
+          <a:p>
+            <a:pPr lvl="1"/>
+            <a:r>
+              <a:rPr sz="2000">
+                <a:solidFill>
+                  <a:srgbClr val="000000"/>
+                </a:solidFill>
+              </a:rPr>
+              <a:t>Underscores capability to deliver tailored solutions across various sectors.</a:t>
             </a:r>
           </a:p>
         </p:txBody>
@@ -6956,7 +7271,7 @@
               </a:defRPr>
             </a:pPr>
             <a:r>
-              <a:t>Market Positioning</a:t>
+              <a:t>Growth Drivers</a:t>
             </a:r>
           </a:p>
         </p:txBody>
@@ -6984,29 +7299,40 @@
                   <a:srgbClr val="000000"/>
                 </a:solidFill>
               </a:rPr>
-              <a:t>Unique Selling Proposition</a:t>
-            </a:r>
-          </a:p>
-          <a:p>
-            <a:pPr lvl="1"/>
-            <a:r>
-              <a:rPr sz="2000">
-                <a:solidFill>
-                  <a:srgbClr val="000000"/>
-                </a:solidFill>
-              </a:rPr>
-              <a:t>Overall, Neuron.ai's unique combination of AI writing, SEO optimization, and competitor analysis positions it as a strong contender in the market.</a:t>
-            </a:r>
-          </a:p>
-          <a:p>
-            <a:pPr lvl="1"/>
-            <a:r>
-              <a:rPr sz="2000">
-                <a:solidFill>
-                  <a:srgbClr val="000000"/>
-                </a:solidFill>
-              </a:rPr>
-              <a:t>Offers specialized tools that cater to the evolving needs of content creators and marketers.</a:t>
+              <a:t/>
+            </a:r>
+          </a:p>
+          <a:p>
+            <a:pPr lvl="1"/>
+            <a:r>
+              <a:rPr sz="2000">
+                <a:solidFill>
+                  <a:srgbClr val="000000"/>
+                </a:solidFill>
+              </a:rPr>
+              <a:t>Rising demand for personalized marketing.</a:t>
+            </a:r>
+          </a:p>
+          <a:p>
+            <a:pPr lvl="1"/>
+            <a:r>
+              <a:rPr sz="2000">
+                <a:solidFill>
+                  <a:srgbClr val="000000"/>
+                </a:solidFill>
+              </a:rPr>
+              <a:t>Increasing reliance on AI-driven analytics to process large datasets.</a:t>
+            </a:r>
+          </a:p>
+          <a:p>
+            <a:pPr lvl="1"/>
+            <a:r>
+              <a:rPr sz="2000">
+                <a:solidFill>
+                  <a:srgbClr val="000000"/>
+                </a:solidFill>
+              </a:rPr>
+              <a:t>Provides predictive insights.</a:t>
             </a:r>
           </a:p>
         </p:txBody>
@@ -7052,7 +7378,7 @@
               </a:defRPr>
             </a:pPr>
             <a:r>
-              <a:t>References</a:t>
+              <a:t>Catalysts for Growth</a:t>
             </a:r>
           </a:p>
         </p:txBody>
@@ -7091,51 +7417,29 @@
                   <a:srgbClr val="000000"/>
                 </a:solidFill>
               </a:rPr>
-              <a:t>[1] Neuronwriter Review 2024: Is It Worth the Hype? - Fahim AI</a:t>
-            </a:r>
-          </a:p>
-          <a:p>
-            <a:pPr lvl="1"/>
-            <a:r>
-              <a:rPr sz="2000">
-                <a:solidFill>
-                  <a:srgbClr val="000000"/>
-                </a:solidFill>
-              </a:rPr>
-              <a:t>[2] NeuronWriter Pricing, Alternatives &amp; More 2024 | Capterra</a:t>
-            </a:r>
-          </a:p>
-          <a:p>
-            <a:pPr lvl="1"/>
-            <a:r>
-              <a:rPr sz="2000">
-                <a:solidFill>
-                  <a:srgbClr val="000000"/>
-                </a:solidFill>
-              </a:rPr>
-              <a:t>[3] Leading OpenAI Competitors You Need to Know in 2024 - RisingWave</a:t>
-            </a:r>
-          </a:p>
-          <a:p>
-            <a:pPr lvl="1"/>
-            <a:r>
-              <a:rPr sz="2000">
-                <a:solidFill>
-                  <a:srgbClr val="000000"/>
-                </a:solidFill>
-              </a:rPr>
-              <a:t>[4] Top 6 ChatGPT Competitors: AI Tools to Watch in 2024 - Northwest Education</a:t>
-            </a:r>
-          </a:p>
-          <a:p>
-            <a:pPr lvl="1"/>
-            <a:r>
-              <a:rPr sz="2000">
-                <a:solidFill>
-                  <a:srgbClr val="000000"/>
-                </a:solidFill>
-              </a:rPr>
-              <a:t>[5] 150 Top AI Companies (2024): Visionaries Driving the AI Revolution - eWeek</a:t>
+              <a:t>Potential expansions into new markets.</a:t>
+            </a:r>
+          </a:p>
+          <a:p>
+            <a:pPr lvl="1"/>
+            <a:r>
+              <a:rPr sz="2000">
+                <a:solidFill>
+                  <a:srgbClr val="000000"/>
+                </a:solidFill>
+              </a:rPr>
+              <a:t>Development of innovative tools and methodologies.</a:t>
+            </a:r>
+          </a:p>
+          <a:p>
+            <a:pPr lvl="1"/>
+            <a:r>
+              <a:rPr sz="2000">
+                <a:solidFill>
+                  <a:srgbClr val="000000"/>
+                </a:solidFill>
+              </a:rPr>
+              <a:t>Collaboration with Stanford University on neuromarketing studies.</a:t>
             </a:r>
           </a:p>
         </p:txBody>
@@ -7181,7 +7485,7 @@
               </a:defRPr>
             </a:pPr>
             <a:r>
-              <a:t>Citations</a:t>
+              <a:t>Macroeconomic Factors</a:t>
             </a:r>
           </a:p>
         </p:txBody>
@@ -7220,51 +7524,29 @@
                   <a:srgbClr val="000000"/>
                 </a:solidFill>
               </a:rPr>
-              <a:t>[1] [Neuronwriter Review 2024: Is It Worth the Hype? - Fahim AI](https://www.fahimai.com/neuronwriter-review-2024)</a:t>
-            </a:r>
-          </a:p>
-          <a:p>
-            <a:pPr lvl="1"/>
-            <a:r>
-              <a:rPr sz="2000">
-                <a:solidFill>
-                  <a:srgbClr val="000000"/>
-                </a:solidFill>
-              </a:rPr>
-              <a:t>[2] [NeuronWriter Pricing, Alternatives &amp; More 2024 | Capterra](https://www.capterra.com/neuronwriter-pricing-2024)</a:t>
-            </a:r>
-          </a:p>
-          <a:p>
-            <a:pPr lvl="1"/>
-            <a:r>
-              <a:rPr sz="2000">
-                <a:solidFill>
-                  <a:srgbClr val="000000"/>
-                </a:solidFill>
-              </a:rPr>
-              <a:t>[3] [Leading OpenAI Competitors You Need to Know in 2024 - RisingWave](https://www.risingwave.com/openai-competitors-2024)</a:t>
-            </a:r>
-          </a:p>
-          <a:p>
-            <a:pPr lvl="1"/>
-            <a:r>
-              <a:rPr sz="2000">
-                <a:solidFill>
-                  <a:srgbClr val="000000"/>
-                </a:solidFill>
-              </a:rPr>
-              <a:t>[4] [Top 6 ChatGPT Competitors: AI Tools to Watch in 2024 - Northwest Education](https://www.northwesteducation.com/chatgpt-competitors-2024)</a:t>
-            </a:r>
-          </a:p>
-          <a:p>
-            <a:pPr lvl="1"/>
-            <a:r>
-              <a:rPr sz="2000">
-                <a:solidFill>
-                  <a:srgbClr val="000000"/>
-                </a:solidFill>
-              </a:rPr>
-              <a:t>[5] [150 Top AI Companies (2024): Visionaries Driving the AI Revolution - eWeek](https://www.eweek.com/top-ai-companies-2024)</a:t>
+              <a:t>Global shift towards digital transformation.</a:t>
+            </a:r>
+          </a:p>
+          <a:p>
+            <a:pPr lvl="1"/>
+            <a:r>
+              <a:rPr sz="2000">
+                <a:solidFill>
+                  <a:srgbClr val="000000"/>
+                </a:solidFill>
+              </a:rPr>
+              <a:t>Growing emphasis on customer-centric business models.</a:t>
+            </a:r>
+          </a:p>
+          <a:p>
+            <a:pPr lvl="1"/>
+            <a:r>
+              <a:rPr sz="2000">
+                <a:solidFill>
+                  <a:srgbClr val="000000"/>
+                </a:solidFill>
+              </a:rPr>
+              <a:t>Supports Neuron.ai's growth trajectory.</a:t>
             </a:r>
           </a:p>
         </p:txBody>
@@ -7310,7 +7592,7 @@
               </a:defRPr>
             </a:pPr>
             <a:r>
-              <a:t>Leadership Summary of Neuron AI</a:t>
+              <a:t>Valuation and Unique Value Proposition</a:t>
             </a:r>
           </a:p>
         </p:txBody>
@@ -7338,29 +7620,40 @@
                   <a:srgbClr val="000000"/>
                 </a:solidFill>
               </a:rPr>
-              <a:t>Overview</a:t>
-            </a:r>
-          </a:p>
-          <a:p>
-            <a:pPr lvl="1"/>
-            <a:r>
-              <a:rPr sz="2000">
-                <a:solidFill>
-                  <a:srgbClr val="000000"/>
-                </a:solidFill>
-              </a:rPr>
-              <a:t>Limited direct information available about the leadership team of Neuron AI from the provided sources.</a:t>
-            </a:r>
-          </a:p>
-          <a:p>
-            <a:pPr lvl="1"/>
-            <a:r>
-              <a:rPr sz="2000">
-                <a:solidFill>
-                  <a:srgbClr val="000000"/>
-                </a:solidFill>
-              </a:rPr>
-              <a:t>Relevant insights can be inferred from related contexts and profiles of individuals associated with AI ventures.</a:t>
+              <a:t/>
+            </a:r>
+          </a:p>
+          <a:p>
+            <a:pPr lvl="1"/>
+            <a:r>
+              <a:rPr sz="2000">
+                <a:solidFill>
+                  <a:srgbClr val="000000"/>
+                </a:solidFill>
+              </a:rPr>
+              <a:t>Neuron.ai's unique value proposition enhances key performance indicators.</a:t>
+            </a:r>
+          </a:p>
+          <a:p>
+            <a:pPr lvl="1"/>
+            <a:r>
+              <a:rPr sz="2000">
+                <a:solidFill>
+                  <a:srgbClr val="000000"/>
+                </a:solidFill>
+              </a:rPr>
+              <a:t>Improves metrics such as cost per lead and click-through rates.</a:t>
+            </a:r>
+          </a:p>
+          <a:p>
+            <a:pPr lvl="1"/>
+            <a:r>
+              <a:rPr sz="2000">
+                <a:solidFill>
+                  <a:srgbClr val="000000"/>
+                </a:solidFill>
+              </a:rPr>
+              <a:t>Positions it as a valuable asset in the AI and neuroscience sectors.</a:t>
             </a:r>
           </a:p>
         </p:txBody>
@@ -7406,7 +7699,7 @@
               </a:defRPr>
             </a:pPr>
             <a:r>
-              <a:t>Pete Huang - Co-founder of 'The Neuron - AI News'</a:t>
+              <a:t>Investment Horizon</a:t>
             </a:r>
           </a:p>
         </p:txBody>
@@ -7434,51 +7727,40 @@
                   <a:srgbClr val="000000"/>
                 </a:solidFill>
               </a:rPr>
-              <a:t>Role</a:t>
-            </a:r>
-          </a:p>
-          <a:p>
-            <a:pPr lvl="1"/>
-            <a:r>
-              <a:rPr sz="2000">
-                <a:solidFill>
-                  <a:srgbClr val="000000"/>
-                </a:solidFill>
-              </a:rPr>
-              <a:t>Co-founder of 'The Neuron - AI News'</a:t>
-            </a:r>
-          </a:p>
-          <a:p>
-            <a:pPr/>
-            <a:r>
-              <a:rPr sz="2000">
-                <a:solidFill>
-                  <a:srgbClr val="000000"/>
-                </a:solidFill>
-              </a:rPr>
-              <a:t>Background</a:t>
-            </a:r>
-          </a:p>
-          <a:p>
-            <a:pPr lvl="1"/>
-            <a:r>
-              <a:rPr sz="2000">
-                <a:solidFill>
-                  <a:srgbClr val="000000"/>
-                </a:solidFill>
-              </a:rPr>
-              <a:t>Pete Huang is noted for his involvement in technology and AI-related activities.</a:t>
-            </a:r>
-          </a:p>
-          <a:p>
-            <a:pPr lvl="1"/>
-            <a:r>
-              <a:rPr sz="2000">
-                <a:solidFill>
-                  <a:srgbClr val="000000"/>
-                </a:solidFill>
-              </a:rPr>
-              <a:t>His role as a co-founder of 'The Neuron - AI News' suggests a strong interest and engagement in AI media and news dissemination.</a:t>
+              <a:t/>
+            </a:r>
+          </a:p>
+          <a:p>
+            <a:pPr lvl="1"/>
+            <a:r>
+              <a:rPr sz="2000">
+                <a:solidFill>
+                  <a:srgbClr val="000000"/>
+                </a:solidFill>
+              </a:rPr>
+              <a:t>Medium to long-term investment horizon.</a:t>
+            </a:r>
+          </a:p>
+          <a:p>
+            <a:pPr lvl="1"/>
+            <a:r>
+              <a:rPr sz="2000">
+                <a:solidFill>
+                  <a:srgbClr val="000000"/>
+                </a:solidFill>
+              </a:rPr>
+              <a:t>Continues to innovate and expand offerings.</a:t>
+            </a:r>
+          </a:p>
+          <a:p>
+            <a:pPr lvl="1"/>
+            <a:r>
+              <a:rPr sz="2000">
+                <a:solidFill>
+                  <a:srgbClr val="000000"/>
+                </a:solidFill>
+              </a:rPr>
+              <a:t>Capitalizes on increasing integration of AI in business strategies worldwide.</a:t>
             </a:r>
           </a:p>
         </p:txBody>
@@ -7524,7 +7806,7 @@
               </a:defRPr>
             </a:pPr>
             <a:r>
-              <a:t>General Insights on AI Leaders</a:t>
+              <a:t>References</a:t>
             </a:r>
           </a:p>
         </p:txBody>
@@ -7552,40 +7834,18 @@
                   <a:srgbClr val="000000"/>
                 </a:solidFill>
               </a:rPr>
-              <a:t>Contextual Understanding of AI Leadership</a:t>
-            </a:r>
-          </a:p>
-          <a:p>
-            <a:pPr lvl="1"/>
-            <a:r>
-              <a:rPr sz="2000">
-                <a:solidFill>
-                  <a:srgbClr val="000000"/>
-                </a:solidFill>
-              </a:rPr>
-              <a:t>While specific leaders of Neuron AI are not detailed, examining broader AI leadership trends can provide context:</a:t>
-            </a:r>
-          </a:p>
-          <a:p>
-            <a:pPr lvl="2"/>
-            <a:r>
-              <a:rPr sz="2000">
-                <a:solidFill>
-                  <a:srgbClr val="000000"/>
-                </a:solidFill>
-              </a:rPr>
-              <a:t>AI Leaders: Prominent figures in AI, such as those listed in the TIME100 AI list, include CEOs, researchers, and advocates who are shaping the field.</a:t>
-            </a:r>
-          </a:p>
-          <a:p>
-            <a:pPr lvl="2"/>
-            <a:r>
-              <a:rPr sz="2000">
-                <a:solidFill>
-                  <a:srgbClr val="000000"/>
-                </a:solidFill>
-              </a:rPr>
-              <a:t>Examples include Amba Kak from the AI Now Institute and Lisa Su from AMD, who are recognized for their contributions to AI's transformative potential and ethical considerations.</a:t>
+              <a:t/>
+            </a:r>
+          </a:p>
+          <a:p>
+            <a:pPr lvl="1"/>
+            <a:r>
+              <a:rPr sz="2000">
+                <a:solidFill>
+                  <a:srgbClr val="000000"/>
+                </a:solidFill>
+              </a:rPr>
+              <a:t>Neuron.ai</a:t>
             </a:r>
           </a:p>
         </p:txBody>
@@ -7631,7 +7891,7 @@
               </a:defRPr>
             </a:pPr>
             <a:r>
-              <a:t>Recommendations for Further Information</a:t>
+              <a:t>Market Analysis for Neuron.ai</a:t>
             </a:r>
           </a:p>
         </p:txBody>
@@ -7659,18 +7919,29 @@
                   <a:srgbClr val="000000"/>
                 </a:solidFill>
               </a:rPr>
-              <a:t>Approaches to Obtain Details about Neuron AI's Leadership</a:t>
-            </a:r>
-          </a:p>
-          <a:p>
-            <a:pPr lvl="1"/>
-            <a:r>
-              <a:rPr sz="2000">
-                <a:solidFill>
-                  <a:srgbClr val="000000"/>
-                </a:solidFill>
-              </a:rPr>
-              <a:t>To obtain more specific details about Neuron AI's leadership, consider the following approaches:</a:t>
+              <a:t>Industry Overview</a:t>
+            </a:r>
+          </a:p>
+          <a:p>
+            <a:pPr lvl="1"/>
+            <a:r>
+              <a:rPr sz="2000">
+                <a:solidFill>
+                  <a:srgbClr val="000000"/>
+                </a:solidFill>
+              </a:rPr>
+              <a:t>Neuron.ai operates in the competitive landscape of AI-powered writing and SEO optimization tools.</a:t>
+            </a:r>
+          </a:p>
+          <a:p>
+            <a:pPr lvl="1"/>
+            <a:r>
+              <a:rPr sz="2000">
+                <a:solidFill>
+                  <a:srgbClr val="000000"/>
+                </a:solidFill>
+              </a:rPr>
+              <a:t>This market is characterized by:</a:t>
             </a:r>
           </a:p>
           <a:p>
@@ -7681,7 +7952,7 @@
                   <a:srgbClr val="000000"/>
                 </a:solidFill>
               </a:rPr>
-              <a:t>Company Website: Visit Neuron AI's official website for sections like 'About Us' or 'Team' that typically list key executives.</a:t>
+              <a:t>Rapid technological advancements.</a:t>
             </a:r>
           </a:p>
           <a:p>
@@ -7692,29 +7963,29 @@
                   <a:srgbClr val="000000"/>
                 </a:solidFill>
               </a:rPr>
-              <a:t>LinkedIn: Search for Neuron AI on LinkedIn to find profiles of its executives and team members.</a:t>
-            </a:r>
-          </a:p>
-          <a:p>
-            <a:pPr lvl="2"/>
-            <a:r>
-              <a:rPr sz="2000">
-                <a:solidFill>
-                  <a:srgbClr val="000000"/>
-                </a:solidFill>
-              </a:rPr>
-              <a:t>News Articles: Look for news articles or press releases that might mention the leadership team of Neuron AI.</a:t>
-            </a:r>
-          </a:p>
-          <a:p>
-            <a:pPr lvl="1"/>
-            <a:r>
-              <a:rPr sz="2000">
-                <a:solidFill>
-                  <a:srgbClr val="000000"/>
-                </a:solidFill>
-              </a:rPr>
-              <a:t>These steps can help uncover more detailed information about the leadership structure at Neuron AI.</a:t>
+              <a:t>Growing demand for efficient content creation solutions.</a:t>
+            </a:r>
+          </a:p>
+          <a:p>
+            <a:pPr/>
+            <a:r>
+              <a:rPr sz="2000">
+                <a:solidFill>
+                  <a:srgbClr val="000000"/>
+                </a:solidFill>
+              </a:rPr>
+              <a:t>Competitive Positioning</a:t>
+            </a:r>
+          </a:p>
+          <a:p>
+            <a:pPr lvl="1"/>
+            <a:r>
+              <a:rPr sz="2000">
+                <a:solidFill>
+                  <a:srgbClr val="000000"/>
+                </a:solidFill>
+              </a:rPr>
+              <a:t>The analysis provides an overview of key competitors and their positioning relative to Neuron.ai.</a:t>
             </a:r>
           </a:p>
         </p:txBody>
@@ -7760,7 +8031,7 @@
               </a:defRPr>
             </a:pPr>
             <a:r>
-              <a:t>Fundraising Section for Neuron.ai</a:t>
+              <a:t>Competitors</a:t>
             </a:r>
           </a:p>
         </p:txBody>
@@ -7788,51 +8059,40 @@
                   <a:srgbClr val="000000"/>
                 </a:solidFill>
               </a:rPr>
-              <a:t>Introduction</a:t>
-            </a:r>
-          </a:p>
-          <a:p>
-            <a:pPr lvl="1"/>
-            <a:r>
-              <a:rPr sz="2000">
-                <a:solidFill>
-                  <a:srgbClr val="000000"/>
-                </a:solidFill>
-              </a:rPr>
-              <a:t>Neuron.ai, a company operating within the AI sector, is currently navigating a dynamic fundraising landscape.</a:t>
-            </a:r>
-          </a:p>
-          <a:p>
-            <a:pPr lvl="1"/>
-            <a:r>
-              <a:rPr sz="2000">
-                <a:solidFill>
-                  <a:srgbClr val="000000"/>
-                </a:solidFill>
-              </a:rPr>
-              <a:t>Significant interest from venture capital and private equity investors.</a:t>
-            </a:r>
-          </a:p>
-          <a:p>
-            <a:pPr/>
-            <a:r>
-              <a:rPr sz="2000">
-                <a:solidFill>
-                  <a:srgbClr val="000000"/>
-                </a:solidFill>
-              </a:rPr>
-              <a:t>AI Investment Patterns</a:t>
-            </a:r>
-          </a:p>
-          <a:p>
-            <a:pPr lvl="1"/>
-            <a:r>
-              <a:rPr sz="2000">
-                <a:solidFill>
-                  <a:srgbClr val="000000"/>
-                </a:solidFill>
-              </a:rPr>
-              <a:t>While specific data on Neuron.ai's fundraising efforts is not directly available, we can infer potential trends and opportunities based on broader AI investment patterns.</a:t>
+              <a:t/>
+            </a:r>
+          </a:p>
+          <a:p>
+            <a:pPr lvl="1"/>
+            <a:r>
+              <a:rPr sz="2000">
+                <a:solidFill>
+                  <a:srgbClr val="000000"/>
+                </a:solidFill>
+              </a:rPr>
+              <a:t>The provided markdown content contains a single heading, 'Competitors', at the H2 level.</a:t>
+            </a:r>
+          </a:p>
+          <a:p>
+            <a:pPr lvl="1"/>
+            <a:r>
+              <a:rPr sz="2000">
+                <a:solidFill>
+                  <a:srgbClr val="000000"/>
+                </a:solidFill>
+              </a:rPr>
+              <a:t>The hierarchical structure is simple due to the limited content.</a:t>
+            </a:r>
+          </a:p>
+          <a:p>
+            <a:pPr lvl="1"/>
+            <a:r>
+              <a:rPr sz="2000">
+                <a:solidFill>
+                  <a:srgbClr val="000000"/>
+                </a:solidFill>
+              </a:rPr>
+              <a:t>If additional content were present, such as paragraphs, lists, or images, they would be included under this heading with appropriate indentation and labeling.</a:t>
             </a:r>
           </a:p>
         </p:txBody>
@@ -7878,7 +8138,7 @@
               </a:defRPr>
             </a:pPr>
             <a:r>
-              <a:t>Citations</a:t>
+              <a:t>Introduction to Scalenut</a:t>
             </a:r>
           </a:p>
         </p:txBody>
@@ -7906,18 +8166,40 @@
                   <a:srgbClr val="000000"/>
                 </a:solidFill>
               </a:rPr>
-              <a:t/>
-            </a:r>
-          </a:p>
-          <a:p>
-            <a:pPr lvl="1"/>
-            <a:r>
-              <a:rPr sz="2000">
-                <a:solidFill>
-                  <a:srgbClr val="000000"/>
-                </a:solidFill>
-              </a:rPr>
-              <a:t>[1] [Neuron.ai - External Link](&lt;external&gt;)</a:t>
+              <a:t>Overview of Scalenut</a:t>
+            </a:r>
+          </a:p>
+          <a:p>
+            <a:pPr lvl="1"/>
+            <a:r>
+              <a:rPr sz="2000">
+                <a:solidFill>
+                  <a:srgbClr val="000000"/>
+                </a:solidFill>
+              </a:rPr>
+              <a:t>Scalenut is an AI-driven platform.</a:t>
+            </a:r>
+          </a:p>
+          <a:p>
+            <a:pPr lvl="1"/>
+            <a:r>
+              <a:rPr sz="2000">
+                <a:solidFill>
+                  <a:srgbClr val="000000"/>
+                </a:solidFill>
+              </a:rPr>
+              <a:t>Integrates keyword research, AI writing, and content optimization.</a:t>
+            </a:r>
+          </a:p>
+          <a:p>
+            <a:pPr lvl="1"/>
+            <a:r>
+              <a:rPr sz="2000">
+                <a:solidFill>
+                  <a:srgbClr val="000000"/>
+                </a:solidFill>
+              </a:rPr>
+              <a:t>Provides a comprehensive solution for content marketing.</a:t>
             </a:r>
           </a:p>
         </p:txBody>
@@ -7991,62 +8273,29 @@
                   <a:srgbClr val="000000"/>
                 </a:solidFill>
               </a:rPr>
-              <a:t>Neurons: AI-Powered Ecommerce Performance Enhancer</a:t>
-            </a:r>
-          </a:p>
-          <a:p>
-            <a:pPr lvl="1"/>
-            <a:r>
-              <a:rPr sz="2000">
-                <a:solidFill>
-                  <a:srgbClr val="000000"/>
-                </a:solidFill>
-              </a:rPr>
-              <a:t>Neurons is an AI-powered platform specializing in enhancing ecommerce performance for Consumer Packaged Goods (CPG) brands.</a:t>
-            </a:r>
-          </a:p>
-          <a:p>
-            <a:pPr lvl="2"/>
-            <a:r>
-              <a:rPr sz="2000">
-                <a:solidFill>
-                  <a:srgbClr val="000000"/>
-                </a:solidFill>
-              </a:rPr>
-              <a:t>Offers a suite of tools designed to provide deep insights into customer behavior.</a:t>
-            </a:r>
-          </a:p>
-          <a:p>
-            <a:pPr lvl="2"/>
-            <a:r>
-              <a:rPr sz="2000">
-                <a:solidFill>
-                  <a:srgbClr val="000000"/>
-                </a:solidFill>
-              </a:rPr>
-              <a:t>Optimizes marketing strategies.</a:t>
-            </a:r>
-          </a:p>
-          <a:p>
-            <a:pPr lvl="2"/>
-            <a:r>
-              <a:rPr sz="2000">
-                <a:solidFill>
-                  <a:srgbClr val="000000"/>
-                </a:solidFill>
-              </a:rPr>
-              <a:t>Improves conversion rates.</a:t>
-            </a:r>
-          </a:p>
-          <a:p>
-            <a:pPr lvl="1"/>
-            <a:r>
-              <a:rPr sz="2000">
-                <a:solidFill>
-                  <a:srgbClr val="000000"/>
-                </a:solidFill>
-              </a:rPr>
-              <a:t>This memo provides a detailed analysis of Neurons' business solutions, market potential, and strategic advantages.</a:t>
+              <a:t/>
+            </a:r>
+          </a:p>
+          <a:p>
+            <a:pPr lvl="1"/>
+            <a:r>
+              <a:rPr sz="2000">
+                <a:solidFill>
+                  <a:srgbClr val="000000"/>
+                </a:solidFill>
+              </a:rPr>
+              <a:t>Neurons.ai is a leading AI platform focused on providing advanced neural network solutions to various industries.</a:t>
+            </a:r>
+          </a:p>
+          <a:p>
+            <a:pPr lvl="1"/>
+            <a:r>
+              <a:rPr sz="2000">
+                <a:solidFill>
+                  <a:srgbClr val="000000"/>
+                </a:solidFill>
+              </a:rPr>
+              <a:t>This section summarizes the key points of the investment opportunity.</a:t>
             </a:r>
           </a:p>
         </p:txBody>
@@ -8092,7 +8341,7 @@
               </a:defRPr>
             </a:pPr>
             <a:r>
-              <a:t>AI Investment Trends</a:t>
+              <a:t>Features of Scalenut</a:t>
             </a:r>
           </a:p>
         </p:txBody>
@@ -8120,40 +8369,40 @@
                   <a:srgbClr val="000000"/>
                 </a:solidFill>
               </a:rPr>
-              <a:t>Investments in AI Companies</a:t>
-            </a:r>
-          </a:p>
-          <a:p>
-            <a:pPr lvl="1"/>
-            <a:r>
-              <a:rPr sz="2000">
-                <a:solidFill>
-                  <a:srgbClr val="000000"/>
-                </a:solidFill>
-              </a:rPr>
-              <a:t>Recent reports indicate a robust increase in venture capital and private equity investments in AI companies globally.</a:t>
-            </a:r>
-          </a:p>
-          <a:p>
-            <a:pPr lvl="2"/>
-            <a:r>
-              <a:rPr sz="2000">
-                <a:solidFill>
-                  <a:srgbClr val="000000"/>
-                </a:solidFill>
-              </a:rPr>
-              <a:t>Canadian AI firms have benefited from substantial investments, supported by initiatives like the Pan-Canadian Artificial Intelligence Strategy, which has attracted both domestic and international investors ([1]).</a:t>
-            </a:r>
-          </a:p>
-          <a:p>
-            <a:pPr lvl="2"/>
-            <a:r>
-              <a:rPr sz="2000">
-                <a:solidFill>
-                  <a:srgbClr val="000000"/>
-                </a:solidFill>
-              </a:rPr>
-              <a:t>Middle Eastern sovereign wealth funds have been actively investing in AI startups, particularly in Silicon Valley, highlighting a global interest in AI technologies ([2]).</a:t>
+              <a:t>Comprehensive Tool</a:t>
+            </a:r>
+          </a:p>
+          <a:p>
+            <a:pPr lvl="1"/>
+            <a:r>
+              <a:rPr sz="2000">
+                <a:solidFill>
+                  <a:srgbClr val="000000"/>
+                </a:solidFill>
+              </a:rPr>
+              <a:t>Appeals to users seeking an all-in-one platform.</a:t>
+            </a:r>
+          </a:p>
+          <a:p>
+            <a:pPr lvl="1"/>
+            <a:r>
+              <a:rPr sz="2000">
+                <a:solidFill>
+                  <a:srgbClr val="000000"/>
+                </a:solidFill>
+              </a:rPr>
+              <a:t>Offers a broader suite of features compared to Neuron.ai.</a:t>
+            </a:r>
+          </a:p>
+          <a:p>
+            <a:pPr lvl="1"/>
+            <a:r>
+              <a:rPr sz="2000">
+                <a:solidFill>
+                  <a:srgbClr val="000000"/>
+                </a:solidFill>
+              </a:rPr>
+              <a:t>Advantages for users looking for a single solution covering multiple aspects.</a:t>
             </a:r>
           </a:p>
         </p:txBody>
@@ -8199,7 +8448,7 @@
               </a:defRPr>
             </a:pPr>
             <a:r>
-              <a:t>Citations</a:t>
+              <a:t>Comparison with Neuron.ai</a:t>
             </a:r>
           </a:p>
         </p:txBody>
@@ -8227,29 +8476,40 @@
                   <a:srgbClr val="000000"/>
                 </a:solidFill>
               </a:rPr>
-              <a:t/>
-            </a:r>
-          </a:p>
-          <a:p>
-            <a:pPr lvl="1"/>
-            <a:r>
-              <a:rPr sz="2000">
-                <a:solidFill>
-                  <a:srgbClr val="000000"/>
-                </a:solidFill>
-              </a:rPr>
-              <a:t>[1] [Mapping the Growth of AI in Canada Through Investment](URL Not Provided)</a:t>
-            </a:r>
-          </a:p>
-          <a:p>
-            <a:pPr lvl="1"/>
-            <a:r>
-              <a:rPr sz="2000">
-                <a:solidFill>
-                  <a:srgbClr val="000000"/>
-                </a:solidFill>
-              </a:rPr>
-              <a:t>[2] [Middle Eastern funds are plowing billions of dollars into hottest AI start-ups](URL Not Provided)</a:t>
+              <a:t>Specialized Insights</a:t>
+            </a:r>
+          </a:p>
+          <a:p>
+            <a:pPr lvl="1"/>
+            <a:r>
+              <a:rPr sz="2000">
+                <a:solidFill>
+                  <a:srgbClr val="000000"/>
+                </a:solidFill>
+              </a:rPr>
+              <a:t>Neuron.ai focuses on real-time content analysis.</a:t>
+            </a:r>
+          </a:p>
+          <a:p>
+            <a:pPr lvl="1"/>
+            <a:r>
+              <a:rPr sz="2000">
+                <a:solidFill>
+                  <a:srgbClr val="000000"/>
+                </a:solidFill>
+              </a:rPr>
+              <a:t>Utilizes NLP-powered optimization.</a:t>
+            </a:r>
+          </a:p>
+          <a:p>
+            <a:pPr lvl="1"/>
+            <a:r>
+              <a:rPr sz="2000">
+                <a:solidFill>
+                  <a:srgbClr val="000000"/>
+                </a:solidFill>
+              </a:rPr>
+              <a:t>Provides more specialized insights for content creators.</a:t>
             </a:r>
           </a:p>
         </p:txBody>
@@ -8295,7 +8555,7 @@
               </a:defRPr>
             </a:pPr>
             <a:r>
-              <a:t>Fundraising Challenges</a:t>
+              <a:t>SurferSEO Overview</a:t>
             </a:r>
           </a:p>
         </p:txBody>
@@ -8323,51 +8583,40 @@
                   <a:srgbClr val="000000"/>
                 </a:solidFill>
               </a:rPr>
-              <a:t>Challenges in AI Funding</a:t>
-            </a:r>
-          </a:p>
-          <a:p>
-            <a:pPr lvl="1"/>
-            <a:r>
-              <a:rPr sz="2000">
-                <a:solidFill>
-                  <a:srgbClr val="000000"/>
-                </a:solidFill>
-              </a:rPr>
-              <a:t>Despite the growing interest, AI companies, including those like Neuron.ai, face challenges in securing funding.</a:t>
-            </a:r>
-          </a:p>
-          <a:p>
-            <a:pPr lvl="2"/>
-            <a:r>
-              <a:rPr sz="2000">
-                <a:solidFill>
-                  <a:srgbClr val="000000"/>
-                </a:solidFill>
-              </a:rPr>
-              <a:t>The competitive landscape, especially against larger US-based companies, poses significant hurdles.</a:t>
-            </a:r>
-          </a:p>
-          <a:p>
-            <a:pPr lvl="2"/>
-            <a:r>
-              <a:rPr sz="2000">
-                <a:solidFill>
-                  <a:srgbClr val="000000"/>
-                </a:solidFill>
-              </a:rPr>
-              <a:t>The early-stage funding environment remains challenging, with companies often requiring higher capital to scale effectively.</a:t>
-            </a:r>
-          </a:p>
-          <a:p>
-            <a:pPr lvl="1"/>
-            <a:r>
-              <a:rPr sz="2000">
-                <a:solidFill>
-                  <a:srgbClr val="000000"/>
-                </a:solidFill>
-              </a:rPr>
-              <a:t>Decoding AI Investment: Trends, Challenges, and Opportunities [1]</a:t>
+              <a:t>Specialization in On-Page SEO</a:t>
+            </a:r>
+          </a:p>
+          <a:p>
+            <a:pPr lvl="1"/>
+            <a:r>
+              <a:rPr sz="2000">
+                <a:solidFill>
+                  <a:srgbClr val="000000"/>
+                </a:solidFill>
+              </a:rPr>
+              <a:t>SurferSEO specializes in on-page SEO optimization.</a:t>
+            </a:r>
+          </a:p>
+          <a:p>
+            <a:pPr lvl="1"/>
+            <a:r>
+              <a:rPr sz="2000">
+                <a:solidFill>
+                  <a:srgbClr val="000000"/>
+                </a:solidFill>
+              </a:rPr>
+              <a:t>Offers detailed guidelines to enhance content ranking potential.</a:t>
+            </a:r>
+          </a:p>
+          <a:p>
+            <a:pPr lvl="1"/>
+            <a:r>
+              <a:rPr sz="2000">
+                <a:solidFill>
+                  <a:srgbClr val="000000"/>
+                </a:solidFill>
+              </a:rPr>
+              <a:t>Particularly beneficial for users focused on refining their SEO strategies.</a:t>
             </a:r>
           </a:p>
         </p:txBody>
@@ -8413,7 +8662,7 @@
               </a:defRPr>
             </a:pPr>
             <a:r>
-              <a:t>Citations</a:t>
+              <a:t>Comparison with Neuron.ai</a:t>
             </a:r>
           </a:p>
         </p:txBody>
@@ -8441,18 +8690,40 @@
                   <a:srgbClr val="000000"/>
                 </a:solidFill>
               </a:rPr>
-              <a:t/>
-            </a:r>
-          </a:p>
-          <a:p>
-            <a:pPr lvl="1"/>
-            <a:r>
-              <a:rPr sz="2000">
-                <a:solidFill>
-                  <a:srgbClr val="000000"/>
-                </a:solidFill>
-              </a:rPr>
-              <a:t>[1] [Decoding AI Investment: Trends, Challenges, and Opportunities](URL Not Provided)</a:t>
+              <a:t>SEO and AI Writing Capabilities</a:t>
+            </a:r>
+          </a:p>
+          <a:p>
+            <a:pPr lvl="1"/>
+            <a:r>
+              <a:rPr sz="2000">
+                <a:solidFill>
+                  <a:srgbClr val="000000"/>
+                </a:solidFill>
+              </a:rPr>
+              <a:t>SurferSEO excels in SEO-specific functionalities.</a:t>
+            </a:r>
+          </a:p>
+          <a:p>
+            <a:pPr lvl="1"/>
+            <a:r>
+              <a:rPr sz="2000">
+                <a:solidFill>
+                  <a:srgbClr val="000000"/>
+                </a:solidFill>
+              </a:rPr>
+              <a:t>Neuron.ai provides a more holistic approach by combining SEO with AI writing capabilities.</a:t>
+            </a:r>
+          </a:p>
+          <a:p>
+            <a:pPr lvl="1"/>
+            <a:r>
+              <a:rPr sz="2000">
+                <a:solidFill>
+                  <a:srgbClr val="000000"/>
+                </a:solidFill>
+              </a:rPr>
+              <a:t>Suitable for users who need both content creation and optimization.</a:t>
             </a:r>
           </a:p>
         </p:txBody>
@@ -8498,7 +8769,7 @@
               </a:defRPr>
             </a:pPr>
             <a:r>
-              <a:t>Potential Investment Opportunities</a:t>
+              <a:t>Frase AI Overview</a:t>
             </a:r>
           </a:p>
         </p:txBody>
@@ -8526,29 +8797,40 @@
                   <a:srgbClr val="000000"/>
                 </a:solidFill>
               </a:rPr>
-              <a:t>Leveraging Trends for Funding</a:t>
-            </a:r>
-          </a:p>
-          <a:p>
-            <a:pPr lvl="1"/>
-            <a:r>
-              <a:rPr sz="2000">
-                <a:solidFill>
-                  <a:srgbClr val="000000"/>
-                </a:solidFill>
-              </a:rPr>
-              <a:t>Neuron.ai could potentially leverage the increasing interest from international investors and government-backed initiatives to secure funding.</a:t>
-            </a:r>
-          </a:p>
-          <a:p>
-            <a:pPr lvl="1"/>
-            <a:r>
-              <a:rPr sz="2000">
-                <a:solidFill>
-                  <a:srgbClr val="000000"/>
-                </a:solidFill>
-              </a:rPr>
-              <a:t>Engaging with investors who are keen on diversifying their portfolios with AI technologies could be a strategic move.</a:t>
+              <a:t>AI Writing and Research</a:t>
+            </a:r>
+          </a:p>
+          <a:p>
+            <a:pPr lvl="1"/>
+            <a:r>
+              <a:rPr sz="2000">
+                <a:solidFill>
+                  <a:srgbClr val="000000"/>
+                </a:solidFill>
+              </a:rPr>
+              <a:t>Frase AI combines AI writing with research capabilities.</a:t>
+            </a:r>
+          </a:p>
+          <a:p>
+            <a:pPr lvl="1"/>
+            <a:r>
+              <a:rPr sz="2000">
+                <a:solidFill>
+                  <a:srgbClr val="000000"/>
+                </a:solidFill>
+              </a:rPr>
+              <a:t>Enables users to create content briefs and outlines efficiently.</a:t>
+            </a:r>
+          </a:p>
+          <a:p>
+            <a:pPr lvl="1"/>
+            <a:r>
+              <a:rPr sz="2000">
+                <a:solidFill>
+                  <a:srgbClr val="000000"/>
+                </a:solidFill>
+              </a:rPr>
+              <a:t>Ideal for research-intensive content creation.</a:t>
             </a:r>
           </a:p>
         </p:txBody>
@@ -8594,7 +8876,7 @@
               </a:defRPr>
             </a:pPr>
             <a:r>
-              <a:t>AI Investment Trends</a:t>
+              <a:t>Neuron.ai Features</a:t>
             </a:r>
           </a:p>
         </p:txBody>
@@ -8622,139 +8904,40 @@
                   <a:srgbClr val="000000"/>
                 </a:solidFill>
               </a:rPr>
-              <a:t>Investment Overview</a:t>
-            </a:r>
-          </a:p>
-          <a:p>
-            <a:pPr lvl="1"/>
-            <a:r>
-              <a:rPr sz="2000">
-                <a:solidFill>
-                  <a:srgbClr val="000000"/>
-                </a:solidFill>
-              </a:rPr>
-              <a:t>This table summarizes the key regions and investor types that are actively participating in AI investments.</a:t>
-            </a:r>
-          </a:p>
-          <a:p>
-            <a:pPr lvl="1"/>
-            <a:r>
-              <a:rPr sz="2000">
-                <a:solidFill>
-                  <a:srgbClr val="000000"/>
-                </a:solidFill>
-              </a:rPr>
-              <a:t>Provides a contextual backdrop for Neuron.ai's fundraising efforts.</a:t>
-            </a:r>
-          </a:p>
-          <a:p>
-            <a:pPr/>
-            <a:r>
-              <a:rPr sz="2000">
-                <a:solidFill>
-                  <a:srgbClr val="000000"/>
-                </a:solidFill>
-              </a:rPr>
-              <a:t>Investment Details</a:t>
-            </a:r>
-          </a:p>
-          <a:p>
-            <a:pPr lvl="1"/>
-            <a:r>
-              <a:rPr sz="2000">
-                <a:solidFill>
-                  <a:srgbClr val="000000"/>
-                </a:solidFill>
-              </a:rPr>
-              <a:t>Region: Canada</a:t>
-            </a:r>
-          </a:p>
-          <a:p>
-            <a:pPr lvl="2"/>
-            <a:r>
-              <a:rPr sz="2000">
-                <a:solidFill>
-                  <a:srgbClr val="000000"/>
-                </a:solidFill>
-              </a:rPr>
-              <a:t>Key Investors: Radical Ventures, Government</a:t>
-            </a:r>
-          </a:p>
-          <a:p>
-            <a:pPr lvl="2"/>
-            <a:r>
-              <a:rPr sz="2000">
-                <a:solidFill>
-                  <a:srgbClr val="000000"/>
-                </a:solidFill>
-              </a:rPr>
-              <a:t>Investment Focus: AI Strategy, Tech Growth</a:t>
-            </a:r>
-          </a:p>
-          <a:p>
-            <a:pPr lvl="1"/>
-            <a:r>
-              <a:rPr sz="2000">
-                <a:solidFill>
-                  <a:srgbClr val="000000"/>
-                </a:solidFill>
-              </a:rPr>
-              <a:t>Region: Middle East</a:t>
-            </a:r>
-          </a:p>
-          <a:p>
-            <a:pPr lvl="2"/>
-            <a:r>
-              <a:rPr sz="2000">
-                <a:solidFill>
-                  <a:srgbClr val="000000"/>
-                </a:solidFill>
-              </a:rPr>
-              <a:t>Key Investors: Sovereign Wealth Funds</a:t>
-            </a:r>
-          </a:p>
-          <a:p>
-            <a:pPr lvl="2"/>
-            <a:r>
-              <a:rPr sz="2000">
-                <a:solidFill>
-                  <a:srgbClr val="000000"/>
-                </a:solidFill>
-              </a:rPr>
-              <a:t>Investment Focus: Silicon Valley Startups</a:t>
-            </a:r>
-          </a:p>
-          <a:p>
-            <a:pPr lvl="1"/>
-            <a:r>
-              <a:rPr sz="2000">
-                <a:solidFill>
-                  <a:srgbClr val="000000"/>
-                </a:solidFill>
-              </a:rPr>
-              <a:t>Region: Global</a:t>
-            </a:r>
-          </a:p>
-          <a:p>
-            <a:pPr lvl="2"/>
-            <a:r>
-              <a:rPr sz="2000">
-                <a:solidFill>
-                  <a:srgbClr val="000000"/>
-                </a:solidFill>
-              </a:rPr>
-              <a:t>Key Investors: Various VC and PE Firms</a:t>
-            </a:r>
-          </a:p>
-          <a:p>
-            <a:pPr lvl="2"/>
-            <a:r>
-              <a:rPr sz="2000">
-                <a:solidFill>
-                  <a:srgbClr val="000000"/>
-                </a:solidFill>
-              </a:rPr>
-              <a:t>Investment Focus: Early-stage AI Companies</a:t>
+              <a:t>Real-Time Content Analysis</a:t>
+            </a:r>
+          </a:p>
+          <a:p>
+            <a:pPr lvl="1"/>
+            <a:r>
+              <a:rPr sz="2000">
+                <a:solidFill>
+                  <a:srgbClr val="000000"/>
+                </a:solidFill>
+              </a:rPr>
+              <a:t>Emphasizes real-time content analysis.</a:t>
+            </a:r>
+          </a:p>
+          <a:p>
+            <a:pPr lvl="1"/>
+            <a:r>
+              <a:rPr sz="2000">
+                <a:solidFill>
+                  <a:srgbClr val="000000"/>
+                </a:solidFill>
+              </a:rPr>
+              <a:t>Provides competitor insights.</a:t>
+            </a:r>
+          </a:p>
+          <a:p>
+            <a:pPr lvl="1"/>
+            <a:r>
+              <a:rPr sz="2000">
+                <a:solidFill>
+                  <a:srgbClr val="000000"/>
+                </a:solidFill>
+              </a:rPr>
+              <a:t>Advantageous for optimizing content based on current market trends and competitor strategies.</a:t>
             </a:r>
           </a:p>
         </p:txBody>
@@ -8800,7 +8983,7 @@
               </a:defRPr>
             </a:pPr>
             <a:r>
-              <a:t>Citations</a:t>
+              <a:t>Jasper: Creative AI Writing</a:t>
             </a:r>
           </a:p>
         </p:txBody>
@@ -8828,40 +9011,106 @@
                   <a:srgbClr val="000000"/>
                 </a:solidFill>
               </a:rPr>
-              <a:t/>
-            </a:r>
-          </a:p>
-          <a:p>
-            <a:pPr lvl="1"/>
-            <a:r>
-              <a:rPr sz="2000">
-                <a:solidFill>
-                  <a:srgbClr val="000000"/>
-                </a:solidFill>
-              </a:rPr>
-              <a:t>[1] [Mapping the Growth of AI in Canada Through Investment]</a:t>
-            </a:r>
-          </a:p>
-          <a:p>
-            <a:pPr lvl="1"/>
-            <a:r>
-              <a:rPr sz="2000">
-                <a:solidFill>
-                  <a:srgbClr val="000000"/>
-                </a:solidFill>
-              </a:rPr>
-              <a:t>[2] [Middle Eastern funds are plowing billions of dollars into hottest AI start-ups]</a:t>
-            </a:r>
-          </a:p>
-          <a:p>
-            <a:pPr lvl="1"/>
-            <a:r>
-              <a:rPr sz="2000">
-                <a:solidFill>
-                  <a:srgbClr val="000000"/>
-                </a:solidFill>
-              </a:rPr>
-              <a:t>[3] [Decoding AI Investment: Trends, Challenges, and Opportunities]</a:t>
+              <a:t>Overview of Jasper</a:t>
+            </a:r>
+          </a:p>
+          <a:p>
+            <a:pPr lvl="1"/>
+            <a:r>
+              <a:rPr sz="2000">
+                <a:solidFill>
+                  <a:srgbClr val="000000"/>
+                </a:solidFill>
+              </a:rPr>
+              <a:t>Jasper, formerly known as Jarvis AI, is renowned for its creative AI writing capabilities.</a:t>
+            </a:r>
+          </a:p>
+          <a:p>
+            <a:pPr lvl="1"/>
+            <a:r>
+              <a:rPr sz="2000">
+                <a:solidFill>
+                  <a:srgbClr val="000000"/>
+                </a:solidFill>
+              </a:rPr>
+              <a:t>Popular choice for generating engaging content quickly.</a:t>
+            </a:r>
+          </a:p>
+          <a:p>
+            <a:pPr lvl="2"/>
+            <a:r>
+              <a:rPr sz="2000">
+                <a:solidFill>
+                  <a:srgbClr val="000000"/>
+                </a:solidFill>
+              </a:rPr>
+              <a:t>Particularly useful for marketing copy.</a:t>
+            </a:r>
+          </a:p>
+          <a:p>
+            <a:pPr lvl="2"/>
+            <a:r>
+              <a:rPr sz="2000">
+                <a:solidFill>
+                  <a:srgbClr val="000000"/>
+                </a:solidFill>
+              </a:rPr>
+              <a:t>Ideal for blog posts.</a:t>
+            </a:r>
+          </a:p>
+          <a:p>
+            <a:pPr/>
+            <a:r>
+              <a:rPr sz="2000">
+                <a:solidFill>
+                  <a:srgbClr val="000000"/>
+                </a:solidFill>
+              </a:rPr>
+              <a:t>Comparison with Neuron.ai</a:t>
+            </a:r>
+          </a:p>
+          <a:p>
+            <a:pPr lvl="1"/>
+            <a:r>
+              <a:rPr sz="2000">
+                <a:solidFill>
+                  <a:srgbClr val="000000"/>
+                </a:solidFill>
+              </a:rPr>
+              <a:t>While Jasper focuses on creative writing, Neuron.ai offers additional features:</a:t>
+            </a:r>
+          </a:p>
+          <a:p>
+            <a:pPr lvl="2"/>
+            <a:r>
+              <a:rPr sz="2000">
+                <a:solidFill>
+                  <a:srgbClr val="000000"/>
+                </a:solidFill>
+              </a:rPr>
+              <a:t>SEO optimization.</a:t>
+            </a:r>
+          </a:p>
+          <a:p>
+            <a:pPr lvl="2"/>
+            <a:r>
+              <a:rPr sz="2000">
+                <a:solidFill>
+                  <a:srgbClr val="000000"/>
+                </a:solidFill>
+              </a:rPr>
+              <a:t>Competitor analysis.</a:t>
+            </a:r>
+          </a:p>
+          <a:p>
+            <a:pPr lvl="1"/>
+            <a:r>
+              <a:rPr sz="2000">
+                <a:solidFill>
+                  <a:srgbClr val="000000"/>
+                </a:solidFill>
+              </a:rPr>
+              <a:t>Provides a more comprehensive tool for users requiring both creativity and strategic content optimization.</a:t>
             </a:r>
           </a:p>
         </p:txBody>
@@ -8907,7 +9156,7 @@
               </a:defRPr>
             </a:pPr>
             <a:r>
-              <a:t>Citations</a:t>
+              <a:t>Market Context</a:t>
             </a:r>
           </a:p>
         </p:txBody>
@@ -8928,233 +9177,404 @@
           <a:lstStyle/>
           <a:p/>
           <a:p>
-            <a:r>
-              <a:rPr sz="1200">
-                <a:solidFill>
-                  <a:srgbClr val="000000"/>
-                </a:solidFill>
-              </a:rPr>
-              <a:t>[1] [1]</a:t>
-            </a:r>
-          </a:p>
-          <a:p>
-            <a:r>
-              <a:rPr sz="1200">
-                <a:solidFill>
-                  <a:srgbClr val="000000"/>
-                </a:solidFill>
-              </a:rPr>
-              <a:t>[2] [2]</a:t>
-            </a:r>
-          </a:p>
-          <a:p>
-            <a:r>
-              <a:rPr sz="1200">
-                <a:solidFill>
-                  <a:srgbClr val="000000"/>
-                </a:solidFill>
-              </a:rPr>
-              <a:t>[3] [1]</a:t>
-            </a:r>
-          </a:p>
-          <a:p>
-            <a:r>
-              <a:rPr sz="1200">
-                <a:solidFill>
-                  <a:srgbClr val="000000"/>
-                </a:solidFill>
-              </a:rPr>
-              <a:t>[4] [1]</a:t>
-            </a:r>
-          </a:p>
-          <a:p>
-            <a:r>
-              <a:rPr sz="1200">
-                <a:solidFill>
-                  <a:srgbClr val="000000"/>
-                </a:solidFill>
-              </a:rPr>
-              <a:t>[5] [1]</a:t>
-            </a:r>
-          </a:p>
-          <a:p>
-            <a:r>
-              <a:rPr sz="1200">
-                <a:solidFill>
-                  <a:srgbClr val="000000"/>
-                </a:solidFill>
-              </a:rPr>
-              <a:t>[6] [1]</a:t>
-            </a:r>
-          </a:p>
-          <a:p>
-            <a:r>
-              <a:rPr sz="1200">
-                <a:solidFill>
-                  <a:srgbClr val="000000"/>
-                </a:solidFill>
-              </a:rPr>
-              <a:t>[7] [1]</a:t>
-            </a:r>
-          </a:p>
-          <a:p>
-            <a:r>
-              <a:rPr sz="1200">
-                <a:solidFill>
-                  <a:srgbClr val="000000"/>
-                </a:solidFill>
-              </a:rPr>
-              <a:t>[8] [1]</a:t>
-            </a:r>
-          </a:p>
-          <a:p>
-            <a:r>
-              <a:rPr sz="1200">
-                <a:solidFill>
-                  <a:srgbClr val="000000"/>
-                </a:solidFill>
-              </a:rPr>
-              <a:t>[9] [1]</a:t>
-            </a:r>
-          </a:p>
-          <a:p>
-            <a:r>
-              <a:rPr sz="1200">
-                <a:solidFill>
-                  <a:srgbClr val="000000"/>
-                </a:solidFill>
-              </a:rPr>
-              <a:t>[10] [1]</a:t>
-            </a:r>
-          </a:p>
-          <a:p>
-            <a:r>
-              <a:rPr sz="1200">
-                <a:solidFill>
-                  <a:srgbClr val="000000"/>
-                </a:solidFill>
-              </a:rPr>
-              <a:t>[11] [1]</a:t>
-            </a:r>
-          </a:p>
-          <a:p>
-            <a:r>
-              <a:rPr sz="1200">
-                <a:solidFill>
-                  <a:srgbClr val="000000"/>
-                </a:solidFill>
-              </a:rPr>
-              <a:t>[12] [1]</a:t>
-            </a:r>
-          </a:p>
-          <a:p>
-            <a:r>
-              <a:rPr sz="1200">
-                <a:solidFill>
-                  <a:srgbClr val="000000"/>
-                </a:solidFill>
-              </a:rPr>
-              <a:t>[13] [1]</a:t>
-            </a:r>
-          </a:p>
-          <a:p>
-            <a:r>
-              <a:rPr sz="1200">
-                <a:solidFill>
-                  <a:srgbClr val="000000"/>
-                </a:solidFill>
-              </a:rPr>
-              <a:t>[14] [1]</a:t>
-            </a:r>
-          </a:p>
-          <a:p>
-            <a:r>
-              <a:rPr sz="1200">
-                <a:solidFill>
-                  <a:srgbClr val="000000"/>
-                </a:solidFill>
-              </a:rPr>
-              <a:t>[15] [1]</a:t>
-            </a:r>
-          </a:p>
-          <a:p>
-            <a:r>
-              <a:rPr sz="1200">
-                <a:solidFill>
-                  <a:srgbClr val="000000"/>
-                </a:solidFill>
-              </a:rPr>
-              <a:t>[16] [2]</a:t>
-            </a:r>
-          </a:p>
-          <a:p>
-            <a:r>
-              <a:rPr sz="1200">
-                <a:solidFill>
-                  <a:srgbClr val="000000"/>
-                </a:solidFill>
-              </a:rPr>
-              <a:t>[17] [3]</a:t>
-            </a:r>
-          </a:p>
-          <a:p>
-            <a:r>
-              <a:rPr sz="1200">
-                <a:solidFill>
-                  <a:srgbClr val="000000"/>
-                </a:solidFill>
-              </a:rPr>
-              <a:t>[18] [4]</a:t>
-            </a:r>
-          </a:p>
-          <a:p>
-            <a:r>
-              <a:rPr sz="1200">
-                <a:solidFill>
-                  <a:srgbClr val="000000"/>
-                </a:solidFill>
-              </a:rPr>
-              <a:t>[19] [5]</a:t>
-            </a:r>
-          </a:p>
-          <a:p>
-            <a:r>
-              <a:rPr sz="1200">
-                <a:solidFill>
-                  <a:srgbClr val="000000"/>
-                </a:solidFill>
-              </a:rPr>
-              <a:t>[20] [1]</a:t>
-            </a:r>
-          </a:p>
-          <a:p>
-            <a:r>
-              <a:rPr sz="1200">
-                <a:solidFill>
-                  <a:srgbClr val="000000"/>
-                </a:solidFill>
-              </a:rPr>
-              <a:t>[21] [1]</a:t>
-            </a:r>
-          </a:p>
-          <a:p>
-            <a:r>
-              <a:rPr sz="1200">
-                <a:solidFill>
-                  <a:srgbClr val="000000"/>
-                </a:solidFill>
-              </a:rPr>
-              <a:t>[22] [2]</a:t>
-            </a:r>
-          </a:p>
-          <a:p>
-            <a:r>
-              <a:rPr sz="1200">
-                <a:solidFill>
-                  <a:srgbClr val="000000"/>
-                </a:solidFill>
-              </a:rPr>
-              <a:t>[23] [1]</a:t>
+            <a:pPr/>
+            <a:r>
+              <a:rPr sz="2000">
+                <a:solidFill>
+                  <a:srgbClr val="000000"/>
+                </a:solidFill>
+              </a:rPr>
+              <a:t>Competitive Landscape</a:t>
+            </a:r>
+          </a:p>
+          <a:p>
+            <a:pPr lvl="1"/>
+            <a:r>
+              <a:rPr sz="2000">
+                <a:solidFill>
+                  <a:srgbClr val="000000"/>
+                </a:solidFill>
+              </a:rPr>
+              <a:t>The AI writing and SEO optimization market is highly competitive.</a:t>
+            </a:r>
+          </a:p>
+          <a:p>
+            <a:pPr lvl="1"/>
+            <a:r>
+              <a:rPr sz="2000">
+                <a:solidFill>
+                  <a:srgbClr val="000000"/>
+                </a:solidFill>
+              </a:rPr>
+              <a:t>Numerous players offer similar or complementary services.</a:t>
+            </a:r>
+          </a:p>
+          <a:p>
+            <a:pPr lvl="1"/>
+            <a:r>
+              <a:rPr sz="2000">
+                <a:solidFill>
+                  <a:srgbClr val="000000"/>
+                </a:solidFill>
+              </a:rPr>
+              <a:t>Neuron.ai distinguishes itself through:</a:t>
+            </a:r>
+          </a:p>
+          <a:p>
+            <a:pPr lvl="2"/>
+            <a:r>
+              <a:rPr sz="2000">
+                <a:solidFill>
+                  <a:srgbClr val="000000"/>
+                </a:solidFill>
+              </a:rPr>
+              <a:t>Integration capabilities with platforms like Google Docs and WordPress.</a:t>
+            </a:r>
+          </a:p>
+          <a:p>
+            <a:pPr lvl="2"/>
+            <a:r>
+              <a:rPr sz="2000">
+                <a:solidFill>
+                  <a:srgbClr val="000000"/>
+                </a:solidFill>
+              </a:rPr>
+              <a:t>Connection to Google Search Console for performance analysis.</a:t>
+            </a:r>
+          </a:p>
+          <a:p>
+            <a:pPr lvl="1"/>
+            <a:r>
+              <a:rPr sz="2000">
+                <a:solidFill>
+                  <a:srgbClr val="000000"/>
+                </a:solidFill>
+              </a:rPr>
+              <a:t>This integration provides a significant advantage for seamless workflow management.</a:t>
+            </a:r>
+          </a:p>
+        </p:txBody>
+      </p:sp>
+    </p:spTree>
+  </p:cSld>
+  <p:clrMapOvr>
+    <a:masterClrMapping/>
+  </p:clrMapOvr>
+</p:sld>
+</file>
+
+<file path=ppt/slides/slide58.xml><?xml version="1.0" encoding="utf-8"?>
+<p:sld xmlns:a="http://schemas.openxmlformats.org/drawingml/2006/main" xmlns:p="http://schemas.openxmlformats.org/presentationml/2006/main" xmlns:r="http://schemas.openxmlformats.org/officeDocument/2006/relationships">
+  <p:cSld>
+    <p:spTree>
+      <p:nvGrpSpPr>
+        <p:cNvPr id="1" name=""/>
+        <p:cNvGrpSpPr/>
+        <p:nvPr/>
+      </p:nvGrpSpPr>
+      <p:grpSpPr/>
+      <p:sp>
+        <p:nvSpPr>
+          <p:cNvPr id="2" name="Title 1"/>
+          <p:cNvSpPr>
+            <a:spLocks noGrp="1"/>
+          </p:cNvSpPr>
+          <p:nvPr>
+            <p:ph type="title"/>
+          </p:nvPr>
+        </p:nvSpPr>
+        <p:spPr/>
+        <p:txBody>
+          <a:bodyPr/>
+          <a:lstStyle/>
+          <a:p>
+            <a:pPr>
+              <a:defRPr sz="3600">
+                <a:solidFill>
+                  <a:srgbClr val="00008B"/>
+                </a:solidFill>
+              </a:defRPr>
+            </a:pPr>
+            <a:r>
+              <a:t>User Base and Pricing Strategy</a:t>
+            </a:r>
+          </a:p>
+        </p:txBody>
+      </p:sp>
+      <p:sp>
+        <p:nvSpPr>
+          <p:cNvPr id="3" name="Content Placeholder 2"/>
+          <p:cNvSpPr>
+            <a:spLocks noGrp="1"/>
+          </p:cNvSpPr>
+          <p:nvPr>
+            <p:ph idx="1"/>
+          </p:nvPr>
+        </p:nvSpPr>
+        <p:spPr/>
+        <p:txBody>
+          <a:bodyPr/>
+          <a:lstStyle/>
+          <a:p/>
+          <a:p>
+            <a:pPr/>
+            <a:r>
+              <a:rPr sz="2000">
+                <a:solidFill>
+                  <a:srgbClr val="000000"/>
+                </a:solidFill>
+              </a:rPr>
+              <a:t>Diverse User Base</a:t>
+            </a:r>
+          </a:p>
+          <a:p>
+            <a:pPr lvl="1"/>
+            <a:r>
+              <a:rPr sz="2000">
+                <a:solidFill>
+                  <a:srgbClr val="000000"/>
+                </a:solidFill>
+              </a:rPr>
+              <a:t>Neuron.ai's user base includes:</a:t>
+            </a:r>
+          </a:p>
+          <a:p>
+            <a:pPr lvl="2"/>
+            <a:r>
+              <a:rPr sz="2000">
+                <a:solidFill>
+                  <a:srgbClr val="000000"/>
+                </a:solidFill>
+              </a:rPr>
+              <a:t>Content writers</a:t>
+            </a:r>
+          </a:p>
+          <a:p>
+            <a:pPr lvl="2"/>
+            <a:r>
+              <a:rPr sz="2000">
+                <a:solidFill>
+                  <a:srgbClr val="000000"/>
+                </a:solidFill>
+              </a:rPr>
+              <a:t>Marketers</a:t>
+            </a:r>
+          </a:p>
+          <a:p>
+            <a:pPr lvl="2"/>
+            <a:r>
+              <a:rPr sz="2000">
+                <a:solidFill>
+                  <a:srgbClr val="000000"/>
+                </a:solidFill>
+              </a:rPr>
+              <a:t>SEO agencies</a:t>
+            </a:r>
+          </a:p>
+          <a:p>
+            <a:pPr lvl="2"/>
+            <a:r>
+              <a:rPr sz="2000">
+                <a:solidFill>
+                  <a:srgbClr val="000000"/>
+                </a:solidFill>
+              </a:rPr>
+              <a:t>Business owners</a:t>
+            </a:r>
+          </a:p>
+          <a:p>
+            <a:pPr lvl="1"/>
+            <a:r>
+              <a:rPr sz="2000">
+                <a:solidFill>
+                  <a:srgbClr val="000000"/>
+                </a:solidFill>
+              </a:rPr>
+              <a:t>Reflects versatility and appeal across different sectors.</a:t>
+            </a:r>
+          </a:p>
+          <a:p>
+            <a:pPr/>
+            <a:r>
+              <a:rPr sz="2000">
+                <a:solidFill>
+                  <a:srgbClr val="000000"/>
+                </a:solidFill>
+              </a:rPr>
+              <a:t>Pricing Strategy</a:t>
+            </a:r>
+          </a:p>
+          <a:p>
+            <a:pPr lvl="1"/>
+            <a:r>
+              <a:rPr sz="2000">
+                <a:solidFill>
+                  <a:srgbClr val="000000"/>
+                </a:solidFill>
+              </a:rPr>
+              <a:t>Includes a free trial for potential users.</a:t>
+            </a:r>
+          </a:p>
+          <a:p>
+            <a:pPr lvl="1"/>
+            <a:r>
+              <a:rPr sz="2000">
+                <a:solidFill>
+                  <a:srgbClr val="000000"/>
+                </a:solidFill>
+              </a:rPr>
+              <a:t>Allows evaluation of features before subscription.</a:t>
+            </a:r>
+          </a:p>
+          <a:p>
+            <a:pPr lvl="1"/>
+            <a:r>
+              <a:rPr sz="2000">
+                <a:solidFill>
+                  <a:srgbClr val="000000"/>
+                </a:solidFill>
+              </a:rPr>
+              <a:t>Enhances market accessibility.</a:t>
+            </a:r>
+          </a:p>
+        </p:txBody>
+      </p:sp>
+    </p:spTree>
+  </p:cSld>
+  <p:clrMapOvr>
+    <a:masterClrMapping/>
+  </p:clrMapOvr>
+</p:sld>
+</file>
+
+<file path=ppt/slides/slide59.xml><?xml version="1.0" encoding="utf-8"?>
+<p:sld xmlns:a="http://schemas.openxmlformats.org/drawingml/2006/main" xmlns:p="http://schemas.openxmlformats.org/presentationml/2006/main" xmlns:r="http://schemas.openxmlformats.org/officeDocument/2006/relationships">
+  <p:cSld>
+    <p:spTree>
+      <p:nvGrpSpPr>
+        <p:cNvPr id="1" name=""/>
+        <p:cNvGrpSpPr/>
+        <p:nvPr/>
+      </p:nvGrpSpPr>
+      <p:grpSpPr/>
+      <p:sp>
+        <p:nvSpPr>
+          <p:cNvPr id="2" name="Title 1"/>
+          <p:cNvSpPr>
+            <a:spLocks noGrp="1"/>
+          </p:cNvSpPr>
+          <p:nvPr>
+            <p:ph type="title"/>
+          </p:nvPr>
+        </p:nvSpPr>
+        <p:spPr/>
+        <p:txBody>
+          <a:bodyPr/>
+          <a:lstStyle/>
+          <a:p>
+            <a:pPr>
+              <a:defRPr sz="3600">
+                <a:solidFill>
+                  <a:srgbClr val="00008B"/>
+                </a:solidFill>
+              </a:defRPr>
+            </a:pPr>
+            <a:r>
+              <a:t>Unique Market Position</a:t>
+            </a:r>
+          </a:p>
+        </p:txBody>
+      </p:sp>
+      <p:sp>
+        <p:nvSpPr>
+          <p:cNvPr id="3" name="Content Placeholder 2"/>
+          <p:cNvSpPr>
+            <a:spLocks noGrp="1"/>
+          </p:cNvSpPr>
+          <p:nvPr>
+            <p:ph idx="1"/>
+          </p:nvPr>
+        </p:nvSpPr>
+        <p:spPr/>
+        <p:txBody>
+          <a:bodyPr/>
+          <a:lstStyle/>
+          <a:p/>
+          <a:p>
+            <a:pPr/>
+            <a:r>
+              <a:rPr sz="2000">
+                <a:solidFill>
+                  <a:srgbClr val="000000"/>
+                </a:solidFill>
+              </a:rPr>
+              <a:t>Specialized Tools</a:t>
+            </a:r>
+          </a:p>
+          <a:p>
+            <a:pPr lvl="1"/>
+            <a:r>
+              <a:rPr sz="2000">
+                <a:solidFill>
+                  <a:srgbClr val="000000"/>
+                </a:solidFill>
+              </a:rPr>
+              <a:t>Neuron.ai offers a unique combination of:</a:t>
+            </a:r>
+          </a:p>
+          <a:p>
+            <a:pPr lvl="2"/>
+            <a:r>
+              <a:rPr sz="2000">
+                <a:solidFill>
+                  <a:srgbClr val="000000"/>
+                </a:solidFill>
+              </a:rPr>
+              <a:t>AI writing</a:t>
+            </a:r>
+          </a:p>
+          <a:p>
+            <a:pPr lvl="2"/>
+            <a:r>
+              <a:rPr sz="2000">
+                <a:solidFill>
+                  <a:srgbClr val="000000"/>
+                </a:solidFill>
+              </a:rPr>
+              <a:t>SEO optimization</a:t>
+            </a:r>
+          </a:p>
+          <a:p>
+            <a:pPr lvl="2"/>
+            <a:r>
+              <a:rPr sz="2000">
+                <a:solidFill>
+                  <a:srgbClr val="000000"/>
+                </a:solidFill>
+              </a:rPr>
+              <a:t>Competitor analysis</a:t>
+            </a:r>
+          </a:p>
+          <a:p>
+            <a:pPr lvl="1"/>
+            <a:r>
+              <a:rPr sz="2000">
+                <a:solidFill>
+                  <a:srgbClr val="000000"/>
+                </a:solidFill>
+              </a:rPr>
+              <a:t>Positions it as a strong contender in the market.</a:t>
+            </a:r>
+          </a:p>
+          <a:p>
+            <a:pPr lvl="1"/>
+            <a:r>
+              <a:rPr sz="2000">
+                <a:solidFill>
+                  <a:srgbClr val="000000"/>
+                </a:solidFill>
+              </a:rPr>
+              <a:t>Caters to the evolving needs of content creators and marketers.</a:t>
             </a:r>
           </a:p>
         </p:txBody>
@@ -9200,7 +9620,7 @@
               </a:defRPr>
             </a:pPr>
             <a:r>
-              <a:t>Business Solutions Overview</a:t>
+              <a:t>Company Overview</a:t>
             </a:r>
           </a:p>
         </p:txBody>
@@ -9228,40 +9648,1308 @@
                   <a:srgbClr val="000000"/>
                 </a:solidFill>
               </a:rPr>
-              <a:t>Predictive AI</a:t>
-            </a:r>
-          </a:p>
-          <a:p>
-            <a:pPr lvl="1"/>
-            <a:r>
-              <a:rPr sz="2000">
-                <a:solidFill>
-                  <a:srgbClr val="000000"/>
-                </a:solidFill>
-              </a:rPr>
-              <a:t>Neurons' predictive AI technology allows businesses to pre-test visual assets and predict their impact on conversion rate optimization (CRO) elements and overall conversion rates.</a:t>
-            </a:r>
-          </a:p>
-          <a:p>
-            <a:pPr lvl="1"/>
-            <a:r>
-              <a:rPr sz="2000">
-                <a:solidFill>
-                  <a:srgbClr val="000000"/>
-                </a:solidFill>
-              </a:rPr>
-              <a:t>This capability helps brands avoid investing in unsuccessful campaigns, thereby saving time and resources.</a:t>
-            </a:r>
-          </a:p>
-          <a:p>
-            <a:pPr lvl="1"/>
-            <a:r>
-              <a:rPr sz="2000">
-                <a:solidFill>
-                  <a:srgbClr val="000000"/>
-                </a:solidFill>
-              </a:rPr>
-              <a:t>By predicting the success of marketing assets before launch, companies can focus their efforts on high-potential campaigns, leading to better resource allocation and improved ROI.</a:t>
+              <a:t/>
+            </a:r>
+          </a:p>
+          <a:p>
+            <a:pPr lvl="1"/>
+            <a:r>
+              <a:rPr sz="2000">
+                <a:solidFill>
+                  <a:srgbClr val="000000"/>
+                </a:solidFill>
+              </a:rPr>
+              <a:t>Neurons.ai was founded in 2020 with the mission to democratize access to cutting-edge AI technology.</a:t>
+            </a:r>
+          </a:p>
+          <a:p>
+            <a:pPr lvl="2"/>
+            <a:r>
+              <a:rPr sz="2000">
+                <a:solidFill>
+                  <a:srgbClr val="000000"/>
+                </a:solidFill>
+              </a:rPr>
+              <a:t>Founded in 2020</a:t>
+            </a:r>
+          </a:p>
+          <a:p>
+            <a:pPr lvl="2"/>
+            <a:r>
+              <a:rPr sz="2000">
+                <a:solidFill>
+                  <a:srgbClr val="000000"/>
+                </a:solidFill>
+              </a:rPr>
+              <a:t>Mission: Democratize AI technology</a:t>
+            </a:r>
+          </a:p>
+          <a:p>
+            <a:pPr lvl="2"/>
+            <a:r>
+              <a:rPr sz="2000">
+                <a:solidFill>
+                  <a:srgbClr val="000000"/>
+                </a:solidFill>
+              </a:rPr>
+              <a:t>Headquarters: San Francisco, CA</a:t>
+            </a:r>
+          </a:p>
+        </p:txBody>
+      </p:sp>
+    </p:spTree>
+  </p:cSld>
+  <p:clrMapOvr>
+    <a:masterClrMapping/>
+  </p:clrMapOvr>
+</p:sld>
+</file>
+
+<file path=ppt/slides/slide60.xml><?xml version="1.0" encoding="utf-8"?>
+<p:sld xmlns:a="http://schemas.openxmlformats.org/drawingml/2006/main" xmlns:p="http://schemas.openxmlformats.org/presentationml/2006/main" xmlns:r="http://schemas.openxmlformats.org/officeDocument/2006/relationships">
+  <p:cSld>
+    <p:spTree>
+      <p:nvGrpSpPr>
+        <p:cNvPr id="1" name=""/>
+        <p:cNvGrpSpPr/>
+        <p:nvPr/>
+      </p:nvGrpSpPr>
+      <p:grpSpPr/>
+      <p:sp>
+        <p:nvSpPr>
+          <p:cNvPr id="2" name="Title 1"/>
+          <p:cNvSpPr>
+            <a:spLocks noGrp="1"/>
+          </p:cNvSpPr>
+          <p:nvPr>
+            <p:ph type="title"/>
+          </p:nvPr>
+        </p:nvSpPr>
+        <p:spPr/>
+        <p:txBody>
+          <a:bodyPr/>
+          <a:lstStyle/>
+          <a:p>
+            <a:pPr>
+              <a:defRPr sz="3600">
+                <a:solidFill>
+                  <a:srgbClr val="00008B"/>
+                </a:solidFill>
+              </a:defRPr>
+            </a:pPr>
+            <a:r>
+              <a:t>References</a:t>
+            </a:r>
+          </a:p>
+        </p:txBody>
+      </p:sp>
+      <p:sp>
+        <p:nvSpPr>
+          <p:cNvPr id="3" name="Content Placeholder 2"/>
+          <p:cNvSpPr>
+            <a:spLocks noGrp="1"/>
+          </p:cNvSpPr>
+          <p:nvPr>
+            <p:ph idx="1"/>
+          </p:nvPr>
+        </p:nvSpPr>
+        <p:spPr/>
+        <p:txBody>
+          <a:bodyPr/>
+          <a:lstStyle/>
+          <a:p/>
+          <a:p>
+            <a:pPr/>
+            <a:r>
+              <a:rPr sz="2000">
+                <a:solidFill>
+                  <a:srgbClr val="000000"/>
+                </a:solidFill>
+              </a:rPr>
+              <a:t>Key Resources</a:t>
+            </a:r>
+          </a:p>
+          <a:p>
+            <a:pPr lvl="1"/>
+            <a:r>
+              <a:rPr sz="2000">
+                <a:solidFill>
+                  <a:srgbClr val="000000"/>
+                </a:solidFill>
+              </a:rPr>
+              <a:t>Neuronwriter Review 2024: Is It Worth the Hype? - Fahim AI</a:t>
+            </a:r>
+          </a:p>
+          <a:p>
+            <a:pPr lvl="1"/>
+            <a:r>
+              <a:rPr sz="2000">
+                <a:solidFill>
+                  <a:srgbClr val="000000"/>
+                </a:solidFill>
+              </a:rPr>
+              <a:t>NeuronWriter Pricing, Alternatives &amp; More 2024 | Capterra</a:t>
+            </a:r>
+          </a:p>
+          <a:p>
+            <a:pPr lvl="1"/>
+            <a:r>
+              <a:rPr sz="2000">
+                <a:solidFill>
+                  <a:srgbClr val="000000"/>
+                </a:solidFill>
+              </a:rPr>
+              <a:t>Leading OpenAI Competitors You Need to Know in 2024 - RisingWave</a:t>
+            </a:r>
+          </a:p>
+          <a:p>
+            <a:pPr lvl="1"/>
+            <a:r>
+              <a:rPr sz="2000">
+                <a:solidFill>
+                  <a:srgbClr val="000000"/>
+                </a:solidFill>
+              </a:rPr>
+              <a:t>Top 6 ChatGPT Competitors: AI Tools to Watch in 2024 - Northwest Education</a:t>
+            </a:r>
+          </a:p>
+          <a:p>
+            <a:pPr lvl="1"/>
+            <a:r>
+              <a:rPr sz="2000">
+                <a:solidFill>
+                  <a:srgbClr val="000000"/>
+                </a:solidFill>
+              </a:rPr>
+              <a:t>150 Top AI Companies (2024): Visionaries Driving the AI Revolution - eWeek</a:t>
+            </a:r>
+          </a:p>
+        </p:txBody>
+      </p:sp>
+    </p:spTree>
+  </p:cSld>
+  <p:clrMapOvr>
+    <a:masterClrMapping/>
+  </p:clrMapOvr>
+</p:sld>
+</file>
+
+<file path=ppt/slides/slide61.xml><?xml version="1.0" encoding="utf-8"?>
+<p:sld xmlns:a="http://schemas.openxmlformats.org/drawingml/2006/main" xmlns:p="http://schemas.openxmlformats.org/presentationml/2006/main" xmlns:r="http://schemas.openxmlformats.org/officeDocument/2006/relationships">
+  <p:cSld>
+    <p:spTree>
+      <p:nvGrpSpPr>
+        <p:cNvPr id="1" name=""/>
+        <p:cNvGrpSpPr/>
+        <p:nvPr/>
+      </p:nvGrpSpPr>
+      <p:grpSpPr/>
+      <p:sp>
+        <p:nvSpPr>
+          <p:cNvPr id="2" name="Title 1"/>
+          <p:cNvSpPr>
+            <a:spLocks noGrp="1"/>
+          </p:cNvSpPr>
+          <p:nvPr>
+            <p:ph type="title"/>
+          </p:nvPr>
+        </p:nvSpPr>
+        <p:spPr/>
+        <p:txBody>
+          <a:bodyPr/>
+          <a:lstStyle/>
+          <a:p>
+            <a:pPr>
+              <a:defRPr sz="3600">
+                <a:solidFill>
+                  <a:srgbClr val="00008B"/>
+                </a:solidFill>
+              </a:defRPr>
+            </a:pPr>
+            <a:r>
+              <a:t>Citations</a:t>
+            </a:r>
+          </a:p>
+        </p:txBody>
+      </p:sp>
+      <p:sp>
+        <p:nvSpPr>
+          <p:cNvPr id="3" name="Content Placeholder 2"/>
+          <p:cNvSpPr>
+            <a:spLocks noGrp="1"/>
+          </p:cNvSpPr>
+          <p:nvPr>
+            <p:ph idx="1"/>
+          </p:nvPr>
+        </p:nvSpPr>
+        <p:spPr/>
+        <p:txBody>
+          <a:bodyPr/>
+          <a:lstStyle/>
+          <a:p/>
+          <a:p>
+            <a:pPr/>
+            <a:r>
+              <a:rPr sz="2000">
+                <a:solidFill>
+                  <a:srgbClr val="000000"/>
+                </a:solidFill>
+              </a:rPr>
+              <a:t/>
+            </a:r>
+          </a:p>
+          <a:p>
+            <a:pPr lvl="1"/>
+            <a:r>
+              <a:rPr sz="2000">
+                <a:solidFill>
+                  <a:srgbClr val="000000"/>
+                </a:solidFill>
+              </a:rPr>
+              <a:t>[1] [Neuronwriter Review 2024: Is It Worth the Hype? - Fahim AI](https://www.fahimai.com/neuronwriter-review-2024)</a:t>
+            </a:r>
+          </a:p>
+          <a:p>
+            <a:pPr lvl="1"/>
+            <a:r>
+              <a:rPr sz="2000">
+                <a:solidFill>
+                  <a:srgbClr val="000000"/>
+                </a:solidFill>
+              </a:rPr>
+              <a:t>[2] [NeuronWriter Pricing, Alternatives &amp; More 2024 | Capterra](https://www.capterra.com/neuronwriter-pricing-2024)</a:t>
+            </a:r>
+          </a:p>
+          <a:p>
+            <a:pPr lvl="1"/>
+            <a:r>
+              <a:rPr sz="2000">
+                <a:solidFill>
+                  <a:srgbClr val="000000"/>
+                </a:solidFill>
+              </a:rPr>
+              <a:t>[3] [Leading OpenAI Competitors You Need to Know in 2024 - RisingWave](https://www.risingwave.com/openai-competitors-2024)</a:t>
+            </a:r>
+          </a:p>
+          <a:p>
+            <a:pPr lvl="1"/>
+            <a:r>
+              <a:rPr sz="2000">
+                <a:solidFill>
+                  <a:srgbClr val="000000"/>
+                </a:solidFill>
+              </a:rPr>
+              <a:t>[4] [Top 6 ChatGPT Competitors: AI Tools to Watch in 2024 - Northwest Education](https://www.northwesteducation.com/chatgpt-competitors-2024)</a:t>
+            </a:r>
+          </a:p>
+          <a:p>
+            <a:pPr lvl="1"/>
+            <a:r>
+              <a:rPr sz="2000">
+                <a:solidFill>
+                  <a:srgbClr val="000000"/>
+                </a:solidFill>
+              </a:rPr>
+              <a:t>[5] [150 Top AI Companies (2024): Visionaries Driving the AI Revolution - eWeek](https://www.eweek.com/top-ai-companies-2024)</a:t>
+            </a:r>
+          </a:p>
+        </p:txBody>
+      </p:sp>
+    </p:spTree>
+  </p:cSld>
+  <p:clrMapOvr>
+    <a:masterClrMapping/>
+  </p:clrMapOvr>
+</p:sld>
+</file>
+
+<file path=ppt/slides/slide62.xml><?xml version="1.0" encoding="utf-8"?>
+<p:sld xmlns:a="http://schemas.openxmlformats.org/drawingml/2006/main" xmlns:p="http://schemas.openxmlformats.org/presentationml/2006/main" xmlns:r="http://schemas.openxmlformats.org/officeDocument/2006/relationships">
+  <p:cSld>
+    <p:spTree>
+      <p:nvGrpSpPr>
+        <p:cNvPr id="1" name=""/>
+        <p:cNvGrpSpPr/>
+        <p:nvPr/>
+      </p:nvGrpSpPr>
+      <p:grpSpPr/>
+      <p:sp>
+        <p:nvSpPr>
+          <p:cNvPr id="2" name="Title 1"/>
+          <p:cNvSpPr>
+            <a:spLocks noGrp="1"/>
+          </p:cNvSpPr>
+          <p:nvPr>
+            <p:ph type="title"/>
+          </p:nvPr>
+        </p:nvSpPr>
+        <p:spPr/>
+        <p:txBody>
+          <a:bodyPr/>
+          <a:lstStyle/>
+          <a:p>
+            <a:pPr>
+              <a:defRPr sz="3600">
+                <a:solidFill>
+                  <a:srgbClr val="00008B"/>
+                </a:solidFill>
+              </a:defRPr>
+            </a:pPr>
+            <a:r>
+              <a:t>Leadership Summary of Neuron AI</a:t>
+            </a:r>
+          </a:p>
+        </p:txBody>
+      </p:sp>
+      <p:sp>
+        <p:nvSpPr>
+          <p:cNvPr id="3" name="Content Placeholder 2"/>
+          <p:cNvSpPr>
+            <a:spLocks noGrp="1"/>
+          </p:cNvSpPr>
+          <p:nvPr>
+            <p:ph idx="1"/>
+          </p:nvPr>
+        </p:nvSpPr>
+        <p:spPr/>
+        <p:txBody>
+          <a:bodyPr/>
+          <a:lstStyle/>
+          <a:p/>
+          <a:p>
+            <a:pPr/>
+            <a:r>
+              <a:rPr sz="2000">
+                <a:solidFill>
+                  <a:srgbClr val="000000"/>
+                </a:solidFill>
+              </a:rPr>
+              <a:t>Overview</a:t>
+            </a:r>
+          </a:p>
+          <a:p>
+            <a:pPr lvl="1"/>
+            <a:r>
+              <a:rPr sz="2000">
+                <a:solidFill>
+                  <a:srgbClr val="000000"/>
+                </a:solidFill>
+              </a:rPr>
+              <a:t>Limited direct information available about the leadership team.</a:t>
+            </a:r>
+          </a:p>
+          <a:p>
+            <a:pPr lvl="1"/>
+            <a:r>
+              <a:rPr sz="2000">
+                <a:solidFill>
+                  <a:srgbClr val="000000"/>
+                </a:solidFill>
+              </a:rPr>
+              <a:t>Insights can be inferred from related contexts and profiles of individuals associated with AI ventures.</a:t>
+            </a:r>
+          </a:p>
+        </p:txBody>
+      </p:sp>
+    </p:spTree>
+  </p:cSld>
+  <p:clrMapOvr>
+    <a:masterClrMapping/>
+  </p:clrMapOvr>
+</p:sld>
+</file>
+
+<file path=ppt/slides/slide63.xml><?xml version="1.0" encoding="utf-8"?>
+<p:sld xmlns:a="http://schemas.openxmlformats.org/drawingml/2006/main" xmlns:p="http://schemas.openxmlformats.org/presentationml/2006/main" xmlns:r="http://schemas.openxmlformats.org/officeDocument/2006/relationships">
+  <p:cSld>
+    <p:spTree>
+      <p:nvGrpSpPr>
+        <p:cNvPr id="1" name=""/>
+        <p:cNvGrpSpPr/>
+        <p:nvPr/>
+      </p:nvGrpSpPr>
+      <p:grpSpPr/>
+      <p:sp>
+        <p:nvSpPr>
+          <p:cNvPr id="2" name="Title 1"/>
+          <p:cNvSpPr>
+            <a:spLocks noGrp="1"/>
+          </p:cNvSpPr>
+          <p:nvPr>
+            <p:ph type="title"/>
+          </p:nvPr>
+        </p:nvSpPr>
+        <p:spPr/>
+        <p:txBody>
+          <a:bodyPr/>
+          <a:lstStyle/>
+          <a:p>
+            <a:pPr>
+              <a:defRPr sz="3600">
+                <a:solidFill>
+                  <a:srgbClr val="00008B"/>
+                </a:solidFill>
+              </a:defRPr>
+            </a:pPr>
+            <a:r>
+              <a:t>Pete Huang</a:t>
+            </a:r>
+          </a:p>
+        </p:txBody>
+      </p:sp>
+      <p:sp>
+        <p:nvSpPr>
+          <p:cNvPr id="3" name="Content Placeholder 2"/>
+          <p:cNvSpPr>
+            <a:spLocks noGrp="1"/>
+          </p:cNvSpPr>
+          <p:nvPr>
+            <p:ph idx="1"/>
+          </p:nvPr>
+        </p:nvSpPr>
+        <p:spPr/>
+        <p:txBody>
+          <a:bodyPr/>
+          <a:lstStyle/>
+          <a:p/>
+          <a:p>
+            <a:pPr/>
+            <a:r>
+              <a:rPr sz="2000">
+                <a:solidFill>
+                  <a:srgbClr val="000000"/>
+                </a:solidFill>
+              </a:rPr>
+              <a:t>Role and Background</a:t>
+            </a:r>
+          </a:p>
+          <a:p>
+            <a:pPr lvl="1"/>
+            <a:r>
+              <a:rPr sz="2000">
+                <a:solidFill>
+                  <a:srgbClr val="000000"/>
+                </a:solidFill>
+              </a:rPr>
+              <a:t>Role: Co-founder of "The Neuron - AI News"</a:t>
+            </a:r>
+          </a:p>
+          <a:p>
+            <a:pPr lvl="1"/>
+            <a:r>
+              <a:rPr sz="2000">
+                <a:solidFill>
+                  <a:srgbClr val="000000"/>
+                </a:solidFill>
+              </a:rPr>
+              <a:t>Background: Pete Huang is noted for his involvement in technology and AI-related activities.</a:t>
+            </a:r>
+          </a:p>
+          <a:p>
+            <a:pPr lvl="1"/>
+            <a:r>
+              <a:rPr sz="2000">
+                <a:solidFill>
+                  <a:srgbClr val="000000"/>
+                </a:solidFill>
+              </a:rPr>
+              <a:t>His role as a co-founder of "The Neuron - AI News" suggests a strong interest and engagement in AI media and news dissemination.</a:t>
+            </a:r>
+          </a:p>
+        </p:txBody>
+      </p:sp>
+    </p:spTree>
+  </p:cSld>
+  <p:clrMapOvr>
+    <a:masterClrMapping/>
+  </p:clrMapOvr>
+</p:sld>
+</file>
+
+<file path=ppt/slides/slide64.xml><?xml version="1.0" encoding="utf-8"?>
+<p:sld xmlns:a="http://schemas.openxmlformats.org/drawingml/2006/main" xmlns:p="http://schemas.openxmlformats.org/presentationml/2006/main" xmlns:r="http://schemas.openxmlformats.org/officeDocument/2006/relationships">
+  <p:cSld>
+    <p:spTree>
+      <p:nvGrpSpPr>
+        <p:cNvPr id="1" name=""/>
+        <p:cNvGrpSpPr/>
+        <p:nvPr/>
+      </p:nvGrpSpPr>
+      <p:grpSpPr/>
+      <p:sp>
+        <p:nvSpPr>
+          <p:cNvPr id="2" name="Title 1"/>
+          <p:cNvSpPr>
+            <a:spLocks noGrp="1"/>
+          </p:cNvSpPr>
+          <p:nvPr>
+            <p:ph type="title"/>
+          </p:nvPr>
+        </p:nvSpPr>
+        <p:spPr/>
+        <p:txBody>
+          <a:bodyPr/>
+          <a:lstStyle/>
+          <a:p>
+            <a:pPr>
+              <a:defRPr sz="3600">
+                <a:solidFill>
+                  <a:srgbClr val="00008B"/>
+                </a:solidFill>
+              </a:defRPr>
+            </a:pPr>
+            <a:r>
+              <a:t>General Insights on AI Leaders</a:t>
+            </a:r>
+          </a:p>
+        </p:txBody>
+      </p:sp>
+      <p:sp>
+        <p:nvSpPr>
+          <p:cNvPr id="3" name="Content Placeholder 2"/>
+          <p:cNvSpPr>
+            <a:spLocks noGrp="1"/>
+          </p:cNvSpPr>
+          <p:nvPr>
+            <p:ph idx="1"/>
+          </p:nvPr>
+        </p:nvSpPr>
+        <p:spPr/>
+        <p:txBody>
+          <a:bodyPr/>
+          <a:lstStyle/>
+          <a:p/>
+          <a:p>
+            <a:pPr/>
+            <a:r>
+              <a:rPr sz="2000">
+                <a:solidFill>
+                  <a:srgbClr val="000000"/>
+                </a:solidFill>
+              </a:rPr>
+              <a:t>AI Leadership Trends</a:t>
+            </a:r>
+          </a:p>
+          <a:p>
+            <a:pPr lvl="1"/>
+            <a:r>
+              <a:rPr sz="2000">
+                <a:solidFill>
+                  <a:srgbClr val="000000"/>
+                </a:solidFill>
+              </a:rPr>
+              <a:t>While specific leaders of Neuron AI are not detailed, examining broader AI leadership trends can provide context.</a:t>
+            </a:r>
+          </a:p>
+          <a:p>
+            <a:pPr/>
+            <a:r>
+              <a:rPr sz="2000">
+                <a:solidFill>
+                  <a:srgbClr val="000000"/>
+                </a:solidFill>
+              </a:rPr>
+              <a:t>AI Leaders</a:t>
+            </a:r>
+          </a:p>
+          <a:p>
+            <a:pPr lvl="1"/>
+            <a:r>
+              <a:rPr sz="2000">
+                <a:solidFill>
+                  <a:srgbClr val="000000"/>
+                </a:solidFill>
+              </a:rPr>
+              <a:t>Prominent figures in AI, such as those listed in the TIME100 AI list, include CEOs, researchers, and advocates who are shaping the field.</a:t>
+            </a:r>
+          </a:p>
+          <a:p>
+            <a:pPr lvl="2"/>
+            <a:r>
+              <a:rPr sz="2000">
+                <a:solidFill>
+                  <a:srgbClr val="000000"/>
+                </a:solidFill>
+              </a:rPr>
+              <a:t>Examples include:</a:t>
+            </a:r>
+          </a:p>
+          <a:p>
+            <a:pPr lvl="3"/>
+            <a:r>
+              <a:rPr sz="2000">
+                <a:solidFill>
+                  <a:srgbClr val="000000"/>
+                </a:solidFill>
+              </a:rPr>
+              <a:t>Amba Kak from the AI Now Institute.</a:t>
+            </a:r>
+          </a:p>
+          <a:p>
+            <a:pPr lvl="3"/>
+            <a:r>
+              <a:rPr sz="2000">
+                <a:solidFill>
+                  <a:srgbClr val="000000"/>
+                </a:solidFill>
+              </a:rPr>
+              <a:t>Lisa Su from AMD.</a:t>
+            </a:r>
+          </a:p>
+          <a:p>
+            <a:pPr lvl="2"/>
+            <a:r>
+              <a:rPr sz="2000">
+                <a:solidFill>
+                  <a:srgbClr val="000000"/>
+                </a:solidFill>
+              </a:rPr>
+              <a:t>Recognized for contributions to AI's transformative potential and ethical considerations.</a:t>
+            </a:r>
+          </a:p>
+        </p:txBody>
+      </p:sp>
+    </p:spTree>
+  </p:cSld>
+  <p:clrMapOvr>
+    <a:masterClrMapping/>
+  </p:clrMapOvr>
+</p:sld>
+</file>
+
+<file path=ppt/slides/slide65.xml><?xml version="1.0" encoding="utf-8"?>
+<p:sld xmlns:a="http://schemas.openxmlformats.org/drawingml/2006/main" xmlns:p="http://schemas.openxmlformats.org/presentationml/2006/main" xmlns:r="http://schemas.openxmlformats.org/officeDocument/2006/relationships">
+  <p:cSld>
+    <p:spTree>
+      <p:nvGrpSpPr>
+        <p:cNvPr id="1" name=""/>
+        <p:cNvGrpSpPr/>
+        <p:nvPr/>
+      </p:nvGrpSpPr>
+      <p:grpSpPr/>
+      <p:sp>
+        <p:nvSpPr>
+          <p:cNvPr id="2" name="Title 1"/>
+          <p:cNvSpPr>
+            <a:spLocks noGrp="1"/>
+          </p:cNvSpPr>
+          <p:nvPr>
+            <p:ph type="title"/>
+          </p:nvPr>
+        </p:nvSpPr>
+        <p:spPr/>
+        <p:txBody>
+          <a:bodyPr/>
+          <a:lstStyle/>
+          <a:p>
+            <a:pPr>
+              <a:defRPr sz="3600">
+                <a:solidFill>
+                  <a:srgbClr val="00008B"/>
+                </a:solidFill>
+              </a:defRPr>
+            </a:pPr>
+            <a:r>
+              <a:t>Recommendations for Further Information</a:t>
+            </a:r>
+          </a:p>
+        </p:txBody>
+      </p:sp>
+      <p:sp>
+        <p:nvSpPr>
+          <p:cNvPr id="3" name="Content Placeholder 2"/>
+          <p:cNvSpPr>
+            <a:spLocks noGrp="1"/>
+          </p:cNvSpPr>
+          <p:nvPr>
+            <p:ph idx="1"/>
+          </p:nvPr>
+        </p:nvSpPr>
+        <p:spPr/>
+        <p:txBody>
+          <a:bodyPr/>
+          <a:lstStyle/>
+          <a:p/>
+          <a:p>
+            <a:pPr/>
+            <a:r>
+              <a:rPr sz="2000">
+                <a:solidFill>
+                  <a:srgbClr val="000000"/>
+                </a:solidFill>
+              </a:rPr>
+              <a:t>Approaches to Discover Neuron AI Leadership</a:t>
+            </a:r>
+          </a:p>
+          <a:p>
+            <a:pPr lvl="1"/>
+            <a:r>
+              <a:rPr sz="2000">
+                <a:solidFill>
+                  <a:srgbClr val="000000"/>
+                </a:solidFill>
+              </a:rPr>
+              <a:t>To obtain more specific details about Neuron AI's leadership, consider the following approaches:</a:t>
+            </a:r>
+          </a:p>
+          <a:p>
+            <a:pPr lvl="2"/>
+            <a:r>
+              <a:rPr sz="2000">
+                <a:solidFill>
+                  <a:srgbClr val="000000"/>
+                </a:solidFill>
+              </a:rPr>
+              <a:t>**Company Website**: Visit Neuron AI's official website for sections like 'About Us' or 'Team' that typically list key executives.</a:t>
+            </a:r>
+          </a:p>
+          <a:p>
+            <a:pPr lvl="2"/>
+            <a:r>
+              <a:rPr sz="2000">
+                <a:solidFill>
+                  <a:srgbClr val="000000"/>
+                </a:solidFill>
+              </a:rPr>
+              <a:t>**LinkedIn**: Search for Neuron AI on LinkedIn to find profiles of its executives and team members.</a:t>
+            </a:r>
+          </a:p>
+          <a:p>
+            <a:pPr lvl="2"/>
+            <a:r>
+              <a:rPr sz="2000">
+                <a:solidFill>
+                  <a:srgbClr val="000000"/>
+                </a:solidFill>
+              </a:rPr>
+              <a:t>**News Articles**: Look for news articles or press releases that might mention the leadership team of Neuron AI.</a:t>
+            </a:r>
+          </a:p>
+          <a:p>
+            <a:pPr lvl="1"/>
+            <a:r>
+              <a:rPr sz="2000">
+                <a:solidFill>
+                  <a:srgbClr val="000000"/>
+                </a:solidFill>
+              </a:rPr>
+              <a:t>These steps can help uncover more detailed information about the leadership structure at Neuron AI.</a:t>
+            </a:r>
+          </a:p>
+        </p:txBody>
+      </p:sp>
+    </p:spTree>
+  </p:cSld>
+  <p:clrMapOvr>
+    <a:masterClrMapping/>
+  </p:clrMapOvr>
+</p:sld>
+</file>
+
+<file path=ppt/slides/slide66.xml><?xml version="1.0" encoding="utf-8"?>
+<p:sld xmlns:a="http://schemas.openxmlformats.org/drawingml/2006/main" xmlns:p="http://schemas.openxmlformats.org/presentationml/2006/main" xmlns:r="http://schemas.openxmlformats.org/officeDocument/2006/relationships">
+  <p:cSld>
+    <p:spTree>
+      <p:nvGrpSpPr>
+        <p:cNvPr id="1" name=""/>
+        <p:cNvGrpSpPr/>
+        <p:nvPr/>
+      </p:nvGrpSpPr>
+      <p:grpSpPr/>
+      <p:sp>
+        <p:nvSpPr>
+          <p:cNvPr id="2" name="Title 1"/>
+          <p:cNvSpPr>
+            <a:spLocks noGrp="1"/>
+          </p:cNvSpPr>
+          <p:nvPr>
+            <p:ph type="title"/>
+          </p:nvPr>
+        </p:nvSpPr>
+        <p:spPr/>
+        <p:txBody>
+          <a:bodyPr/>
+          <a:lstStyle/>
+          <a:p>
+            <a:pPr>
+              <a:defRPr sz="3600">
+                <a:solidFill>
+                  <a:srgbClr val="00008B"/>
+                </a:solidFill>
+              </a:defRPr>
+            </a:pPr>
+            <a:r>
+              <a:t>Fundraising Section for Neuron.ai</a:t>
+            </a:r>
+          </a:p>
+        </p:txBody>
+      </p:sp>
+      <p:sp>
+        <p:nvSpPr>
+          <p:cNvPr id="3" name="Content Placeholder 2"/>
+          <p:cNvSpPr>
+            <a:spLocks noGrp="1"/>
+          </p:cNvSpPr>
+          <p:nvPr>
+            <p:ph idx="1"/>
+          </p:nvPr>
+        </p:nvSpPr>
+        <p:spPr/>
+        <p:txBody>
+          <a:bodyPr/>
+          <a:lstStyle/>
+          <a:p/>
+          <a:p>
+            <a:pPr/>
+            <a:r>
+              <a:rPr sz="2000">
+                <a:solidFill>
+                  <a:srgbClr val="000000"/>
+                </a:solidFill>
+              </a:rPr>
+              <a:t>Overview</a:t>
+            </a:r>
+          </a:p>
+          <a:p>
+            <a:pPr lvl="1"/>
+            <a:r>
+              <a:rPr sz="2000">
+                <a:solidFill>
+                  <a:srgbClr val="000000"/>
+                </a:solidFill>
+              </a:rPr>
+              <a:t>Neuron.ai operates within the AI sector.</a:t>
+            </a:r>
+          </a:p>
+          <a:p>
+            <a:pPr lvl="1"/>
+            <a:r>
+              <a:rPr sz="2000">
+                <a:solidFill>
+                  <a:srgbClr val="000000"/>
+                </a:solidFill>
+              </a:rPr>
+              <a:t>Currently navigating a dynamic fundraising landscape.</a:t>
+            </a:r>
+          </a:p>
+          <a:p>
+            <a:pPr lvl="1"/>
+            <a:r>
+              <a:rPr sz="2000">
+                <a:solidFill>
+                  <a:srgbClr val="000000"/>
+                </a:solidFill>
+              </a:rPr>
+              <a:t>Significant interest from venture capital and private equity investors.</a:t>
+            </a:r>
+          </a:p>
+          <a:p>
+            <a:pPr/>
+            <a:r>
+              <a:rPr sz="2000">
+                <a:solidFill>
+                  <a:srgbClr val="000000"/>
+                </a:solidFill>
+              </a:rPr>
+              <a:t>Trends and Opportunities</a:t>
+            </a:r>
+          </a:p>
+          <a:p>
+            <a:pPr lvl="1"/>
+            <a:r>
+              <a:rPr sz="2000">
+                <a:solidFill>
+                  <a:srgbClr val="000000"/>
+                </a:solidFill>
+              </a:rPr>
+              <a:t>Specific data on Neuron.ai's fundraising efforts is not directly available.</a:t>
+            </a:r>
+          </a:p>
+          <a:p>
+            <a:pPr lvl="1"/>
+            <a:r>
+              <a:rPr sz="2000">
+                <a:solidFill>
+                  <a:srgbClr val="000000"/>
+                </a:solidFill>
+              </a:rPr>
+              <a:t>Potential trends and opportunities can be inferred from broader AI investment patterns.</a:t>
+            </a:r>
+          </a:p>
+        </p:txBody>
+      </p:sp>
+    </p:spTree>
+  </p:cSld>
+  <p:clrMapOvr>
+    <a:masterClrMapping/>
+  </p:clrMapOvr>
+</p:sld>
+</file>
+
+<file path=ppt/slides/slide67.xml><?xml version="1.0" encoding="utf-8"?>
+<p:sld xmlns:a="http://schemas.openxmlformats.org/drawingml/2006/main" xmlns:p="http://schemas.openxmlformats.org/presentationml/2006/main" xmlns:r="http://schemas.openxmlformats.org/officeDocument/2006/relationships">
+  <p:cSld>
+    <p:spTree>
+      <p:nvGrpSpPr>
+        <p:cNvPr id="1" name=""/>
+        <p:cNvGrpSpPr/>
+        <p:nvPr/>
+      </p:nvGrpSpPr>
+      <p:grpSpPr/>
+      <p:sp>
+        <p:nvSpPr>
+          <p:cNvPr id="2" name="Title 1"/>
+          <p:cNvSpPr>
+            <a:spLocks noGrp="1"/>
+          </p:cNvSpPr>
+          <p:nvPr>
+            <p:ph type="title"/>
+          </p:nvPr>
+        </p:nvSpPr>
+        <p:spPr/>
+        <p:txBody>
+          <a:bodyPr/>
+          <a:lstStyle/>
+          <a:p>
+            <a:pPr>
+              <a:defRPr sz="3600">
+                <a:solidFill>
+                  <a:srgbClr val="00008B"/>
+                </a:solidFill>
+              </a:defRPr>
+            </a:pPr>
+            <a:r>
+              <a:t>AI Investment Trends</a:t>
+            </a:r>
+          </a:p>
+        </p:txBody>
+      </p:sp>
+      <p:sp>
+        <p:nvSpPr>
+          <p:cNvPr id="3" name="Content Placeholder 2"/>
+          <p:cNvSpPr>
+            <a:spLocks noGrp="1"/>
+          </p:cNvSpPr>
+          <p:nvPr>
+            <p:ph idx="1"/>
+          </p:nvPr>
+        </p:nvSpPr>
+        <p:spPr/>
+        <p:txBody>
+          <a:bodyPr/>
+          <a:lstStyle/>
+          <a:p/>
+          <a:p>
+            <a:pPr/>
+            <a:r>
+              <a:rPr sz="2000">
+                <a:solidFill>
+                  <a:srgbClr val="000000"/>
+                </a:solidFill>
+              </a:rPr>
+              <a:t>Global Investment Surge</a:t>
+            </a:r>
+          </a:p>
+          <a:p>
+            <a:pPr lvl="1"/>
+            <a:r>
+              <a:rPr sz="2000">
+                <a:solidFill>
+                  <a:srgbClr val="000000"/>
+                </a:solidFill>
+              </a:rPr>
+              <a:t>Recent reports indicate a robust increase in venture capital and private equity investments in AI companies globally.</a:t>
+            </a:r>
+          </a:p>
+          <a:p>
+            <a:pPr lvl="2"/>
+            <a:r>
+              <a:rPr sz="2000">
+                <a:solidFill>
+                  <a:srgbClr val="000000"/>
+                </a:solidFill>
+              </a:rPr>
+              <a:t>Canadian AI firms have benefited from substantial investments.</a:t>
+            </a:r>
+          </a:p>
+          <a:p>
+            <a:pPr lvl="2"/>
+            <a:r>
+              <a:rPr sz="2000">
+                <a:solidFill>
+                  <a:srgbClr val="000000"/>
+                </a:solidFill>
+              </a:rPr>
+              <a:t>Supported by initiatives like the Pan-Canadian Artificial Intelligence Strategy.</a:t>
+            </a:r>
+          </a:p>
+          <a:p>
+            <a:pPr lvl="2"/>
+            <a:r>
+              <a:rPr sz="2000">
+                <a:solidFill>
+                  <a:srgbClr val="000000"/>
+                </a:solidFill>
+              </a:rPr>
+              <a:t>Attracts both domestic and international investors.</a:t>
+            </a:r>
+          </a:p>
+          <a:p>
+            <a:pPr lvl="1"/>
+            <a:r>
+              <a:rPr sz="2000">
+                <a:solidFill>
+                  <a:srgbClr val="000000"/>
+                </a:solidFill>
+              </a:rPr>
+              <a:t>Middle Eastern sovereign wealth funds actively invest in AI startups, particularly in Silicon Valley.</a:t>
+            </a:r>
+          </a:p>
+          <a:p>
+            <a:pPr lvl="1"/>
+            <a:r>
+              <a:rPr sz="2000">
+                <a:solidFill>
+                  <a:srgbClr val="000000"/>
+                </a:solidFill>
+              </a:rPr>
+              <a:t>Highlights a global interest in AI technologies.</a:t>
+            </a:r>
+          </a:p>
+        </p:txBody>
+      </p:sp>
+    </p:spTree>
+  </p:cSld>
+  <p:clrMapOvr>
+    <a:masterClrMapping/>
+  </p:clrMapOvr>
+</p:sld>
+</file>
+
+<file path=ppt/slides/slide68.xml><?xml version="1.0" encoding="utf-8"?>
+<p:sld xmlns:a="http://schemas.openxmlformats.org/drawingml/2006/main" xmlns:p="http://schemas.openxmlformats.org/presentationml/2006/main" xmlns:r="http://schemas.openxmlformats.org/officeDocument/2006/relationships">
+  <p:cSld>
+    <p:spTree>
+      <p:nvGrpSpPr>
+        <p:cNvPr id="1" name=""/>
+        <p:cNvGrpSpPr/>
+        <p:nvPr/>
+      </p:nvGrpSpPr>
+      <p:grpSpPr/>
+      <p:sp>
+        <p:nvSpPr>
+          <p:cNvPr id="2" name="Title 1"/>
+          <p:cNvSpPr>
+            <a:spLocks noGrp="1"/>
+          </p:cNvSpPr>
+          <p:nvPr>
+            <p:ph type="title"/>
+          </p:nvPr>
+        </p:nvSpPr>
+        <p:spPr/>
+        <p:txBody>
+          <a:bodyPr/>
+          <a:lstStyle/>
+          <a:p>
+            <a:pPr>
+              <a:defRPr sz="3600">
+                <a:solidFill>
+                  <a:srgbClr val="00008B"/>
+                </a:solidFill>
+              </a:defRPr>
+            </a:pPr>
+            <a:r>
+              <a:t>Investment Highlights</a:t>
+            </a:r>
+          </a:p>
+        </p:txBody>
+      </p:sp>
+      <p:sp>
+        <p:nvSpPr>
+          <p:cNvPr id="3" name="Content Placeholder 2"/>
+          <p:cNvSpPr>
+            <a:spLocks noGrp="1"/>
+          </p:cNvSpPr>
+          <p:nvPr>
+            <p:ph idx="1"/>
+          </p:nvPr>
+        </p:nvSpPr>
+        <p:spPr/>
+        <p:txBody>
+          <a:bodyPr/>
+          <a:lstStyle/>
+          <a:p/>
+          <a:p>
+            <a:pPr/>
+            <a:r>
+              <a:rPr sz="2000">
+                <a:solidFill>
+                  <a:srgbClr val="000000"/>
+                </a:solidFill>
+              </a:rPr>
+              <a:t>Canadian AI Investment</a:t>
+            </a:r>
+          </a:p>
+          <a:p>
+            <a:pPr lvl="1"/>
+            <a:r>
+              <a:rPr sz="2000">
+                <a:solidFill>
+                  <a:srgbClr val="000000"/>
+                </a:solidFill>
+              </a:rPr>
+              <a:t>Supported by the Pan-Canadian Artificial Intelligence Strategy.</a:t>
+            </a:r>
+          </a:p>
+          <a:p>
+            <a:pPr lvl="1"/>
+            <a:r>
+              <a:rPr sz="2000">
+                <a:solidFill>
+                  <a:srgbClr val="000000"/>
+                </a:solidFill>
+              </a:rPr>
+              <a:t>Attracts both domestic and international investors.</a:t>
+            </a:r>
+          </a:p>
+          <a:p>
+            <a:pPr lvl="1"/>
+            <a:r>
+              <a:rPr sz="2000">
+                <a:solidFill>
+                  <a:srgbClr val="000000"/>
+                </a:solidFill>
+              </a:rPr>
+              <a:t>Mapping the Growth of AI in Canada Through Investment ([1]).</a:t>
+            </a:r>
+          </a:p>
+          <a:p>
+            <a:pPr/>
+            <a:r>
+              <a:rPr sz="2000">
+                <a:solidFill>
+                  <a:srgbClr val="000000"/>
+                </a:solidFill>
+              </a:rPr>
+              <a:t>Middle Eastern Investment</a:t>
+            </a:r>
+          </a:p>
+          <a:p>
+            <a:pPr lvl="1"/>
+            <a:r>
+              <a:rPr sz="2000">
+                <a:solidFill>
+                  <a:srgbClr val="000000"/>
+                </a:solidFill>
+              </a:rPr>
+              <a:t>Sovereign wealth funds invest in Silicon Valley AI startups.</a:t>
+            </a:r>
+          </a:p>
+          <a:p>
+            <a:pPr lvl="1"/>
+            <a:r>
+              <a:rPr sz="2000">
+                <a:solidFill>
+                  <a:srgbClr val="000000"/>
+                </a:solidFill>
+              </a:rPr>
+              <a:t>Middle Eastern funds are plowing billions of dollars into hottest AI start-ups ([2]).</a:t>
+            </a:r>
+          </a:p>
+        </p:txBody>
+      </p:sp>
+    </p:spTree>
+  </p:cSld>
+  <p:clrMapOvr>
+    <a:masterClrMapping/>
+  </p:clrMapOvr>
+</p:sld>
+</file>
+
+<file path=ppt/slides/slide69.xml><?xml version="1.0" encoding="utf-8"?>
+<p:sld xmlns:a="http://schemas.openxmlformats.org/drawingml/2006/main" xmlns:p="http://schemas.openxmlformats.org/presentationml/2006/main" xmlns:r="http://schemas.openxmlformats.org/officeDocument/2006/relationships">
+  <p:cSld>
+    <p:spTree>
+      <p:nvGrpSpPr>
+        <p:cNvPr id="1" name=""/>
+        <p:cNvGrpSpPr/>
+        <p:nvPr/>
+      </p:nvGrpSpPr>
+      <p:grpSpPr/>
+      <p:sp>
+        <p:nvSpPr>
+          <p:cNvPr id="2" name="Title 1"/>
+          <p:cNvSpPr>
+            <a:spLocks noGrp="1"/>
+          </p:cNvSpPr>
+          <p:nvPr>
+            <p:ph type="title"/>
+          </p:nvPr>
+        </p:nvSpPr>
+        <p:spPr/>
+        <p:txBody>
+          <a:bodyPr/>
+          <a:lstStyle/>
+          <a:p>
+            <a:pPr>
+              <a:defRPr sz="3600">
+                <a:solidFill>
+                  <a:srgbClr val="00008B"/>
+                </a:solidFill>
+              </a:defRPr>
+            </a:pPr>
+            <a:r>
+              <a:t>Citations</a:t>
+            </a:r>
+          </a:p>
+        </p:txBody>
+      </p:sp>
+      <p:sp>
+        <p:nvSpPr>
+          <p:cNvPr id="3" name="Content Placeholder 2"/>
+          <p:cNvSpPr>
+            <a:spLocks noGrp="1"/>
+          </p:cNvSpPr>
+          <p:nvPr>
+            <p:ph idx="1"/>
+          </p:nvPr>
+        </p:nvSpPr>
+        <p:spPr/>
+        <p:txBody>
+          <a:bodyPr/>
+          <a:lstStyle/>
+          <a:p/>
+          <a:p>
+            <a:pPr/>
+            <a:r>
+              <a:rPr sz="2000">
+                <a:solidFill>
+                  <a:srgbClr val="000000"/>
+                </a:solidFill>
+              </a:rPr>
+              <a:t/>
+            </a:r>
+          </a:p>
+          <a:p>
+            <a:pPr lvl="1"/>
+            <a:r>
+              <a:rPr sz="2000">
+                <a:solidFill>
+                  <a:srgbClr val="000000"/>
+                </a:solidFill>
+              </a:rPr>
+              <a:t>[1] Mapping the Growth of AI in Canada Through Investment</a:t>
+            </a:r>
+          </a:p>
+          <a:p>
+            <a:pPr lvl="1"/>
+            <a:r>
+              <a:rPr sz="2000">
+                <a:solidFill>
+                  <a:srgbClr val="000000"/>
+                </a:solidFill>
+              </a:rPr>
+              <a:t>[2] Middle Eastern funds are plowing billions of dollars into hottest AI start-ups</a:t>
             </a:r>
           </a:p>
         </p:txBody>
@@ -9307,7 +10995,7 @@
               </a:defRPr>
             </a:pPr>
             <a:r>
-              <a:t>Business Solutions Continued</a:t>
+              <a:t>Market Opportunity</a:t>
             </a:r>
           </a:p>
         </p:txBody>
@@ -9335,40 +11023,855 @@
                   <a:srgbClr val="000000"/>
                 </a:solidFill>
               </a:rPr>
-              <a:t>Explore Tool</a:t>
-            </a:r>
-          </a:p>
-          <a:p>
-            <a:pPr lvl="1"/>
-            <a:r>
-              <a:rPr sz="2000">
-                <a:solidFill>
-                  <a:srgbClr val="000000"/>
-                </a:solidFill>
-              </a:rPr>
-              <a:t>The Explore tool provides insights into the real emotions and motivations driving customer behavior.</a:t>
-            </a:r>
-          </a:p>
-          <a:p>
-            <a:pPr lvl="1"/>
-            <a:r>
-              <a:rPr sz="2000">
-                <a:solidFill>
-                  <a:srgbClr val="000000"/>
-                </a:solidFill>
-              </a:rPr>
-              <a:t>This data is crucial for crafting more effective marketing campaigns and designing products that resonate with target audiences.</a:t>
-            </a:r>
-          </a:p>
-          <a:p>
-            <a:pPr lvl="1"/>
-            <a:r>
-              <a:rPr sz="2000">
-                <a:solidFill>
-                  <a:srgbClr val="000000"/>
-                </a:solidFill>
-              </a:rPr>
-              <a:t>Understanding customer emotions and motivations enables brands to tailor their messaging and product offerings, resulting in more engaging and effective marketing strategies.</a:t>
+              <a:t/>
+            </a:r>
+          </a:p>
+          <a:p>
+            <a:pPr lvl="1"/>
+            <a:r>
+              <a:rPr sz="2000">
+                <a:solidFill>
+                  <a:srgbClr val="000000"/>
+                </a:solidFill>
+              </a:rPr>
+              <a:t>The AI market is rapidly growing, with significant opportunities in sectors such as healthcare, finance, and automotive.</a:t>
+            </a:r>
+          </a:p>
+          <a:p>
+            <a:pPr lvl="2"/>
+            <a:r>
+              <a:rPr sz="2000">
+                <a:solidFill>
+                  <a:srgbClr val="000000"/>
+                </a:solidFill>
+              </a:rPr>
+              <a:t>Healthcare: AI-driven diagnostics</a:t>
+            </a:r>
+          </a:p>
+          <a:p>
+            <a:pPr lvl="2"/>
+            <a:r>
+              <a:rPr sz="2000">
+                <a:solidFill>
+                  <a:srgbClr val="000000"/>
+                </a:solidFill>
+              </a:rPr>
+              <a:t>Finance: Predictive analytics</a:t>
+            </a:r>
+          </a:p>
+          <a:p>
+            <a:pPr lvl="2"/>
+            <a:r>
+              <a:rPr sz="2000">
+                <a:solidFill>
+                  <a:srgbClr val="000000"/>
+                </a:solidFill>
+              </a:rPr>
+              <a:t>Automotive: Autonomous driving</a:t>
+            </a:r>
+          </a:p>
+        </p:txBody>
+      </p:sp>
+    </p:spTree>
+  </p:cSld>
+  <p:clrMapOvr>
+    <a:masterClrMapping/>
+  </p:clrMapOvr>
+</p:sld>
+</file>
+
+<file path=ppt/slides/slide70.xml><?xml version="1.0" encoding="utf-8"?>
+<p:sld xmlns:a="http://schemas.openxmlformats.org/drawingml/2006/main" xmlns:p="http://schemas.openxmlformats.org/presentationml/2006/main" xmlns:r="http://schemas.openxmlformats.org/officeDocument/2006/relationships">
+  <p:cSld>
+    <p:spTree>
+      <p:nvGrpSpPr>
+        <p:cNvPr id="1" name=""/>
+        <p:cNvGrpSpPr/>
+        <p:nvPr/>
+      </p:nvGrpSpPr>
+      <p:grpSpPr/>
+      <p:sp>
+        <p:nvSpPr>
+          <p:cNvPr id="2" name="Title 1"/>
+          <p:cNvSpPr>
+            <a:spLocks noGrp="1"/>
+          </p:cNvSpPr>
+          <p:nvPr>
+            <p:ph type="title"/>
+          </p:nvPr>
+        </p:nvSpPr>
+        <p:spPr/>
+        <p:txBody>
+          <a:bodyPr/>
+          <a:lstStyle/>
+          <a:p>
+            <a:pPr>
+              <a:defRPr sz="3600">
+                <a:solidFill>
+                  <a:srgbClr val="00008B"/>
+                </a:solidFill>
+              </a:defRPr>
+            </a:pPr>
+            <a:r>
+              <a:t>Fundraising Challenges</a:t>
+            </a:r>
+          </a:p>
+        </p:txBody>
+      </p:sp>
+      <p:sp>
+        <p:nvSpPr>
+          <p:cNvPr id="3" name="Content Placeholder 2"/>
+          <p:cNvSpPr>
+            <a:spLocks noGrp="1"/>
+          </p:cNvSpPr>
+          <p:nvPr>
+            <p:ph idx="1"/>
+          </p:nvPr>
+        </p:nvSpPr>
+        <p:spPr/>
+        <p:txBody>
+          <a:bodyPr/>
+          <a:lstStyle/>
+          <a:p/>
+          <a:p>
+            <a:pPr/>
+            <a:r>
+              <a:rPr sz="2000">
+                <a:solidFill>
+                  <a:srgbClr val="000000"/>
+                </a:solidFill>
+              </a:rPr>
+              <a:t>Overview of Challenges</a:t>
+            </a:r>
+          </a:p>
+          <a:p>
+            <a:pPr lvl="1"/>
+            <a:r>
+              <a:rPr sz="2000">
+                <a:solidFill>
+                  <a:srgbClr val="000000"/>
+                </a:solidFill>
+              </a:rPr>
+              <a:t>Despite growing interest, AI companies face challenges in securing funding.</a:t>
+            </a:r>
+          </a:p>
+          <a:p>
+            <a:pPr lvl="2"/>
+            <a:r>
+              <a:rPr sz="2000">
+                <a:solidFill>
+                  <a:srgbClr val="000000"/>
+                </a:solidFill>
+              </a:rPr>
+              <a:t>Competitive landscape against larger US-based companies.</a:t>
+            </a:r>
+          </a:p>
+          <a:p>
+            <a:pPr lvl="2"/>
+            <a:r>
+              <a:rPr sz="2000">
+                <a:solidFill>
+                  <a:srgbClr val="000000"/>
+                </a:solidFill>
+              </a:rPr>
+              <a:t>Early-stage funding environment remains challenging.</a:t>
+            </a:r>
+          </a:p>
+          <a:p>
+            <a:pPr lvl="2"/>
+            <a:r>
+              <a:rPr sz="2000">
+                <a:solidFill>
+                  <a:srgbClr val="000000"/>
+                </a:solidFill>
+              </a:rPr>
+              <a:t>Companies often require higher capital to scale effectively.</a:t>
+            </a:r>
+          </a:p>
+          <a:p>
+            <a:pPr/>
+            <a:r>
+              <a:rPr sz="2000">
+                <a:solidFill>
+                  <a:srgbClr val="000000"/>
+                </a:solidFill>
+              </a:rPr>
+              <a:t>Further Reading</a:t>
+            </a:r>
+          </a:p>
+          <a:p>
+            <a:pPr lvl="1"/>
+            <a:r>
+              <a:rPr sz="2000">
+                <a:solidFill>
+                  <a:srgbClr val="000000"/>
+                </a:solidFill>
+              </a:rPr>
+              <a:t>Decoding AI Investment: Trends, Challenges, and Opportunities ([1])</a:t>
+            </a:r>
+          </a:p>
+        </p:txBody>
+      </p:sp>
+    </p:spTree>
+  </p:cSld>
+  <p:clrMapOvr>
+    <a:masterClrMapping/>
+  </p:clrMapOvr>
+</p:sld>
+</file>
+
+<file path=ppt/slides/slide71.xml><?xml version="1.0" encoding="utf-8"?>
+<p:sld xmlns:a="http://schemas.openxmlformats.org/drawingml/2006/main" xmlns:p="http://schemas.openxmlformats.org/presentationml/2006/main" xmlns:r="http://schemas.openxmlformats.org/officeDocument/2006/relationships">
+  <p:cSld>
+    <p:spTree>
+      <p:nvGrpSpPr>
+        <p:cNvPr id="1" name=""/>
+        <p:cNvGrpSpPr/>
+        <p:nvPr/>
+      </p:nvGrpSpPr>
+      <p:grpSpPr/>
+      <p:sp>
+        <p:nvSpPr>
+          <p:cNvPr id="2" name="Title 1"/>
+          <p:cNvSpPr>
+            <a:spLocks noGrp="1"/>
+          </p:cNvSpPr>
+          <p:nvPr>
+            <p:ph type="title"/>
+          </p:nvPr>
+        </p:nvSpPr>
+        <p:spPr/>
+        <p:txBody>
+          <a:bodyPr/>
+          <a:lstStyle/>
+          <a:p>
+            <a:pPr>
+              <a:defRPr sz="3600">
+                <a:solidFill>
+                  <a:srgbClr val="00008B"/>
+                </a:solidFill>
+              </a:defRPr>
+            </a:pPr>
+            <a:r>
+              <a:t>Citations</a:t>
+            </a:r>
+          </a:p>
+        </p:txBody>
+      </p:sp>
+      <p:sp>
+        <p:nvSpPr>
+          <p:cNvPr id="3" name="Content Placeholder 2"/>
+          <p:cNvSpPr>
+            <a:spLocks noGrp="1"/>
+          </p:cNvSpPr>
+          <p:nvPr>
+            <p:ph idx="1"/>
+          </p:nvPr>
+        </p:nvSpPr>
+        <p:spPr/>
+        <p:txBody>
+          <a:bodyPr/>
+          <a:lstStyle/>
+          <a:p/>
+          <a:p>
+            <a:pPr/>
+            <a:r>
+              <a:rPr sz="2000">
+                <a:solidFill>
+                  <a:srgbClr val="000000"/>
+                </a:solidFill>
+              </a:rPr>
+              <a:t/>
+            </a:r>
+          </a:p>
+          <a:p>
+            <a:pPr lvl="1"/>
+            <a:r>
+              <a:rPr sz="2000">
+                <a:solidFill>
+                  <a:srgbClr val="000000"/>
+                </a:solidFill>
+              </a:rPr>
+              <a:t>[1] Decoding AI Investment: Trends, Challenges, and Opportunities (URL not provided in the content)</a:t>
+            </a:r>
+          </a:p>
+        </p:txBody>
+      </p:sp>
+    </p:spTree>
+  </p:cSld>
+  <p:clrMapOvr>
+    <a:masterClrMapping/>
+  </p:clrMapOvr>
+</p:sld>
+</file>
+
+<file path=ppt/slides/slide72.xml><?xml version="1.0" encoding="utf-8"?>
+<p:sld xmlns:a="http://schemas.openxmlformats.org/drawingml/2006/main" xmlns:p="http://schemas.openxmlformats.org/presentationml/2006/main" xmlns:r="http://schemas.openxmlformats.org/officeDocument/2006/relationships">
+  <p:cSld>
+    <p:spTree>
+      <p:nvGrpSpPr>
+        <p:cNvPr id="1" name=""/>
+        <p:cNvGrpSpPr/>
+        <p:nvPr/>
+      </p:nvGrpSpPr>
+      <p:grpSpPr/>
+      <p:sp>
+        <p:nvSpPr>
+          <p:cNvPr id="2" name="Title 1"/>
+          <p:cNvSpPr>
+            <a:spLocks noGrp="1"/>
+          </p:cNvSpPr>
+          <p:nvPr>
+            <p:ph type="title"/>
+          </p:nvPr>
+        </p:nvSpPr>
+        <p:spPr/>
+        <p:txBody>
+          <a:bodyPr/>
+          <a:lstStyle/>
+          <a:p>
+            <a:pPr>
+              <a:defRPr sz="3600">
+                <a:solidFill>
+                  <a:srgbClr val="00008B"/>
+                </a:solidFill>
+              </a:defRPr>
+            </a:pPr>
+            <a:r>
+              <a:t>Potential Investment Opportunities</a:t>
+            </a:r>
+          </a:p>
+        </p:txBody>
+      </p:sp>
+      <p:sp>
+        <p:nvSpPr>
+          <p:cNvPr id="3" name="Content Placeholder 2"/>
+          <p:cNvSpPr>
+            <a:spLocks noGrp="1"/>
+          </p:cNvSpPr>
+          <p:nvPr>
+            <p:ph idx="1"/>
+          </p:nvPr>
+        </p:nvSpPr>
+        <p:spPr/>
+        <p:txBody>
+          <a:bodyPr/>
+          <a:lstStyle/>
+          <a:p/>
+          <a:p>
+            <a:pPr/>
+            <a:r>
+              <a:rPr sz="2000">
+                <a:solidFill>
+                  <a:srgbClr val="000000"/>
+                </a:solidFill>
+              </a:rPr>
+              <a:t>Investment Trends and Strategies</a:t>
+            </a:r>
+          </a:p>
+          <a:p>
+            <a:pPr lvl="1"/>
+            <a:r>
+              <a:rPr sz="2000">
+                <a:solidFill>
+                  <a:srgbClr val="000000"/>
+                </a:solidFill>
+              </a:rPr>
+              <a:t>Neuron.ai can leverage current trends to attract investment:</a:t>
+            </a:r>
+          </a:p>
+          <a:p>
+            <a:pPr lvl="2"/>
+            <a:r>
+              <a:rPr sz="2000">
+                <a:solidFill>
+                  <a:srgbClr val="000000"/>
+                </a:solidFill>
+              </a:rPr>
+              <a:t>Increasing interest from international investors.</a:t>
+            </a:r>
+          </a:p>
+          <a:p>
+            <a:pPr lvl="2"/>
+            <a:r>
+              <a:rPr sz="2000">
+                <a:solidFill>
+                  <a:srgbClr val="000000"/>
+                </a:solidFill>
+              </a:rPr>
+              <a:t>Government-backed initiatives supporting AI technologies.</a:t>
+            </a:r>
+          </a:p>
+          <a:p>
+            <a:pPr lvl="1"/>
+            <a:r>
+              <a:rPr sz="2000">
+                <a:solidFill>
+                  <a:srgbClr val="000000"/>
+                </a:solidFill>
+              </a:rPr>
+              <a:t>Strategic engagement with investors interested in AI diversification.</a:t>
+            </a:r>
+          </a:p>
+        </p:txBody>
+      </p:sp>
+    </p:spTree>
+  </p:cSld>
+  <p:clrMapOvr>
+    <a:masterClrMapping/>
+  </p:clrMapOvr>
+</p:sld>
+</file>
+
+<file path=ppt/slides/slide73.xml><?xml version="1.0" encoding="utf-8"?>
+<p:sld xmlns:a="http://schemas.openxmlformats.org/drawingml/2006/main" xmlns:p="http://schemas.openxmlformats.org/presentationml/2006/main" xmlns:r="http://schemas.openxmlformats.org/officeDocument/2006/relationships">
+  <p:cSld>
+    <p:spTree>
+      <p:nvGrpSpPr>
+        <p:cNvPr id="1" name=""/>
+        <p:cNvGrpSpPr/>
+        <p:nvPr/>
+      </p:nvGrpSpPr>
+      <p:grpSpPr/>
+      <p:sp>
+        <p:nvSpPr>
+          <p:cNvPr id="2" name="Title 1"/>
+          <p:cNvSpPr>
+            <a:spLocks noGrp="1"/>
+          </p:cNvSpPr>
+          <p:nvPr>
+            <p:ph type="title"/>
+          </p:nvPr>
+        </p:nvSpPr>
+        <p:spPr/>
+        <p:txBody>
+          <a:bodyPr/>
+          <a:lstStyle/>
+          <a:p>
+            <a:pPr>
+              <a:defRPr sz="3600">
+                <a:solidFill>
+                  <a:srgbClr val="00008B"/>
+                </a:solidFill>
+              </a:defRPr>
+            </a:pPr>
+            <a:r>
+              <a:t>AI Investment Trends</a:t>
+            </a:r>
+          </a:p>
+        </p:txBody>
+      </p:sp>
+      <p:sp>
+        <p:nvSpPr>
+          <p:cNvPr id="3" name="Content Placeholder 2"/>
+          <p:cNvSpPr>
+            <a:spLocks noGrp="1"/>
+          </p:cNvSpPr>
+          <p:nvPr>
+            <p:ph idx="1"/>
+          </p:nvPr>
+        </p:nvSpPr>
+        <p:spPr/>
+        <p:txBody>
+          <a:bodyPr/>
+          <a:lstStyle/>
+          <a:p/>
+          <a:p>
+            <a:pPr/>
+            <a:r>
+              <a:rPr sz="2000">
+                <a:solidFill>
+                  <a:srgbClr val="000000"/>
+                </a:solidFill>
+              </a:rPr>
+              <a:t>Investment Overview</a:t>
+            </a:r>
+          </a:p>
+          <a:p>
+            <a:pPr lvl="1"/>
+            <a:r>
+              <a:rPr sz="2000">
+                <a:solidFill>
+                  <a:srgbClr val="000000"/>
+                </a:solidFill>
+              </a:rPr>
+              <a:t>This table summarizes the key regions and investor types actively participating in AI investments.</a:t>
+            </a:r>
+          </a:p>
+          <a:p>
+            <a:pPr lvl="1"/>
+            <a:r>
+              <a:rPr sz="2000">
+                <a:solidFill>
+                  <a:srgbClr val="000000"/>
+                </a:solidFill>
+              </a:rPr>
+              <a:t>Provides a contextual backdrop for Neuron.ai's fundraising efforts.</a:t>
+            </a:r>
+          </a:p>
+          <a:p>
+            <a:pPr/>
+            <a:r>
+              <a:rPr sz="2000">
+                <a:solidFill>
+                  <a:srgbClr val="000000"/>
+                </a:solidFill>
+              </a:rPr>
+              <a:t>Table: AI Investment Trends</a:t>
+            </a:r>
+          </a:p>
+          <a:p>
+            <a:pPr lvl="1"/>
+            <a:r>
+              <a:rPr sz="2000">
+                <a:solidFill>
+                  <a:srgbClr val="000000"/>
+                </a:solidFill>
+              </a:rPr>
+              <a:t>Region | Key Investors | Investment Focus</a:t>
+            </a:r>
+          </a:p>
+          <a:p>
+            <a:pPr lvl="1"/>
+            <a:r>
+              <a:rPr sz="2000">
+                <a:solidFill>
+                  <a:srgbClr val="000000"/>
+                </a:solidFill>
+              </a:rPr>
+              <a:t>Canada | Radical Ventures, Government | AI Strategy, Tech Growth</a:t>
+            </a:r>
+          </a:p>
+          <a:p>
+            <a:pPr lvl="1"/>
+            <a:r>
+              <a:rPr sz="2000">
+                <a:solidFill>
+                  <a:srgbClr val="000000"/>
+                </a:solidFill>
+              </a:rPr>
+              <a:t>Middle East | Sovereign Wealth Funds | Silicon Valley Startups</a:t>
+            </a:r>
+          </a:p>
+          <a:p>
+            <a:pPr lvl="1"/>
+            <a:r>
+              <a:rPr sz="2000">
+                <a:solidFill>
+                  <a:srgbClr val="000000"/>
+                </a:solidFill>
+              </a:rPr>
+              <a:t>Global | Various VC and PE Firms | Early-stage AI Companies</a:t>
+            </a:r>
+          </a:p>
+        </p:txBody>
+      </p:sp>
+    </p:spTree>
+  </p:cSld>
+  <p:clrMapOvr>
+    <a:masterClrMapping/>
+  </p:clrMapOvr>
+</p:sld>
+</file>
+
+<file path=ppt/slides/slide74.xml><?xml version="1.0" encoding="utf-8"?>
+<p:sld xmlns:a="http://schemas.openxmlformats.org/drawingml/2006/main" xmlns:p="http://schemas.openxmlformats.org/presentationml/2006/main" xmlns:r="http://schemas.openxmlformats.org/officeDocument/2006/relationships">
+  <p:cSld>
+    <p:spTree>
+      <p:nvGrpSpPr>
+        <p:cNvPr id="1" name=""/>
+        <p:cNvGrpSpPr/>
+        <p:nvPr/>
+      </p:nvGrpSpPr>
+      <p:grpSpPr/>
+      <p:sp>
+        <p:nvSpPr>
+          <p:cNvPr id="2" name="Title 1"/>
+          <p:cNvSpPr>
+            <a:spLocks noGrp="1"/>
+          </p:cNvSpPr>
+          <p:nvPr>
+            <p:ph type="title"/>
+          </p:nvPr>
+        </p:nvSpPr>
+        <p:spPr/>
+        <p:txBody>
+          <a:bodyPr/>
+          <a:lstStyle/>
+          <a:p>
+            <a:pPr>
+              <a:defRPr sz="3600">
+                <a:solidFill>
+                  <a:srgbClr val="00008B"/>
+                </a:solidFill>
+              </a:defRPr>
+            </a:pPr>
+            <a:r>
+              <a:t>Citations</a:t>
+            </a:r>
+          </a:p>
+        </p:txBody>
+      </p:sp>
+      <p:sp>
+        <p:nvSpPr>
+          <p:cNvPr id="3" name="Content Placeholder 2"/>
+          <p:cNvSpPr>
+            <a:spLocks noGrp="1"/>
+          </p:cNvSpPr>
+          <p:nvPr>
+            <p:ph idx="1"/>
+          </p:nvPr>
+        </p:nvSpPr>
+        <p:spPr/>
+        <p:txBody>
+          <a:bodyPr/>
+          <a:lstStyle/>
+          <a:p/>
+          <a:p>
+            <a:pPr/>
+            <a:r>
+              <a:rPr sz="2000">
+                <a:solidFill>
+                  <a:srgbClr val="000000"/>
+                </a:solidFill>
+              </a:rPr>
+              <a:t/>
+            </a:r>
+          </a:p>
+          <a:p>
+            <a:pPr lvl="1"/>
+            <a:r>
+              <a:rPr sz="2000">
+                <a:solidFill>
+                  <a:srgbClr val="000000"/>
+                </a:solidFill>
+              </a:rPr>
+              <a:t>[1] Mapping the Growth of AI in Canada Through Investment</a:t>
+            </a:r>
+          </a:p>
+          <a:p>
+            <a:pPr lvl="1"/>
+            <a:r>
+              <a:rPr sz="2000">
+                <a:solidFill>
+                  <a:srgbClr val="000000"/>
+                </a:solidFill>
+              </a:rPr>
+              <a:t>[2] Middle Eastern funds are plowing billions of dollars into hottest AI start-ups</a:t>
+            </a:r>
+          </a:p>
+          <a:p>
+            <a:pPr lvl="1"/>
+            <a:r>
+              <a:rPr sz="2000">
+                <a:solidFill>
+                  <a:srgbClr val="000000"/>
+                </a:solidFill>
+              </a:rPr>
+              <a:t>[3] Decoding AI Investment: Trends, Challenges, and Opportunities</a:t>
+            </a:r>
+          </a:p>
+        </p:txBody>
+      </p:sp>
+    </p:spTree>
+  </p:cSld>
+  <p:clrMapOvr>
+    <a:masterClrMapping/>
+  </p:clrMapOvr>
+</p:sld>
+</file>
+
+<file path=ppt/slides/slide75.xml><?xml version="1.0" encoding="utf-8"?>
+<p:sld xmlns:a="http://schemas.openxmlformats.org/drawingml/2006/main" xmlns:p="http://schemas.openxmlformats.org/presentationml/2006/main" xmlns:r="http://schemas.openxmlformats.org/officeDocument/2006/relationships">
+  <p:cSld>
+    <p:spTree>
+      <p:nvGrpSpPr>
+        <p:cNvPr id="1" name=""/>
+        <p:cNvGrpSpPr/>
+        <p:nvPr/>
+      </p:nvGrpSpPr>
+      <p:grpSpPr/>
+      <p:sp>
+        <p:nvSpPr>
+          <p:cNvPr id="2" name="Title 1"/>
+          <p:cNvSpPr>
+            <a:spLocks noGrp="1"/>
+          </p:cNvSpPr>
+          <p:nvPr>
+            <p:ph type="title"/>
+          </p:nvPr>
+        </p:nvSpPr>
+        <p:spPr/>
+        <p:txBody>
+          <a:bodyPr/>
+          <a:lstStyle/>
+          <a:p>
+            <a:pPr>
+              <a:defRPr sz="3600">
+                <a:solidFill>
+                  <a:srgbClr val="00008B"/>
+                </a:solidFill>
+              </a:defRPr>
+            </a:pPr>
+            <a:r>
+              <a:t>Citations</a:t>
+            </a:r>
+          </a:p>
+        </p:txBody>
+      </p:sp>
+      <p:sp>
+        <p:nvSpPr>
+          <p:cNvPr id="3" name="Content Placeholder 2"/>
+          <p:cNvSpPr>
+            <a:spLocks noGrp="1"/>
+          </p:cNvSpPr>
+          <p:nvPr>
+            <p:ph idx="1"/>
+          </p:nvPr>
+        </p:nvSpPr>
+        <p:spPr/>
+        <p:txBody>
+          <a:bodyPr/>
+          <a:lstStyle/>
+          <a:p/>
+          <a:p>
+            <a:r>
+              <a:rPr sz="1200">
+                <a:solidFill>
+                  <a:srgbClr val="000000"/>
+                </a:solidFill>
+              </a:rPr>
+              <a:t>[1] [1]</a:t>
+            </a:r>
+          </a:p>
+          <a:p>
+            <a:r>
+              <a:rPr sz="1200">
+                <a:solidFill>
+                  <a:srgbClr val="000000"/>
+                </a:solidFill>
+              </a:rPr>
+              <a:t>[2] [2]</a:t>
+            </a:r>
+          </a:p>
+          <a:p>
+            <a:r>
+              <a:rPr sz="1200">
+                <a:solidFill>
+                  <a:srgbClr val="000000"/>
+                </a:solidFill>
+              </a:rPr>
+              <a:t>[3] Customer Stories - Neurons Inc</a:t>
+            </a:r>
+          </a:p>
+          <a:p>
+            <a:r>
+              <a:rPr sz="1200">
+                <a:solidFill>
+                  <a:srgbClr val="000000"/>
+                </a:solidFill>
+              </a:rPr>
+              <a:t>[4] Customer Stories - Neurons Inc</a:t>
+            </a:r>
+          </a:p>
+          <a:p>
+            <a:r>
+              <a:rPr sz="1200">
+                <a:solidFill>
+                  <a:srgbClr val="000000"/>
+                </a:solidFill>
+              </a:rPr>
+              <a:t>[5] Customer Stories - Neurons Inc</a:t>
+            </a:r>
+          </a:p>
+          <a:p>
+            <a:r>
+              <a:rPr sz="1200">
+                <a:solidFill>
+                  <a:srgbClr val="000000"/>
+                </a:solidFill>
+              </a:rPr>
+              <a:t>[6] [1]</a:t>
+            </a:r>
+          </a:p>
+          <a:p>
+            <a:r>
+              <a:rPr sz="1200">
+                <a:solidFill>
+                  <a:srgbClr val="000000"/>
+                </a:solidFill>
+              </a:rPr>
+              <a:t>[7] [1] Neuronwriter Review 2024: Is It Worth the Hype? - Fahim AI</a:t>
+            </a:r>
+          </a:p>
+          <a:p>
+            <a:r>
+              <a:rPr sz="1200">
+                <a:solidFill>
+                  <a:srgbClr val="000000"/>
+                </a:solidFill>
+              </a:rPr>
+              <a:t>[8] [2] NeuronWriter Pricing, Alternatives &amp; More 2024 | Capterra</a:t>
+            </a:r>
+          </a:p>
+          <a:p>
+            <a:r>
+              <a:rPr sz="1200">
+                <a:solidFill>
+                  <a:srgbClr val="000000"/>
+                </a:solidFill>
+              </a:rPr>
+              <a:t>[9] [3] Leading OpenAI Competitors You Need to Know in 2024 - RisingWave</a:t>
+            </a:r>
+          </a:p>
+          <a:p>
+            <a:r>
+              <a:rPr sz="1200">
+                <a:solidFill>
+                  <a:srgbClr val="000000"/>
+                </a:solidFill>
+              </a:rPr>
+              <a:t>[10] [4] Top 6 ChatGPT Competitors: AI Tools to Watch in 2024 - Northwest Education</a:t>
+            </a:r>
+          </a:p>
+          <a:p>
+            <a:r>
+              <a:rPr sz="1200">
+                <a:solidFill>
+                  <a:srgbClr val="000000"/>
+                </a:solidFill>
+              </a:rPr>
+              <a:t>[11] [5] 150 Top AI Companies (2024): Visionaries Driving the AI Revolution - eWeek</a:t>
+            </a:r>
+          </a:p>
+          <a:p>
+            <a:r>
+              <a:rPr sz="1200">
+                <a:solidFill>
+                  <a:srgbClr val="000000"/>
+                </a:solidFill>
+              </a:rPr>
+              <a:t>[12] [1]</a:t>
+            </a:r>
+          </a:p>
+          <a:p>
+            <a:r>
+              <a:rPr sz="1200">
+                <a:solidFill>
+                  <a:srgbClr val="000000"/>
+                </a:solidFill>
+              </a:rPr>
+              <a:t>[13] [2]</a:t>
+            </a:r>
+          </a:p>
+          <a:p>
+            <a:r>
+              <a:rPr sz="1200">
+                <a:solidFill>
+                  <a:srgbClr val="000000"/>
+                </a:solidFill>
+              </a:rPr>
+              <a:t>[14] [1]</a:t>
             </a:r>
           </a:p>
         </p:txBody>
@@ -9414,7 +11917,7 @@
               </a:defRPr>
             </a:pPr>
             <a:r>
-              <a:t>Business Solutions Continued</a:t>
+              <a:t>Product and Technology</a:t>
             </a:r>
           </a:p>
         </p:txBody>
@@ -9442,40 +11945,51 @@
                   <a:srgbClr val="000000"/>
                 </a:solidFill>
               </a:rPr>
-              <a:t>Research Tool</a:t>
-            </a:r>
-          </a:p>
-          <a:p>
-            <a:pPr lvl="1"/>
-            <a:r>
-              <a:rPr sz="2000">
-                <a:solidFill>
-                  <a:srgbClr val="000000"/>
-                </a:solidFill>
-              </a:rPr>
-              <a:t>This tool facilitates comprehensive studies to gather detailed behavioral data.</a:t>
-            </a:r>
-          </a:p>
-          <a:p>
-            <a:pPr lvl="1"/>
-            <a:r>
-              <a:rPr sz="2000">
-                <a:solidFill>
-                  <a:srgbClr val="000000"/>
-                </a:solidFill>
-              </a:rPr>
-              <a:t>Such data is invaluable for understanding customer interactions and preferences, which can inform decisions on marketing, product development, and ecommerce personalization.</a:t>
-            </a:r>
-          </a:p>
-          <a:p>
-            <a:pPr lvl="1"/>
-            <a:r>
-              <a:rPr sz="2000">
-                <a:solidFill>
-                  <a:srgbClr val="000000"/>
-                </a:solidFill>
-              </a:rPr>
-              <a:t>Granular insights into customer behavior allow for more informed strategic decisions, enhancing the effectiveness of marketing efforts and product designs.</a:t>
+              <a:t/>
+            </a:r>
+          </a:p>
+          <a:p>
+            <a:pPr lvl="1"/>
+            <a:r>
+              <a:rPr sz="2000">
+                <a:solidFill>
+                  <a:srgbClr val="000000"/>
+                </a:solidFill>
+              </a:rPr>
+              <a:t>Neurons.ai offers a suite of AI tools designed to enhance neural network performance.</a:t>
+            </a:r>
+          </a:p>
+          <a:p>
+            <a:pPr lvl="2"/>
+            <a:r>
+              <a:rPr sz="2000">
+                <a:solidFill>
+                  <a:srgbClr val="000000"/>
+                </a:solidFill>
+              </a:rPr>
+              <a:t>Neural Network Optimization</a:t>
+            </a:r>
+          </a:p>
+          <a:p>
+            <a:pPr lvl="2"/>
+            <a:r>
+              <a:rPr sz="2000">
+                <a:solidFill>
+                  <a:srgbClr val="000000"/>
+                </a:solidFill>
+              </a:rPr>
+              <a:t>Real-time Data Processing</a:t>
+            </a:r>
+          </a:p>
+          <a:p>
+            <a:pPr lvl="2"/>
+            <a:r>
+              <a:rPr sz="2000">
+                <a:solidFill>
+                  <a:srgbClr val="000000"/>
+                </a:solidFill>
+              </a:rPr>
+              <a:t>Scalable Cloud Solutions</a:t>
             </a:r>
           </a:p>
         </p:txBody>
@@ -9521,7 +12035,7 @@
               </a:defRPr>
             </a:pPr>
             <a:r>
-              <a:t>Business Solutions Continued</a:t>
+              <a:t>Business Model</a:t>
             </a:r>
           </a:p>
         </p:txBody>
@@ -9549,29 +12063,51 @@
                   <a:srgbClr val="000000"/>
                 </a:solidFill>
               </a:rPr>
-              <a:t>Insights into Customer Behavior and Emotions</a:t>
-            </a:r>
-          </a:p>
-          <a:p>
-            <a:pPr lvl="1"/>
-            <a:r>
-              <a:rPr sz="2000">
-                <a:solidFill>
-                  <a:srgbClr val="000000"/>
-                </a:solidFill>
-              </a:rPr>
-              <a:t>Neurons provides actionable insights into customer behavior and emotions, which can be leveraged to optimize social media, in-app, SMS, and email marketing campaigns, as well as product designs and user experiences.</a:t>
-            </a:r>
-          </a:p>
-          <a:p>
-            <a:pPr lvl="1"/>
-            <a:r>
-              <a:rPr sz="2000">
-                <a:solidFill>
-                  <a:srgbClr val="000000"/>
-                </a:solidFill>
-              </a:rPr>
-              <a:t>These insights help brands create more personalized and impactful customer interactions, leading to increased engagement and conversion rates.</a:t>
+              <a:t/>
+            </a:r>
+          </a:p>
+          <a:p>
+            <a:pPr lvl="1"/>
+            <a:r>
+              <a:rPr sz="2000">
+                <a:solidFill>
+                  <a:srgbClr val="000000"/>
+                </a:solidFill>
+              </a:rPr>
+              <a:t>The company operates on a subscription-based model, offering tiered pricing for different levels of service.</a:t>
+            </a:r>
+          </a:p>
+          <a:p>
+            <a:pPr lvl="2"/>
+            <a:r>
+              <a:rPr sz="2000">
+                <a:solidFill>
+                  <a:srgbClr val="000000"/>
+                </a:solidFill>
+              </a:rPr>
+              <a:t>1. Basic Plan</a:t>
+            </a:r>
+          </a:p>
+          <a:p>
+            <a:pPr lvl="2"/>
+            <a:r>
+              <a:rPr sz="2000">
+                <a:solidFill>
+                  <a:srgbClr val="000000"/>
+                </a:solidFill>
+              </a:rPr>
+              <a:t>2. Pro Plan</a:t>
+            </a:r>
+          </a:p>
+          <a:p>
+            <a:pPr lvl="2"/>
+            <a:r>
+              <a:rPr sz="2000">
+                <a:solidFill>
+                  <a:srgbClr val="000000"/>
+                </a:solidFill>
+              </a:rPr>
+              <a:t>3. Enterprise Plan</a:t>
             </a:r>
           </a:p>
         </p:txBody>
